--- a/Diseño/Prototipos CU 2,4,7,9.pptx
+++ b/Diseño/Prototipos CU 2,4,7,9.pptx
@@ -2,22 +2,22 @@
 <file path=ppt/presentation.xml><?xml version="1.0" encoding="utf-8"?>
 <p:presentation xmlns:a="http://schemas.openxmlformats.org/drawingml/2006/main" xmlns:r="http://schemas.openxmlformats.org/officeDocument/2006/relationships" xmlns:p="http://schemas.openxmlformats.org/presentationml/2006/main" saveSubsetFonts="1">
   <p:sldMasterIdLst>
-    <p:sldMasterId id="2147483648" r:id="rId174"/>
+    <p:sldMasterId id="2147483648" r:id="rId175"/>
   </p:sldMasterIdLst>
   <p:notesMasterIdLst>
-    <p:notesMasterId r:id="rId185"/>
+    <p:notesMasterId r:id="rId186"/>
   </p:notesMasterIdLst>
   <p:sldIdLst>
-    <p:sldId id="259" r:id="rId175"/>
-    <p:sldId id="264" r:id="rId176"/>
-    <p:sldId id="258" r:id="rId177"/>
-    <p:sldId id="265" r:id="rId178"/>
-    <p:sldId id="263" r:id="rId179"/>
-    <p:sldId id="262" r:id="rId180"/>
-    <p:sldId id="266" r:id="rId181"/>
-    <p:sldId id="260" r:id="rId182"/>
-    <p:sldId id="267" r:id="rId183"/>
-    <p:sldId id="261" r:id="rId184"/>
+    <p:sldId id="259" r:id="rId176"/>
+    <p:sldId id="264" r:id="rId177"/>
+    <p:sldId id="258" r:id="rId178"/>
+    <p:sldId id="265" r:id="rId179"/>
+    <p:sldId id="263" r:id="rId180"/>
+    <p:sldId id="262" r:id="rId181"/>
+    <p:sldId id="266" r:id="rId182"/>
+    <p:sldId id="260" r:id="rId183"/>
+    <p:sldId id="267" r:id="rId184"/>
+    <p:sldId id="261" r:id="rId185"/>
   </p:sldIdLst>
   <p:sldSz cx="12192000" cy="6858000"/>
   <p:notesSz cx="6858000" cy="9144000"/>
@@ -118,7 +118,7 @@
   </p:defaultTextStyle>
   <p:extLst>
     <p:ext uri="{EFAFB233-063F-42B5-8137-9DF3F51BA10A}">
-      <p15:sldGuideLst xmlns:p15="http://schemas.microsoft.com/office/powerpoint/2012/main" xmlns=""/>
+      <p15:sldGuideLst xmlns="" xmlns:p15="http://schemas.microsoft.com/office/powerpoint/2012/main"/>
     </p:ext>
   </p:extLst>
 </p:presentation>
@@ -206,7 +206,7 @@
           <a:p>
             <a:fld id="{AD3FADB2-C7DC-4050-8BA1-4C34E8419D20}" type="datetimeFigureOut">
               <a:rPr lang="es-MX" smtClean="0"/>
-              <a:t>24/10/2018</a:t>
+              <a:t>01/11/2018</a:t>
             </a:fld>
             <a:endParaRPr lang="es-MX"/>
           </a:p>
@@ -1192,7 +1192,7 @@
           <p:cNvPr id="2" name="Título 1">
             <a:extLst>
               <a:ext uri="{FF2B5EF4-FFF2-40B4-BE49-F238E27FC236}">
-                <a16:creationId xmlns:a16="http://schemas.microsoft.com/office/drawing/2014/main" xmlns="" id="{B23453D4-CDB0-483F-8340-5506F14748EE}"/>
+                <a16:creationId xmlns="" xmlns:a16="http://schemas.microsoft.com/office/drawing/2014/main" id="{B23453D4-CDB0-483F-8340-5506F14748EE}"/>
               </a:ext>
             </a:extLst>
           </p:cNvPr>
@@ -1230,7 +1230,7 @@
           <p:cNvPr id="3" name="Subtítulo 2">
             <a:extLst>
               <a:ext uri="{FF2B5EF4-FFF2-40B4-BE49-F238E27FC236}">
-                <a16:creationId xmlns:a16="http://schemas.microsoft.com/office/drawing/2014/main" xmlns="" id="{03F666B5-7B67-49EA-8E2D-9DE4539CA0ED}"/>
+                <a16:creationId xmlns="" xmlns:a16="http://schemas.microsoft.com/office/drawing/2014/main" id="{03F666B5-7B67-49EA-8E2D-9DE4539CA0ED}"/>
               </a:ext>
             </a:extLst>
           </p:cNvPr>
@@ -1301,7 +1301,7 @@
           <p:cNvPr id="4" name="Marcador de fecha 3">
             <a:extLst>
               <a:ext uri="{FF2B5EF4-FFF2-40B4-BE49-F238E27FC236}">
-                <a16:creationId xmlns:a16="http://schemas.microsoft.com/office/drawing/2014/main" xmlns="" id="{4D17BEA6-2F2A-4A8A-A262-741C6FC66BD3}"/>
+                <a16:creationId xmlns="" xmlns:a16="http://schemas.microsoft.com/office/drawing/2014/main" id="{4D17BEA6-2F2A-4A8A-A262-741C6FC66BD3}"/>
               </a:ext>
             </a:extLst>
           </p:cNvPr>
@@ -1319,7 +1319,7 @@
           <a:p>
             <a:fld id="{A222E297-CD48-4C8E-87AF-8E927C19541E}" type="datetimeFigureOut">
               <a:rPr lang="es-MX" smtClean="0"/>
-              <a:t>24/10/2018</a:t>
+              <a:t>01/11/2018</a:t>
             </a:fld>
             <a:endParaRPr lang="es-MX"/>
           </a:p>
@@ -1330,7 +1330,7 @@
           <p:cNvPr id="5" name="Marcador de pie de página 4">
             <a:extLst>
               <a:ext uri="{FF2B5EF4-FFF2-40B4-BE49-F238E27FC236}">
-                <a16:creationId xmlns:a16="http://schemas.microsoft.com/office/drawing/2014/main" xmlns="" id="{1D587323-F407-409B-A827-D886060B091C}"/>
+                <a16:creationId xmlns="" xmlns:a16="http://schemas.microsoft.com/office/drawing/2014/main" id="{1D587323-F407-409B-A827-D886060B091C}"/>
               </a:ext>
             </a:extLst>
           </p:cNvPr>
@@ -1355,7 +1355,7 @@
           <p:cNvPr id="6" name="Marcador de número de diapositiva 5">
             <a:extLst>
               <a:ext uri="{FF2B5EF4-FFF2-40B4-BE49-F238E27FC236}">
-                <a16:creationId xmlns:a16="http://schemas.microsoft.com/office/drawing/2014/main" xmlns="" id="{296BF657-77A9-42B4-B7A4-05CCF2B59A47}"/>
+                <a16:creationId xmlns="" xmlns:a16="http://schemas.microsoft.com/office/drawing/2014/main" id="{296BF657-77A9-42B4-B7A4-05CCF2B59A47}"/>
               </a:ext>
             </a:extLst>
           </p:cNvPr>
@@ -1414,7 +1414,7 @@
           <p:cNvPr id="2" name="Título 1">
             <a:extLst>
               <a:ext uri="{FF2B5EF4-FFF2-40B4-BE49-F238E27FC236}">
-                <a16:creationId xmlns:a16="http://schemas.microsoft.com/office/drawing/2014/main" xmlns="" id="{B930C89E-37B1-4D2A-8F26-696CFF8713AC}"/>
+                <a16:creationId xmlns="" xmlns:a16="http://schemas.microsoft.com/office/drawing/2014/main" id="{B930C89E-37B1-4D2A-8F26-696CFF8713AC}"/>
               </a:ext>
             </a:extLst>
           </p:cNvPr>
@@ -1443,7 +1443,7 @@
           <p:cNvPr id="3" name="Marcador de texto vertical 2">
             <a:extLst>
               <a:ext uri="{FF2B5EF4-FFF2-40B4-BE49-F238E27FC236}">
-                <a16:creationId xmlns:a16="http://schemas.microsoft.com/office/drawing/2014/main" xmlns="" id="{5361BD5A-0AAB-4579-ACE2-57F369C70D15}"/>
+                <a16:creationId xmlns="" xmlns:a16="http://schemas.microsoft.com/office/drawing/2014/main" id="{5361BD5A-0AAB-4579-ACE2-57F369C70D15}"/>
               </a:ext>
             </a:extLst>
           </p:cNvPr>
@@ -1501,7 +1501,7 @@
           <p:cNvPr id="4" name="Marcador de fecha 3">
             <a:extLst>
               <a:ext uri="{FF2B5EF4-FFF2-40B4-BE49-F238E27FC236}">
-                <a16:creationId xmlns:a16="http://schemas.microsoft.com/office/drawing/2014/main" xmlns="" id="{5BF319FB-6E77-4134-BD5A-48764F14EA5E}"/>
+                <a16:creationId xmlns="" xmlns:a16="http://schemas.microsoft.com/office/drawing/2014/main" id="{5BF319FB-6E77-4134-BD5A-48764F14EA5E}"/>
               </a:ext>
             </a:extLst>
           </p:cNvPr>
@@ -1519,7 +1519,7 @@
           <a:p>
             <a:fld id="{A222E297-CD48-4C8E-87AF-8E927C19541E}" type="datetimeFigureOut">
               <a:rPr lang="es-MX" smtClean="0"/>
-              <a:t>24/10/2018</a:t>
+              <a:t>01/11/2018</a:t>
             </a:fld>
             <a:endParaRPr lang="es-MX"/>
           </a:p>
@@ -1530,7 +1530,7 @@
           <p:cNvPr id="5" name="Marcador de pie de página 4">
             <a:extLst>
               <a:ext uri="{FF2B5EF4-FFF2-40B4-BE49-F238E27FC236}">
-                <a16:creationId xmlns:a16="http://schemas.microsoft.com/office/drawing/2014/main" xmlns="" id="{39EB6026-F317-4890-971D-033CA278B22C}"/>
+                <a16:creationId xmlns="" xmlns:a16="http://schemas.microsoft.com/office/drawing/2014/main" id="{39EB6026-F317-4890-971D-033CA278B22C}"/>
               </a:ext>
             </a:extLst>
           </p:cNvPr>
@@ -1555,7 +1555,7 @@
           <p:cNvPr id="6" name="Marcador de número de diapositiva 5">
             <a:extLst>
               <a:ext uri="{FF2B5EF4-FFF2-40B4-BE49-F238E27FC236}">
-                <a16:creationId xmlns:a16="http://schemas.microsoft.com/office/drawing/2014/main" xmlns="" id="{A1D4AE93-5A4E-46D2-8FB1-B6C8C353EAC5}"/>
+                <a16:creationId xmlns="" xmlns:a16="http://schemas.microsoft.com/office/drawing/2014/main" id="{A1D4AE93-5A4E-46D2-8FB1-B6C8C353EAC5}"/>
               </a:ext>
             </a:extLst>
           </p:cNvPr>
@@ -1614,7 +1614,7 @@
           <p:cNvPr id="2" name="Título vertical 1">
             <a:extLst>
               <a:ext uri="{FF2B5EF4-FFF2-40B4-BE49-F238E27FC236}">
-                <a16:creationId xmlns:a16="http://schemas.microsoft.com/office/drawing/2014/main" xmlns="" id="{F2EE8AA1-2860-4CA6-B11B-BE30960B25DA}"/>
+                <a16:creationId xmlns="" xmlns:a16="http://schemas.microsoft.com/office/drawing/2014/main" id="{F2EE8AA1-2860-4CA6-B11B-BE30960B25DA}"/>
               </a:ext>
             </a:extLst>
           </p:cNvPr>
@@ -1648,7 +1648,7 @@
           <p:cNvPr id="3" name="Marcador de texto vertical 2">
             <a:extLst>
               <a:ext uri="{FF2B5EF4-FFF2-40B4-BE49-F238E27FC236}">
-                <a16:creationId xmlns:a16="http://schemas.microsoft.com/office/drawing/2014/main" xmlns="" id="{59685994-BFB7-4784-8ECF-5C7FB2A4F9F3}"/>
+                <a16:creationId xmlns="" xmlns:a16="http://schemas.microsoft.com/office/drawing/2014/main" id="{59685994-BFB7-4784-8ECF-5C7FB2A4F9F3}"/>
               </a:ext>
             </a:extLst>
           </p:cNvPr>
@@ -1711,7 +1711,7 @@
           <p:cNvPr id="4" name="Marcador de fecha 3">
             <a:extLst>
               <a:ext uri="{FF2B5EF4-FFF2-40B4-BE49-F238E27FC236}">
-                <a16:creationId xmlns:a16="http://schemas.microsoft.com/office/drawing/2014/main" xmlns="" id="{D5B1E658-19F7-45C3-95D4-530DA7EF596C}"/>
+                <a16:creationId xmlns="" xmlns:a16="http://schemas.microsoft.com/office/drawing/2014/main" id="{D5B1E658-19F7-45C3-95D4-530DA7EF596C}"/>
               </a:ext>
             </a:extLst>
           </p:cNvPr>
@@ -1729,7 +1729,7 @@
           <a:p>
             <a:fld id="{A222E297-CD48-4C8E-87AF-8E927C19541E}" type="datetimeFigureOut">
               <a:rPr lang="es-MX" smtClean="0"/>
-              <a:t>24/10/2018</a:t>
+              <a:t>01/11/2018</a:t>
             </a:fld>
             <a:endParaRPr lang="es-MX"/>
           </a:p>
@@ -1740,7 +1740,7 @@
           <p:cNvPr id="5" name="Marcador de pie de página 4">
             <a:extLst>
               <a:ext uri="{FF2B5EF4-FFF2-40B4-BE49-F238E27FC236}">
-                <a16:creationId xmlns:a16="http://schemas.microsoft.com/office/drawing/2014/main" xmlns="" id="{DB1949FD-1034-4907-A339-48805EBB4A0D}"/>
+                <a16:creationId xmlns="" xmlns:a16="http://schemas.microsoft.com/office/drawing/2014/main" id="{DB1949FD-1034-4907-A339-48805EBB4A0D}"/>
               </a:ext>
             </a:extLst>
           </p:cNvPr>
@@ -1765,7 +1765,7 @@
           <p:cNvPr id="6" name="Marcador de número de diapositiva 5">
             <a:extLst>
               <a:ext uri="{FF2B5EF4-FFF2-40B4-BE49-F238E27FC236}">
-                <a16:creationId xmlns:a16="http://schemas.microsoft.com/office/drawing/2014/main" xmlns="" id="{687D1060-53DE-48E0-8610-F0849CD48382}"/>
+                <a16:creationId xmlns="" xmlns:a16="http://schemas.microsoft.com/office/drawing/2014/main" id="{687D1060-53DE-48E0-8610-F0849CD48382}"/>
               </a:ext>
             </a:extLst>
           </p:cNvPr>
@@ -1824,7 +1824,7 @@
           <p:cNvPr id="2" name="Título 1">
             <a:extLst>
               <a:ext uri="{FF2B5EF4-FFF2-40B4-BE49-F238E27FC236}">
-                <a16:creationId xmlns:a16="http://schemas.microsoft.com/office/drawing/2014/main" xmlns="" id="{8C4621E2-3DD8-4F2D-9E9B-5E5CC38275FF}"/>
+                <a16:creationId xmlns="" xmlns:a16="http://schemas.microsoft.com/office/drawing/2014/main" id="{8C4621E2-3DD8-4F2D-9E9B-5E5CC38275FF}"/>
               </a:ext>
             </a:extLst>
           </p:cNvPr>
@@ -1853,7 +1853,7 @@
           <p:cNvPr id="3" name="Marcador de contenido 2">
             <a:extLst>
               <a:ext uri="{FF2B5EF4-FFF2-40B4-BE49-F238E27FC236}">
-                <a16:creationId xmlns:a16="http://schemas.microsoft.com/office/drawing/2014/main" xmlns="" id="{E2C18840-F762-48B3-B290-2F0224B0CBFD}"/>
+                <a16:creationId xmlns="" xmlns:a16="http://schemas.microsoft.com/office/drawing/2014/main" id="{E2C18840-F762-48B3-B290-2F0224B0CBFD}"/>
               </a:ext>
             </a:extLst>
           </p:cNvPr>
@@ -1911,7 +1911,7 @@
           <p:cNvPr id="4" name="Marcador de fecha 3">
             <a:extLst>
               <a:ext uri="{FF2B5EF4-FFF2-40B4-BE49-F238E27FC236}">
-                <a16:creationId xmlns:a16="http://schemas.microsoft.com/office/drawing/2014/main" xmlns="" id="{3E53EEFB-2C76-431A-AB6A-6B240225BB78}"/>
+                <a16:creationId xmlns="" xmlns:a16="http://schemas.microsoft.com/office/drawing/2014/main" id="{3E53EEFB-2C76-431A-AB6A-6B240225BB78}"/>
               </a:ext>
             </a:extLst>
           </p:cNvPr>
@@ -1929,7 +1929,7 @@
           <a:p>
             <a:fld id="{A222E297-CD48-4C8E-87AF-8E927C19541E}" type="datetimeFigureOut">
               <a:rPr lang="es-MX" smtClean="0"/>
-              <a:t>24/10/2018</a:t>
+              <a:t>01/11/2018</a:t>
             </a:fld>
             <a:endParaRPr lang="es-MX"/>
           </a:p>
@@ -1940,7 +1940,7 @@
           <p:cNvPr id="5" name="Marcador de pie de página 4">
             <a:extLst>
               <a:ext uri="{FF2B5EF4-FFF2-40B4-BE49-F238E27FC236}">
-                <a16:creationId xmlns:a16="http://schemas.microsoft.com/office/drawing/2014/main" xmlns="" id="{E324FDE3-4B98-4180-85DC-4E5DD002E360}"/>
+                <a16:creationId xmlns="" xmlns:a16="http://schemas.microsoft.com/office/drawing/2014/main" id="{E324FDE3-4B98-4180-85DC-4E5DD002E360}"/>
               </a:ext>
             </a:extLst>
           </p:cNvPr>
@@ -1965,7 +1965,7 @@
           <p:cNvPr id="6" name="Marcador de número de diapositiva 5">
             <a:extLst>
               <a:ext uri="{FF2B5EF4-FFF2-40B4-BE49-F238E27FC236}">
-                <a16:creationId xmlns:a16="http://schemas.microsoft.com/office/drawing/2014/main" xmlns="" id="{161F56F6-D1C0-4F2C-99D8-70A66927B0B0}"/>
+                <a16:creationId xmlns="" xmlns:a16="http://schemas.microsoft.com/office/drawing/2014/main" id="{161F56F6-D1C0-4F2C-99D8-70A66927B0B0}"/>
               </a:ext>
             </a:extLst>
           </p:cNvPr>
@@ -2024,7 +2024,7 @@
           <p:cNvPr id="2" name="Título 1">
             <a:extLst>
               <a:ext uri="{FF2B5EF4-FFF2-40B4-BE49-F238E27FC236}">
-                <a16:creationId xmlns:a16="http://schemas.microsoft.com/office/drawing/2014/main" xmlns="" id="{68B26DD3-8DE1-4BFF-8B05-348A72B46679}"/>
+                <a16:creationId xmlns="" xmlns:a16="http://schemas.microsoft.com/office/drawing/2014/main" id="{68B26DD3-8DE1-4BFF-8B05-348A72B46679}"/>
               </a:ext>
             </a:extLst>
           </p:cNvPr>
@@ -2062,7 +2062,7 @@
           <p:cNvPr id="3" name="Marcador de texto 2">
             <a:extLst>
               <a:ext uri="{FF2B5EF4-FFF2-40B4-BE49-F238E27FC236}">
-                <a16:creationId xmlns:a16="http://schemas.microsoft.com/office/drawing/2014/main" xmlns="" id="{DFC7CB0F-27CA-4FB5-98B9-2251B4950C1F}"/>
+                <a16:creationId xmlns="" xmlns:a16="http://schemas.microsoft.com/office/drawing/2014/main" id="{DFC7CB0F-27CA-4FB5-98B9-2251B4950C1F}"/>
               </a:ext>
             </a:extLst>
           </p:cNvPr>
@@ -2187,7 +2187,7 @@
           <p:cNvPr id="4" name="Marcador de fecha 3">
             <a:extLst>
               <a:ext uri="{FF2B5EF4-FFF2-40B4-BE49-F238E27FC236}">
-                <a16:creationId xmlns:a16="http://schemas.microsoft.com/office/drawing/2014/main" xmlns="" id="{EF1C4F80-527B-47FB-9274-08A71EEFFAE7}"/>
+                <a16:creationId xmlns="" xmlns:a16="http://schemas.microsoft.com/office/drawing/2014/main" id="{EF1C4F80-527B-47FB-9274-08A71EEFFAE7}"/>
               </a:ext>
             </a:extLst>
           </p:cNvPr>
@@ -2205,7 +2205,7 @@
           <a:p>
             <a:fld id="{A222E297-CD48-4C8E-87AF-8E927C19541E}" type="datetimeFigureOut">
               <a:rPr lang="es-MX" smtClean="0"/>
-              <a:t>24/10/2018</a:t>
+              <a:t>01/11/2018</a:t>
             </a:fld>
             <a:endParaRPr lang="es-MX"/>
           </a:p>
@@ -2216,7 +2216,7 @@
           <p:cNvPr id="5" name="Marcador de pie de página 4">
             <a:extLst>
               <a:ext uri="{FF2B5EF4-FFF2-40B4-BE49-F238E27FC236}">
-                <a16:creationId xmlns:a16="http://schemas.microsoft.com/office/drawing/2014/main" xmlns="" id="{0A8D4E29-80FA-453F-AD0F-614BFE88B316}"/>
+                <a16:creationId xmlns="" xmlns:a16="http://schemas.microsoft.com/office/drawing/2014/main" id="{0A8D4E29-80FA-453F-AD0F-614BFE88B316}"/>
               </a:ext>
             </a:extLst>
           </p:cNvPr>
@@ -2241,7 +2241,7 @@
           <p:cNvPr id="6" name="Marcador de número de diapositiva 5">
             <a:extLst>
               <a:ext uri="{FF2B5EF4-FFF2-40B4-BE49-F238E27FC236}">
-                <a16:creationId xmlns:a16="http://schemas.microsoft.com/office/drawing/2014/main" xmlns="" id="{B79FD1E3-220A-4DC3-9D93-A7F2210C4572}"/>
+                <a16:creationId xmlns="" xmlns:a16="http://schemas.microsoft.com/office/drawing/2014/main" id="{B79FD1E3-220A-4DC3-9D93-A7F2210C4572}"/>
               </a:ext>
             </a:extLst>
           </p:cNvPr>
@@ -2300,7 +2300,7 @@
           <p:cNvPr id="2" name="Título 1">
             <a:extLst>
               <a:ext uri="{FF2B5EF4-FFF2-40B4-BE49-F238E27FC236}">
-                <a16:creationId xmlns:a16="http://schemas.microsoft.com/office/drawing/2014/main" xmlns="" id="{DB76FD4C-7C42-4DF1-8520-73671DF921E8}"/>
+                <a16:creationId xmlns="" xmlns:a16="http://schemas.microsoft.com/office/drawing/2014/main" id="{DB76FD4C-7C42-4DF1-8520-73671DF921E8}"/>
               </a:ext>
             </a:extLst>
           </p:cNvPr>
@@ -2329,7 +2329,7 @@
           <p:cNvPr id="3" name="Marcador de contenido 2">
             <a:extLst>
               <a:ext uri="{FF2B5EF4-FFF2-40B4-BE49-F238E27FC236}">
-                <a16:creationId xmlns:a16="http://schemas.microsoft.com/office/drawing/2014/main" xmlns="" id="{17690D08-86F0-4FF7-A766-A80CD64735CC}"/>
+                <a16:creationId xmlns="" xmlns:a16="http://schemas.microsoft.com/office/drawing/2014/main" id="{17690D08-86F0-4FF7-A766-A80CD64735CC}"/>
               </a:ext>
             </a:extLst>
           </p:cNvPr>
@@ -2392,7 +2392,7 @@
           <p:cNvPr id="4" name="Marcador de contenido 3">
             <a:extLst>
               <a:ext uri="{FF2B5EF4-FFF2-40B4-BE49-F238E27FC236}">
-                <a16:creationId xmlns:a16="http://schemas.microsoft.com/office/drawing/2014/main" xmlns="" id="{319DE458-8040-4C58-8D05-4A2806B3125B}"/>
+                <a16:creationId xmlns="" xmlns:a16="http://schemas.microsoft.com/office/drawing/2014/main" id="{319DE458-8040-4C58-8D05-4A2806B3125B}"/>
               </a:ext>
             </a:extLst>
           </p:cNvPr>
@@ -2455,7 +2455,7 @@
           <p:cNvPr id="5" name="Marcador de fecha 4">
             <a:extLst>
               <a:ext uri="{FF2B5EF4-FFF2-40B4-BE49-F238E27FC236}">
-                <a16:creationId xmlns:a16="http://schemas.microsoft.com/office/drawing/2014/main" xmlns="" id="{479C7A03-50E9-40A6-9713-6D36255E92AB}"/>
+                <a16:creationId xmlns="" xmlns:a16="http://schemas.microsoft.com/office/drawing/2014/main" id="{479C7A03-50E9-40A6-9713-6D36255E92AB}"/>
               </a:ext>
             </a:extLst>
           </p:cNvPr>
@@ -2473,7 +2473,7 @@
           <a:p>
             <a:fld id="{A222E297-CD48-4C8E-87AF-8E927C19541E}" type="datetimeFigureOut">
               <a:rPr lang="es-MX" smtClean="0"/>
-              <a:t>24/10/2018</a:t>
+              <a:t>01/11/2018</a:t>
             </a:fld>
             <a:endParaRPr lang="es-MX"/>
           </a:p>
@@ -2484,7 +2484,7 @@
           <p:cNvPr id="6" name="Marcador de pie de página 5">
             <a:extLst>
               <a:ext uri="{FF2B5EF4-FFF2-40B4-BE49-F238E27FC236}">
-                <a16:creationId xmlns:a16="http://schemas.microsoft.com/office/drawing/2014/main" xmlns="" id="{FE6EA1A0-6020-4548-8FBC-92403861ABAA}"/>
+                <a16:creationId xmlns="" xmlns:a16="http://schemas.microsoft.com/office/drawing/2014/main" id="{FE6EA1A0-6020-4548-8FBC-92403861ABAA}"/>
               </a:ext>
             </a:extLst>
           </p:cNvPr>
@@ -2509,7 +2509,7 @@
           <p:cNvPr id="7" name="Marcador de número de diapositiva 6">
             <a:extLst>
               <a:ext uri="{FF2B5EF4-FFF2-40B4-BE49-F238E27FC236}">
-                <a16:creationId xmlns:a16="http://schemas.microsoft.com/office/drawing/2014/main" xmlns="" id="{CFE7C62B-D878-488B-BD6E-EE8C851E9AF0}"/>
+                <a16:creationId xmlns="" xmlns:a16="http://schemas.microsoft.com/office/drawing/2014/main" id="{CFE7C62B-D878-488B-BD6E-EE8C851E9AF0}"/>
               </a:ext>
             </a:extLst>
           </p:cNvPr>
@@ -2568,7 +2568,7 @@
           <p:cNvPr id="2" name="Título 1">
             <a:extLst>
               <a:ext uri="{FF2B5EF4-FFF2-40B4-BE49-F238E27FC236}">
-                <a16:creationId xmlns:a16="http://schemas.microsoft.com/office/drawing/2014/main" xmlns="" id="{775915DB-E244-4C12-91B8-55AEF92495DA}"/>
+                <a16:creationId xmlns="" xmlns:a16="http://schemas.microsoft.com/office/drawing/2014/main" id="{775915DB-E244-4C12-91B8-55AEF92495DA}"/>
               </a:ext>
             </a:extLst>
           </p:cNvPr>
@@ -2602,7 +2602,7 @@
           <p:cNvPr id="3" name="Marcador de texto 2">
             <a:extLst>
               <a:ext uri="{FF2B5EF4-FFF2-40B4-BE49-F238E27FC236}">
-                <a16:creationId xmlns:a16="http://schemas.microsoft.com/office/drawing/2014/main" xmlns="" id="{843AB20F-49E5-48FE-A215-223887D108DB}"/>
+                <a16:creationId xmlns="" xmlns:a16="http://schemas.microsoft.com/office/drawing/2014/main" id="{843AB20F-49E5-48FE-A215-223887D108DB}"/>
               </a:ext>
             </a:extLst>
           </p:cNvPr>
@@ -2673,7 +2673,7 @@
           <p:cNvPr id="4" name="Marcador de contenido 3">
             <a:extLst>
               <a:ext uri="{FF2B5EF4-FFF2-40B4-BE49-F238E27FC236}">
-                <a16:creationId xmlns:a16="http://schemas.microsoft.com/office/drawing/2014/main" xmlns="" id="{671D671C-1B0E-4DA2-A825-7E1C19834B04}"/>
+                <a16:creationId xmlns="" xmlns:a16="http://schemas.microsoft.com/office/drawing/2014/main" id="{671D671C-1B0E-4DA2-A825-7E1C19834B04}"/>
               </a:ext>
             </a:extLst>
           </p:cNvPr>
@@ -2736,7 +2736,7 @@
           <p:cNvPr id="5" name="Marcador de texto 4">
             <a:extLst>
               <a:ext uri="{FF2B5EF4-FFF2-40B4-BE49-F238E27FC236}">
-                <a16:creationId xmlns:a16="http://schemas.microsoft.com/office/drawing/2014/main" xmlns="" id="{96D7C50C-9334-44DE-B094-995CE34CDA6B}"/>
+                <a16:creationId xmlns="" xmlns:a16="http://schemas.microsoft.com/office/drawing/2014/main" id="{96D7C50C-9334-44DE-B094-995CE34CDA6B}"/>
               </a:ext>
             </a:extLst>
           </p:cNvPr>
@@ -2807,7 +2807,7 @@
           <p:cNvPr id="6" name="Marcador de contenido 5">
             <a:extLst>
               <a:ext uri="{FF2B5EF4-FFF2-40B4-BE49-F238E27FC236}">
-                <a16:creationId xmlns:a16="http://schemas.microsoft.com/office/drawing/2014/main" xmlns="" id="{F6B29CC1-2FB5-412C-951E-08137B24B394}"/>
+                <a16:creationId xmlns="" xmlns:a16="http://schemas.microsoft.com/office/drawing/2014/main" id="{F6B29CC1-2FB5-412C-951E-08137B24B394}"/>
               </a:ext>
             </a:extLst>
           </p:cNvPr>
@@ -2870,7 +2870,7 @@
           <p:cNvPr id="7" name="Marcador de fecha 6">
             <a:extLst>
               <a:ext uri="{FF2B5EF4-FFF2-40B4-BE49-F238E27FC236}">
-                <a16:creationId xmlns:a16="http://schemas.microsoft.com/office/drawing/2014/main" xmlns="" id="{FF60895B-54A1-4100-83E8-43DD3F3A4F8C}"/>
+                <a16:creationId xmlns="" xmlns:a16="http://schemas.microsoft.com/office/drawing/2014/main" id="{FF60895B-54A1-4100-83E8-43DD3F3A4F8C}"/>
               </a:ext>
             </a:extLst>
           </p:cNvPr>
@@ -2888,7 +2888,7 @@
           <a:p>
             <a:fld id="{A222E297-CD48-4C8E-87AF-8E927C19541E}" type="datetimeFigureOut">
               <a:rPr lang="es-MX" smtClean="0"/>
-              <a:t>24/10/2018</a:t>
+              <a:t>01/11/2018</a:t>
             </a:fld>
             <a:endParaRPr lang="es-MX"/>
           </a:p>
@@ -2899,7 +2899,7 @@
           <p:cNvPr id="8" name="Marcador de pie de página 7">
             <a:extLst>
               <a:ext uri="{FF2B5EF4-FFF2-40B4-BE49-F238E27FC236}">
-                <a16:creationId xmlns:a16="http://schemas.microsoft.com/office/drawing/2014/main" xmlns="" id="{3B05AB1F-67C7-4C5F-9BC3-C9E4517DED4E}"/>
+                <a16:creationId xmlns="" xmlns:a16="http://schemas.microsoft.com/office/drawing/2014/main" id="{3B05AB1F-67C7-4C5F-9BC3-C9E4517DED4E}"/>
               </a:ext>
             </a:extLst>
           </p:cNvPr>
@@ -2924,7 +2924,7 @@
           <p:cNvPr id="9" name="Marcador de número de diapositiva 8">
             <a:extLst>
               <a:ext uri="{FF2B5EF4-FFF2-40B4-BE49-F238E27FC236}">
-                <a16:creationId xmlns:a16="http://schemas.microsoft.com/office/drawing/2014/main" xmlns="" id="{E71D5AFF-03B2-4C44-9302-469BEDB95E6A}"/>
+                <a16:creationId xmlns="" xmlns:a16="http://schemas.microsoft.com/office/drawing/2014/main" id="{E71D5AFF-03B2-4C44-9302-469BEDB95E6A}"/>
               </a:ext>
             </a:extLst>
           </p:cNvPr>
@@ -2983,7 +2983,7 @@
           <p:cNvPr id="2" name="Título 1">
             <a:extLst>
               <a:ext uri="{FF2B5EF4-FFF2-40B4-BE49-F238E27FC236}">
-                <a16:creationId xmlns:a16="http://schemas.microsoft.com/office/drawing/2014/main" xmlns="" id="{BFE125DE-8F52-4EEB-B626-14B05660713A}"/>
+                <a16:creationId xmlns="" xmlns:a16="http://schemas.microsoft.com/office/drawing/2014/main" id="{BFE125DE-8F52-4EEB-B626-14B05660713A}"/>
               </a:ext>
             </a:extLst>
           </p:cNvPr>
@@ -3012,7 +3012,7 @@
           <p:cNvPr id="3" name="Marcador de fecha 2">
             <a:extLst>
               <a:ext uri="{FF2B5EF4-FFF2-40B4-BE49-F238E27FC236}">
-                <a16:creationId xmlns:a16="http://schemas.microsoft.com/office/drawing/2014/main" xmlns="" id="{6EC3D07C-E100-4D12-932C-836428396852}"/>
+                <a16:creationId xmlns="" xmlns:a16="http://schemas.microsoft.com/office/drawing/2014/main" id="{6EC3D07C-E100-4D12-932C-836428396852}"/>
               </a:ext>
             </a:extLst>
           </p:cNvPr>
@@ -3030,7 +3030,7 @@
           <a:p>
             <a:fld id="{A222E297-CD48-4C8E-87AF-8E927C19541E}" type="datetimeFigureOut">
               <a:rPr lang="es-MX" smtClean="0"/>
-              <a:t>24/10/2018</a:t>
+              <a:t>01/11/2018</a:t>
             </a:fld>
             <a:endParaRPr lang="es-MX"/>
           </a:p>
@@ -3041,7 +3041,7 @@
           <p:cNvPr id="4" name="Marcador de pie de página 3">
             <a:extLst>
               <a:ext uri="{FF2B5EF4-FFF2-40B4-BE49-F238E27FC236}">
-                <a16:creationId xmlns:a16="http://schemas.microsoft.com/office/drawing/2014/main" xmlns="" id="{89FBA1FC-B9B9-4583-B168-B4791FB1FB5C}"/>
+                <a16:creationId xmlns="" xmlns:a16="http://schemas.microsoft.com/office/drawing/2014/main" id="{89FBA1FC-B9B9-4583-B168-B4791FB1FB5C}"/>
               </a:ext>
             </a:extLst>
           </p:cNvPr>
@@ -3066,7 +3066,7 @@
           <p:cNvPr id="5" name="Marcador de número de diapositiva 4">
             <a:extLst>
               <a:ext uri="{FF2B5EF4-FFF2-40B4-BE49-F238E27FC236}">
-                <a16:creationId xmlns:a16="http://schemas.microsoft.com/office/drawing/2014/main" xmlns="" id="{0FE2D067-9308-4941-BAF7-825B84DBFDD3}"/>
+                <a16:creationId xmlns="" xmlns:a16="http://schemas.microsoft.com/office/drawing/2014/main" id="{0FE2D067-9308-4941-BAF7-825B84DBFDD3}"/>
               </a:ext>
             </a:extLst>
           </p:cNvPr>
@@ -3125,7 +3125,7 @@
           <p:cNvPr id="2" name="Marcador de fecha 1">
             <a:extLst>
               <a:ext uri="{FF2B5EF4-FFF2-40B4-BE49-F238E27FC236}">
-                <a16:creationId xmlns:a16="http://schemas.microsoft.com/office/drawing/2014/main" xmlns="" id="{4264FE52-7425-40E0-9913-EEFB4317B111}"/>
+                <a16:creationId xmlns="" xmlns:a16="http://schemas.microsoft.com/office/drawing/2014/main" id="{4264FE52-7425-40E0-9913-EEFB4317B111}"/>
               </a:ext>
             </a:extLst>
           </p:cNvPr>
@@ -3143,7 +3143,7 @@
           <a:p>
             <a:fld id="{A222E297-CD48-4C8E-87AF-8E927C19541E}" type="datetimeFigureOut">
               <a:rPr lang="es-MX" smtClean="0"/>
-              <a:t>24/10/2018</a:t>
+              <a:t>01/11/2018</a:t>
             </a:fld>
             <a:endParaRPr lang="es-MX"/>
           </a:p>
@@ -3154,7 +3154,7 @@
           <p:cNvPr id="3" name="Marcador de pie de página 2">
             <a:extLst>
               <a:ext uri="{FF2B5EF4-FFF2-40B4-BE49-F238E27FC236}">
-                <a16:creationId xmlns:a16="http://schemas.microsoft.com/office/drawing/2014/main" xmlns="" id="{D56A9C21-8031-4896-914A-F8FEB788CBC5}"/>
+                <a16:creationId xmlns="" xmlns:a16="http://schemas.microsoft.com/office/drawing/2014/main" id="{D56A9C21-8031-4896-914A-F8FEB788CBC5}"/>
               </a:ext>
             </a:extLst>
           </p:cNvPr>
@@ -3179,7 +3179,7 @@
           <p:cNvPr id="4" name="Marcador de número de diapositiva 3">
             <a:extLst>
               <a:ext uri="{FF2B5EF4-FFF2-40B4-BE49-F238E27FC236}">
-                <a16:creationId xmlns:a16="http://schemas.microsoft.com/office/drawing/2014/main" xmlns="" id="{98F8515A-E27D-4341-99E0-A6AD79D44F16}"/>
+                <a16:creationId xmlns="" xmlns:a16="http://schemas.microsoft.com/office/drawing/2014/main" id="{98F8515A-E27D-4341-99E0-A6AD79D44F16}"/>
               </a:ext>
             </a:extLst>
           </p:cNvPr>
@@ -3238,7 +3238,7 @@
           <p:cNvPr id="2" name="Título 1">
             <a:extLst>
               <a:ext uri="{FF2B5EF4-FFF2-40B4-BE49-F238E27FC236}">
-                <a16:creationId xmlns:a16="http://schemas.microsoft.com/office/drawing/2014/main" xmlns="" id="{414AB18E-737D-40BC-8776-945F22E47B44}"/>
+                <a16:creationId xmlns="" xmlns:a16="http://schemas.microsoft.com/office/drawing/2014/main" id="{414AB18E-737D-40BC-8776-945F22E47B44}"/>
               </a:ext>
             </a:extLst>
           </p:cNvPr>
@@ -3276,7 +3276,7 @@
           <p:cNvPr id="3" name="Marcador de contenido 2">
             <a:extLst>
               <a:ext uri="{FF2B5EF4-FFF2-40B4-BE49-F238E27FC236}">
-                <a16:creationId xmlns:a16="http://schemas.microsoft.com/office/drawing/2014/main" xmlns="" id="{236D856B-A487-42B8-A6AE-88FC5D508F86}"/>
+                <a16:creationId xmlns="" xmlns:a16="http://schemas.microsoft.com/office/drawing/2014/main" id="{236D856B-A487-42B8-A6AE-88FC5D508F86}"/>
               </a:ext>
             </a:extLst>
           </p:cNvPr>
@@ -3367,7 +3367,7 @@
           <p:cNvPr id="4" name="Marcador de texto 3">
             <a:extLst>
               <a:ext uri="{FF2B5EF4-FFF2-40B4-BE49-F238E27FC236}">
-                <a16:creationId xmlns:a16="http://schemas.microsoft.com/office/drawing/2014/main" xmlns="" id="{42137C0F-22F4-4ACB-8D21-A1723F94FB8D}"/>
+                <a16:creationId xmlns="" xmlns:a16="http://schemas.microsoft.com/office/drawing/2014/main" id="{42137C0F-22F4-4ACB-8D21-A1723F94FB8D}"/>
               </a:ext>
             </a:extLst>
           </p:cNvPr>
@@ -3438,7 +3438,7 @@
           <p:cNvPr id="5" name="Marcador de fecha 4">
             <a:extLst>
               <a:ext uri="{FF2B5EF4-FFF2-40B4-BE49-F238E27FC236}">
-                <a16:creationId xmlns:a16="http://schemas.microsoft.com/office/drawing/2014/main" xmlns="" id="{B5D4892A-41FB-4E0A-88E2-5C3FA0A5D854}"/>
+                <a16:creationId xmlns="" xmlns:a16="http://schemas.microsoft.com/office/drawing/2014/main" id="{B5D4892A-41FB-4E0A-88E2-5C3FA0A5D854}"/>
               </a:ext>
             </a:extLst>
           </p:cNvPr>
@@ -3456,7 +3456,7 @@
           <a:p>
             <a:fld id="{A222E297-CD48-4C8E-87AF-8E927C19541E}" type="datetimeFigureOut">
               <a:rPr lang="es-MX" smtClean="0"/>
-              <a:t>24/10/2018</a:t>
+              <a:t>01/11/2018</a:t>
             </a:fld>
             <a:endParaRPr lang="es-MX"/>
           </a:p>
@@ -3467,7 +3467,7 @@
           <p:cNvPr id="6" name="Marcador de pie de página 5">
             <a:extLst>
               <a:ext uri="{FF2B5EF4-FFF2-40B4-BE49-F238E27FC236}">
-                <a16:creationId xmlns:a16="http://schemas.microsoft.com/office/drawing/2014/main" xmlns="" id="{63FA23CD-7E74-4A76-B4C0-33118F308504}"/>
+                <a16:creationId xmlns="" xmlns:a16="http://schemas.microsoft.com/office/drawing/2014/main" id="{63FA23CD-7E74-4A76-B4C0-33118F308504}"/>
               </a:ext>
             </a:extLst>
           </p:cNvPr>
@@ -3492,7 +3492,7 @@
           <p:cNvPr id="7" name="Marcador de número de diapositiva 6">
             <a:extLst>
               <a:ext uri="{FF2B5EF4-FFF2-40B4-BE49-F238E27FC236}">
-                <a16:creationId xmlns:a16="http://schemas.microsoft.com/office/drawing/2014/main" xmlns="" id="{734B47A2-A2AE-44E9-BCE0-7B66115FC023}"/>
+                <a16:creationId xmlns="" xmlns:a16="http://schemas.microsoft.com/office/drawing/2014/main" id="{734B47A2-A2AE-44E9-BCE0-7B66115FC023}"/>
               </a:ext>
             </a:extLst>
           </p:cNvPr>
@@ -3551,7 +3551,7 @@
           <p:cNvPr id="2" name="Título 1">
             <a:extLst>
               <a:ext uri="{FF2B5EF4-FFF2-40B4-BE49-F238E27FC236}">
-                <a16:creationId xmlns:a16="http://schemas.microsoft.com/office/drawing/2014/main" xmlns="" id="{439879FB-A03F-4DE3-8CC6-AE2A41AAC9F5}"/>
+                <a16:creationId xmlns="" xmlns:a16="http://schemas.microsoft.com/office/drawing/2014/main" id="{439879FB-A03F-4DE3-8CC6-AE2A41AAC9F5}"/>
               </a:ext>
             </a:extLst>
           </p:cNvPr>
@@ -3589,7 +3589,7 @@
           <p:cNvPr id="3" name="Marcador de posición de imagen 2">
             <a:extLst>
               <a:ext uri="{FF2B5EF4-FFF2-40B4-BE49-F238E27FC236}">
-                <a16:creationId xmlns:a16="http://schemas.microsoft.com/office/drawing/2014/main" xmlns="" id="{DA825D1D-23E3-4B81-8AB8-7221AE03FC1F}"/>
+                <a16:creationId xmlns="" xmlns:a16="http://schemas.microsoft.com/office/drawing/2014/main" id="{DA825D1D-23E3-4B81-8AB8-7221AE03FC1F}"/>
               </a:ext>
             </a:extLst>
           </p:cNvPr>
@@ -3656,7 +3656,7 @@
           <p:cNvPr id="4" name="Marcador de texto 3">
             <a:extLst>
               <a:ext uri="{FF2B5EF4-FFF2-40B4-BE49-F238E27FC236}">
-                <a16:creationId xmlns:a16="http://schemas.microsoft.com/office/drawing/2014/main" xmlns="" id="{091C77C0-666D-4041-8CF8-E5DF54EF6C20}"/>
+                <a16:creationId xmlns="" xmlns:a16="http://schemas.microsoft.com/office/drawing/2014/main" id="{091C77C0-666D-4041-8CF8-E5DF54EF6C20}"/>
               </a:ext>
             </a:extLst>
           </p:cNvPr>
@@ -3727,7 +3727,7 @@
           <p:cNvPr id="5" name="Marcador de fecha 4">
             <a:extLst>
               <a:ext uri="{FF2B5EF4-FFF2-40B4-BE49-F238E27FC236}">
-                <a16:creationId xmlns:a16="http://schemas.microsoft.com/office/drawing/2014/main" xmlns="" id="{0DB9ABD5-4A76-4602-ACFB-E67CED5E528B}"/>
+                <a16:creationId xmlns="" xmlns:a16="http://schemas.microsoft.com/office/drawing/2014/main" id="{0DB9ABD5-4A76-4602-ACFB-E67CED5E528B}"/>
               </a:ext>
             </a:extLst>
           </p:cNvPr>
@@ -3745,7 +3745,7 @@
           <a:p>
             <a:fld id="{A222E297-CD48-4C8E-87AF-8E927C19541E}" type="datetimeFigureOut">
               <a:rPr lang="es-MX" smtClean="0"/>
-              <a:t>24/10/2018</a:t>
+              <a:t>01/11/2018</a:t>
             </a:fld>
             <a:endParaRPr lang="es-MX"/>
           </a:p>
@@ -3756,7 +3756,7 @@
           <p:cNvPr id="6" name="Marcador de pie de página 5">
             <a:extLst>
               <a:ext uri="{FF2B5EF4-FFF2-40B4-BE49-F238E27FC236}">
-                <a16:creationId xmlns:a16="http://schemas.microsoft.com/office/drawing/2014/main" xmlns="" id="{88760B08-73A6-4401-AB74-440DA3EA7620}"/>
+                <a16:creationId xmlns="" xmlns:a16="http://schemas.microsoft.com/office/drawing/2014/main" id="{88760B08-73A6-4401-AB74-440DA3EA7620}"/>
               </a:ext>
             </a:extLst>
           </p:cNvPr>
@@ -3781,7 +3781,7 @@
           <p:cNvPr id="7" name="Marcador de número de diapositiva 6">
             <a:extLst>
               <a:ext uri="{FF2B5EF4-FFF2-40B4-BE49-F238E27FC236}">
-                <a16:creationId xmlns:a16="http://schemas.microsoft.com/office/drawing/2014/main" xmlns="" id="{0EAE8717-C7B0-4EFB-933F-D66697C46CBB}"/>
+                <a16:creationId xmlns="" xmlns:a16="http://schemas.microsoft.com/office/drawing/2014/main" id="{0EAE8717-C7B0-4EFB-933F-D66697C46CBB}"/>
               </a:ext>
             </a:extLst>
           </p:cNvPr>
@@ -3845,7 +3845,7 @@
           <p:cNvPr id="2" name="Marcador de título 1">
             <a:extLst>
               <a:ext uri="{FF2B5EF4-FFF2-40B4-BE49-F238E27FC236}">
-                <a16:creationId xmlns:a16="http://schemas.microsoft.com/office/drawing/2014/main" xmlns="" id="{AA0B85B8-4A15-4CCE-91F8-768C436D41A5}"/>
+                <a16:creationId xmlns="" xmlns:a16="http://schemas.microsoft.com/office/drawing/2014/main" id="{AA0B85B8-4A15-4CCE-91F8-768C436D41A5}"/>
               </a:ext>
             </a:extLst>
           </p:cNvPr>
@@ -3884,7 +3884,7 @@
           <p:cNvPr id="3" name="Marcador de texto 2">
             <a:extLst>
               <a:ext uri="{FF2B5EF4-FFF2-40B4-BE49-F238E27FC236}">
-                <a16:creationId xmlns:a16="http://schemas.microsoft.com/office/drawing/2014/main" xmlns="" id="{0A0321FB-3652-4788-B6A7-2079DC1556E1}"/>
+                <a16:creationId xmlns="" xmlns:a16="http://schemas.microsoft.com/office/drawing/2014/main" id="{0A0321FB-3652-4788-B6A7-2079DC1556E1}"/>
               </a:ext>
             </a:extLst>
           </p:cNvPr>
@@ -3952,7 +3952,7 @@
           <p:cNvPr id="4" name="Marcador de fecha 3">
             <a:extLst>
               <a:ext uri="{FF2B5EF4-FFF2-40B4-BE49-F238E27FC236}">
-                <a16:creationId xmlns:a16="http://schemas.microsoft.com/office/drawing/2014/main" xmlns="" id="{AF3E9586-B075-45BF-988F-D07E054962E0}"/>
+                <a16:creationId xmlns="" xmlns:a16="http://schemas.microsoft.com/office/drawing/2014/main" id="{AF3E9586-B075-45BF-988F-D07E054962E0}"/>
               </a:ext>
             </a:extLst>
           </p:cNvPr>
@@ -3988,7 +3988,7 @@
           <a:p>
             <a:fld id="{A222E297-CD48-4C8E-87AF-8E927C19541E}" type="datetimeFigureOut">
               <a:rPr lang="es-MX" smtClean="0"/>
-              <a:t>24/10/2018</a:t>
+              <a:t>01/11/2018</a:t>
             </a:fld>
             <a:endParaRPr lang="es-MX"/>
           </a:p>
@@ -3999,7 +3999,7 @@
           <p:cNvPr id="5" name="Marcador de pie de página 4">
             <a:extLst>
               <a:ext uri="{FF2B5EF4-FFF2-40B4-BE49-F238E27FC236}">
-                <a16:creationId xmlns:a16="http://schemas.microsoft.com/office/drawing/2014/main" xmlns="" id="{872E1572-2516-4963-B36D-BF5C15C24FE2}"/>
+                <a16:creationId xmlns="" xmlns:a16="http://schemas.microsoft.com/office/drawing/2014/main" id="{872E1572-2516-4963-B36D-BF5C15C24FE2}"/>
               </a:ext>
             </a:extLst>
           </p:cNvPr>
@@ -4042,7 +4042,7 @@
           <p:cNvPr id="6" name="Marcador de número de diapositiva 5">
             <a:extLst>
               <a:ext uri="{FF2B5EF4-FFF2-40B4-BE49-F238E27FC236}">
-                <a16:creationId xmlns:a16="http://schemas.microsoft.com/office/drawing/2014/main" xmlns="" id="{6ACFCBF0-91D5-441D-9C8B-B86D088660E3}"/>
+                <a16:creationId xmlns="" xmlns:a16="http://schemas.microsoft.com/office/drawing/2014/main" id="{6ACFCBF0-91D5-441D-9C8B-B86D088660E3}"/>
               </a:ext>
             </a:extLst>
           </p:cNvPr>
@@ -4410,7 +4410,7 @@
           <p:cNvPr id="4" name="WebBrowser">
             <a:extLst>
               <a:ext uri="{FF2B5EF4-FFF2-40B4-BE49-F238E27FC236}">
-                <a16:creationId xmlns:a16="http://schemas.microsoft.com/office/drawing/2014/main" xmlns="" id="{939ECCBA-94D9-4CBE-9B2C-85073B00238A}"/>
+                <a16:creationId xmlns="" xmlns:a16="http://schemas.microsoft.com/office/drawing/2014/main" id="{939ECCBA-94D9-4CBE-9B2C-85073B00238A}"/>
               </a:ext>
             </a:extLst>
           </p:cNvPr>
@@ -4434,7 +4434,7 @@
             <p:cNvPr id="5" name="Background">
               <a:extLst>
                 <a:ext uri="{FF2B5EF4-FFF2-40B4-BE49-F238E27FC236}">
-                  <a16:creationId xmlns:a16="http://schemas.microsoft.com/office/drawing/2014/main" xmlns="" id="{21B141B3-F0A8-4B59-AB9F-E5FBFEE8220C}"/>
+                  <a16:creationId xmlns="" xmlns:a16="http://schemas.microsoft.com/office/drawing/2014/main" id="{21B141B3-F0A8-4B59-AB9F-E5FBFEE8220C}"/>
                 </a:ext>
               </a:extLst>
             </p:cNvPr>
@@ -4484,7 +4484,7 @@
             <p:cNvPr id="6" name="WindowTitle">
               <a:extLst>
                 <a:ext uri="{FF2B5EF4-FFF2-40B4-BE49-F238E27FC236}">
-                  <a16:creationId xmlns:a16="http://schemas.microsoft.com/office/drawing/2014/main" xmlns="" id="{80EB6A00-6C6D-49B0-A75C-5D759666FA53}"/>
+                  <a16:creationId xmlns="" xmlns:a16="http://schemas.microsoft.com/office/drawing/2014/main" id="{80EB6A00-6C6D-49B0-A75C-5D759666FA53}"/>
                 </a:ext>
               </a:extLst>
             </p:cNvPr>
@@ -4559,7 +4559,7 @@
             <p:cNvPr id="7" name="Group 4">
               <a:extLst>
                 <a:ext uri="{FF2B5EF4-FFF2-40B4-BE49-F238E27FC236}">
-                  <a16:creationId xmlns:a16="http://schemas.microsoft.com/office/drawing/2014/main" xmlns="" id="{A88DDE5D-CA7B-4F23-9663-DEC059383F67}"/>
+                  <a16:creationId xmlns="" xmlns:a16="http://schemas.microsoft.com/office/drawing/2014/main" id="{A88DDE5D-CA7B-4F23-9663-DEC059383F67}"/>
                 </a:ext>
               </a:extLst>
             </p:cNvPr>
@@ -4579,7 +4579,7 @@
               <p:cNvPr id="31" name="Oval 28">
                 <a:extLst>
                   <a:ext uri="{FF2B5EF4-FFF2-40B4-BE49-F238E27FC236}">
-                    <a16:creationId xmlns:a16="http://schemas.microsoft.com/office/drawing/2014/main" xmlns="" id="{8C90DF0B-22F2-4EF5-808E-91B0E8E76823}"/>
+                    <a16:creationId xmlns="" xmlns:a16="http://schemas.microsoft.com/office/drawing/2014/main" id="{8C90DF0B-22F2-4EF5-808E-91B0E8E76823}"/>
                   </a:ext>
                 </a:extLst>
               </p:cNvPr>
@@ -4659,7 +4659,7 @@
               <p:cNvPr id="32" name="Left Arrow 29">
                 <a:extLst>
                   <a:ext uri="{FF2B5EF4-FFF2-40B4-BE49-F238E27FC236}">
-                    <a16:creationId xmlns:a16="http://schemas.microsoft.com/office/drawing/2014/main" xmlns="" id="{850D3FCB-A036-42EE-8C8D-22F137BB7DF6}"/>
+                    <a16:creationId xmlns="" xmlns:a16="http://schemas.microsoft.com/office/drawing/2014/main" id="{850D3FCB-A036-42EE-8C8D-22F137BB7DF6}"/>
                   </a:ext>
                 </a:extLst>
               </p:cNvPr>
@@ -4708,7 +4708,7 @@
             <p:cNvPr id="8" name="Group 5">
               <a:extLst>
                 <a:ext uri="{FF2B5EF4-FFF2-40B4-BE49-F238E27FC236}">
-                  <a16:creationId xmlns:a16="http://schemas.microsoft.com/office/drawing/2014/main" xmlns="" id="{F8E078E3-A955-4F2B-99F0-E5AB8676640C}"/>
+                  <a16:creationId xmlns="" xmlns:a16="http://schemas.microsoft.com/office/drawing/2014/main" id="{F8E078E3-A955-4F2B-99F0-E5AB8676640C}"/>
                 </a:ext>
               </a:extLst>
             </p:cNvPr>
@@ -4728,7 +4728,7 @@
               <p:cNvPr id="29" name="Oval 26">
                 <a:extLst>
                   <a:ext uri="{FF2B5EF4-FFF2-40B4-BE49-F238E27FC236}">
-                    <a16:creationId xmlns:a16="http://schemas.microsoft.com/office/drawing/2014/main" xmlns="" id="{AD94EDDB-5D7D-423B-ABBF-27709982DFDB}"/>
+                    <a16:creationId xmlns="" xmlns:a16="http://schemas.microsoft.com/office/drawing/2014/main" id="{AD94EDDB-5D7D-423B-ABBF-27709982DFDB}"/>
                   </a:ext>
                 </a:extLst>
               </p:cNvPr>
@@ -4808,7 +4808,7 @@
               <p:cNvPr id="30" name="Right Arrow 27">
                 <a:extLst>
                   <a:ext uri="{FF2B5EF4-FFF2-40B4-BE49-F238E27FC236}">
-                    <a16:creationId xmlns:a16="http://schemas.microsoft.com/office/drawing/2014/main" xmlns="" id="{A942A2E1-7657-44DA-AA8C-0516439851A8}"/>
+                    <a16:creationId xmlns="" xmlns:a16="http://schemas.microsoft.com/office/drawing/2014/main" id="{A942A2E1-7657-44DA-AA8C-0516439851A8}"/>
                   </a:ext>
                 </a:extLst>
               </p:cNvPr>
@@ -4857,7 +4857,7 @@
             <p:cNvPr id="9" name="Minimize - Maximize - Close">
               <a:extLst>
                 <a:ext uri="{FF2B5EF4-FFF2-40B4-BE49-F238E27FC236}">
-                  <a16:creationId xmlns:a16="http://schemas.microsoft.com/office/drawing/2014/main" xmlns="" id="{A48EB436-AD18-418A-A3A2-C668586D7FF9}"/>
+                  <a16:creationId xmlns="" xmlns:a16="http://schemas.microsoft.com/office/drawing/2014/main" id="{A48EB436-AD18-418A-A3A2-C668586D7FF9}"/>
                 </a:ext>
               </a:extLst>
             </p:cNvPr>
@@ -4877,7 +4877,7 @@
               <p:cNvPr id="24" name="Line">
                 <a:extLst>
                   <a:ext uri="{FF2B5EF4-FFF2-40B4-BE49-F238E27FC236}">
-                    <a16:creationId xmlns:a16="http://schemas.microsoft.com/office/drawing/2014/main" xmlns="" id="{CAD62900-77CA-430E-BEEC-40DADA69B796}"/>
+                    <a16:creationId xmlns="" xmlns:a16="http://schemas.microsoft.com/office/drawing/2014/main" id="{CAD62900-77CA-430E-BEEC-40DADA69B796}"/>
                   </a:ext>
                 </a:extLst>
               </p:cNvPr>
@@ -4918,7 +4918,7 @@
               <p:cNvPr id="25" name="Line">
                 <a:extLst>
                   <a:ext uri="{FF2B5EF4-FFF2-40B4-BE49-F238E27FC236}">
-                    <a16:creationId xmlns:a16="http://schemas.microsoft.com/office/drawing/2014/main" xmlns="" id="{A88544A0-E575-40EC-9499-4C3714C42824}"/>
+                    <a16:creationId xmlns="" xmlns:a16="http://schemas.microsoft.com/office/drawing/2014/main" id="{A88544A0-E575-40EC-9499-4C3714C42824}"/>
                   </a:ext>
                 </a:extLst>
               </p:cNvPr>
@@ -4959,7 +4959,7 @@
               <p:cNvPr id="26" name="Line">
                 <a:extLst>
                   <a:ext uri="{FF2B5EF4-FFF2-40B4-BE49-F238E27FC236}">
-                    <a16:creationId xmlns:a16="http://schemas.microsoft.com/office/drawing/2014/main" xmlns="" id="{FD95A1D0-FD4E-41DE-9A79-0A42998AA983}"/>
+                    <a16:creationId xmlns="" xmlns:a16="http://schemas.microsoft.com/office/drawing/2014/main" id="{FD95A1D0-FD4E-41DE-9A79-0A42998AA983}"/>
                   </a:ext>
                 </a:extLst>
               </p:cNvPr>
@@ -5017,7 +5017,7 @@
               <p:cNvPr id="27" name="Line">
                 <a:extLst>
                   <a:ext uri="{FF2B5EF4-FFF2-40B4-BE49-F238E27FC236}">
-                    <a16:creationId xmlns:a16="http://schemas.microsoft.com/office/drawing/2014/main" xmlns="" id="{448A67CF-F47C-4391-8E97-63CD566D5A5A}"/>
+                    <a16:creationId xmlns="" xmlns:a16="http://schemas.microsoft.com/office/drawing/2014/main" id="{448A67CF-F47C-4391-8E97-63CD566D5A5A}"/>
                   </a:ext>
                 </a:extLst>
               </p:cNvPr>
@@ -5073,7 +5073,7 @@
               <p:cNvPr id="28" name="Line">
                 <a:extLst>
                   <a:ext uri="{FF2B5EF4-FFF2-40B4-BE49-F238E27FC236}">
-                    <a16:creationId xmlns:a16="http://schemas.microsoft.com/office/drawing/2014/main" xmlns="" id="{6E95B930-6DC7-46B3-A96A-E0470137DABC}"/>
+                    <a16:creationId xmlns="" xmlns:a16="http://schemas.microsoft.com/office/drawing/2014/main" id="{6E95B930-6DC7-46B3-A96A-E0470137DABC}"/>
                   </a:ext>
                 </a:extLst>
               </p:cNvPr>
@@ -5132,7 +5132,7 @@
             <p:cNvPr id="10" name="WebPageBody">
               <a:extLst>
                 <a:ext uri="{FF2B5EF4-FFF2-40B4-BE49-F238E27FC236}">
-                  <a16:creationId xmlns:a16="http://schemas.microsoft.com/office/drawing/2014/main" xmlns="" id="{B73FE404-167A-4A45-A0E2-F0BBC74EC1F0}"/>
+                  <a16:creationId xmlns="" xmlns:a16="http://schemas.microsoft.com/office/drawing/2014/main" id="{B73FE404-167A-4A45-A0E2-F0BBC74EC1F0}"/>
                 </a:ext>
               </a:extLst>
             </p:cNvPr>
@@ -5180,7 +5180,7 @@
             <p:cNvPr id="11" name="Group 8">
               <a:extLst>
                 <a:ext uri="{FF2B5EF4-FFF2-40B4-BE49-F238E27FC236}">
-                  <a16:creationId xmlns:a16="http://schemas.microsoft.com/office/drawing/2014/main" xmlns="" id="{4134BBAF-2757-4D9C-8D0F-C45F631514E5}"/>
+                  <a16:creationId xmlns="" xmlns:a16="http://schemas.microsoft.com/office/drawing/2014/main" id="{4134BBAF-2757-4D9C-8D0F-C45F631514E5}"/>
                 </a:ext>
               </a:extLst>
             </p:cNvPr>
@@ -5200,7 +5200,7 @@
               <p:cNvPr id="21" name="Picture 2" descr="C:\Users\t-dantay\Documents\Placeholders\home.png">
                 <a:extLst>
                   <a:ext uri="{FF2B5EF4-FFF2-40B4-BE49-F238E27FC236}">
-                    <a16:creationId xmlns:a16="http://schemas.microsoft.com/office/drawing/2014/main" xmlns="" id="{D43FC607-E75A-417B-8F27-76FBD380F572}"/>
+                    <a16:creationId xmlns="" xmlns:a16="http://schemas.microsoft.com/office/drawing/2014/main" id="{D43FC607-E75A-417B-8F27-76FBD380F572}"/>
                   </a:ext>
                 </a:extLst>
               </p:cNvPr>
@@ -5247,7 +5247,7 @@
               <p:cNvPr id="22" name="Picture 2" descr="C:\Users\t-dantay\Documents\Placeholders\setting.png">
                 <a:extLst>
                   <a:ext uri="{FF2B5EF4-FFF2-40B4-BE49-F238E27FC236}">
-                    <a16:creationId xmlns:a16="http://schemas.microsoft.com/office/drawing/2014/main" xmlns="" id="{D6CFB0E4-7B90-4343-B7FF-EC27787B65C1}"/>
+                    <a16:creationId xmlns="" xmlns:a16="http://schemas.microsoft.com/office/drawing/2014/main" id="{D6CFB0E4-7B90-4343-B7FF-EC27787B65C1}"/>
                   </a:ext>
                 </a:extLst>
               </p:cNvPr>
@@ -5292,7 +5292,7 @@
               <p:cNvPr id="23" name="Picture 2" descr="C:\Users\t-dantay\Documents\Placeholders\star.png">
                 <a:extLst>
                   <a:ext uri="{FF2B5EF4-FFF2-40B4-BE49-F238E27FC236}">
-                    <a16:creationId xmlns:a16="http://schemas.microsoft.com/office/drawing/2014/main" xmlns="" id="{34598032-3E59-46C8-922F-B3D5BFFFC1A1}"/>
+                    <a16:creationId xmlns="" xmlns:a16="http://schemas.microsoft.com/office/drawing/2014/main" id="{34598032-3E59-46C8-922F-B3D5BFFFC1A1}"/>
                   </a:ext>
                 </a:extLst>
               </p:cNvPr>
@@ -5340,7 +5340,7 @@
             <p:cNvPr id="12" name="Group 9">
               <a:extLst>
                 <a:ext uri="{FF2B5EF4-FFF2-40B4-BE49-F238E27FC236}">
-                  <a16:creationId xmlns:a16="http://schemas.microsoft.com/office/drawing/2014/main" xmlns="" id="{EC836544-AE78-47FB-A93D-0D7D01A0EC1F}"/>
+                  <a16:creationId xmlns="" xmlns:a16="http://schemas.microsoft.com/office/drawing/2014/main" id="{EC836544-AE78-47FB-A93D-0D7D01A0EC1F}"/>
                 </a:ext>
               </a:extLst>
             </p:cNvPr>
@@ -5360,7 +5360,7 @@
               <p:cNvPr id="13" name="UrlBar">
                 <a:extLst>
                   <a:ext uri="{FF2B5EF4-FFF2-40B4-BE49-F238E27FC236}">
-                    <a16:creationId xmlns:a16="http://schemas.microsoft.com/office/drawing/2014/main" xmlns="" id="{ADC9B5C3-D90C-47C5-AFD1-F9009EE1E273}"/>
+                    <a16:creationId xmlns="" xmlns:a16="http://schemas.microsoft.com/office/drawing/2014/main" id="{ADC9B5C3-D90C-47C5-AFD1-F9009EE1E273}"/>
                   </a:ext>
                 </a:extLst>
               </p:cNvPr>
@@ -5413,7 +5413,7 @@
               <p:cNvPr id="14" name="Group 11">
                 <a:extLst>
                   <a:ext uri="{FF2B5EF4-FFF2-40B4-BE49-F238E27FC236}">
-                    <a16:creationId xmlns:a16="http://schemas.microsoft.com/office/drawing/2014/main" xmlns="" id="{5C9E0319-0399-499F-95F7-29BC6B8F88B6}"/>
+                    <a16:creationId xmlns="" xmlns:a16="http://schemas.microsoft.com/office/drawing/2014/main" id="{5C9E0319-0399-499F-95F7-29BC6B8F88B6}"/>
                   </a:ext>
                 </a:extLst>
               </p:cNvPr>
@@ -5433,7 +5433,7 @@
                 <p:cNvPr id="15" name="Search" descr="C:\Users\t-dantay\Documents\Placeholders\search.png">
                   <a:extLst>
                     <a:ext uri="{FF2B5EF4-FFF2-40B4-BE49-F238E27FC236}">
-                      <a16:creationId xmlns:a16="http://schemas.microsoft.com/office/drawing/2014/main" xmlns="" id="{FEBF1E03-F8C2-4954-A228-9DF266DDDA9F}"/>
+                      <a16:creationId xmlns="" xmlns:a16="http://schemas.microsoft.com/office/drawing/2014/main" id="{FEBF1E03-F8C2-4954-A228-9DF266DDDA9F}"/>
                     </a:ext>
                   </a:extLst>
                 </p:cNvPr>
@@ -5480,7 +5480,7 @@
                 <p:cNvPr id="16" name="Refresh" descr="C:\Users\t-dantay\Documents\First24\arrowrepeat1.png">
                   <a:extLst>
                     <a:ext uri="{FF2B5EF4-FFF2-40B4-BE49-F238E27FC236}">
-                      <a16:creationId xmlns:a16="http://schemas.microsoft.com/office/drawing/2014/main" xmlns="" id="{E72163D2-D036-49AE-B68B-8B104C6C87CD}"/>
+                      <a16:creationId xmlns="" xmlns:a16="http://schemas.microsoft.com/office/drawing/2014/main" id="{E72163D2-D036-49AE-B68B-8B104C6C87CD}"/>
                     </a:ext>
                   </a:extLst>
                 </p:cNvPr>
@@ -5527,7 +5527,7 @@
                 <p:cNvPr id="17" name="Drop Down" descr="C:\Users\t-dantay\Documents\First24\arrowsimple1.png">
                   <a:extLst>
                     <a:ext uri="{FF2B5EF4-FFF2-40B4-BE49-F238E27FC236}">
-                      <a16:creationId xmlns:a16="http://schemas.microsoft.com/office/drawing/2014/main" xmlns="" id="{8A1BA794-5D04-4AAB-8208-5FAFDE4C6A93}"/>
+                      <a16:creationId xmlns="" xmlns:a16="http://schemas.microsoft.com/office/drawing/2014/main" id="{8A1BA794-5D04-4AAB-8208-5FAFDE4C6A93}"/>
                     </a:ext>
                   </a:extLst>
                 </p:cNvPr>
@@ -5574,7 +5574,7 @@
                 <p:cNvPr id="18" name="X">
                   <a:extLst>
                     <a:ext uri="{FF2B5EF4-FFF2-40B4-BE49-F238E27FC236}">
-                      <a16:creationId xmlns:a16="http://schemas.microsoft.com/office/drawing/2014/main" xmlns="" id="{E489278D-4D3F-403B-BC1A-A2F2D56C54C3}"/>
+                      <a16:creationId xmlns="" xmlns:a16="http://schemas.microsoft.com/office/drawing/2014/main" id="{E489278D-4D3F-403B-BC1A-A2F2D56C54C3}"/>
                     </a:ext>
                   </a:extLst>
                 </p:cNvPr>
@@ -5594,7 +5594,7 @@
                   <p:cNvPr id="19" name="Straight Connector 16">
                     <a:extLst>
                       <a:ext uri="{FF2B5EF4-FFF2-40B4-BE49-F238E27FC236}">
-                        <a16:creationId xmlns:a16="http://schemas.microsoft.com/office/drawing/2014/main" xmlns="" id="{E79B5E07-E436-4B6A-B3EC-97C87A23C749}"/>
+                        <a16:creationId xmlns="" xmlns:a16="http://schemas.microsoft.com/office/drawing/2014/main" id="{E79B5E07-E436-4B6A-B3EC-97C87A23C749}"/>
                       </a:ext>
                     </a:extLst>
                   </p:cNvPr>
@@ -5637,7 +5637,7 @@
                   <p:cNvPr id="20" name="Straight Connector 17">
                     <a:extLst>
                       <a:ext uri="{FF2B5EF4-FFF2-40B4-BE49-F238E27FC236}">
-                        <a16:creationId xmlns:a16="http://schemas.microsoft.com/office/drawing/2014/main" xmlns="" id="{563CA86A-B5F5-4C0A-BEDD-398DA4940200}"/>
+                        <a16:creationId xmlns="" xmlns:a16="http://schemas.microsoft.com/office/drawing/2014/main" id="{563CA86A-B5F5-4C0A-BEDD-398DA4940200}"/>
                       </a:ext>
                     </a:extLst>
                   </p:cNvPr>
@@ -5684,7 +5684,7 @@
           <p:cNvPr id="33" name="Content">
             <a:extLst>
               <a:ext uri="{FF2B5EF4-FFF2-40B4-BE49-F238E27FC236}">
-                <a16:creationId xmlns:a16="http://schemas.microsoft.com/office/drawing/2014/main" xmlns="" id="{4A77312A-23B7-4842-B850-7AC7FBF7BA9D}"/>
+                <a16:creationId xmlns="" xmlns:a16="http://schemas.microsoft.com/office/drawing/2014/main" id="{4A77312A-23B7-4842-B850-7AC7FBF7BA9D}"/>
               </a:ext>
             </a:extLst>
           </p:cNvPr>
@@ -5741,7 +5741,7 @@
           <p:cNvPr id="34" name="Content">
             <a:extLst>
               <a:ext uri="{FF2B5EF4-FFF2-40B4-BE49-F238E27FC236}">
-                <a16:creationId xmlns:a16="http://schemas.microsoft.com/office/drawing/2014/main" xmlns="" id="{67F08243-17E6-4464-978D-AE81A590CD79}"/>
+                <a16:creationId xmlns="" xmlns:a16="http://schemas.microsoft.com/office/drawing/2014/main" id="{67F08243-17E6-4464-978D-AE81A590CD79}"/>
               </a:ext>
             </a:extLst>
           </p:cNvPr>
@@ -5814,7 +5814,7 @@
           <p:cNvPr id="36" name="Imagen 35" descr="Imagen que contiene gráficos vectoriales&#10;&#10;Descripción generada con confianza muy alta">
             <a:extLst>
               <a:ext uri="{FF2B5EF4-FFF2-40B4-BE49-F238E27FC236}">
-                <a16:creationId xmlns:a16="http://schemas.microsoft.com/office/drawing/2014/main" xmlns="" id="{21D687BF-879D-492D-9FAF-09F5777B0B0A}"/>
+                <a16:creationId xmlns="" xmlns:a16="http://schemas.microsoft.com/office/drawing/2014/main" id="{21D687BF-879D-492D-9FAF-09F5777B0B0A}"/>
               </a:ext>
             </a:extLst>
           </p:cNvPr>
@@ -5851,7 +5851,7 @@
             <a:hlinkClick r:id="rId26"/>
             <a:extLst>
               <a:ext uri="{FF2B5EF4-FFF2-40B4-BE49-F238E27FC236}">
-                <a16:creationId xmlns:a16="http://schemas.microsoft.com/office/drawing/2014/main" xmlns="" id="{6505EDAC-7454-40EB-A4E0-AA5CC8CD0BE2}"/>
+                <a16:creationId xmlns="" xmlns:a16="http://schemas.microsoft.com/office/drawing/2014/main" id="{6505EDAC-7454-40EB-A4E0-AA5CC8CD0BE2}"/>
               </a:ext>
             </a:extLst>
           </p:cNvPr>
@@ -5898,7 +5898,7 @@
           <p:cNvPr id="108" name="Imagen 107">
             <a:extLst>
               <a:ext uri="{FF2B5EF4-FFF2-40B4-BE49-F238E27FC236}">
-                <a16:creationId xmlns:a16="http://schemas.microsoft.com/office/drawing/2014/main" xmlns="" id="{D42F9FFF-15F7-46F3-B645-B7477CE3FF8A}"/>
+                <a16:creationId xmlns="" xmlns:a16="http://schemas.microsoft.com/office/drawing/2014/main" id="{D42F9FFF-15F7-46F3-B645-B7477CE3FF8A}"/>
               </a:ext>
             </a:extLst>
           </p:cNvPr>
@@ -5934,7 +5934,7 @@
           <p:cNvPr id="111" name="Content">
             <a:extLst>
               <a:ext uri="{FF2B5EF4-FFF2-40B4-BE49-F238E27FC236}">
-                <a16:creationId xmlns:a16="http://schemas.microsoft.com/office/drawing/2014/main" xmlns="" id="{889742A5-7E55-4C43-8D72-729A75A8B02F}"/>
+                <a16:creationId xmlns="" xmlns:a16="http://schemas.microsoft.com/office/drawing/2014/main" id="{889742A5-7E55-4C43-8D72-729A75A8B02F}"/>
               </a:ext>
             </a:extLst>
           </p:cNvPr>
@@ -5991,7 +5991,7 @@
           <p:cNvPr id="112" name="Content">
             <a:extLst>
               <a:ext uri="{FF2B5EF4-FFF2-40B4-BE49-F238E27FC236}">
-                <a16:creationId xmlns:a16="http://schemas.microsoft.com/office/drawing/2014/main" xmlns="" id="{687B015D-6683-4234-817F-C8B467AD4643}"/>
+                <a16:creationId xmlns="" xmlns:a16="http://schemas.microsoft.com/office/drawing/2014/main" id="{687B015D-6683-4234-817F-C8B467AD4643}"/>
               </a:ext>
             </a:extLst>
           </p:cNvPr>
@@ -6048,7 +6048,7 @@
           <p:cNvPr id="113" name="Content">
             <a:extLst>
               <a:ext uri="{FF2B5EF4-FFF2-40B4-BE49-F238E27FC236}">
-                <a16:creationId xmlns:a16="http://schemas.microsoft.com/office/drawing/2014/main" xmlns="" id="{C25DA4C5-4A5C-44FC-911A-41945F693184}"/>
+                <a16:creationId xmlns="" xmlns:a16="http://schemas.microsoft.com/office/drawing/2014/main" id="{C25DA4C5-4A5C-44FC-911A-41945F693184}"/>
               </a:ext>
             </a:extLst>
           </p:cNvPr>
@@ -6105,7 +6105,7 @@
           <p:cNvPr id="114" name="Content">
             <a:extLst>
               <a:ext uri="{FF2B5EF4-FFF2-40B4-BE49-F238E27FC236}">
-                <a16:creationId xmlns:a16="http://schemas.microsoft.com/office/drawing/2014/main" xmlns="" id="{95DB28CE-5E11-483C-96F0-7F42025329EA}"/>
+                <a16:creationId xmlns="" xmlns:a16="http://schemas.microsoft.com/office/drawing/2014/main" id="{95DB28CE-5E11-483C-96F0-7F42025329EA}"/>
               </a:ext>
             </a:extLst>
           </p:cNvPr>
@@ -6180,7 +6180,7 @@
           <p:cNvPr id="115" name="Content">
             <a:extLst>
               <a:ext uri="{FF2B5EF4-FFF2-40B4-BE49-F238E27FC236}">
-                <a16:creationId xmlns:a16="http://schemas.microsoft.com/office/drawing/2014/main" xmlns="" id="{FDCD3A48-84C9-46F8-878F-201647CE7BBE}"/>
+                <a16:creationId xmlns="" xmlns:a16="http://schemas.microsoft.com/office/drawing/2014/main" id="{FDCD3A48-84C9-46F8-878F-201647CE7BBE}"/>
               </a:ext>
             </a:extLst>
           </p:cNvPr>
@@ -6255,7 +6255,7 @@
           <p:cNvPr id="116" name="Content">
             <a:extLst>
               <a:ext uri="{FF2B5EF4-FFF2-40B4-BE49-F238E27FC236}">
-                <a16:creationId xmlns:a16="http://schemas.microsoft.com/office/drawing/2014/main" xmlns="" id="{A1CD3376-76EE-47B4-8659-D9DD256E420A}"/>
+                <a16:creationId xmlns="" xmlns:a16="http://schemas.microsoft.com/office/drawing/2014/main" id="{A1CD3376-76EE-47B4-8659-D9DD256E420A}"/>
               </a:ext>
             </a:extLst>
           </p:cNvPr>
@@ -6340,7 +6340,7 @@
           <p:cNvPr id="117" name="Content">
             <a:extLst>
               <a:ext uri="{FF2B5EF4-FFF2-40B4-BE49-F238E27FC236}">
-                <a16:creationId xmlns:a16="http://schemas.microsoft.com/office/drawing/2014/main" xmlns="" id="{1BB8E393-739E-4D53-8693-1145D5A007DF}"/>
+                <a16:creationId xmlns="" xmlns:a16="http://schemas.microsoft.com/office/drawing/2014/main" id="{1BB8E393-739E-4D53-8693-1145D5A007DF}"/>
               </a:ext>
             </a:extLst>
           </p:cNvPr>
@@ -6413,7 +6413,7 @@
             <a:hlinkClick r:id="rId29" action="ppaction://hlinksldjump"/>
             <a:extLst>
               <a:ext uri="{FF2B5EF4-FFF2-40B4-BE49-F238E27FC236}">
-                <a16:creationId xmlns:a16="http://schemas.microsoft.com/office/drawing/2014/main" xmlns="" id="{F42CD9A9-E302-4988-93C4-F25D83A45803}"/>
+                <a16:creationId xmlns="" xmlns:a16="http://schemas.microsoft.com/office/drawing/2014/main" id="{F42CD9A9-E302-4988-93C4-F25D83A45803}"/>
               </a:ext>
             </a:extLst>
           </p:cNvPr>
@@ -6466,7 +6466,7 @@
             <a:hlinkClick r:id="rId29" action="ppaction://hlinksldjump"/>
             <a:extLst>
               <a:ext uri="{FF2B5EF4-FFF2-40B4-BE49-F238E27FC236}">
-                <a16:creationId xmlns:a16="http://schemas.microsoft.com/office/drawing/2014/main" xmlns="" id="{33DC7073-9C2F-48CD-87FA-1228F25A7227}"/>
+                <a16:creationId xmlns="" xmlns:a16="http://schemas.microsoft.com/office/drawing/2014/main" id="{33DC7073-9C2F-48CD-87FA-1228F25A7227}"/>
               </a:ext>
             </a:extLst>
           </p:cNvPr>
@@ -6521,7 +6521,7 @@
             <a:hlinkClick r:id="rId32" action="ppaction://hlinksldjump"/>
             <a:extLst>
               <a:ext uri="{FF2B5EF4-FFF2-40B4-BE49-F238E27FC236}">
-                <a16:creationId xmlns:a16="http://schemas.microsoft.com/office/drawing/2014/main" xmlns="" id="{84B7AF37-DA67-495E-A89B-0DCD9D2DC409}"/>
+                <a16:creationId xmlns="" xmlns:a16="http://schemas.microsoft.com/office/drawing/2014/main" id="{84B7AF37-DA67-495E-A89B-0DCD9D2DC409}"/>
               </a:ext>
             </a:extLst>
           </p:cNvPr>
@@ -6600,7 +6600,7 @@
             <a:hlinkClick r:id="rId32" action="ppaction://hlinksldjump"/>
             <a:extLst>
               <a:ext uri="{FF2B5EF4-FFF2-40B4-BE49-F238E27FC236}">
-                <a16:creationId xmlns:a16="http://schemas.microsoft.com/office/drawing/2014/main" xmlns="" id="{26A813F6-1875-4506-9F9B-F3911D786501}"/>
+                <a16:creationId xmlns="" xmlns:a16="http://schemas.microsoft.com/office/drawing/2014/main" id="{26A813F6-1875-4506-9F9B-F3911D786501}"/>
               </a:ext>
             </a:extLst>
           </p:cNvPr>
@@ -6678,7 +6678,7 @@
           <p:cNvPr id="59" name="Content">
             <a:extLst>
               <a:ext uri="{FF2B5EF4-FFF2-40B4-BE49-F238E27FC236}">
-                <a16:creationId xmlns:a16="http://schemas.microsoft.com/office/drawing/2014/main" xmlns="" id="{C25DA4C5-4A5C-44FC-911A-41945F693184}"/>
+                <a16:creationId xmlns="" xmlns:a16="http://schemas.microsoft.com/office/drawing/2014/main" id="{C25DA4C5-4A5C-44FC-911A-41945F693184}"/>
               </a:ext>
             </a:extLst>
           </p:cNvPr>
@@ -6743,7 +6743,7 @@
           <p:cNvPr id="60" name="Content">
             <a:extLst>
               <a:ext uri="{FF2B5EF4-FFF2-40B4-BE49-F238E27FC236}">
-                <a16:creationId xmlns:a16="http://schemas.microsoft.com/office/drawing/2014/main" xmlns="" id="{1BB8E393-739E-4D53-8693-1145D5A007DF}"/>
+                <a16:creationId xmlns="" xmlns:a16="http://schemas.microsoft.com/office/drawing/2014/main" id="{1BB8E393-739E-4D53-8693-1145D5A007DF}"/>
               </a:ext>
             </a:extLst>
           </p:cNvPr>
@@ -6815,7 +6815,7 @@
           <p:cNvPr id="65" name="Content">
             <a:extLst>
               <a:ext uri="{FF2B5EF4-FFF2-40B4-BE49-F238E27FC236}">
-                <a16:creationId xmlns:a16="http://schemas.microsoft.com/office/drawing/2014/main" xmlns="" id="{4A77312A-23B7-4842-B850-7AC7FBF7BA9D}"/>
+                <a16:creationId xmlns="" xmlns:a16="http://schemas.microsoft.com/office/drawing/2014/main" id="{4A77312A-23B7-4842-B850-7AC7FBF7BA9D}"/>
               </a:ext>
             </a:extLst>
           </p:cNvPr>
@@ -6928,7 +6928,7 @@
           <p:cNvPr id="4" name="WebBrowser">
             <a:extLst>
               <a:ext uri="{FF2B5EF4-FFF2-40B4-BE49-F238E27FC236}">
-                <a16:creationId xmlns:a16="http://schemas.microsoft.com/office/drawing/2014/main" xmlns="" id="{939ECCBA-94D9-4CBE-9B2C-85073B00238A}"/>
+                <a16:creationId xmlns="" xmlns:a16="http://schemas.microsoft.com/office/drawing/2014/main" id="{939ECCBA-94D9-4CBE-9B2C-85073B00238A}"/>
               </a:ext>
             </a:extLst>
           </p:cNvPr>
@@ -6952,7 +6952,7 @@
             <p:cNvPr id="5" name="Background">
               <a:extLst>
                 <a:ext uri="{FF2B5EF4-FFF2-40B4-BE49-F238E27FC236}">
-                  <a16:creationId xmlns:a16="http://schemas.microsoft.com/office/drawing/2014/main" xmlns="" id="{21B141B3-F0A8-4B59-AB9F-E5FBFEE8220C}"/>
+                  <a16:creationId xmlns="" xmlns:a16="http://schemas.microsoft.com/office/drawing/2014/main" id="{21B141B3-F0A8-4B59-AB9F-E5FBFEE8220C}"/>
                 </a:ext>
               </a:extLst>
             </p:cNvPr>
@@ -7002,7 +7002,7 @@
             <p:cNvPr id="6" name="WindowTitle">
               <a:extLst>
                 <a:ext uri="{FF2B5EF4-FFF2-40B4-BE49-F238E27FC236}">
-                  <a16:creationId xmlns:a16="http://schemas.microsoft.com/office/drawing/2014/main" xmlns="" id="{80EB6A00-6C6D-49B0-A75C-5D759666FA53}"/>
+                  <a16:creationId xmlns="" xmlns:a16="http://schemas.microsoft.com/office/drawing/2014/main" id="{80EB6A00-6C6D-49B0-A75C-5D759666FA53}"/>
                 </a:ext>
               </a:extLst>
             </p:cNvPr>
@@ -7077,7 +7077,7 @@
             <p:cNvPr id="7" name="Group 4">
               <a:extLst>
                 <a:ext uri="{FF2B5EF4-FFF2-40B4-BE49-F238E27FC236}">
-                  <a16:creationId xmlns:a16="http://schemas.microsoft.com/office/drawing/2014/main" xmlns="" id="{A88DDE5D-CA7B-4F23-9663-DEC059383F67}"/>
+                  <a16:creationId xmlns="" xmlns:a16="http://schemas.microsoft.com/office/drawing/2014/main" id="{A88DDE5D-CA7B-4F23-9663-DEC059383F67}"/>
                 </a:ext>
               </a:extLst>
             </p:cNvPr>
@@ -7097,7 +7097,7 @@
               <p:cNvPr id="31" name="Oval 28">
                 <a:extLst>
                   <a:ext uri="{FF2B5EF4-FFF2-40B4-BE49-F238E27FC236}">
-                    <a16:creationId xmlns:a16="http://schemas.microsoft.com/office/drawing/2014/main" xmlns="" id="{8C90DF0B-22F2-4EF5-808E-91B0E8E76823}"/>
+                    <a16:creationId xmlns="" xmlns:a16="http://schemas.microsoft.com/office/drawing/2014/main" id="{8C90DF0B-22F2-4EF5-808E-91B0E8E76823}"/>
                   </a:ext>
                 </a:extLst>
               </p:cNvPr>
@@ -7177,7 +7177,7 @@
               <p:cNvPr id="32" name="Left Arrow 29">
                 <a:extLst>
                   <a:ext uri="{FF2B5EF4-FFF2-40B4-BE49-F238E27FC236}">
-                    <a16:creationId xmlns:a16="http://schemas.microsoft.com/office/drawing/2014/main" xmlns="" id="{850D3FCB-A036-42EE-8C8D-22F137BB7DF6}"/>
+                    <a16:creationId xmlns="" xmlns:a16="http://schemas.microsoft.com/office/drawing/2014/main" id="{850D3FCB-A036-42EE-8C8D-22F137BB7DF6}"/>
                   </a:ext>
                 </a:extLst>
               </p:cNvPr>
@@ -7226,7 +7226,7 @@
             <p:cNvPr id="8" name="Group 5">
               <a:extLst>
                 <a:ext uri="{FF2B5EF4-FFF2-40B4-BE49-F238E27FC236}">
-                  <a16:creationId xmlns:a16="http://schemas.microsoft.com/office/drawing/2014/main" xmlns="" id="{F8E078E3-A955-4F2B-99F0-E5AB8676640C}"/>
+                  <a16:creationId xmlns="" xmlns:a16="http://schemas.microsoft.com/office/drawing/2014/main" id="{F8E078E3-A955-4F2B-99F0-E5AB8676640C}"/>
                 </a:ext>
               </a:extLst>
             </p:cNvPr>
@@ -7246,7 +7246,7 @@
               <p:cNvPr id="29" name="Oval 26">
                 <a:extLst>
                   <a:ext uri="{FF2B5EF4-FFF2-40B4-BE49-F238E27FC236}">
-                    <a16:creationId xmlns:a16="http://schemas.microsoft.com/office/drawing/2014/main" xmlns="" id="{AD94EDDB-5D7D-423B-ABBF-27709982DFDB}"/>
+                    <a16:creationId xmlns="" xmlns:a16="http://schemas.microsoft.com/office/drawing/2014/main" id="{AD94EDDB-5D7D-423B-ABBF-27709982DFDB}"/>
                   </a:ext>
                 </a:extLst>
               </p:cNvPr>
@@ -7326,7 +7326,7 @@
               <p:cNvPr id="30" name="Right Arrow 27">
                 <a:extLst>
                   <a:ext uri="{FF2B5EF4-FFF2-40B4-BE49-F238E27FC236}">
-                    <a16:creationId xmlns:a16="http://schemas.microsoft.com/office/drawing/2014/main" xmlns="" id="{A942A2E1-7657-44DA-AA8C-0516439851A8}"/>
+                    <a16:creationId xmlns="" xmlns:a16="http://schemas.microsoft.com/office/drawing/2014/main" id="{A942A2E1-7657-44DA-AA8C-0516439851A8}"/>
                   </a:ext>
                 </a:extLst>
               </p:cNvPr>
@@ -7375,7 +7375,7 @@
             <p:cNvPr id="9" name="Minimize - Maximize - Close">
               <a:extLst>
                 <a:ext uri="{FF2B5EF4-FFF2-40B4-BE49-F238E27FC236}">
-                  <a16:creationId xmlns:a16="http://schemas.microsoft.com/office/drawing/2014/main" xmlns="" id="{A48EB436-AD18-418A-A3A2-C668586D7FF9}"/>
+                  <a16:creationId xmlns="" xmlns:a16="http://schemas.microsoft.com/office/drawing/2014/main" id="{A48EB436-AD18-418A-A3A2-C668586D7FF9}"/>
                 </a:ext>
               </a:extLst>
             </p:cNvPr>
@@ -7395,7 +7395,7 @@
               <p:cNvPr id="24" name="Line">
                 <a:extLst>
                   <a:ext uri="{FF2B5EF4-FFF2-40B4-BE49-F238E27FC236}">
-                    <a16:creationId xmlns:a16="http://schemas.microsoft.com/office/drawing/2014/main" xmlns="" id="{CAD62900-77CA-430E-BEEC-40DADA69B796}"/>
+                    <a16:creationId xmlns="" xmlns:a16="http://schemas.microsoft.com/office/drawing/2014/main" id="{CAD62900-77CA-430E-BEEC-40DADA69B796}"/>
                   </a:ext>
                 </a:extLst>
               </p:cNvPr>
@@ -7436,7 +7436,7 @@
               <p:cNvPr id="25" name="Line">
                 <a:extLst>
                   <a:ext uri="{FF2B5EF4-FFF2-40B4-BE49-F238E27FC236}">
-                    <a16:creationId xmlns:a16="http://schemas.microsoft.com/office/drawing/2014/main" xmlns="" id="{A88544A0-E575-40EC-9499-4C3714C42824}"/>
+                    <a16:creationId xmlns="" xmlns:a16="http://schemas.microsoft.com/office/drawing/2014/main" id="{A88544A0-E575-40EC-9499-4C3714C42824}"/>
                   </a:ext>
                 </a:extLst>
               </p:cNvPr>
@@ -7477,7 +7477,7 @@
               <p:cNvPr id="26" name="Line">
                 <a:extLst>
                   <a:ext uri="{FF2B5EF4-FFF2-40B4-BE49-F238E27FC236}">
-                    <a16:creationId xmlns:a16="http://schemas.microsoft.com/office/drawing/2014/main" xmlns="" id="{FD95A1D0-FD4E-41DE-9A79-0A42998AA983}"/>
+                    <a16:creationId xmlns="" xmlns:a16="http://schemas.microsoft.com/office/drawing/2014/main" id="{FD95A1D0-FD4E-41DE-9A79-0A42998AA983}"/>
                   </a:ext>
                 </a:extLst>
               </p:cNvPr>
@@ -7535,7 +7535,7 @@
               <p:cNvPr id="27" name="Line">
                 <a:extLst>
                   <a:ext uri="{FF2B5EF4-FFF2-40B4-BE49-F238E27FC236}">
-                    <a16:creationId xmlns:a16="http://schemas.microsoft.com/office/drawing/2014/main" xmlns="" id="{448A67CF-F47C-4391-8E97-63CD566D5A5A}"/>
+                    <a16:creationId xmlns="" xmlns:a16="http://schemas.microsoft.com/office/drawing/2014/main" id="{448A67CF-F47C-4391-8E97-63CD566D5A5A}"/>
                   </a:ext>
                 </a:extLst>
               </p:cNvPr>
@@ -7591,7 +7591,7 @@
               <p:cNvPr id="28" name="Line">
                 <a:extLst>
                   <a:ext uri="{FF2B5EF4-FFF2-40B4-BE49-F238E27FC236}">
-                    <a16:creationId xmlns:a16="http://schemas.microsoft.com/office/drawing/2014/main" xmlns="" id="{6E95B930-6DC7-46B3-A96A-E0470137DABC}"/>
+                    <a16:creationId xmlns="" xmlns:a16="http://schemas.microsoft.com/office/drawing/2014/main" id="{6E95B930-6DC7-46B3-A96A-E0470137DABC}"/>
                   </a:ext>
                 </a:extLst>
               </p:cNvPr>
@@ -7650,7 +7650,7 @@
             <p:cNvPr id="10" name="WebPageBody">
               <a:extLst>
                 <a:ext uri="{FF2B5EF4-FFF2-40B4-BE49-F238E27FC236}">
-                  <a16:creationId xmlns:a16="http://schemas.microsoft.com/office/drawing/2014/main" xmlns="" id="{B73FE404-167A-4A45-A0E2-F0BBC74EC1F0}"/>
+                  <a16:creationId xmlns="" xmlns:a16="http://schemas.microsoft.com/office/drawing/2014/main" id="{B73FE404-167A-4A45-A0E2-F0BBC74EC1F0}"/>
                 </a:ext>
               </a:extLst>
             </p:cNvPr>
@@ -7698,7 +7698,7 @@
             <p:cNvPr id="11" name="Group 8">
               <a:extLst>
                 <a:ext uri="{FF2B5EF4-FFF2-40B4-BE49-F238E27FC236}">
-                  <a16:creationId xmlns:a16="http://schemas.microsoft.com/office/drawing/2014/main" xmlns="" id="{4134BBAF-2757-4D9C-8D0F-C45F631514E5}"/>
+                  <a16:creationId xmlns="" xmlns:a16="http://schemas.microsoft.com/office/drawing/2014/main" id="{4134BBAF-2757-4D9C-8D0F-C45F631514E5}"/>
                 </a:ext>
               </a:extLst>
             </p:cNvPr>
@@ -7718,7 +7718,7 @@
               <p:cNvPr id="21" name="Picture 2" descr="C:\Users\t-dantay\Documents\Placeholders\home.png">
                 <a:extLst>
                   <a:ext uri="{FF2B5EF4-FFF2-40B4-BE49-F238E27FC236}">
-                    <a16:creationId xmlns:a16="http://schemas.microsoft.com/office/drawing/2014/main" xmlns="" id="{D43FC607-E75A-417B-8F27-76FBD380F572}"/>
+                    <a16:creationId xmlns="" xmlns:a16="http://schemas.microsoft.com/office/drawing/2014/main" id="{D43FC607-E75A-417B-8F27-76FBD380F572}"/>
                   </a:ext>
                 </a:extLst>
               </p:cNvPr>
@@ -7765,7 +7765,7 @@
               <p:cNvPr id="22" name="Picture 2" descr="C:\Users\t-dantay\Documents\Placeholders\setting.png">
                 <a:extLst>
                   <a:ext uri="{FF2B5EF4-FFF2-40B4-BE49-F238E27FC236}">
-                    <a16:creationId xmlns:a16="http://schemas.microsoft.com/office/drawing/2014/main" xmlns="" id="{D6CFB0E4-7B90-4343-B7FF-EC27787B65C1}"/>
+                    <a16:creationId xmlns="" xmlns:a16="http://schemas.microsoft.com/office/drawing/2014/main" id="{D6CFB0E4-7B90-4343-B7FF-EC27787B65C1}"/>
                   </a:ext>
                 </a:extLst>
               </p:cNvPr>
@@ -7810,7 +7810,7 @@
               <p:cNvPr id="23" name="Picture 2" descr="C:\Users\t-dantay\Documents\Placeholders\star.png">
                 <a:extLst>
                   <a:ext uri="{FF2B5EF4-FFF2-40B4-BE49-F238E27FC236}">
-                    <a16:creationId xmlns:a16="http://schemas.microsoft.com/office/drawing/2014/main" xmlns="" id="{34598032-3E59-46C8-922F-B3D5BFFFC1A1}"/>
+                    <a16:creationId xmlns="" xmlns:a16="http://schemas.microsoft.com/office/drawing/2014/main" id="{34598032-3E59-46C8-922F-B3D5BFFFC1A1}"/>
                   </a:ext>
                 </a:extLst>
               </p:cNvPr>
@@ -7858,7 +7858,7 @@
             <p:cNvPr id="12" name="Group 9">
               <a:extLst>
                 <a:ext uri="{FF2B5EF4-FFF2-40B4-BE49-F238E27FC236}">
-                  <a16:creationId xmlns:a16="http://schemas.microsoft.com/office/drawing/2014/main" xmlns="" id="{EC836544-AE78-47FB-A93D-0D7D01A0EC1F}"/>
+                  <a16:creationId xmlns="" xmlns:a16="http://schemas.microsoft.com/office/drawing/2014/main" id="{EC836544-AE78-47FB-A93D-0D7D01A0EC1F}"/>
                 </a:ext>
               </a:extLst>
             </p:cNvPr>
@@ -7878,7 +7878,7 @@
               <p:cNvPr id="13" name="UrlBar">
                 <a:extLst>
                   <a:ext uri="{FF2B5EF4-FFF2-40B4-BE49-F238E27FC236}">
-                    <a16:creationId xmlns:a16="http://schemas.microsoft.com/office/drawing/2014/main" xmlns="" id="{ADC9B5C3-D90C-47C5-AFD1-F9009EE1E273}"/>
+                    <a16:creationId xmlns="" xmlns:a16="http://schemas.microsoft.com/office/drawing/2014/main" id="{ADC9B5C3-D90C-47C5-AFD1-F9009EE1E273}"/>
                   </a:ext>
                 </a:extLst>
               </p:cNvPr>
@@ -7931,7 +7931,7 @@
               <p:cNvPr id="14" name="Group 11">
                 <a:extLst>
                   <a:ext uri="{FF2B5EF4-FFF2-40B4-BE49-F238E27FC236}">
-                    <a16:creationId xmlns:a16="http://schemas.microsoft.com/office/drawing/2014/main" xmlns="" id="{5C9E0319-0399-499F-95F7-29BC6B8F88B6}"/>
+                    <a16:creationId xmlns="" xmlns:a16="http://schemas.microsoft.com/office/drawing/2014/main" id="{5C9E0319-0399-499F-95F7-29BC6B8F88B6}"/>
                   </a:ext>
                 </a:extLst>
               </p:cNvPr>
@@ -7951,7 +7951,7 @@
                 <p:cNvPr id="15" name="Search" descr="C:\Users\t-dantay\Documents\Placeholders\search.png">
                   <a:extLst>
                     <a:ext uri="{FF2B5EF4-FFF2-40B4-BE49-F238E27FC236}">
-                      <a16:creationId xmlns:a16="http://schemas.microsoft.com/office/drawing/2014/main" xmlns="" id="{FEBF1E03-F8C2-4954-A228-9DF266DDDA9F}"/>
+                      <a16:creationId xmlns="" xmlns:a16="http://schemas.microsoft.com/office/drawing/2014/main" id="{FEBF1E03-F8C2-4954-A228-9DF266DDDA9F}"/>
                     </a:ext>
                   </a:extLst>
                 </p:cNvPr>
@@ -7998,7 +7998,7 @@
                 <p:cNvPr id="16" name="Refresh" descr="C:\Users\t-dantay\Documents\First24\arrowrepeat1.png">
                   <a:extLst>
                     <a:ext uri="{FF2B5EF4-FFF2-40B4-BE49-F238E27FC236}">
-                      <a16:creationId xmlns:a16="http://schemas.microsoft.com/office/drawing/2014/main" xmlns="" id="{E72163D2-D036-49AE-B68B-8B104C6C87CD}"/>
+                      <a16:creationId xmlns="" xmlns:a16="http://schemas.microsoft.com/office/drawing/2014/main" id="{E72163D2-D036-49AE-B68B-8B104C6C87CD}"/>
                     </a:ext>
                   </a:extLst>
                 </p:cNvPr>
@@ -8045,7 +8045,7 @@
                 <p:cNvPr id="17" name="Drop Down" descr="C:\Users\t-dantay\Documents\First24\arrowsimple1.png">
                   <a:extLst>
                     <a:ext uri="{FF2B5EF4-FFF2-40B4-BE49-F238E27FC236}">
-                      <a16:creationId xmlns:a16="http://schemas.microsoft.com/office/drawing/2014/main" xmlns="" id="{8A1BA794-5D04-4AAB-8208-5FAFDE4C6A93}"/>
+                      <a16:creationId xmlns="" xmlns:a16="http://schemas.microsoft.com/office/drawing/2014/main" id="{8A1BA794-5D04-4AAB-8208-5FAFDE4C6A93}"/>
                     </a:ext>
                   </a:extLst>
                 </p:cNvPr>
@@ -8092,7 +8092,7 @@
                 <p:cNvPr id="18" name="X">
                   <a:extLst>
                     <a:ext uri="{FF2B5EF4-FFF2-40B4-BE49-F238E27FC236}">
-                      <a16:creationId xmlns:a16="http://schemas.microsoft.com/office/drawing/2014/main" xmlns="" id="{E489278D-4D3F-403B-BC1A-A2F2D56C54C3}"/>
+                      <a16:creationId xmlns="" xmlns:a16="http://schemas.microsoft.com/office/drawing/2014/main" id="{E489278D-4D3F-403B-BC1A-A2F2D56C54C3}"/>
                     </a:ext>
                   </a:extLst>
                 </p:cNvPr>
@@ -8112,7 +8112,7 @@
                   <p:cNvPr id="19" name="Straight Connector 16">
                     <a:extLst>
                       <a:ext uri="{FF2B5EF4-FFF2-40B4-BE49-F238E27FC236}">
-                        <a16:creationId xmlns:a16="http://schemas.microsoft.com/office/drawing/2014/main" xmlns="" id="{E79B5E07-E436-4B6A-B3EC-97C87A23C749}"/>
+                        <a16:creationId xmlns="" xmlns:a16="http://schemas.microsoft.com/office/drawing/2014/main" id="{E79B5E07-E436-4B6A-B3EC-97C87A23C749}"/>
                       </a:ext>
                     </a:extLst>
                   </p:cNvPr>
@@ -8155,7 +8155,7 @@
                   <p:cNvPr id="20" name="Straight Connector 17">
                     <a:extLst>
                       <a:ext uri="{FF2B5EF4-FFF2-40B4-BE49-F238E27FC236}">
-                        <a16:creationId xmlns:a16="http://schemas.microsoft.com/office/drawing/2014/main" xmlns="" id="{563CA86A-B5F5-4C0A-BEDD-398DA4940200}"/>
+                        <a16:creationId xmlns="" xmlns:a16="http://schemas.microsoft.com/office/drawing/2014/main" id="{563CA86A-B5F5-4C0A-BEDD-398DA4940200}"/>
                       </a:ext>
                     </a:extLst>
                   </p:cNvPr>
@@ -8202,7 +8202,7 @@
           <p:cNvPr id="33" name="Content">
             <a:extLst>
               <a:ext uri="{FF2B5EF4-FFF2-40B4-BE49-F238E27FC236}">
-                <a16:creationId xmlns:a16="http://schemas.microsoft.com/office/drawing/2014/main" xmlns="" id="{4A77312A-23B7-4842-B850-7AC7FBF7BA9D}"/>
+                <a16:creationId xmlns="" xmlns:a16="http://schemas.microsoft.com/office/drawing/2014/main" id="{4A77312A-23B7-4842-B850-7AC7FBF7BA9D}"/>
               </a:ext>
             </a:extLst>
           </p:cNvPr>
@@ -8261,7 +8261,7 @@
           <p:cNvPr id="44" name="Tile">
             <a:extLst>
               <a:ext uri="{FF2B5EF4-FFF2-40B4-BE49-F238E27FC236}">
-                <a16:creationId xmlns:a16="http://schemas.microsoft.com/office/drawing/2014/main" xmlns="" id="{0FEE1A62-912F-435C-A66D-F1D5354E6D8F}"/>
+                <a16:creationId xmlns="" xmlns:a16="http://schemas.microsoft.com/office/drawing/2014/main" id="{0FEE1A62-912F-435C-A66D-F1D5354E6D8F}"/>
               </a:ext>
             </a:extLst>
           </p:cNvPr>
@@ -8319,7 +8319,7 @@
           <p:cNvPr id="36" name="Imagen 35" descr="Imagen que contiene gráficos vectoriales&#10;&#10;Descripción generada con confianza muy alta">
             <a:extLst>
               <a:ext uri="{FF2B5EF4-FFF2-40B4-BE49-F238E27FC236}">
-                <a16:creationId xmlns:a16="http://schemas.microsoft.com/office/drawing/2014/main" xmlns="" id="{21D687BF-879D-492D-9FAF-09F5777B0B0A}"/>
+                <a16:creationId xmlns="" xmlns:a16="http://schemas.microsoft.com/office/drawing/2014/main" id="{21D687BF-879D-492D-9FAF-09F5777B0B0A}"/>
               </a:ext>
             </a:extLst>
           </p:cNvPr>
@@ -8356,7 +8356,7 @@
             <a:hlinkClick r:id="rId20"/>
             <a:extLst>
               <a:ext uri="{FF2B5EF4-FFF2-40B4-BE49-F238E27FC236}">
-                <a16:creationId xmlns:a16="http://schemas.microsoft.com/office/drawing/2014/main" xmlns="" id="{7BC667D3-3554-40C6-8055-A936802EDFDC}"/>
+                <a16:creationId xmlns="" xmlns:a16="http://schemas.microsoft.com/office/drawing/2014/main" id="{7BC667D3-3554-40C6-8055-A936802EDFDC}"/>
               </a:ext>
             </a:extLst>
           </p:cNvPr>
@@ -8403,7 +8403,7 @@
           <p:cNvPr id="43" name="Tile">
             <a:extLst>
               <a:ext uri="{FF2B5EF4-FFF2-40B4-BE49-F238E27FC236}">
-                <a16:creationId xmlns:a16="http://schemas.microsoft.com/office/drawing/2014/main" xmlns="" id="{16A53C90-A8E8-4760-B373-AE7AC6041567}"/>
+                <a16:creationId xmlns="" xmlns:a16="http://schemas.microsoft.com/office/drawing/2014/main" id="{16A53C90-A8E8-4760-B373-AE7AC6041567}"/>
               </a:ext>
             </a:extLst>
           </p:cNvPr>
@@ -8459,7 +8459,7 @@
           <p:cNvPr id="45" name="Imagen 44" descr="Imagen que contiene señal, objeto, reloj&#10;&#10;Descripción generada con confianza muy alta">
             <a:extLst>
               <a:ext uri="{FF2B5EF4-FFF2-40B4-BE49-F238E27FC236}">
-                <a16:creationId xmlns:a16="http://schemas.microsoft.com/office/drawing/2014/main" xmlns="" id="{BA522396-1E44-444F-A71F-EA4DCC8DD271}"/>
+                <a16:creationId xmlns="" xmlns:a16="http://schemas.microsoft.com/office/drawing/2014/main" id="{BA522396-1E44-444F-A71F-EA4DCC8DD271}"/>
               </a:ext>
             </a:extLst>
           </p:cNvPr>
@@ -8495,7 +8495,7 @@
           <p:cNvPr id="48" name="Imagen 47">
             <a:extLst>
               <a:ext uri="{FF2B5EF4-FFF2-40B4-BE49-F238E27FC236}">
-                <a16:creationId xmlns:a16="http://schemas.microsoft.com/office/drawing/2014/main" xmlns="" id="{019E1120-5DEF-4168-A30F-835E8096A98E}"/>
+                <a16:creationId xmlns="" xmlns:a16="http://schemas.microsoft.com/office/drawing/2014/main" id="{019E1120-5DEF-4168-A30F-835E8096A98E}"/>
               </a:ext>
             </a:extLst>
           </p:cNvPr>
@@ -8531,7 +8531,7 @@
           <p:cNvPr id="52" name="ScrollbarVertical">
             <a:extLst>
               <a:ext uri="{FF2B5EF4-FFF2-40B4-BE49-F238E27FC236}">
-                <a16:creationId xmlns:a16="http://schemas.microsoft.com/office/drawing/2014/main" xmlns="" id="{1BE74F99-CAF1-46B5-8E4C-2EAFC35E9178}"/>
+                <a16:creationId xmlns="" xmlns:a16="http://schemas.microsoft.com/office/drawing/2014/main" id="{1BE74F99-CAF1-46B5-8E4C-2EAFC35E9178}"/>
               </a:ext>
             </a:extLst>
           </p:cNvPr>
@@ -8555,7 +8555,7 @@
             <p:cNvPr id="53" name="Background">
               <a:extLst>
                 <a:ext uri="{FF2B5EF4-FFF2-40B4-BE49-F238E27FC236}">
-                  <a16:creationId xmlns:a16="http://schemas.microsoft.com/office/drawing/2014/main" xmlns="" id="{13D68EAB-5A75-4722-B291-C3BB0EE9F55E}"/>
+                  <a16:creationId xmlns="" xmlns:a16="http://schemas.microsoft.com/office/drawing/2014/main" id="{13D68EAB-5A75-4722-B291-C3BB0EE9F55E}"/>
                 </a:ext>
               </a:extLst>
             </p:cNvPr>
@@ -8613,7 +8613,7 @@
             <p:cNvPr id="54" name="Slider">
               <a:extLst>
                 <a:ext uri="{FF2B5EF4-FFF2-40B4-BE49-F238E27FC236}">
-                  <a16:creationId xmlns:a16="http://schemas.microsoft.com/office/drawing/2014/main" xmlns="" id="{B0065A72-1915-4EB2-8DE3-14B6761DAC40}"/>
+                  <a16:creationId xmlns="" xmlns:a16="http://schemas.microsoft.com/office/drawing/2014/main" id="{B0065A72-1915-4EB2-8DE3-14B6761DAC40}"/>
                 </a:ext>
               </a:extLst>
             </p:cNvPr>
@@ -8671,7 +8671,7 @@
             <p:cNvPr id="55" name="UpArrow">
               <a:extLst>
                 <a:ext uri="{FF2B5EF4-FFF2-40B4-BE49-F238E27FC236}">
-                  <a16:creationId xmlns:a16="http://schemas.microsoft.com/office/drawing/2014/main" xmlns="" id="{9FFEA258-015E-476C-BBA0-5DF1FDF5A666}"/>
+                  <a16:creationId xmlns="" xmlns:a16="http://schemas.microsoft.com/office/drawing/2014/main" id="{9FFEA258-015E-476C-BBA0-5DF1FDF5A666}"/>
                 </a:ext>
               </a:extLst>
             </p:cNvPr>
@@ -8726,7 +8726,7 @@
             <p:cNvPr id="56" name="DownArrow">
               <a:extLst>
                 <a:ext uri="{FF2B5EF4-FFF2-40B4-BE49-F238E27FC236}">
-                  <a16:creationId xmlns:a16="http://schemas.microsoft.com/office/drawing/2014/main" xmlns="" id="{A1285695-2680-44A0-8386-2A5CF1B79607}"/>
+                  <a16:creationId xmlns="" xmlns:a16="http://schemas.microsoft.com/office/drawing/2014/main" id="{A1285695-2680-44A0-8386-2A5CF1B79607}"/>
                 </a:ext>
               </a:extLst>
             </p:cNvPr>
@@ -8783,7 +8783,7 @@
             <a:hlinkClick r:id="rId24" action="ppaction://hlinksldjump"/>
             <a:extLst>
               <a:ext uri="{FF2B5EF4-FFF2-40B4-BE49-F238E27FC236}">
-                <a16:creationId xmlns:a16="http://schemas.microsoft.com/office/drawing/2014/main" xmlns="" id="{8EAF6471-4E54-4A80-8A7E-CC376F7D036F}"/>
+                <a16:creationId xmlns="" xmlns:a16="http://schemas.microsoft.com/office/drawing/2014/main" id="{8EAF6471-4E54-4A80-8A7E-CC376F7D036F}"/>
               </a:ext>
             </a:extLst>
           </p:cNvPr>
@@ -8819,7 +8819,7 @@
           <p:cNvPr id="98" name="Imagen 97">
             <a:extLst>
               <a:ext uri="{FF2B5EF4-FFF2-40B4-BE49-F238E27FC236}">
-                <a16:creationId xmlns:a16="http://schemas.microsoft.com/office/drawing/2014/main" xmlns="" id="{7882B9C7-858E-4C40-B167-358E978B3A47}"/>
+                <a16:creationId xmlns="" xmlns:a16="http://schemas.microsoft.com/office/drawing/2014/main" id="{7882B9C7-858E-4C40-B167-358E978B3A47}"/>
               </a:ext>
             </a:extLst>
           </p:cNvPr>
@@ -8944,7 +8944,7 @@
             <a:hlinkClick r:id="rId28" action="ppaction://hlinksldjump"/>
             <a:extLst>
               <a:ext uri="{FF2B5EF4-FFF2-40B4-BE49-F238E27FC236}">
-                <a16:creationId xmlns:a16="http://schemas.microsoft.com/office/drawing/2014/main" xmlns="" id="{26A813F6-1875-4506-9F9B-F3911D786501}"/>
+                <a16:creationId xmlns="" xmlns:a16="http://schemas.microsoft.com/office/drawing/2014/main" id="{26A813F6-1875-4506-9F9B-F3911D786501}"/>
               </a:ext>
             </a:extLst>
           </p:cNvPr>
@@ -9023,7 +9023,7 @@
             <a:hlinkClick r:id="rId28" action="ppaction://hlinksldjump"/>
             <a:extLst>
               <a:ext uri="{FF2B5EF4-FFF2-40B4-BE49-F238E27FC236}">
-                <a16:creationId xmlns:a16="http://schemas.microsoft.com/office/drawing/2014/main" xmlns="" id="{84B7AF37-DA67-495E-A89B-0DCD9D2DC409}"/>
+                <a16:creationId xmlns="" xmlns:a16="http://schemas.microsoft.com/office/drawing/2014/main" id="{84B7AF37-DA67-495E-A89B-0DCD9D2DC409}"/>
               </a:ext>
             </a:extLst>
           </p:cNvPr>
@@ -9101,7 +9101,7 @@
           <p:cNvPr id="60" name="Content">
             <a:extLst>
               <a:ext uri="{FF2B5EF4-FFF2-40B4-BE49-F238E27FC236}">
-                <a16:creationId xmlns:a16="http://schemas.microsoft.com/office/drawing/2014/main" xmlns="" id="{1BB8E393-739E-4D53-8693-1145D5A007DF}"/>
+                <a16:creationId xmlns="" xmlns:a16="http://schemas.microsoft.com/office/drawing/2014/main" id="{1BB8E393-739E-4D53-8693-1145D5A007DF}"/>
               </a:ext>
             </a:extLst>
           </p:cNvPr>
@@ -9173,7 +9173,7 @@
           <p:cNvPr id="61" name="Content">
             <a:extLst>
               <a:ext uri="{FF2B5EF4-FFF2-40B4-BE49-F238E27FC236}">
-                <a16:creationId xmlns:a16="http://schemas.microsoft.com/office/drawing/2014/main" xmlns="" id="{1BB8E393-739E-4D53-8693-1145D5A007DF}"/>
+                <a16:creationId xmlns="" xmlns:a16="http://schemas.microsoft.com/office/drawing/2014/main" id="{1BB8E393-739E-4D53-8693-1145D5A007DF}"/>
               </a:ext>
             </a:extLst>
           </p:cNvPr>
@@ -9246,7 +9246,7 @@
             <a:hlinkClick r:id="rId28" action="ppaction://hlinksldjump"/>
             <a:extLst>
               <a:ext uri="{FF2B5EF4-FFF2-40B4-BE49-F238E27FC236}">
-                <a16:creationId xmlns:a16="http://schemas.microsoft.com/office/drawing/2014/main" xmlns="" id="{84B7AF37-DA67-495E-A89B-0DCD9D2DC409}"/>
+                <a16:creationId xmlns="" xmlns:a16="http://schemas.microsoft.com/office/drawing/2014/main" id="{84B7AF37-DA67-495E-A89B-0DCD9D2DC409}"/>
               </a:ext>
             </a:extLst>
           </p:cNvPr>
@@ -9361,7 +9361,7 @@
           <p:cNvPr id="49" name="Group 2">
             <a:extLst>
               <a:ext uri="{FF2B5EF4-FFF2-40B4-BE49-F238E27FC236}">
-                <a16:creationId xmlns:a16="http://schemas.microsoft.com/office/drawing/2014/main" xmlns="" id="{21C3B3EC-4037-44E8-85BF-708C74AD4625}"/>
+                <a16:creationId xmlns="" xmlns:a16="http://schemas.microsoft.com/office/drawing/2014/main" id="{21C3B3EC-4037-44E8-85BF-708C74AD4625}"/>
               </a:ext>
             </a:extLst>
           </p:cNvPr>
@@ -9381,7 +9381,7 @@
             <p:cNvPr id="50" name="Group 4">
               <a:extLst>
                 <a:ext uri="{FF2B5EF4-FFF2-40B4-BE49-F238E27FC236}">
-                  <a16:creationId xmlns:a16="http://schemas.microsoft.com/office/drawing/2014/main" xmlns="" id="{A0C0DFB6-AF4B-40E2-BD00-C0F08DFEB32E}"/>
+                  <a16:creationId xmlns="" xmlns:a16="http://schemas.microsoft.com/office/drawing/2014/main" id="{A0C0DFB6-AF4B-40E2-BD00-C0F08DFEB32E}"/>
                 </a:ext>
               </a:extLst>
             </p:cNvPr>
@@ -9401,7 +9401,7 @@
               <p:cNvPr id="52" name="Rounded Rectangle 6">
                 <a:extLst>
                   <a:ext uri="{FF2B5EF4-FFF2-40B4-BE49-F238E27FC236}">
-                    <a16:creationId xmlns:a16="http://schemas.microsoft.com/office/drawing/2014/main" xmlns="" id="{AE508296-F38E-4A9A-8FD9-B634376973D8}"/>
+                    <a16:creationId xmlns="" xmlns:a16="http://schemas.microsoft.com/office/drawing/2014/main" id="{AE508296-F38E-4A9A-8FD9-B634376973D8}"/>
                   </a:ext>
                 </a:extLst>
               </p:cNvPr>
@@ -9464,7 +9464,7 @@
               <p:cNvPr id="53" name="Rounded Rectangle 7">
                 <a:extLst>
                   <a:ext uri="{FF2B5EF4-FFF2-40B4-BE49-F238E27FC236}">
-                    <a16:creationId xmlns:a16="http://schemas.microsoft.com/office/drawing/2014/main" xmlns="" id="{34A37947-C08E-46E9-866C-C649B1BC45D4}"/>
+                    <a16:creationId xmlns="" xmlns:a16="http://schemas.microsoft.com/office/drawing/2014/main" id="{34A37947-C08E-46E9-866C-C649B1BC45D4}"/>
                   </a:ext>
                 </a:extLst>
               </p:cNvPr>
@@ -9524,7 +9524,7 @@
               <p:cNvPr id="54" name="Rectangle 8">
                 <a:extLst>
                   <a:ext uri="{FF2B5EF4-FFF2-40B4-BE49-F238E27FC236}">
-                    <a16:creationId xmlns:a16="http://schemas.microsoft.com/office/drawing/2014/main" xmlns="" id="{4C539735-0B90-4BC8-B249-69C1B8B1CCC0}"/>
+                    <a16:creationId xmlns="" xmlns:a16="http://schemas.microsoft.com/office/drawing/2014/main" id="{4C539735-0B90-4BC8-B249-69C1B8B1CCC0}"/>
                   </a:ext>
                 </a:extLst>
               </p:cNvPr>
@@ -9582,7 +9582,7 @@
               <p:cNvPr id="55" name="Rounded Rectangle 11">
                 <a:extLst>
                   <a:ext uri="{FF2B5EF4-FFF2-40B4-BE49-F238E27FC236}">
-                    <a16:creationId xmlns:a16="http://schemas.microsoft.com/office/drawing/2014/main" xmlns="" id="{120D33B5-CFCB-4104-AB8C-1916149D9BCA}"/>
+                    <a16:creationId xmlns="" xmlns:a16="http://schemas.microsoft.com/office/drawing/2014/main" id="{120D33B5-CFCB-4104-AB8C-1916149D9BCA}"/>
                   </a:ext>
                 </a:extLst>
               </p:cNvPr>
@@ -9641,7 +9641,7 @@
             <p:cNvPr id="51" name="Rectangle 5">
               <a:extLst>
                 <a:ext uri="{FF2B5EF4-FFF2-40B4-BE49-F238E27FC236}">
-                  <a16:creationId xmlns:a16="http://schemas.microsoft.com/office/drawing/2014/main" xmlns="" id="{20E130B0-2F7C-4A32-829C-7389639398C1}"/>
+                  <a16:creationId xmlns="" xmlns:a16="http://schemas.microsoft.com/office/drawing/2014/main" id="{20E130B0-2F7C-4A32-829C-7389639398C1}"/>
                 </a:ext>
               </a:extLst>
             </p:cNvPr>
@@ -9718,7 +9718,7 @@
           <p:cNvPr id="58" name="Content">
             <a:extLst>
               <a:ext uri="{FF2B5EF4-FFF2-40B4-BE49-F238E27FC236}">
-                <a16:creationId xmlns:a16="http://schemas.microsoft.com/office/drawing/2014/main" xmlns="" id="{38537C34-2EA7-4D8C-B7F6-F53DC23A2AF2}"/>
+                <a16:creationId xmlns="" xmlns:a16="http://schemas.microsoft.com/office/drawing/2014/main" id="{38537C34-2EA7-4D8C-B7F6-F53DC23A2AF2}"/>
               </a:ext>
             </a:extLst>
           </p:cNvPr>
@@ -9796,7 +9796,7 @@
             <a:hlinkClick r:id="rId16" action="ppaction://hlinksldjump"/>
             <a:extLst>
               <a:ext uri="{FF2B5EF4-FFF2-40B4-BE49-F238E27FC236}">
-                <a16:creationId xmlns:a16="http://schemas.microsoft.com/office/drawing/2014/main" xmlns="" id="{82BB4A65-9D89-4434-B55D-5A50CDE6ED9D}"/>
+                <a16:creationId xmlns="" xmlns:a16="http://schemas.microsoft.com/office/drawing/2014/main" id="{82BB4A65-9D89-4434-B55D-5A50CDE6ED9D}"/>
               </a:ext>
             </a:extLst>
           </p:cNvPr>
@@ -9875,7 +9875,7 @@
             <a:hlinkClick r:id="rId17"/>
             <a:extLst>
               <a:ext uri="{FF2B5EF4-FFF2-40B4-BE49-F238E27FC236}">
-                <a16:creationId xmlns:a16="http://schemas.microsoft.com/office/drawing/2014/main" xmlns="" id="{CB88B2B5-F407-4742-9AF8-AB220EA0216C}"/>
+                <a16:creationId xmlns="" xmlns:a16="http://schemas.microsoft.com/office/drawing/2014/main" id="{CB88B2B5-F407-4742-9AF8-AB220EA0216C}"/>
               </a:ext>
             </a:extLst>
           </p:cNvPr>
@@ -9922,7 +9922,7 @@
           <p:cNvPr id="69" name="Imagen 37">
             <a:extLst>
               <a:ext uri="{FF2B5EF4-FFF2-40B4-BE49-F238E27FC236}">
-                <a16:creationId xmlns:a16="http://schemas.microsoft.com/office/drawing/2014/main" xmlns="" id="{5F90E558-1C52-467B-8D0E-A8FF6BFBA363}"/>
+                <a16:creationId xmlns="" xmlns:a16="http://schemas.microsoft.com/office/drawing/2014/main" id="{5F90E558-1C52-467B-8D0E-A8FF6BFBA363}"/>
               </a:ext>
             </a:extLst>
           </p:cNvPr>
@@ -9959,7 +9959,7 @@
             <a:hlinkClick r:id="rId20" action="ppaction://hlinksldjump"/>
             <a:extLst>
               <a:ext uri="{FF2B5EF4-FFF2-40B4-BE49-F238E27FC236}">
-                <a16:creationId xmlns:a16="http://schemas.microsoft.com/office/drawing/2014/main" xmlns="" id="{26A813F6-1875-4506-9F9B-F3911D786501}"/>
+                <a16:creationId xmlns="" xmlns:a16="http://schemas.microsoft.com/office/drawing/2014/main" id="{26A813F6-1875-4506-9F9B-F3911D786501}"/>
               </a:ext>
             </a:extLst>
           </p:cNvPr>
@@ -10037,7 +10037,7 @@
           <p:cNvPr id="72" name="Content">
             <a:extLst>
               <a:ext uri="{FF2B5EF4-FFF2-40B4-BE49-F238E27FC236}">
-                <a16:creationId xmlns:a16="http://schemas.microsoft.com/office/drawing/2014/main" xmlns="" id="{4A77312A-23B7-4842-B850-7AC7FBF7BA9D}"/>
+                <a16:creationId xmlns="" xmlns:a16="http://schemas.microsoft.com/office/drawing/2014/main" id="{4A77312A-23B7-4842-B850-7AC7FBF7BA9D}"/>
               </a:ext>
             </a:extLst>
           </p:cNvPr>
@@ -10094,7 +10094,7 @@
           <p:cNvPr id="73" name="Content">
             <a:extLst>
               <a:ext uri="{FF2B5EF4-FFF2-40B4-BE49-F238E27FC236}">
-                <a16:creationId xmlns:a16="http://schemas.microsoft.com/office/drawing/2014/main" xmlns="" id="{889742A5-7E55-4C43-8D72-729A75A8B02F}"/>
+                <a16:creationId xmlns="" xmlns:a16="http://schemas.microsoft.com/office/drawing/2014/main" id="{889742A5-7E55-4C43-8D72-729A75A8B02F}"/>
               </a:ext>
             </a:extLst>
           </p:cNvPr>
@@ -10151,7 +10151,7 @@
           <p:cNvPr id="74" name="Content">
             <a:extLst>
               <a:ext uri="{FF2B5EF4-FFF2-40B4-BE49-F238E27FC236}">
-                <a16:creationId xmlns:a16="http://schemas.microsoft.com/office/drawing/2014/main" xmlns="" id="{687B015D-6683-4234-817F-C8B467AD4643}"/>
+                <a16:creationId xmlns="" xmlns:a16="http://schemas.microsoft.com/office/drawing/2014/main" id="{687B015D-6683-4234-817F-C8B467AD4643}"/>
               </a:ext>
             </a:extLst>
           </p:cNvPr>
@@ -10208,7 +10208,7 @@
           <p:cNvPr id="75" name="Content">
             <a:extLst>
               <a:ext uri="{FF2B5EF4-FFF2-40B4-BE49-F238E27FC236}">
-                <a16:creationId xmlns:a16="http://schemas.microsoft.com/office/drawing/2014/main" xmlns="" id="{C25DA4C5-4A5C-44FC-911A-41945F693184}"/>
+                <a16:creationId xmlns="" xmlns:a16="http://schemas.microsoft.com/office/drawing/2014/main" id="{C25DA4C5-4A5C-44FC-911A-41945F693184}"/>
               </a:ext>
             </a:extLst>
           </p:cNvPr>
@@ -10265,7 +10265,7 @@
           <p:cNvPr id="76" name="Content">
             <a:extLst>
               <a:ext uri="{FF2B5EF4-FFF2-40B4-BE49-F238E27FC236}">
-                <a16:creationId xmlns:a16="http://schemas.microsoft.com/office/drawing/2014/main" xmlns="" id="{95DB28CE-5E11-483C-96F0-7F42025329EA}"/>
+                <a16:creationId xmlns="" xmlns:a16="http://schemas.microsoft.com/office/drawing/2014/main" id="{95DB28CE-5E11-483C-96F0-7F42025329EA}"/>
               </a:ext>
             </a:extLst>
           </p:cNvPr>
@@ -10340,7 +10340,7 @@
           <p:cNvPr id="77" name="Content">
             <a:extLst>
               <a:ext uri="{FF2B5EF4-FFF2-40B4-BE49-F238E27FC236}">
-                <a16:creationId xmlns:a16="http://schemas.microsoft.com/office/drawing/2014/main" xmlns="" id="{FDCD3A48-84C9-46F8-878F-201647CE7BBE}"/>
+                <a16:creationId xmlns="" xmlns:a16="http://schemas.microsoft.com/office/drawing/2014/main" id="{FDCD3A48-84C9-46F8-878F-201647CE7BBE}"/>
               </a:ext>
             </a:extLst>
           </p:cNvPr>
@@ -10415,7 +10415,7 @@
           <p:cNvPr id="78" name="Content">
             <a:extLst>
               <a:ext uri="{FF2B5EF4-FFF2-40B4-BE49-F238E27FC236}">
-                <a16:creationId xmlns:a16="http://schemas.microsoft.com/office/drawing/2014/main" xmlns="" id="{A1CD3376-76EE-47B4-8659-D9DD256E420A}"/>
+                <a16:creationId xmlns="" xmlns:a16="http://schemas.microsoft.com/office/drawing/2014/main" id="{A1CD3376-76EE-47B4-8659-D9DD256E420A}"/>
               </a:ext>
             </a:extLst>
           </p:cNvPr>
@@ -10500,7 +10500,7 @@
           <p:cNvPr id="79" name="Content">
             <a:extLst>
               <a:ext uri="{FF2B5EF4-FFF2-40B4-BE49-F238E27FC236}">
-                <a16:creationId xmlns:a16="http://schemas.microsoft.com/office/drawing/2014/main" xmlns="" id="{1BB8E393-739E-4D53-8693-1145D5A007DF}"/>
+                <a16:creationId xmlns="" xmlns:a16="http://schemas.microsoft.com/office/drawing/2014/main" id="{1BB8E393-739E-4D53-8693-1145D5A007DF}"/>
               </a:ext>
             </a:extLst>
           </p:cNvPr>
@@ -10572,7 +10572,7 @@
           <p:cNvPr id="80" name="Content">
             <a:extLst>
               <a:ext uri="{FF2B5EF4-FFF2-40B4-BE49-F238E27FC236}">
-                <a16:creationId xmlns:a16="http://schemas.microsoft.com/office/drawing/2014/main" xmlns="" id="{C25DA4C5-4A5C-44FC-911A-41945F693184}"/>
+                <a16:creationId xmlns="" xmlns:a16="http://schemas.microsoft.com/office/drawing/2014/main" id="{C25DA4C5-4A5C-44FC-911A-41945F693184}"/>
               </a:ext>
             </a:extLst>
           </p:cNvPr>
@@ -10637,7 +10637,7 @@
           <p:cNvPr id="81" name="Content">
             <a:extLst>
               <a:ext uri="{FF2B5EF4-FFF2-40B4-BE49-F238E27FC236}">
-                <a16:creationId xmlns:a16="http://schemas.microsoft.com/office/drawing/2014/main" xmlns="" id="{1BB8E393-739E-4D53-8693-1145D5A007DF}"/>
+                <a16:creationId xmlns="" xmlns:a16="http://schemas.microsoft.com/office/drawing/2014/main" id="{1BB8E393-739E-4D53-8693-1145D5A007DF}"/>
               </a:ext>
             </a:extLst>
           </p:cNvPr>
@@ -10746,7 +10746,7 @@
           <p:cNvPr id="4" name="WebBrowser">
             <a:extLst>
               <a:ext uri="{FF2B5EF4-FFF2-40B4-BE49-F238E27FC236}">
-                <a16:creationId xmlns:a16="http://schemas.microsoft.com/office/drawing/2014/main" xmlns="" id="{939ECCBA-94D9-4CBE-9B2C-85073B00238A}"/>
+                <a16:creationId xmlns="" xmlns:a16="http://schemas.microsoft.com/office/drawing/2014/main" id="{939ECCBA-94D9-4CBE-9B2C-85073B00238A}"/>
               </a:ext>
             </a:extLst>
           </p:cNvPr>
@@ -10770,7 +10770,7 @@
             <p:cNvPr id="5" name="Background">
               <a:extLst>
                 <a:ext uri="{FF2B5EF4-FFF2-40B4-BE49-F238E27FC236}">
-                  <a16:creationId xmlns:a16="http://schemas.microsoft.com/office/drawing/2014/main" xmlns="" id="{21B141B3-F0A8-4B59-AB9F-E5FBFEE8220C}"/>
+                  <a16:creationId xmlns="" xmlns:a16="http://schemas.microsoft.com/office/drawing/2014/main" id="{21B141B3-F0A8-4B59-AB9F-E5FBFEE8220C}"/>
                 </a:ext>
               </a:extLst>
             </p:cNvPr>
@@ -10820,7 +10820,7 @@
             <p:cNvPr id="6" name="WindowTitle">
               <a:extLst>
                 <a:ext uri="{FF2B5EF4-FFF2-40B4-BE49-F238E27FC236}">
-                  <a16:creationId xmlns:a16="http://schemas.microsoft.com/office/drawing/2014/main" xmlns="" id="{80EB6A00-6C6D-49B0-A75C-5D759666FA53}"/>
+                  <a16:creationId xmlns="" xmlns:a16="http://schemas.microsoft.com/office/drawing/2014/main" id="{80EB6A00-6C6D-49B0-A75C-5D759666FA53}"/>
                 </a:ext>
               </a:extLst>
             </p:cNvPr>
@@ -10895,7 +10895,7 @@
             <p:cNvPr id="7" name="Group 4">
               <a:extLst>
                 <a:ext uri="{FF2B5EF4-FFF2-40B4-BE49-F238E27FC236}">
-                  <a16:creationId xmlns:a16="http://schemas.microsoft.com/office/drawing/2014/main" xmlns="" id="{A88DDE5D-CA7B-4F23-9663-DEC059383F67}"/>
+                  <a16:creationId xmlns="" xmlns:a16="http://schemas.microsoft.com/office/drawing/2014/main" id="{A88DDE5D-CA7B-4F23-9663-DEC059383F67}"/>
                 </a:ext>
               </a:extLst>
             </p:cNvPr>
@@ -10915,7 +10915,7 @@
               <p:cNvPr id="31" name="Oval 28">
                 <a:extLst>
                   <a:ext uri="{FF2B5EF4-FFF2-40B4-BE49-F238E27FC236}">
-                    <a16:creationId xmlns:a16="http://schemas.microsoft.com/office/drawing/2014/main" xmlns="" id="{8C90DF0B-22F2-4EF5-808E-91B0E8E76823}"/>
+                    <a16:creationId xmlns="" xmlns:a16="http://schemas.microsoft.com/office/drawing/2014/main" id="{8C90DF0B-22F2-4EF5-808E-91B0E8E76823}"/>
                   </a:ext>
                 </a:extLst>
               </p:cNvPr>
@@ -10995,7 +10995,7 @@
               <p:cNvPr id="32" name="Left Arrow 29">
                 <a:extLst>
                   <a:ext uri="{FF2B5EF4-FFF2-40B4-BE49-F238E27FC236}">
-                    <a16:creationId xmlns:a16="http://schemas.microsoft.com/office/drawing/2014/main" xmlns="" id="{850D3FCB-A036-42EE-8C8D-22F137BB7DF6}"/>
+                    <a16:creationId xmlns="" xmlns:a16="http://schemas.microsoft.com/office/drawing/2014/main" id="{850D3FCB-A036-42EE-8C8D-22F137BB7DF6}"/>
                   </a:ext>
                 </a:extLst>
               </p:cNvPr>
@@ -11044,7 +11044,7 @@
             <p:cNvPr id="8" name="Group 5">
               <a:extLst>
                 <a:ext uri="{FF2B5EF4-FFF2-40B4-BE49-F238E27FC236}">
-                  <a16:creationId xmlns:a16="http://schemas.microsoft.com/office/drawing/2014/main" xmlns="" id="{F8E078E3-A955-4F2B-99F0-E5AB8676640C}"/>
+                  <a16:creationId xmlns="" xmlns:a16="http://schemas.microsoft.com/office/drawing/2014/main" id="{F8E078E3-A955-4F2B-99F0-E5AB8676640C}"/>
                 </a:ext>
               </a:extLst>
             </p:cNvPr>
@@ -11064,7 +11064,7 @@
               <p:cNvPr id="29" name="Oval 26">
                 <a:extLst>
                   <a:ext uri="{FF2B5EF4-FFF2-40B4-BE49-F238E27FC236}">
-                    <a16:creationId xmlns:a16="http://schemas.microsoft.com/office/drawing/2014/main" xmlns="" id="{AD94EDDB-5D7D-423B-ABBF-27709982DFDB}"/>
+                    <a16:creationId xmlns="" xmlns:a16="http://schemas.microsoft.com/office/drawing/2014/main" id="{AD94EDDB-5D7D-423B-ABBF-27709982DFDB}"/>
                   </a:ext>
                 </a:extLst>
               </p:cNvPr>
@@ -11144,7 +11144,7 @@
               <p:cNvPr id="30" name="Right Arrow 27">
                 <a:extLst>
                   <a:ext uri="{FF2B5EF4-FFF2-40B4-BE49-F238E27FC236}">
-                    <a16:creationId xmlns:a16="http://schemas.microsoft.com/office/drawing/2014/main" xmlns="" id="{A942A2E1-7657-44DA-AA8C-0516439851A8}"/>
+                    <a16:creationId xmlns="" xmlns:a16="http://schemas.microsoft.com/office/drawing/2014/main" id="{A942A2E1-7657-44DA-AA8C-0516439851A8}"/>
                   </a:ext>
                 </a:extLst>
               </p:cNvPr>
@@ -11193,7 +11193,7 @@
             <p:cNvPr id="9" name="Minimize - Maximize - Close">
               <a:extLst>
                 <a:ext uri="{FF2B5EF4-FFF2-40B4-BE49-F238E27FC236}">
-                  <a16:creationId xmlns:a16="http://schemas.microsoft.com/office/drawing/2014/main" xmlns="" id="{A48EB436-AD18-418A-A3A2-C668586D7FF9}"/>
+                  <a16:creationId xmlns="" xmlns:a16="http://schemas.microsoft.com/office/drawing/2014/main" id="{A48EB436-AD18-418A-A3A2-C668586D7FF9}"/>
                 </a:ext>
               </a:extLst>
             </p:cNvPr>
@@ -11213,7 +11213,7 @@
               <p:cNvPr id="24" name="Line">
                 <a:extLst>
                   <a:ext uri="{FF2B5EF4-FFF2-40B4-BE49-F238E27FC236}">
-                    <a16:creationId xmlns:a16="http://schemas.microsoft.com/office/drawing/2014/main" xmlns="" id="{CAD62900-77CA-430E-BEEC-40DADA69B796}"/>
+                    <a16:creationId xmlns="" xmlns:a16="http://schemas.microsoft.com/office/drawing/2014/main" id="{CAD62900-77CA-430E-BEEC-40DADA69B796}"/>
                   </a:ext>
                 </a:extLst>
               </p:cNvPr>
@@ -11254,7 +11254,7 @@
               <p:cNvPr id="25" name="Line">
                 <a:extLst>
                   <a:ext uri="{FF2B5EF4-FFF2-40B4-BE49-F238E27FC236}">
-                    <a16:creationId xmlns:a16="http://schemas.microsoft.com/office/drawing/2014/main" xmlns="" id="{A88544A0-E575-40EC-9499-4C3714C42824}"/>
+                    <a16:creationId xmlns="" xmlns:a16="http://schemas.microsoft.com/office/drawing/2014/main" id="{A88544A0-E575-40EC-9499-4C3714C42824}"/>
                   </a:ext>
                 </a:extLst>
               </p:cNvPr>
@@ -11295,7 +11295,7 @@
               <p:cNvPr id="26" name="Line">
                 <a:extLst>
                   <a:ext uri="{FF2B5EF4-FFF2-40B4-BE49-F238E27FC236}">
-                    <a16:creationId xmlns:a16="http://schemas.microsoft.com/office/drawing/2014/main" xmlns="" id="{FD95A1D0-FD4E-41DE-9A79-0A42998AA983}"/>
+                    <a16:creationId xmlns="" xmlns:a16="http://schemas.microsoft.com/office/drawing/2014/main" id="{FD95A1D0-FD4E-41DE-9A79-0A42998AA983}"/>
                   </a:ext>
                 </a:extLst>
               </p:cNvPr>
@@ -11353,7 +11353,7 @@
               <p:cNvPr id="27" name="Line">
                 <a:extLst>
                   <a:ext uri="{FF2B5EF4-FFF2-40B4-BE49-F238E27FC236}">
-                    <a16:creationId xmlns:a16="http://schemas.microsoft.com/office/drawing/2014/main" xmlns="" id="{448A67CF-F47C-4391-8E97-63CD566D5A5A}"/>
+                    <a16:creationId xmlns="" xmlns:a16="http://schemas.microsoft.com/office/drawing/2014/main" id="{448A67CF-F47C-4391-8E97-63CD566D5A5A}"/>
                   </a:ext>
                 </a:extLst>
               </p:cNvPr>
@@ -11409,7 +11409,7 @@
               <p:cNvPr id="28" name="Line">
                 <a:extLst>
                   <a:ext uri="{FF2B5EF4-FFF2-40B4-BE49-F238E27FC236}">
-                    <a16:creationId xmlns:a16="http://schemas.microsoft.com/office/drawing/2014/main" xmlns="" id="{6E95B930-6DC7-46B3-A96A-E0470137DABC}"/>
+                    <a16:creationId xmlns="" xmlns:a16="http://schemas.microsoft.com/office/drawing/2014/main" id="{6E95B930-6DC7-46B3-A96A-E0470137DABC}"/>
                   </a:ext>
                 </a:extLst>
               </p:cNvPr>
@@ -11468,7 +11468,7 @@
             <p:cNvPr id="10" name="WebPageBody">
               <a:extLst>
                 <a:ext uri="{FF2B5EF4-FFF2-40B4-BE49-F238E27FC236}">
-                  <a16:creationId xmlns:a16="http://schemas.microsoft.com/office/drawing/2014/main" xmlns="" id="{B73FE404-167A-4A45-A0E2-F0BBC74EC1F0}"/>
+                  <a16:creationId xmlns="" xmlns:a16="http://schemas.microsoft.com/office/drawing/2014/main" id="{B73FE404-167A-4A45-A0E2-F0BBC74EC1F0}"/>
                 </a:ext>
               </a:extLst>
             </p:cNvPr>
@@ -11516,7 +11516,7 @@
             <p:cNvPr id="11" name="Group 8">
               <a:extLst>
                 <a:ext uri="{FF2B5EF4-FFF2-40B4-BE49-F238E27FC236}">
-                  <a16:creationId xmlns:a16="http://schemas.microsoft.com/office/drawing/2014/main" xmlns="" id="{4134BBAF-2757-4D9C-8D0F-C45F631514E5}"/>
+                  <a16:creationId xmlns="" xmlns:a16="http://schemas.microsoft.com/office/drawing/2014/main" id="{4134BBAF-2757-4D9C-8D0F-C45F631514E5}"/>
                 </a:ext>
               </a:extLst>
             </p:cNvPr>
@@ -11536,7 +11536,7 @@
               <p:cNvPr id="21" name="Picture 2" descr="C:\Users\t-dantay\Documents\Placeholders\home.png">
                 <a:extLst>
                   <a:ext uri="{FF2B5EF4-FFF2-40B4-BE49-F238E27FC236}">
-                    <a16:creationId xmlns:a16="http://schemas.microsoft.com/office/drawing/2014/main" xmlns="" id="{D43FC607-E75A-417B-8F27-76FBD380F572}"/>
+                    <a16:creationId xmlns="" xmlns:a16="http://schemas.microsoft.com/office/drawing/2014/main" id="{D43FC607-E75A-417B-8F27-76FBD380F572}"/>
                   </a:ext>
                 </a:extLst>
               </p:cNvPr>
@@ -11583,7 +11583,7 @@
               <p:cNvPr id="22" name="Picture 2" descr="C:\Users\t-dantay\Documents\Placeholders\setting.png">
                 <a:extLst>
                   <a:ext uri="{FF2B5EF4-FFF2-40B4-BE49-F238E27FC236}">
-                    <a16:creationId xmlns:a16="http://schemas.microsoft.com/office/drawing/2014/main" xmlns="" id="{D6CFB0E4-7B90-4343-B7FF-EC27787B65C1}"/>
+                    <a16:creationId xmlns="" xmlns:a16="http://schemas.microsoft.com/office/drawing/2014/main" id="{D6CFB0E4-7B90-4343-B7FF-EC27787B65C1}"/>
                   </a:ext>
                 </a:extLst>
               </p:cNvPr>
@@ -11628,7 +11628,7 @@
               <p:cNvPr id="23" name="Picture 2" descr="C:\Users\t-dantay\Documents\Placeholders\star.png">
                 <a:extLst>
                   <a:ext uri="{FF2B5EF4-FFF2-40B4-BE49-F238E27FC236}">
-                    <a16:creationId xmlns:a16="http://schemas.microsoft.com/office/drawing/2014/main" xmlns="" id="{34598032-3E59-46C8-922F-B3D5BFFFC1A1}"/>
+                    <a16:creationId xmlns="" xmlns:a16="http://schemas.microsoft.com/office/drawing/2014/main" id="{34598032-3E59-46C8-922F-B3D5BFFFC1A1}"/>
                   </a:ext>
                 </a:extLst>
               </p:cNvPr>
@@ -11676,7 +11676,7 @@
             <p:cNvPr id="12" name="Group 9">
               <a:extLst>
                 <a:ext uri="{FF2B5EF4-FFF2-40B4-BE49-F238E27FC236}">
-                  <a16:creationId xmlns:a16="http://schemas.microsoft.com/office/drawing/2014/main" xmlns="" id="{EC836544-AE78-47FB-A93D-0D7D01A0EC1F}"/>
+                  <a16:creationId xmlns="" xmlns:a16="http://schemas.microsoft.com/office/drawing/2014/main" id="{EC836544-AE78-47FB-A93D-0D7D01A0EC1F}"/>
                 </a:ext>
               </a:extLst>
             </p:cNvPr>
@@ -11696,7 +11696,7 @@
               <p:cNvPr id="13" name="UrlBar">
                 <a:extLst>
                   <a:ext uri="{FF2B5EF4-FFF2-40B4-BE49-F238E27FC236}">
-                    <a16:creationId xmlns:a16="http://schemas.microsoft.com/office/drawing/2014/main" xmlns="" id="{ADC9B5C3-D90C-47C5-AFD1-F9009EE1E273}"/>
+                    <a16:creationId xmlns="" xmlns:a16="http://schemas.microsoft.com/office/drawing/2014/main" id="{ADC9B5C3-D90C-47C5-AFD1-F9009EE1E273}"/>
                   </a:ext>
                 </a:extLst>
               </p:cNvPr>
@@ -11749,7 +11749,7 @@
               <p:cNvPr id="14" name="Group 11">
                 <a:extLst>
                   <a:ext uri="{FF2B5EF4-FFF2-40B4-BE49-F238E27FC236}">
-                    <a16:creationId xmlns:a16="http://schemas.microsoft.com/office/drawing/2014/main" xmlns="" id="{5C9E0319-0399-499F-95F7-29BC6B8F88B6}"/>
+                    <a16:creationId xmlns="" xmlns:a16="http://schemas.microsoft.com/office/drawing/2014/main" id="{5C9E0319-0399-499F-95F7-29BC6B8F88B6}"/>
                   </a:ext>
                 </a:extLst>
               </p:cNvPr>
@@ -11769,7 +11769,7 @@
                 <p:cNvPr id="15" name="Search" descr="C:\Users\t-dantay\Documents\Placeholders\search.png">
                   <a:extLst>
                     <a:ext uri="{FF2B5EF4-FFF2-40B4-BE49-F238E27FC236}">
-                      <a16:creationId xmlns:a16="http://schemas.microsoft.com/office/drawing/2014/main" xmlns="" id="{FEBF1E03-F8C2-4954-A228-9DF266DDDA9F}"/>
+                      <a16:creationId xmlns="" xmlns:a16="http://schemas.microsoft.com/office/drawing/2014/main" id="{FEBF1E03-F8C2-4954-A228-9DF266DDDA9F}"/>
                     </a:ext>
                   </a:extLst>
                 </p:cNvPr>
@@ -11816,7 +11816,7 @@
                 <p:cNvPr id="16" name="Refresh" descr="C:\Users\t-dantay\Documents\First24\arrowrepeat1.png">
                   <a:extLst>
                     <a:ext uri="{FF2B5EF4-FFF2-40B4-BE49-F238E27FC236}">
-                      <a16:creationId xmlns:a16="http://schemas.microsoft.com/office/drawing/2014/main" xmlns="" id="{E72163D2-D036-49AE-B68B-8B104C6C87CD}"/>
+                      <a16:creationId xmlns="" xmlns:a16="http://schemas.microsoft.com/office/drawing/2014/main" id="{E72163D2-D036-49AE-B68B-8B104C6C87CD}"/>
                     </a:ext>
                   </a:extLst>
                 </p:cNvPr>
@@ -11863,7 +11863,7 @@
                 <p:cNvPr id="17" name="Drop Down" descr="C:\Users\t-dantay\Documents\First24\arrowsimple1.png">
                   <a:extLst>
                     <a:ext uri="{FF2B5EF4-FFF2-40B4-BE49-F238E27FC236}">
-                      <a16:creationId xmlns:a16="http://schemas.microsoft.com/office/drawing/2014/main" xmlns="" id="{8A1BA794-5D04-4AAB-8208-5FAFDE4C6A93}"/>
+                      <a16:creationId xmlns="" xmlns:a16="http://schemas.microsoft.com/office/drawing/2014/main" id="{8A1BA794-5D04-4AAB-8208-5FAFDE4C6A93}"/>
                     </a:ext>
                   </a:extLst>
                 </p:cNvPr>
@@ -11910,7 +11910,7 @@
                 <p:cNvPr id="18" name="X">
                   <a:extLst>
                     <a:ext uri="{FF2B5EF4-FFF2-40B4-BE49-F238E27FC236}">
-                      <a16:creationId xmlns:a16="http://schemas.microsoft.com/office/drawing/2014/main" xmlns="" id="{E489278D-4D3F-403B-BC1A-A2F2D56C54C3}"/>
+                      <a16:creationId xmlns="" xmlns:a16="http://schemas.microsoft.com/office/drawing/2014/main" id="{E489278D-4D3F-403B-BC1A-A2F2D56C54C3}"/>
                     </a:ext>
                   </a:extLst>
                 </p:cNvPr>
@@ -11930,7 +11930,7 @@
                   <p:cNvPr id="19" name="Straight Connector 16">
                     <a:extLst>
                       <a:ext uri="{FF2B5EF4-FFF2-40B4-BE49-F238E27FC236}">
-                        <a16:creationId xmlns:a16="http://schemas.microsoft.com/office/drawing/2014/main" xmlns="" id="{E79B5E07-E436-4B6A-B3EC-97C87A23C749}"/>
+                        <a16:creationId xmlns="" xmlns:a16="http://schemas.microsoft.com/office/drawing/2014/main" id="{E79B5E07-E436-4B6A-B3EC-97C87A23C749}"/>
                       </a:ext>
                     </a:extLst>
                   </p:cNvPr>
@@ -11973,7 +11973,7 @@
                   <p:cNvPr id="20" name="Straight Connector 17">
                     <a:extLst>
                       <a:ext uri="{FF2B5EF4-FFF2-40B4-BE49-F238E27FC236}">
-                        <a16:creationId xmlns:a16="http://schemas.microsoft.com/office/drawing/2014/main" xmlns="" id="{563CA86A-B5F5-4C0A-BEDD-398DA4940200}"/>
+                        <a16:creationId xmlns="" xmlns:a16="http://schemas.microsoft.com/office/drawing/2014/main" id="{563CA86A-B5F5-4C0A-BEDD-398DA4940200}"/>
                       </a:ext>
                     </a:extLst>
                   </p:cNvPr>
@@ -12020,7 +12020,7 @@
           <p:cNvPr id="33" name="Content">
             <a:extLst>
               <a:ext uri="{FF2B5EF4-FFF2-40B4-BE49-F238E27FC236}">
-                <a16:creationId xmlns:a16="http://schemas.microsoft.com/office/drawing/2014/main" xmlns="" id="{4A77312A-23B7-4842-B850-7AC7FBF7BA9D}"/>
+                <a16:creationId xmlns="" xmlns:a16="http://schemas.microsoft.com/office/drawing/2014/main" id="{4A77312A-23B7-4842-B850-7AC7FBF7BA9D}"/>
               </a:ext>
             </a:extLst>
           </p:cNvPr>
@@ -12079,7 +12079,7 @@
           <p:cNvPr id="44" name="Tile">
             <a:extLst>
               <a:ext uri="{FF2B5EF4-FFF2-40B4-BE49-F238E27FC236}">
-                <a16:creationId xmlns:a16="http://schemas.microsoft.com/office/drawing/2014/main" xmlns="" id="{0FEE1A62-912F-435C-A66D-F1D5354E6D8F}"/>
+                <a16:creationId xmlns="" xmlns:a16="http://schemas.microsoft.com/office/drawing/2014/main" id="{0FEE1A62-912F-435C-A66D-F1D5354E6D8F}"/>
               </a:ext>
             </a:extLst>
           </p:cNvPr>
@@ -12137,7 +12137,7 @@
           <p:cNvPr id="34" name="Content">
             <a:extLst>
               <a:ext uri="{FF2B5EF4-FFF2-40B4-BE49-F238E27FC236}">
-                <a16:creationId xmlns:a16="http://schemas.microsoft.com/office/drawing/2014/main" xmlns="" id="{67F08243-17E6-4464-978D-AE81A590CD79}"/>
+                <a16:creationId xmlns="" xmlns:a16="http://schemas.microsoft.com/office/drawing/2014/main" id="{67F08243-17E6-4464-978D-AE81A590CD79}"/>
               </a:ext>
             </a:extLst>
           </p:cNvPr>
@@ -12210,7 +12210,7 @@
           <p:cNvPr id="36" name="Imagen 35" descr="Imagen que contiene gráficos vectoriales&#10;&#10;Descripción generada con confianza muy alta">
             <a:extLst>
               <a:ext uri="{FF2B5EF4-FFF2-40B4-BE49-F238E27FC236}">
-                <a16:creationId xmlns:a16="http://schemas.microsoft.com/office/drawing/2014/main" xmlns="" id="{21D687BF-879D-492D-9FAF-09F5777B0B0A}"/>
+                <a16:creationId xmlns="" xmlns:a16="http://schemas.microsoft.com/office/drawing/2014/main" id="{21D687BF-879D-492D-9FAF-09F5777B0B0A}"/>
               </a:ext>
             </a:extLst>
           </p:cNvPr>
@@ -12247,7 +12247,7 @@
             <a:hlinkClick r:id="rId34"/>
             <a:extLst>
               <a:ext uri="{FF2B5EF4-FFF2-40B4-BE49-F238E27FC236}">
-                <a16:creationId xmlns:a16="http://schemas.microsoft.com/office/drawing/2014/main" xmlns="" id="{7BC667D3-3554-40C6-8055-A936802EDFDC}"/>
+                <a16:creationId xmlns="" xmlns:a16="http://schemas.microsoft.com/office/drawing/2014/main" id="{7BC667D3-3554-40C6-8055-A936802EDFDC}"/>
               </a:ext>
             </a:extLst>
           </p:cNvPr>
@@ -12294,7 +12294,7 @@
           <p:cNvPr id="43" name="Tile">
             <a:extLst>
               <a:ext uri="{FF2B5EF4-FFF2-40B4-BE49-F238E27FC236}">
-                <a16:creationId xmlns:a16="http://schemas.microsoft.com/office/drawing/2014/main" xmlns="" id="{16A53C90-A8E8-4760-B373-AE7AC6041567}"/>
+                <a16:creationId xmlns="" xmlns:a16="http://schemas.microsoft.com/office/drawing/2014/main" id="{16A53C90-A8E8-4760-B373-AE7AC6041567}"/>
               </a:ext>
             </a:extLst>
           </p:cNvPr>
@@ -12350,7 +12350,7 @@
           <p:cNvPr id="45" name="Imagen 44" descr="Imagen que contiene señal, objeto, reloj&#10;&#10;Descripción generada con confianza muy alta">
             <a:extLst>
               <a:ext uri="{FF2B5EF4-FFF2-40B4-BE49-F238E27FC236}">
-                <a16:creationId xmlns:a16="http://schemas.microsoft.com/office/drawing/2014/main" xmlns="" id="{BA522396-1E44-444F-A71F-EA4DCC8DD271}"/>
+                <a16:creationId xmlns="" xmlns:a16="http://schemas.microsoft.com/office/drawing/2014/main" id="{BA522396-1E44-444F-A71F-EA4DCC8DD271}"/>
               </a:ext>
             </a:extLst>
           </p:cNvPr>
@@ -12386,7 +12386,7 @@
           <p:cNvPr id="47" name="Content">
             <a:extLst>
               <a:ext uri="{FF2B5EF4-FFF2-40B4-BE49-F238E27FC236}">
-                <a16:creationId xmlns:a16="http://schemas.microsoft.com/office/drawing/2014/main" xmlns="" id="{959C53B5-E430-4D9F-876F-E7485EDAF825}"/>
+                <a16:creationId xmlns="" xmlns:a16="http://schemas.microsoft.com/office/drawing/2014/main" id="{959C53B5-E430-4D9F-876F-E7485EDAF825}"/>
               </a:ext>
             </a:extLst>
           </p:cNvPr>
@@ -12451,7 +12451,7 @@
           <p:cNvPr id="48" name="Imagen 47">
             <a:extLst>
               <a:ext uri="{FF2B5EF4-FFF2-40B4-BE49-F238E27FC236}">
-                <a16:creationId xmlns:a16="http://schemas.microsoft.com/office/drawing/2014/main" xmlns="" id="{019E1120-5DEF-4168-A30F-835E8096A98E}"/>
+                <a16:creationId xmlns="" xmlns:a16="http://schemas.microsoft.com/office/drawing/2014/main" id="{019E1120-5DEF-4168-A30F-835E8096A98E}"/>
               </a:ext>
             </a:extLst>
           </p:cNvPr>
@@ -12487,7 +12487,7 @@
           <p:cNvPr id="49" name="Content">
             <a:extLst>
               <a:ext uri="{FF2B5EF4-FFF2-40B4-BE49-F238E27FC236}">
-                <a16:creationId xmlns:a16="http://schemas.microsoft.com/office/drawing/2014/main" xmlns="" id="{AEA655B2-1AE9-4EED-8632-A44311B7C401}"/>
+                <a16:creationId xmlns="" xmlns:a16="http://schemas.microsoft.com/office/drawing/2014/main" id="{AEA655B2-1AE9-4EED-8632-A44311B7C401}"/>
               </a:ext>
             </a:extLst>
           </p:cNvPr>
@@ -12542,7 +12542,7 @@
             <a:hlinkClick r:id="rId38" action="ppaction://hlinksldjump"/>
             <a:extLst>
               <a:ext uri="{FF2B5EF4-FFF2-40B4-BE49-F238E27FC236}">
-                <a16:creationId xmlns:a16="http://schemas.microsoft.com/office/drawing/2014/main" xmlns="" id="{82D96681-5B5D-4070-9EA9-61964FE90828}"/>
+                <a16:creationId xmlns="" xmlns:a16="http://schemas.microsoft.com/office/drawing/2014/main" id="{82D96681-5B5D-4070-9EA9-61964FE90828}"/>
               </a:ext>
             </a:extLst>
           </p:cNvPr>
@@ -12595,7 +12595,7 @@
             <a:hlinkClick r:id="rId38" action="ppaction://hlinksldjump"/>
             <a:extLst>
               <a:ext uri="{FF2B5EF4-FFF2-40B4-BE49-F238E27FC236}">
-                <a16:creationId xmlns:a16="http://schemas.microsoft.com/office/drawing/2014/main" xmlns="" id="{AC4943C1-3710-4AC1-891A-5F6C2CE72E76}"/>
+                <a16:creationId xmlns="" xmlns:a16="http://schemas.microsoft.com/office/drawing/2014/main" id="{AC4943C1-3710-4AC1-891A-5F6C2CE72E76}"/>
               </a:ext>
             </a:extLst>
           </p:cNvPr>
@@ -12649,7 +12649,7 @@
           <p:cNvPr id="52" name="ScrollbarVertical">
             <a:extLst>
               <a:ext uri="{FF2B5EF4-FFF2-40B4-BE49-F238E27FC236}">
-                <a16:creationId xmlns:a16="http://schemas.microsoft.com/office/drawing/2014/main" xmlns="" id="{1BE74F99-CAF1-46B5-8E4C-2EAFC35E9178}"/>
+                <a16:creationId xmlns="" xmlns:a16="http://schemas.microsoft.com/office/drawing/2014/main" id="{1BE74F99-CAF1-46B5-8E4C-2EAFC35E9178}"/>
               </a:ext>
             </a:extLst>
           </p:cNvPr>
@@ -12673,7 +12673,7 @@
             <p:cNvPr id="53" name="Background">
               <a:extLst>
                 <a:ext uri="{FF2B5EF4-FFF2-40B4-BE49-F238E27FC236}">
-                  <a16:creationId xmlns:a16="http://schemas.microsoft.com/office/drawing/2014/main" xmlns="" id="{13D68EAB-5A75-4722-B291-C3BB0EE9F55E}"/>
+                  <a16:creationId xmlns="" xmlns:a16="http://schemas.microsoft.com/office/drawing/2014/main" id="{13D68EAB-5A75-4722-B291-C3BB0EE9F55E}"/>
                 </a:ext>
               </a:extLst>
             </p:cNvPr>
@@ -12731,7 +12731,7 @@
             <p:cNvPr id="54" name="Slider">
               <a:extLst>
                 <a:ext uri="{FF2B5EF4-FFF2-40B4-BE49-F238E27FC236}">
-                  <a16:creationId xmlns:a16="http://schemas.microsoft.com/office/drawing/2014/main" xmlns="" id="{B0065A72-1915-4EB2-8DE3-14B6761DAC40}"/>
+                  <a16:creationId xmlns="" xmlns:a16="http://schemas.microsoft.com/office/drawing/2014/main" id="{B0065A72-1915-4EB2-8DE3-14B6761DAC40}"/>
                 </a:ext>
               </a:extLst>
             </p:cNvPr>
@@ -12789,7 +12789,7 @@
             <p:cNvPr id="55" name="UpArrow">
               <a:extLst>
                 <a:ext uri="{FF2B5EF4-FFF2-40B4-BE49-F238E27FC236}">
-                  <a16:creationId xmlns:a16="http://schemas.microsoft.com/office/drawing/2014/main" xmlns="" id="{9FFEA258-015E-476C-BBA0-5DF1FDF5A666}"/>
+                  <a16:creationId xmlns="" xmlns:a16="http://schemas.microsoft.com/office/drawing/2014/main" id="{9FFEA258-015E-476C-BBA0-5DF1FDF5A666}"/>
                 </a:ext>
               </a:extLst>
             </p:cNvPr>
@@ -12844,7 +12844,7 @@
             <p:cNvPr id="56" name="DownArrow">
               <a:extLst>
                 <a:ext uri="{FF2B5EF4-FFF2-40B4-BE49-F238E27FC236}">
-                  <a16:creationId xmlns:a16="http://schemas.microsoft.com/office/drawing/2014/main" xmlns="" id="{A1285695-2680-44A0-8386-2A5CF1B79607}"/>
+                  <a16:creationId xmlns="" xmlns:a16="http://schemas.microsoft.com/office/drawing/2014/main" id="{A1285695-2680-44A0-8386-2A5CF1B79607}"/>
                 </a:ext>
               </a:extLst>
             </p:cNvPr>
@@ -12900,7 +12900,7 @@
           <p:cNvPr id="61" name="Grupo 60">
             <a:extLst>
               <a:ext uri="{FF2B5EF4-FFF2-40B4-BE49-F238E27FC236}">
-                <a16:creationId xmlns:a16="http://schemas.microsoft.com/office/drawing/2014/main" xmlns="" id="{C87738AA-3BAB-4E58-8DEC-4C44423EEFE5}"/>
+                <a16:creationId xmlns="" xmlns:a16="http://schemas.microsoft.com/office/drawing/2014/main" id="{C87738AA-3BAB-4E58-8DEC-4C44423EEFE5}"/>
               </a:ext>
             </a:extLst>
           </p:cNvPr>
@@ -12920,7 +12920,7 @@
             <p:cNvPr id="46" name="Rectángulo: esquinas redondeadas 45">
               <a:extLst>
                 <a:ext uri="{FF2B5EF4-FFF2-40B4-BE49-F238E27FC236}">
-                  <a16:creationId xmlns:a16="http://schemas.microsoft.com/office/drawing/2014/main" xmlns="" id="{F213C414-8105-4322-BCBC-4B4F3DBB00FB}"/>
+                  <a16:creationId xmlns="" xmlns:a16="http://schemas.microsoft.com/office/drawing/2014/main" id="{F213C414-8105-4322-BCBC-4B4F3DBB00FB}"/>
                 </a:ext>
               </a:extLst>
             </p:cNvPr>
@@ -12974,7 +12974,7 @@
             <p:cNvPr id="60" name="Imagen 59">
               <a:extLst>
                 <a:ext uri="{FF2B5EF4-FFF2-40B4-BE49-F238E27FC236}">
-                  <a16:creationId xmlns:a16="http://schemas.microsoft.com/office/drawing/2014/main" xmlns="" id="{83E34E83-8624-403F-8407-8BB993E64179}"/>
+                  <a16:creationId xmlns="" xmlns:a16="http://schemas.microsoft.com/office/drawing/2014/main" id="{83E34E83-8624-403F-8407-8BB993E64179}"/>
                 </a:ext>
               </a:extLst>
             </p:cNvPr>
@@ -13010,7 +13010,7 @@
             <p:cNvPr id="62" name="Content">
               <a:extLst>
                 <a:ext uri="{FF2B5EF4-FFF2-40B4-BE49-F238E27FC236}">
-                  <a16:creationId xmlns:a16="http://schemas.microsoft.com/office/drawing/2014/main" xmlns="" id="{65B65484-29E1-4A02-95A9-EF03456E68D5}"/>
+                  <a16:creationId xmlns="" xmlns:a16="http://schemas.microsoft.com/office/drawing/2014/main" id="{65B65484-29E1-4A02-95A9-EF03456E68D5}"/>
                 </a:ext>
               </a:extLst>
             </p:cNvPr>
@@ -13067,7 +13067,7 @@
             <p:cNvPr id="63" name="Content">
               <a:extLst>
                 <a:ext uri="{FF2B5EF4-FFF2-40B4-BE49-F238E27FC236}">
-                  <a16:creationId xmlns:a16="http://schemas.microsoft.com/office/drawing/2014/main" xmlns="" id="{3142B693-6972-46D2-BCDD-A8FC946485FB}"/>
+                  <a16:creationId xmlns="" xmlns:a16="http://schemas.microsoft.com/office/drawing/2014/main" id="{3142B693-6972-46D2-BCDD-A8FC946485FB}"/>
                 </a:ext>
               </a:extLst>
             </p:cNvPr>
@@ -13149,7 +13149,7 @@
           <p:cNvPr id="80" name="Grupo 79">
             <a:extLst>
               <a:ext uri="{FF2B5EF4-FFF2-40B4-BE49-F238E27FC236}">
-                <a16:creationId xmlns:a16="http://schemas.microsoft.com/office/drawing/2014/main" xmlns="" id="{F8A6F269-F6B5-4389-8E02-C0009DD567E4}"/>
+                <a16:creationId xmlns="" xmlns:a16="http://schemas.microsoft.com/office/drawing/2014/main" id="{F8A6F269-F6B5-4389-8E02-C0009DD567E4}"/>
               </a:ext>
             </a:extLst>
           </p:cNvPr>
@@ -13169,7 +13169,7 @@
             <p:cNvPr id="81" name="Rectángulo: esquinas redondeadas 80">
               <a:extLst>
                 <a:ext uri="{FF2B5EF4-FFF2-40B4-BE49-F238E27FC236}">
-                  <a16:creationId xmlns:a16="http://schemas.microsoft.com/office/drawing/2014/main" xmlns="" id="{ADF1EA10-0E67-4E27-9D32-56AA0E79691B}"/>
+                  <a16:creationId xmlns="" xmlns:a16="http://schemas.microsoft.com/office/drawing/2014/main" id="{ADF1EA10-0E67-4E27-9D32-56AA0E79691B}"/>
                 </a:ext>
               </a:extLst>
             </p:cNvPr>
@@ -13223,7 +13223,7 @@
             <p:cNvPr id="82" name="Imagen 81">
               <a:extLst>
                 <a:ext uri="{FF2B5EF4-FFF2-40B4-BE49-F238E27FC236}">
-                  <a16:creationId xmlns:a16="http://schemas.microsoft.com/office/drawing/2014/main" xmlns="" id="{E4B897CE-E5DA-423E-B9B4-AFA281A2A673}"/>
+                  <a16:creationId xmlns="" xmlns:a16="http://schemas.microsoft.com/office/drawing/2014/main" id="{E4B897CE-E5DA-423E-B9B4-AFA281A2A673}"/>
                 </a:ext>
               </a:extLst>
             </p:cNvPr>
@@ -13259,7 +13259,7 @@
             <p:cNvPr id="83" name="Content">
               <a:extLst>
                 <a:ext uri="{FF2B5EF4-FFF2-40B4-BE49-F238E27FC236}">
-                  <a16:creationId xmlns:a16="http://schemas.microsoft.com/office/drawing/2014/main" xmlns="" id="{C888A4A2-7769-4FA0-8CBB-E634AE82FB55}"/>
+                  <a16:creationId xmlns="" xmlns:a16="http://schemas.microsoft.com/office/drawing/2014/main" id="{C888A4A2-7769-4FA0-8CBB-E634AE82FB55}"/>
                 </a:ext>
               </a:extLst>
             </p:cNvPr>
@@ -13316,7 +13316,7 @@
             <p:cNvPr id="84" name="Content">
               <a:extLst>
                 <a:ext uri="{FF2B5EF4-FFF2-40B4-BE49-F238E27FC236}">
-                  <a16:creationId xmlns:a16="http://schemas.microsoft.com/office/drawing/2014/main" xmlns="" id="{B8789167-3159-49FD-943C-895E7B2E0F37}"/>
+                  <a16:creationId xmlns="" xmlns:a16="http://schemas.microsoft.com/office/drawing/2014/main" id="{B8789167-3159-49FD-943C-895E7B2E0F37}"/>
                 </a:ext>
               </a:extLst>
             </p:cNvPr>
@@ -13398,7 +13398,7 @@
           <p:cNvPr id="85" name="Grupo 84">
             <a:extLst>
               <a:ext uri="{FF2B5EF4-FFF2-40B4-BE49-F238E27FC236}">
-                <a16:creationId xmlns:a16="http://schemas.microsoft.com/office/drawing/2014/main" xmlns="" id="{4582EB1A-E4CD-4929-B93B-D07856FD5D79}"/>
+                <a16:creationId xmlns="" xmlns:a16="http://schemas.microsoft.com/office/drawing/2014/main" id="{4582EB1A-E4CD-4929-B93B-D07856FD5D79}"/>
               </a:ext>
             </a:extLst>
           </p:cNvPr>
@@ -13418,7 +13418,7 @@
             <p:cNvPr id="86" name="Rectángulo: esquinas redondeadas 85">
               <a:extLst>
                 <a:ext uri="{FF2B5EF4-FFF2-40B4-BE49-F238E27FC236}">
-                  <a16:creationId xmlns:a16="http://schemas.microsoft.com/office/drawing/2014/main" xmlns="" id="{D4BBD192-F685-4A4D-A986-27754F5DB52B}"/>
+                  <a16:creationId xmlns="" xmlns:a16="http://schemas.microsoft.com/office/drawing/2014/main" id="{D4BBD192-F685-4A4D-A986-27754F5DB52B}"/>
                 </a:ext>
               </a:extLst>
             </p:cNvPr>
@@ -13474,7 +13474,7 @@
             <p:cNvPr id="87" name="Imagen 86">
               <a:extLst>
                 <a:ext uri="{FF2B5EF4-FFF2-40B4-BE49-F238E27FC236}">
-                  <a16:creationId xmlns:a16="http://schemas.microsoft.com/office/drawing/2014/main" xmlns="" id="{86575A8E-F65C-43C9-9D1F-E5C5A1C1B081}"/>
+                  <a16:creationId xmlns="" xmlns:a16="http://schemas.microsoft.com/office/drawing/2014/main" id="{86575A8E-F65C-43C9-9D1F-E5C5A1C1B081}"/>
                 </a:ext>
               </a:extLst>
             </p:cNvPr>
@@ -13510,7 +13510,7 @@
             <p:cNvPr id="88" name="Content">
               <a:extLst>
                 <a:ext uri="{FF2B5EF4-FFF2-40B4-BE49-F238E27FC236}">
-                  <a16:creationId xmlns:a16="http://schemas.microsoft.com/office/drawing/2014/main" xmlns="" id="{22F43AE9-859E-474B-A03F-63E599C7D683}"/>
+                  <a16:creationId xmlns="" xmlns:a16="http://schemas.microsoft.com/office/drawing/2014/main" id="{22F43AE9-859E-474B-A03F-63E599C7D683}"/>
                 </a:ext>
               </a:extLst>
             </p:cNvPr>
@@ -13567,7 +13567,7 @@
             <p:cNvPr id="89" name="Content">
               <a:extLst>
                 <a:ext uri="{FF2B5EF4-FFF2-40B4-BE49-F238E27FC236}">
-                  <a16:creationId xmlns:a16="http://schemas.microsoft.com/office/drawing/2014/main" xmlns="" id="{3F63BCC1-DE15-4156-B1AA-96FE7B2C2318}"/>
+                  <a16:creationId xmlns="" xmlns:a16="http://schemas.microsoft.com/office/drawing/2014/main" id="{3F63BCC1-DE15-4156-B1AA-96FE7B2C2318}"/>
                 </a:ext>
               </a:extLst>
             </p:cNvPr>
@@ -13649,7 +13649,7 @@
           <p:cNvPr id="90" name="Grupo 89">
             <a:extLst>
               <a:ext uri="{FF2B5EF4-FFF2-40B4-BE49-F238E27FC236}">
-                <a16:creationId xmlns:a16="http://schemas.microsoft.com/office/drawing/2014/main" xmlns="" id="{7B269B5D-C6FF-4EA7-AAFC-F847B9BAA52C}"/>
+                <a16:creationId xmlns="" xmlns:a16="http://schemas.microsoft.com/office/drawing/2014/main" id="{7B269B5D-C6FF-4EA7-AAFC-F847B9BAA52C}"/>
               </a:ext>
             </a:extLst>
           </p:cNvPr>
@@ -13669,7 +13669,7 @@
             <p:cNvPr id="91" name="Rectángulo: esquinas redondeadas 90">
               <a:extLst>
                 <a:ext uri="{FF2B5EF4-FFF2-40B4-BE49-F238E27FC236}">
-                  <a16:creationId xmlns:a16="http://schemas.microsoft.com/office/drawing/2014/main" xmlns="" id="{1BDB2C7E-6547-44A7-B9EC-7327B7071C8F}"/>
+                  <a16:creationId xmlns="" xmlns:a16="http://schemas.microsoft.com/office/drawing/2014/main" id="{1BDB2C7E-6547-44A7-B9EC-7327B7071C8F}"/>
                 </a:ext>
               </a:extLst>
             </p:cNvPr>
@@ -13723,7 +13723,7 @@
             <p:cNvPr id="92" name="Imagen 91">
               <a:extLst>
                 <a:ext uri="{FF2B5EF4-FFF2-40B4-BE49-F238E27FC236}">
-                  <a16:creationId xmlns:a16="http://schemas.microsoft.com/office/drawing/2014/main" xmlns="" id="{98FD5791-45B8-4DB8-AED8-9174F138EC4B}"/>
+                  <a16:creationId xmlns="" xmlns:a16="http://schemas.microsoft.com/office/drawing/2014/main" id="{98FD5791-45B8-4DB8-AED8-9174F138EC4B}"/>
                 </a:ext>
               </a:extLst>
             </p:cNvPr>
@@ -13759,7 +13759,7 @@
             <p:cNvPr id="93" name="Content">
               <a:extLst>
                 <a:ext uri="{FF2B5EF4-FFF2-40B4-BE49-F238E27FC236}">
-                  <a16:creationId xmlns:a16="http://schemas.microsoft.com/office/drawing/2014/main" xmlns="" id="{71393629-95E1-4F48-B5D6-49A1C2FE4A95}"/>
+                  <a16:creationId xmlns="" xmlns:a16="http://schemas.microsoft.com/office/drawing/2014/main" id="{71393629-95E1-4F48-B5D6-49A1C2FE4A95}"/>
                 </a:ext>
               </a:extLst>
             </p:cNvPr>
@@ -13813,7 +13813,7 @@
             <p:cNvPr id="94" name="Content">
               <a:extLst>
                 <a:ext uri="{FF2B5EF4-FFF2-40B4-BE49-F238E27FC236}">
-                  <a16:creationId xmlns:a16="http://schemas.microsoft.com/office/drawing/2014/main" xmlns="" id="{73BDB1BB-F031-4077-B75A-AA9DE1186258}"/>
+                  <a16:creationId xmlns="" xmlns:a16="http://schemas.microsoft.com/office/drawing/2014/main" id="{73BDB1BB-F031-4077-B75A-AA9DE1186258}"/>
                 </a:ext>
               </a:extLst>
             </p:cNvPr>
@@ -13895,7 +13895,7 @@
           <p:cNvPr id="95" name="Grupo 94">
             <a:extLst>
               <a:ext uri="{FF2B5EF4-FFF2-40B4-BE49-F238E27FC236}">
-                <a16:creationId xmlns:a16="http://schemas.microsoft.com/office/drawing/2014/main" xmlns="" id="{D7283A9F-BB29-4557-9954-253C9DFD4504}"/>
+                <a16:creationId xmlns="" xmlns:a16="http://schemas.microsoft.com/office/drawing/2014/main" id="{D7283A9F-BB29-4557-9954-253C9DFD4504}"/>
               </a:ext>
             </a:extLst>
           </p:cNvPr>
@@ -13915,7 +13915,7 @@
             <p:cNvPr id="96" name="Rectángulo: esquinas redondeadas 95">
               <a:extLst>
                 <a:ext uri="{FF2B5EF4-FFF2-40B4-BE49-F238E27FC236}">
-                  <a16:creationId xmlns:a16="http://schemas.microsoft.com/office/drawing/2014/main" xmlns="" id="{855160F7-6435-4BC7-970C-F2172ED54D96}"/>
+                  <a16:creationId xmlns="" xmlns:a16="http://schemas.microsoft.com/office/drawing/2014/main" id="{855160F7-6435-4BC7-970C-F2172ED54D96}"/>
                 </a:ext>
               </a:extLst>
             </p:cNvPr>
@@ -13969,7 +13969,7 @@
             <p:cNvPr id="97" name="Imagen 96">
               <a:extLst>
                 <a:ext uri="{FF2B5EF4-FFF2-40B4-BE49-F238E27FC236}">
-                  <a16:creationId xmlns:a16="http://schemas.microsoft.com/office/drawing/2014/main" xmlns="" id="{12B4EA24-375F-45CB-BAEC-6CAEC6CD746C}"/>
+                  <a16:creationId xmlns="" xmlns:a16="http://schemas.microsoft.com/office/drawing/2014/main" id="{12B4EA24-375F-45CB-BAEC-6CAEC6CD746C}"/>
                 </a:ext>
               </a:extLst>
             </p:cNvPr>
@@ -14006,7 +14006,7 @@
           <p:cNvPr id="100" name="Rectángulo: esquinas redondeadas 99">
             <a:extLst>
               <a:ext uri="{FF2B5EF4-FFF2-40B4-BE49-F238E27FC236}">
-                <a16:creationId xmlns:a16="http://schemas.microsoft.com/office/drawing/2014/main" xmlns="" id="{A1BF544A-9A78-4781-8CBE-655B391EDFED}"/>
+                <a16:creationId xmlns="" xmlns:a16="http://schemas.microsoft.com/office/drawing/2014/main" id="{A1BF544A-9A78-4781-8CBE-655B391EDFED}"/>
               </a:ext>
             </a:extLst>
           </p:cNvPr>
@@ -14062,7 +14062,7 @@
           <p:cNvPr id="101" name="Rectángulo: esquinas redondeadas 100">
             <a:extLst>
               <a:ext uri="{FF2B5EF4-FFF2-40B4-BE49-F238E27FC236}">
-                <a16:creationId xmlns:a16="http://schemas.microsoft.com/office/drawing/2014/main" xmlns="" id="{E58F19F7-6331-4D75-A4E1-48CCB689F25C}"/>
+                <a16:creationId xmlns="" xmlns:a16="http://schemas.microsoft.com/office/drawing/2014/main" id="{E58F19F7-6331-4D75-A4E1-48CCB689F25C}"/>
               </a:ext>
             </a:extLst>
           </p:cNvPr>
@@ -14118,7 +14118,7 @@
           <p:cNvPr id="102" name="Rectángulo: esquinas redondeadas 101">
             <a:extLst>
               <a:ext uri="{FF2B5EF4-FFF2-40B4-BE49-F238E27FC236}">
-                <a16:creationId xmlns:a16="http://schemas.microsoft.com/office/drawing/2014/main" xmlns="" id="{95D7FA7C-F8FC-4ED9-A6A8-DADE687854AC}"/>
+                <a16:creationId xmlns="" xmlns:a16="http://schemas.microsoft.com/office/drawing/2014/main" id="{95D7FA7C-F8FC-4ED9-A6A8-DADE687854AC}"/>
               </a:ext>
             </a:extLst>
           </p:cNvPr>
@@ -14174,7 +14174,7 @@
           <p:cNvPr id="64" name="Grupo 63">
             <a:extLst>
               <a:ext uri="{FF2B5EF4-FFF2-40B4-BE49-F238E27FC236}">
-                <a16:creationId xmlns:a16="http://schemas.microsoft.com/office/drawing/2014/main" xmlns="" id="{52157591-E0C1-4BD2-BC7E-50CB959040A2}"/>
+                <a16:creationId xmlns="" xmlns:a16="http://schemas.microsoft.com/office/drawing/2014/main" id="{52157591-E0C1-4BD2-BC7E-50CB959040A2}"/>
               </a:ext>
             </a:extLst>
           </p:cNvPr>
@@ -14194,7 +14194,7 @@
             <p:cNvPr id="103" name="Rectángulo: esquinas redondeadas 102">
               <a:extLst>
                 <a:ext uri="{FF2B5EF4-FFF2-40B4-BE49-F238E27FC236}">
-                  <a16:creationId xmlns:a16="http://schemas.microsoft.com/office/drawing/2014/main" xmlns="" id="{E018261E-D1BA-4EFA-9023-4292CF28D8E0}"/>
+                  <a16:creationId xmlns="" xmlns:a16="http://schemas.microsoft.com/office/drawing/2014/main" id="{E018261E-D1BA-4EFA-9023-4292CF28D8E0}"/>
                 </a:ext>
               </a:extLst>
             </p:cNvPr>
@@ -14250,7 +14250,7 @@
             <p:cNvPr id="104" name="Imagen 103">
               <a:extLst>
                 <a:ext uri="{FF2B5EF4-FFF2-40B4-BE49-F238E27FC236}">
-                  <a16:creationId xmlns:a16="http://schemas.microsoft.com/office/drawing/2014/main" xmlns="" id="{80AEBD50-7D21-4681-AAF8-667EF265A6E1}"/>
+                  <a16:creationId xmlns="" xmlns:a16="http://schemas.microsoft.com/office/drawing/2014/main" id="{80AEBD50-7D21-4681-AAF8-667EF265A6E1}"/>
                 </a:ext>
               </a:extLst>
             </p:cNvPr>
@@ -14286,7 +14286,7 @@
             <p:cNvPr id="105" name="Imagen 104">
               <a:extLst>
                 <a:ext uri="{FF2B5EF4-FFF2-40B4-BE49-F238E27FC236}">
-                  <a16:creationId xmlns:a16="http://schemas.microsoft.com/office/drawing/2014/main" xmlns="" id="{E899F533-3225-4150-B2F0-3AFFC5DF2402}"/>
+                  <a16:creationId xmlns="" xmlns:a16="http://schemas.microsoft.com/office/drawing/2014/main" id="{E899F533-3225-4150-B2F0-3AFFC5DF2402}"/>
                 </a:ext>
               </a:extLst>
             </p:cNvPr>
@@ -14322,7 +14322,7 @@
             <p:cNvPr id="106" name="Imagen 105">
               <a:extLst>
                 <a:ext uri="{FF2B5EF4-FFF2-40B4-BE49-F238E27FC236}">
-                  <a16:creationId xmlns:a16="http://schemas.microsoft.com/office/drawing/2014/main" xmlns="" id="{7E8D4384-9848-4594-9F18-11F0EA82B212}"/>
+                  <a16:creationId xmlns="" xmlns:a16="http://schemas.microsoft.com/office/drawing/2014/main" id="{7E8D4384-9848-4594-9F18-11F0EA82B212}"/>
                 </a:ext>
               </a:extLst>
             </p:cNvPr>
@@ -14360,7 +14360,7 @@
             <a:hlinkClick r:id="rId38" action="ppaction://hlinksldjump"/>
             <a:extLst>
               <a:ext uri="{FF2B5EF4-FFF2-40B4-BE49-F238E27FC236}">
-                <a16:creationId xmlns:a16="http://schemas.microsoft.com/office/drawing/2014/main" xmlns="" id="{8EAF6471-4E54-4A80-8A7E-CC376F7D036F}"/>
+                <a16:creationId xmlns="" xmlns:a16="http://schemas.microsoft.com/office/drawing/2014/main" id="{8EAF6471-4E54-4A80-8A7E-CC376F7D036F}"/>
               </a:ext>
             </a:extLst>
           </p:cNvPr>
@@ -14397,7 +14397,7 @@
             <a:hlinkClick r:id="rId38" action="ppaction://hlinksldjump"/>
             <a:extLst>
               <a:ext uri="{FF2B5EF4-FFF2-40B4-BE49-F238E27FC236}">
-                <a16:creationId xmlns:a16="http://schemas.microsoft.com/office/drawing/2014/main" xmlns="" id="{8872DF6A-9587-4E91-B416-943E3D922E67}"/>
+                <a16:creationId xmlns="" xmlns:a16="http://schemas.microsoft.com/office/drawing/2014/main" id="{8872DF6A-9587-4E91-B416-943E3D922E67}"/>
               </a:ext>
             </a:extLst>
           </p:cNvPr>
@@ -14451,7 +14451,7 @@
           <p:cNvPr id="98" name="Imagen 97">
             <a:extLst>
               <a:ext uri="{FF2B5EF4-FFF2-40B4-BE49-F238E27FC236}">
-                <a16:creationId xmlns:a16="http://schemas.microsoft.com/office/drawing/2014/main" xmlns="" id="{7882B9C7-858E-4C40-B167-358E978B3A47}"/>
+                <a16:creationId xmlns="" xmlns:a16="http://schemas.microsoft.com/office/drawing/2014/main" id="{7882B9C7-858E-4C40-B167-358E978B3A47}"/>
               </a:ext>
             </a:extLst>
           </p:cNvPr>
@@ -14487,7 +14487,7 @@
           <p:cNvPr id="99" name="Content">
             <a:extLst>
               <a:ext uri="{FF2B5EF4-FFF2-40B4-BE49-F238E27FC236}">
-                <a16:creationId xmlns:a16="http://schemas.microsoft.com/office/drawing/2014/main" xmlns="" id="{4C59270A-40AF-454A-8F4F-853745605ABB}"/>
+                <a16:creationId xmlns="" xmlns:a16="http://schemas.microsoft.com/office/drawing/2014/main" id="{4C59270A-40AF-454A-8F4F-853745605ABB}"/>
               </a:ext>
             </a:extLst>
           </p:cNvPr>
@@ -14599,7 +14599,7 @@
             <a:hlinkClick r:id="rId50" action="ppaction://hlinksldjump"/>
             <a:extLst>
               <a:ext uri="{FF2B5EF4-FFF2-40B4-BE49-F238E27FC236}">
-                <a16:creationId xmlns:a16="http://schemas.microsoft.com/office/drawing/2014/main" xmlns="" id="{84B7AF37-DA67-495E-A89B-0DCD9D2DC409}"/>
+                <a16:creationId xmlns="" xmlns:a16="http://schemas.microsoft.com/office/drawing/2014/main" id="{84B7AF37-DA67-495E-A89B-0DCD9D2DC409}"/>
               </a:ext>
             </a:extLst>
           </p:cNvPr>
@@ -14657,7 +14657,7 @@
             <a:hlinkClick r:id="rId50" action="ppaction://hlinksldjump"/>
             <a:extLst>
               <a:ext uri="{FF2B5EF4-FFF2-40B4-BE49-F238E27FC236}">
-                <a16:creationId xmlns:a16="http://schemas.microsoft.com/office/drawing/2014/main" xmlns="" id="{26A813F6-1875-4506-9F9B-F3911D786501}"/>
+                <a16:creationId xmlns="" xmlns:a16="http://schemas.microsoft.com/office/drawing/2014/main" id="{26A813F6-1875-4506-9F9B-F3911D786501}"/>
               </a:ext>
             </a:extLst>
           </p:cNvPr>
@@ -14670,7 +14670,7 @@
         </p:nvSpPr>
         <p:spPr>
           <a:xfrm>
-            <a:off x="6737122" y="4134006"/>
+            <a:off x="6790346" y="4513240"/>
             <a:ext cx="1389507" cy="364411"/>
           </a:xfrm>
           <a:prstGeom prst="roundRect">
@@ -14735,7 +14735,7 @@
           <p:cNvPr id="117" name="Content">
             <a:extLst>
               <a:ext uri="{FF2B5EF4-FFF2-40B4-BE49-F238E27FC236}">
-                <a16:creationId xmlns:a16="http://schemas.microsoft.com/office/drawing/2014/main" xmlns="" id="{4A77312A-23B7-4842-B850-7AC7FBF7BA9D}"/>
+                <a16:creationId xmlns="" xmlns:a16="http://schemas.microsoft.com/office/drawing/2014/main" id="{4A77312A-23B7-4842-B850-7AC7FBF7BA9D}"/>
               </a:ext>
             </a:extLst>
           </p:cNvPr>
@@ -14800,7 +14800,7 @@
           <p:cNvPr id="118" name="Content">
             <a:extLst>
               <a:ext uri="{FF2B5EF4-FFF2-40B4-BE49-F238E27FC236}">
-                <a16:creationId xmlns:a16="http://schemas.microsoft.com/office/drawing/2014/main" xmlns="" id="{95DB28CE-5E11-483C-96F0-7F42025329EA}"/>
+                <a16:creationId xmlns="" xmlns:a16="http://schemas.microsoft.com/office/drawing/2014/main" id="{95DB28CE-5E11-483C-96F0-7F42025329EA}"/>
               </a:ext>
             </a:extLst>
           </p:cNvPr>
@@ -14916,7 +14916,7 @@
             <a:hlinkClick r:id="rId50" action="ppaction://hlinksldjump"/>
             <a:extLst>
               <a:ext uri="{FF2B5EF4-FFF2-40B4-BE49-F238E27FC236}">
-                <a16:creationId xmlns:a16="http://schemas.microsoft.com/office/drawing/2014/main" xmlns="" id="{84B7AF37-DA67-495E-A89B-0DCD9D2DC409}"/>
+                <a16:creationId xmlns="" xmlns:a16="http://schemas.microsoft.com/office/drawing/2014/main" id="{84B7AF37-DA67-495E-A89B-0DCD9D2DC409}"/>
               </a:ext>
             </a:extLst>
           </p:cNvPr>
@@ -14929,7 +14929,7 @@
         </p:nvSpPr>
         <p:spPr>
           <a:xfrm>
-            <a:off x="5255554" y="4148829"/>
+            <a:off x="5299099" y="4529768"/>
             <a:ext cx="1389507" cy="364411"/>
           </a:xfrm>
           <a:prstGeom prst="roundRect">
@@ -14989,6 +14989,422 @@
           </a:p>
         </p:txBody>
       </p:sp>
+      <p:grpSp>
+        <p:nvGrpSpPr>
+          <p:cNvPr id="108" name="CheckBoxChecked">
+            <a:extLst>
+              <a:ext uri="{FF2B5EF4-FFF2-40B4-BE49-F238E27FC236}">
+                <a16:creationId xmlns="" xmlns:a16="http://schemas.microsoft.com/office/drawing/2014/main" xmlns:lc="http://schemas.openxmlformats.org/drawingml/2006/lockedCanvas" id="{4884B478-6612-4996-98EB-5A0C0A843327}"/>
+              </a:ext>
+            </a:extLst>
+          </p:cNvPr>
+          <p:cNvGrpSpPr/>
+          <p:nvPr/>
+        </p:nvGrpSpPr>
+        <p:grpSpPr>
+          <a:xfrm>
+            <a:off x="4977884" y="3970756"/>
+            <a:ext cx="2380888" cy="230832"/>
+            <a:chOff x="4317072" y="3312427"/>
+            <a:chExt cx="2380888" cy="230832"/>
+          </a:xfrm>
+        </p:grpSpPr>
+        <p:grpSp>
+          <p:nvGrpSpPr>
+            <p:cNvPr id="111" name="Group 2">
+              <a:extLst>
+                <a:ext uri="{FF2B5EF4-FFF2-40B4-BE49-F238E27FC236}">
+                  <a16:creationId xmlns="" xmlns:a16="http://schemas.microsoft.com/office/drawing/2014/main" xmlns:lc="http://schemas.openxmlformats.org/drawingml/2006/lockedCanvas" id="{F40F96F6-3960-4541-9691-5E67E1FAB7D4}"/>
+                </a:ext>
+              </a:extLst>
+            </p:cNvPr>
+            <p:cNvGrpSpPr/>
+            <p:nvPr/>
+          </p:nvGrpSpPr>
+          <p:grpSpPr>
+            <a:xfrm>
+              <a:off x="4354433" y="3312427"/>
+              <a:ext cx="2343527" cy="230832"/>
+              <a:chOff x="5179843" y="2087451"/>
+              <a:chExt cx="2196362" cy="216403"/>
+            </a:xfrm>
+          </p:grpSpPr>
+          <p:sp>
+            <p:nvSpPr>
+              <p:cNvPr id="113" name="Content">
+                <a:extLst>
+                  <a:ext uri="{FF2B5EF4-FFF2-40B4-BE49-F238E27FC236}">
+                    <a16:creationId xmlns="" xmlns:a16="http://schemas.microsoft.com/office/drawing/2014/main" xmlns:lc="http://schemas.openxmlformats.org/drawingml/2006/lockedCanvas" id="{7DC24B52-4BAD-46FD-B649-B92638474CFC}"/>
+                  </a:ext>
+                </a:extLst>
+              </p:cNvPr>
+              <p:cNvSpPr txBox="1"/>
+              <p:nvPr/>
+            </p:nvSpPr>
+            <p:spPr>
+              <a:xfrm>
+                <a:off x="5179843" y="2087451"/>
+                <a:ext cx="2196362" cy="216403"/>
+              </a:xfrm>
+              <a:prstGeom prst="rect">
+                <a:avLst/>
+              </a:prstGeom>
+              <a:noFill/>
+            </p:spPr>
+            <p:txBody>
+              <a:bodyPr wrap="none" lIns="164592" tIns="18288" rIns="45720" bIns="27432" rtlCol="0" anchor="ctr" anchorCtr="0">
+                <a:spAutoFit/>
+              </a:bodyPr>
+              <a:lstStyle>
+                <a:defPPr>
+                  <a:defRPr lang="es-MX"/>
+                </a:defPPr>
+                <a:lvl1pPr marL="0" algn="l" defTabSz="914400" rtl="0" eaLnBrk="1" latinLnBrk="0" hangingPunct="1">
+                  <a:defRPr sz="1800" kern="1200">
+                    <a:solidFill>
+                      <a:schemeClr val="tx1"/>
+                    </a:solidFill>
+                    <a:latin typeface="+mn-lt"/>
+                    <a:ea typeface="+mn-ea"/>
+                    <a:cs typeface="+mn-cs"/>
+                  </a:defRPr>
+                </a:lvl1pPr>
+                <a:lvl2pPr marL="457200" algn="l" defTabSz="914400" rtl="0" eaLnBrk="1" latinLnBrk="0" hangingPunct="1">
+                  <a:defRPr sz="1800" kern="1200">
+                    <a:solidFill>
+                      <a:schemeClr val="tx1"/>
+                    </a:solidFill>
+                    <a:latin typeface="+mn-lt"/>
+                    <a:ea typeface="+mn-ea"/>
+                    <a:cs typeface="+mn-cs"/>
+                  </a:defRPr>
+                </a:lvl2pPr>
+                <a:lvl3pPr marL="914400" algn="l" defTabSz="914400" rtl="0" eaLnBrk="1" latinLnBrk="0" hangingPunct="1">
+                  <a:defRPr sz="1800" kern="1200">
+                    <a:solidFill>
+                      <a:schemeClr val="tx1"/>
+                    </a:solidFill>
+                    <a:latin typeface="+mn-lt"/>
+                    <a:ea typeface="+mn-ea"/>
+                    <a:cs typeface="+mn-cs"/>
+                  </a:defRPr>
+                </a:lvl3pPr>
+                <a:lvl4pPr marL="1371600" algn="l" defTabSz="914400" rtl="0" eaLnBrk="1" latinLnBrk="0" hangingPunct="1">
+                  <a:defRPr sz="1800" kern="1200">
+                    <a:solidFill>
+                      <a:schemeClr val="tx1"/>
+                    </a:solidFill>
+                    <a:latin typeface="+mn-lt"/>
+                    <a:ea typeface="+mn-ea"/>
+                    <a:cs typeface="+mn-cs"/>
+                  </a:defRPr>
+                </a:lvl4pPr>
+                <a:lvl5pPr marL="1828800" algn="l" defTabSz="914400" rtl="0" eaLnBrk="1" latinLnBrk="0" hangingPunct="1">
+                  <a:defRPr sz="1800" kern="1200">
+                    <a:solidFill>
+                      <a:schemeClr val="tx1"/>
+                    </a:solidFill>
+                    <a:latin typeface="+mn-lt"/>
+                    <a:ea typeface="+mn-ea"/>
+                    <a:cs typeface="+mn-cs"/>
+                  </a:defRPr>
+                </a:lvl5pPr>
+                <a:lvl6pPr marL="2286000" algn="l" defTabSz="914400" rtl="0" eaLnBrk="1" latinLnBrk="0" hangingPunct="1">
+                  <a:defRPr sz="1800" kern="1200">
+                    <a:solidFill>
+                      <a:schemeClr val="tx1"/>
+                    </a:solidFill>
+                    <a:latin typeface="+mn-lt"/>
+                    <a:ea typeface="+mn-ea"/>
+                    <a:cs typeface="+mn-cs"/>
+                  </a:defRPr>
+                </a:lvl6pPr>
+                <a:lvl7pPr marL="2743200" algn="l" defTabSz="914400" rtl="0" eaLnBrk="1" latinLnBrk="0" hangingPunct="1">
+                  <a:defRPr sz="1800" kern="1200">
+                    <a:solidFill>
+                      <a:schemeClr val="tx1"/>
+                    </a:solidFill>
+                    <a:latin typeface="+mn-lt"/>
+                    <a:ea typeface="+mn-ea"/>
+                    <a:cs typeface="+mn-cs"/>
+                  </a:defRPr>
+                </a:lvl7pPr>
+                <a:lvl8pPr marL="3200400" algn="l" defTabSz="914400" rtl="0" eaLnBrk="1" latinLnBrk="0" hangingPunct="1">
+                  <a:defRPr sz="1800" kern="1200">
+                    <a:solidFill>
+                      <a:schemeClr val="tx1"/>
+                    </a:solidFill>
+                    <a:latin typeface="+mn-lt"/>
+                    <a:ea typeface="+mn-ea"/>
+                    <a:cs typeface="+mn-cs"/>
+                  </a:defRPr>
+                </a:lvl8pPr>
+                <a:lvl9pPr marL="3657600" algn="l" defTabSz="914400" rtl="0" eaLnBrk="1" latinLnBrk="0" hangingPunct="1">
+                  <a:defRPr sz="1800" kern="1200">
+                    <a:solidFill>
+                      <a:schemeClr val="tx1"/>
+                    </a:solidFill>
+                    <a:latin typeface="+mn-lt"/>
+                    <a:ea typeface="+mn-ea"/>
+                    <a:cs typeface="+mn-cs"/>
+                  </a:defRPr>
+                </a:lvl9pPr>
+              </a:lstStyle>
+              <a:p>
+                <a:r>
+                  <a:rPr lang="en-US" sz="1200" dirty="0" err="1" smtClean="0">
+                    <a:latin typeface="Segoe UI" pitchFamily="34" charset="0"/>
+                    <a:ea typeface="Segoe UI" pitchFamily="34" charset="0"/>
+                    <a:cs typeface="Segoe UI" pitchFamily="34" charset="0"/>
+                  </a:rPr>
+                  <a:t>Permitir</a:t>
+                </a:r>
+                <a:r>
+                  <a:rPr lang="en-US" sz="1200" dirty="0" smtClean="0">
+                    <a:latin typeface="Segoe UI" pitchFamily="34" charset="0"/>
+                    <a:ea typeface="Segoe UI" pitchFamily="34" charset="0"/>
+                    <a:cs typeface="Segoe UI" pitchFamily="34" charset="0"/>
+                  </a:rPr>
+                  <a:t> </a:t>
+                </a:r>
+                <a:r>
+                  <a:rPr lang="en-US" sz="1200" dirty="0" err="1" smtClean="0">
+                    <a:latin typeface="Segoe UI" pitchFamily="34" charset="0"/>
+                    <a:ea typeface="Segoe UI" pitchFamily="34" charset="0"/>
+                    <a:cs typeface="Segoe UI" pitchFamily="34" charset="0"/>
+                  </a:rPr>
+                  <a:t>edición</a:t>
+                </a:r>
+                <a:r>
+                  <a:rPr lang="en-US" sz="1200" dirty="0" smtClean="0">
+                    <a:latin typeface="Segoe UI" pitchFamily="34" charset="0"/>
+                    <a:ea typeface="Segoe UI" pitchFamily="34" charset="0"/>
+                    <a:cs typeface="Segoe UI" pitchFamily="34" charset="0"/>
+                  </a:rPr>
+                  <a:t> del </a:t>
+                </a:r>
+                <a:r>
+                  <a:rPr lang="en-US" sz="1200" dirty="0" err="1" smtClean="0">
+                    <a:latin typeface="Segoe UI" pitchFamily="34" charset="0"/>
+                    <a:ea typeface="Segoe UI" pitchFamily="34" charset="0"/>
+                    <a:cs typeface="Segoe UI" pitchFamily="34" charset="0"/>
+                  </a:rPr>
+                  <a:t>documento</a:t>
+                </a:r>
+                <a:endParaRPr lang="en-US" sz="1200" dirty="0">
+                  <a:latin typeface="Segoe UI" pitchFamily="34" charset="0"/>
+                  <a:ea typeface="Segoe UI" pitchFamily="34" charset="0"/>
+                  <a:cs typeface="Segoe UI" pitchFamily="34" charset="0"/>
+                </a:endParaRPr>
+              </a:p>
+            </p:txBody>
+          </p:sp>
+          <p:sp>
+            <p:nvSpPr>
+              <p:cNvPr id="114" name="CheckBox">
+                <a:extLst>
+                  <a:ext uri="{FF2B5EF4-FFF2-40B4-BE49-F238E27FC236}">
+                    <a16:creationId xmlns="" xmlns:a16="http://schemas.microsoft.com/office/drawing/2014/main" xmlns:lc="http://schemas.openxmlformats.org/drawingml/2006/lockedCanvas" id="{300FB81C-A9A7-41B3-A7A6-B1974E66DA8D}"/>
+                  </a:ext>
+                </a:extLst>
+              </p:cNvPr>
+              <p:cNvSpPr/>
+              <p:nvPr/>
+            </p:nvSpPr>
+            <p:spPr>
+              <a:xfrm>
+                <a:off x="5179843" y="2150902"/>
+                <a:ext cx="100012" cy="97631"/>
+              </a:xfrm>
+              <a:prstGeom prst="rect">
+                <a:avLst/>
+              </a:prstGeom>
+              <a:solidFill>
+                <a:srgbClr val="FFFFFF"/>
+              </a:solidFill>
+              <a:ln w="3175">
+                <a:solidFill>
+                  <a:srgbClr val="FFFFFF">
+                    <a:lumMod val="65000"/>
+                  </a:srgbClr>
+                </a:solidFill>
+              </a:ln>
+              <a:effectLst>
+                <a:innerShdw blurRad="63500">
+                  <a:prstClr val="black">
+                    <a:alpha val="17000"/>
+                  </a:prstClr>
+                </a:innerShdw>
+              </a:effectLst>
+            </p:spPr>
+            <p:style>
+              <a:lnRef idx="2">
+                <a:srgbClr val="4F81BD">
+                  <a:shade val="50000"/>
+                </a:srgbClr>
+              </a:lnRef>
+              <a:fillRef idx="1">
+                <a:srgbClr val="4F81BD"/>
+              </a:fillRef>
+              <a:effectRef idx="0">
+                <a:srgbClr val="4F81BD"/>
+              </a:effectRef>
+              <a:fontRef idx="minor">
+                <a:srgbClr val="000000"/>
+              </a:fontRef>
+            </p:style>
+            <p:txBody>
+              <a:bodyPr rtlCol="0" anchor="ctr"/>
+              <a:lstStyle>
+                <a:defPPr>
+                  <a:defRPr lang="es-MX"/>
+                </a:defPPr>
+                <a:lvl1pPr marL="0" algn="l" defTabSz="914400" rtl="0" eaLnBrk="1" latinLnBrk="0" hangingPunct="1">
+                  <a:defRPr sz="1800" kern="1200">
+                    <a:solidFill>
+                      <a:srgbClr val="000000"/>
+                    </a:solidFill>
+                    <a:latin typeface="+mn-lt"/>
+                    <a:ea typeface="+mn-ea"/>
+                    <a:cs typeface="+mn-cs"/>
+                  </a:defRPr>
+                </a:lvl1pPr>
+                <a:lvl2pPr marL="457200" algn="l" defTabSz="914400" rtl="0" eaLnBrk="1" latinLnBrk="0" hangingPunct="1">
+                  <a:defRPr sz="1800" kern="1200">
+                    <a:solidFill>
+                      <a:srgbClr val="000000"/>
+                    </a:solidFill>
+                    <a:latin typeface="+mn-lt"/>
+                    <a:ea typeface="+mn-ea"/>
+                    <a:cs typeface="+mn-cs"/>
+                  </a:defRPr>
+                </a:lvl2pPr>
+                <a:lvl3pPr marL="914400" algn="l" defTabSz="914400" rtl="0" eaLnBrk="1" latinLnBrk="0" hangingPunct="1">
+                  <a:defRPr sz="1800" kern="1200">
+                    <a:solidFill>
+                      <a:srgbClr val="000000"/>
+                    </a:solidFill>
+                    <a:latin typeface="+mn-lt"/>
+                    <a:ea typeface="+mn-ea"/>
+                    <a:cs typeface="+mn-cs"/>
+                  </a:defRPr>
+                </a:lvl3pPr>
+                <a:lvl4pPr marL="1371600" algn="l" defTabSz="914400" rtl="0" eaLnBrk="1" latinLnBrk="0" hangingPunct="1">
+                  <a:defRPr sz="1800" kern="1200">
+                    <a:solidFill>
+                      <a:srgbClr val="000000"/>
+                    </a:solidFill>
+                    <a:latin typeface="+mn-lt"/>
+                    <a:ea typeface="+mn-ea"/>
+                    <a:cs typeface="+mn-cs"/>
+                  </a:defRPr>
+                </a:lvl4pPr>
+                <a:lvl5pPr marL="1828800" algn="l" defTabSz="914400" rtl="0" eaLnBrk="1" latinLnBrk="0" hangingPunct="1">
+                  <a:defRPr sz="1800" kern="1200">
+                    <a:solidFill>
+                      <a:srgbClr val="000000"/>
+                    </a:solidFill>
+                    <a:latin typeface="+mn-lt"/>
+                    <a:ea typeface="+mn-ea"/>
+                    <a:cs typeface="+mn-cs"/>
+                  </a:defRPr>
+                </a:lvl5pPr>
+                <a:lvl6pPr marL="2286000" algn="l" defTabSz="914400" rtl="0" eaLnBrk="1" latinLnBrk="0" hangingPunct="1">
+                  <a:defRPr sz="1800" kern="1200">
+                    <a:solidFill>
+                      <a:srgbClr val="000000"/>
+                    </a:solidFill>
+                    <a:latin typeface="+mn-lt"/>
+                    <a:ea typeface="+mn-ea"/>
+                    <a:cs typeface="+mn-cs"/>
+                  </a:defRPr>
+                </a:lvl6pPr>
+                <a:lvl7pPr marL="2743200" algn="l" defTabSz="914400" rtl="0" eaLnBrk="1" latinLnBrk="0" hangingPunct="1">
+                  <a:defRPr sz="1800" kern="1200">
+                    <a:solidFill>
+                      <a:srgbClr val="000000"/>
+                    </a:solidFill>
+                    <a:latin typeface="+mn-lt"/>
+                    <a:ea typeface="+mn-ea"/>
+                    <a:cs typeface="+mn-cs"/>
+                  </a:defRPr>
+                </a:lvl7pPr>
+                <a:lvl8pPr marL="3200400" algn="l" defTabSz="914400" rtl="0" eaLnBrk="1" latinLnBrk="0" hangingPunct="1">
+                  <a:defRPr sz="1800" kern="1200">
+                    <a:solidFill>
+                      <a:srgbClr val="000000"/>
+                    </a:solidFill>
+                    <a:latin typeface="+mn-lt"/>
+                    <a:ea typeface="+mn-ea"/>
+                    <a:cs typeface="+mn-cs"/>
+                  </a:defRPr>
+                </a:lvl8pPr>
+                <a:lvl9pPr marL="3657600" algn="l" defTabSz="914400" rtl="0" eaLnBrk="1" latinLnBrk="0" hangingPunct="1">
+                  <a:defRPr sz="1800" kern="1200">
+                    <a:solidFill>
+                      <a:srgbClr val="000000"/>
+                    </a:solidFill>
+                    <a:latin typeface="+mn-lt"/>
+                    <a:ea typeface="+mn-ea"/>
+                    <a:cs typeface="+mn-cs"/>
+                  </a:defRPr>
+                </a:lvl9pPr>
+              </a:lstStyle>
+              <a:p>
+                <a:pPr algn="ctr"/>
+                <a:endParaRPr lang="en-US" dirty="0"/>
+              </a:p>
+            </p:txBody>
+          </p:sp>
+        </p:grpSp>
+        <p:pic>
+          <p:nvPicPr>
+            <p:cNvPr id="112" name="Check" descr="C:\Users\t-dantay\Documents\WPIcons\appbar.check.rest.png">
+              <a:extLst>
+                <a:ext uri="{FF2B5EF4-FFF2-40B4-BE49-F238E27FC236}">
+                  <a16:creationId xmlns="" xmlns:a16="http://schemas.microsoft.com/office/drawing/2014/main" xmlns:lc="http://schemas.openxmlformats.org/drawingml/2006/lockedCanvas" id="{E111E3CA-A5B7-430F-9A4D-54003F6E3F1F}"/>
+                </a:ext>
+              </a:extLst>
+            </p:cNvPr>
+            <p:cNvPicPr>
+              <a:picLocks noChangeAspect="1" noChangeArrowheads="1"/>
+            </p:cNvPicPr>
+            <p:nvPr/>
+          </p:nvPicPr>
+          <p:blipFill>
+            <a:blip r:embed="rId51" cstate="print">
+              <a:extLst>
+                <a:ext uri="{28A0092B-C50C-407E-A947-70E740481C1C}">
+                  <a14:useLocalDpi xmlns:a14="http://schemas.microsoft.com/office/drawing/2010/main" val="0"/>
+                </a:ext>
+              </a:extLst>
+            </a:blip>
+            <a:srcRect/>
+            <a:stretch>
+              <a:fillRect/>
+            </a:stretch>
+          </p:blipFill>
+          <p:spPr bwMode="auto">
+            <a:xfrm>
+              <a:off x="4317072" y="3344359"/>
+              <a:ext cx="182880" cy="182880"/>
+            </a:xfrm>
+            <a:prstGeom prst="rect">
+              <a:avLst/>
+            </a:prstGeom>
+            <a:noFill/>
+            <a:extLst>
+              <a:ext uri="{909E8E84-426E-40DD-AFC4-6F175D3DCCD1}">
+                <a14:hiddenFill xmlns:a14="http://schemas.microsoft.com/office/drawing/2010/main">
+                  <a:solidFill>
+                    <a:srgbClr val="FFFFFF"/>
+                  </a:solidFill>
+                </a14:hiddenFill>
+              </a:ext>
+            </a:extLst>
+          </p:spPr>
+        </p:pic>
+      </p:grpSp>
     </p:spTree>
     <p:extLst>
       <p:ext uri="{BB962C8B-B14F-4D97-AF65-F5344CB8AC3E}">
@@ -15031,7 +15447,7 @@
           <p:cNvPr id="144" name="Group 2">
             <a:extLst>
               <a:ext uri="{FF2B5EF4-FFF2-40B4-BE49-F238E27FC236}">
-                <a16:creationId xmlns:a16="http://schemas.microsoft.com/office/drawing/2014/main" xmlns="" id="{21C3B3EC-4037-44E8-85BF-708C74AD4625}"/>
+                <a16:creationId xmlns="" xmlns:a16="http://schemas.microsoft.com/office/drawing/2014/main" id="{21C3B3EC-4037-44E8-85BF-708C74AD4625}"/>
               </a:ext>
             </a:extLst>
           </p:cNvPr>
@@ -15051,7 +15467,7 @@
             <p:cNvPr id="145" name="Group 4">
               <a:extLst>
                 <a:ext uri="{FF2B5EF4-FFF2-40B4-BE49-F238E27FC236}">
-                  <a16:creationId xmlns:a16="http://schemas.microsoft.com/office/drawing/2014/main" xmlns="" id="{A0C0DFB6-AF4B-40E2-BD00-C0F08DFEB32E}"/>
+                  <a16:creationId xmlns="" xmlns:a16="http://schemas.microsoft.com/office/drawing/2014/main" id="{A0C0DFB6-AF4B-40E2-BD00-C0F08DFEB32E}"/>
                 </a:ext>
               </a:extLst>
             </p:cNvPr>
@@ -15071,7 +15487,7 @@
               <p:cNvPr id="147" name="Rounded Rectangle 6">
                 <a:extLst>
                   <a:ext uri="{FF2B5EF4-FFF2-40B4-BE49-F238E27FC236}">
-                    <a16:creationId xmlns:a16="http://schemas.microsoft.com/office/drawing/2014/main" xmlns="" id="{AE508296-F38E-4A9A-8FD9-B634376973D8}"/>
+                    <a16:creationId xmlns="" xmlns:a16="http://schemas.microsoft.com/office/drawing/2014/main" id="{AE508296-F38E-4A9A-8FD9-B634376973D8}"/>
                   </a:ext>
                 </a:extLst>
               </p:cNvPr>
@@ -15134,7 +15550,7 @@
               <p:cNvPr id="148" name="Rounded Rectangle 7">
                 <a:extLst>
                   <a:ext uri="{FF2B5EF4-FFF2-40B4-BE49-F238E27FC236}">
-                    <a16:creationId xmlns:a16="http://schemas.microsoft.com/office/drawing/2014/main" xmlns="" id="{34A37947-C08E-46E9-866C-C649B1BC45D4}"/>
+                    <a16:creationId xmlns="" xmlns:a16="http://schemas.microsoft.com/office/drawing/2014/main" id="{34A37947-C08E-46E9-866C-C649B1BC45D4}"/>
                   </a:ext>
                 </a:extLst>
               </p:cNvPr>
@@ -15194,7 +15610,7 @@
               <p:cNvPr id="149" name="Rectangle 8">
                 <a:extLst>
                   <a:ext uri="{FF2B5EF4-FFF2-40B4-BE49-F238E27FC236}">
-                    <a16:creationId xmlns:a16="http://schemas.microsoft.com/office/drawing/2014/main" xmlns="" id="{4C539735-0B90-4BC8-B249-69C1B8B1CCC0}"/>
+                    <a16:creationId xmlns="" xmlns:a16="http://schemas.microsoft.com/office/drawing/2014/main" id="{4C539735-0B90-4BC8-B249-69C1B8B1CCC0}"/>
                   </a:ext>
                 </a:extLst>
               </p:cNvPr>
@@ -15252,7 +15668,7 @@
               <p:cNvPr id="150" name="Rounded Rectangle 11">
                 <a:extLst>
                   <a:ext uri="{FF2B5EF4-FFF2-40B4-BE49-F238E27FC236}">
-                    <a16:creationId xmlns:a16="http://schemas.microsoft.com/office/drawing/2014/main" xmlns="" id="{120D33B5-CFCB-4104-AB8C-1916149D9BCA}"/>
+                    <a16:creationId xmlns="" xmlns:a16="http://schemas.microsoft.com/office/drawing/2014/main" id="{120D33B5-CFCB-4104-AB8C-1916149D9BCA}"/>
                   </a:ext>
                 </a:extLst>
               </p:cNvPr>
@@ -15311,7 +15727,7 @@
             <p:cNvPr id="146" name="Rectangle 5">
               <a:extLst>
                 <a:ext uri="{FF2B5EF4-FFF2-40B4-BE49-F238E27FC236}">
-                  <a16:creationId xmlns:a16="http://schemas.microsoft.com/office/drawing/2014/main" xmlns="" id="{20E130B0-2F7C-4A32-829C-7389639398C1}"/>
+                  <a16:creationId xmlns="" xmlns:a16="http://schemas.microsoft.com/office/drawing/2014/main" id="{20E130B0-2F7C-4A32-829C-7389639398C1}"/>
                 </a:ext>
               </a:extLst>
             </p:cNvPr>
@@ -15388,7 +15804,7 @@
           <p:cNvPr id="151" name="Tile">
             <a:extLst>
               <a:ext uri="{FF2B5EF4-FFF2-40B4-BE49-F238E27FC236}">
-                <a16:creationId xmlns:a16="http://schemas.microsoft.com/office/drawing/2014/main" xmlns="" id="{08E47932-A220-4DD3-B2E5-C13ADE217F04}"/>
+                <a16:creationId xmlns="" xmlns:a16="http://schemas.microsoft.com/office/drawing/2014/main" id="{08E47932-A220-4DD3-B2E5-C13ADE217F04}"/>
               </a:ext>
             </a:extLst>
           </p:cNvPr>
@@ -15446,7 +15862,7 @@
           <p:cNvPr id="152" name="Imagen 19" descr="Imagen que contiene gráficos vectoriales&#10;&#10;Descripción generada con confianza muy alta">
             <a:extLst>
               <a:ext uri="{FF2B5EF4-FFF2-40B4-BE49-F238E27FC236}">
-                <a16:creationId xmlns:a16="http://schemas.microsoft.com/office/drawing/2014/main" xmlns="" id="{67210019-63D8-41DC-983D-FE73F57DA3AC}"/>
+                <a16:creationId xmlns="" xmlns:a16="http://schemas.microsoft.com/office/drawing/2014/main" id="{67210019-63D8-41DC-983D-FE73F57DA3AC}"/>
               </a:ext>
             </a:extLst>
           </p:cNvPr>
@@ -15482,7 +15898,7 @@
           <p:cNvPr id="153" name="Imagen 16" descr="Imagen que contiene señal, objeto, reloj&#10;&#10;Descripción generada con confianza muy alta">
             <a:extLst>
               <a:ext uri="{FF2B5EF4-FFF2-40B4-BE49-F238E27FC236}">
-                <a16:creationId xmlns:a16="http://schemas.microsoft.com/office/drawing/2014/main" xmlns="" id="{2A04E46A-9376-4361-BE17-33C8DE35B1F4}"/>
+                <a16:creationId xmlns="" xmlns:a16="http://schemas.microsoft.com/office/drawing/2014/main" id="{2A04E46A-9376-4361-BE17-33C8DE35B1F4}"/>
               </a:ext>
             </a:extLst>
           </p:cNvPr>
@@ -15518,7 +15934,7 @@
           <p:cNvPr id="154" name="Imagen 17">
             <a:extLst>
               <a:ext uri="{FF2B5EF4-FFF2-40B4-BE49-F238E27FC236}">
-                <a16:creationId xmlns:a16="http://schemas.microsoft.com/office/drawing/2014/main" xmlns="" id="{02F224D2-FFB7-4970-A14D-610D657E7DC6}"/>
+                <a16:creationId xmlns="" xmlns:a16="http://schemas.microsoft.com/office/drawing/2014/main" id="{02F224D2-FFB7-4970-A14D-610D657E7DC6}"/>
               </a:ext>
             </a:extLst>
           </p:cNvPr>
@@ -15555,7 +15971,7 @@
             <a:hlinkClick r:id="rId19" action="ppaction://hlinksldjump"/>
             <a:extLst>
               <a:ext uri="{FF2B5EF4-FFF2-40B4-BE49-F238E27FC236}">
-                <a16:creationId xmlns:a16="http://schemas.microsoft.com/office/drawing/2014/main" xmlns="" id="{1A20770D-092E-4D69-B065-9444D0C21BB9}"/>
+                <a16:creationId xmlns="" xmlns:a16="http://schemas.microsoft.com/office/drawing/2014/main" id="{1A20770D-092E-4D69-B065-9444D0C21BB9}"/>
               </a:ext>
             </a:extLst>
           </p:cNvPr>
@@ -15591,7 +16007,7 @@
           <p:cNvPr id="156" name="Imagen 26">
             <a:extLst>
               <a:ext uri="{FF2B5EF4-FFF2-40B4-BE49-F238E27FC236}">
-                <a16:creationId xmlns:a16="http://schemas.microsoft.com/office/drawing/2014/main" xmlns="" id="{5747D6C6-E608-49B0-A252-0FD9E7C707B8}"/>
+                <a16:creationId xmlns="" xmlns:a16="http://schemas.microsoft.com/office/drawing/2014/main" id="{5747D6C6-E608-49B0-A252-0FD9E7C707B8}"/>
               </a:ext>
             </a:extLst>
           </p:cNvPr>
@@ -15627,7 +16043,7 @@
           <p:cNvPr id="157" name="Content">
             <a:extLst>
               <a:ext uri="{FF2B5EF4-FFF2-40B4-BE49-F238E27FC236}">
-                <a16:creationId xmlns:a16="http://schemas.microsoft.com/office/drawing/2014/main" xmlns="" id="{7C5DA1DF-3C1A-46C4-9F5A-BEADD0B9E34B}"/>
+                <a16:creationId xmlns="" xmlns:a16="http://schemas.microsoft.com/office/drawing/2014/main" id="{7C5DA1DF-3C1A-46C4-9F5A-BEADD0B9E34B}"/>
               </a:ext>
             </a:extLst>
           </p:cNvPr>
@@ -15687,7 +16103,7 @@
             <a:hlinkClick r:id="rId22"/>
             <a:extLst>
               <a:ext uri="{FF2B5EF4-FFF2-40B4-BE49-F238E27FC236}">
-                <a16:creationId xmlns:a16="http://schemas.microsoft.com/office/drawing/2014/main" xmlns="" id="{19CE0A23-B208-4D09-A27D-B74C11BE535A}"/>
+                <a16:creationId xmlns="" xmlns:a16="http://schemas.microsoft.com/office/drawing/2014/main" id="{19CE0A23-B208-4D09-A27D-B74C11BE535A}"/>
               </a:ext>
             </a:extLst>
           </p:cNvPr>
@@ -15734,7 +16150,7 @@
           <p:cNvPr id="159" name="Grupo 1">
             <a:extLst>
               <a:ext uri="{FF2B5EF4-FFF2-40B4-BE49-F238E27FC236}">
-                <a16:creationId xmlns:a16="http://schemas.microsoft.com/office/drawing/2014/main" xmlns="" id="{EE9824E3-0111-4056-9B6F-168C15087DA8}"/>
+                <a16:creationId xmlns="" xmlns:a16="http://schemas.microsoft.com/office/drawing/2014/main" id="{EE9824E3-0111-4056-9B6F-168C15087DA8}"/>
               </a:ext>
             </a:extLst>
           </p:cNvPr>
@@ -15754,7 +16170,7 @@
             <p:cNvPr id="160" name="Rectángulo: esquinas redondeadas 49">
               <a:extLst>
                 <a:ext uri="{FF2B5EF4-FFF2-40B4-BE49-F238E27FC236}">
-                  <a16:creationId xmlns:a16="http://schemas.microsoft.com/office/drawing/2014/main" xmlns="" id="{4A499154-A38A-401D-B96C-DBA441BD9CF1}"/>
+                  <a16:creationId xmlns="" xmlns:a16="http://schemas.microsoft.com/office/drawing/2014/main" id="{4A499154-A38A-401D-B96C-DBA441BD9CF1}"/>
                 </a:ext>
               </a:extLst>
             </p:cNvPr>
@@ -15808,7 +16224,7 @@
             <p:cNvPr id="161" name="Imagen 50">
               <a:extLst>
                 <a:ext uri="{FF2B5EF4-FFF2-40B4-BE49-F238E27FC236}">
-                  <a16:creationId xmlns:a16="http://schemas.microsoft.com/office/drawing/2014/main" xmlns="" id="{1749696F-6BC8-48C3-BDBC-FC3F83ABFECC}"/>
+                  <a16:creationId xmlns="" xmlns:a16="http://schemas.microsoft.com/office/drawing/2014/main" id="{1749696F-6BC8-48C3-BDBC-FC3F83ABFECC}"/>
                 </a:ext>
               </a:extLst>
             </p:cNvPr>
@@ -15844,7 +16260,7 @@
             <p:cNvPr id="162" name="Content">
               <a:extLst>
                 <a:ext uri="{FF2B5EF4-FFF2-40B4-BE49-F238E27FC236}">
-                  <a16:creationId xmlns:a16="http://schemas.microsoft.com/office/drawing/2014/main" xmlns="" id="{05642A9C-ACC8-4348-9380-2056B386390D}"/>
+                  <a16:creationId xmlns="" xmlns:a16="http://schemas.microsoft.com/office/drawing/2014/main" id="{05642A9C-ACC8-4348-9380-2056B386390D}"/>
                 </a:ext>
               </a:extLst>
             </p:cNvPr>
@@ -15901,7 +16317,7 @@
             <p:cNvPr id="163" name="Content">
               <a:extLst>
                 <a:ext uri="{FF2B5EF4-FFF2-40B4-BE49-F238E27FC236}">
-                  <a16:creationId xmlns:a16="http://schemas.microsoft.com/office/drawing/2014/main" xmlns="" id="{AD529EFE-7EE7-4FB6-878C-1AA2895A776C}"/>
+                  <a16:creationId xmlns="" xmlns:a16="http://schemas.microsoft.com/office/drawing/2014/main" id="{AD529EFE-7EE7-4FB6-878C-1AA2895A776C}"/>
                 </a:ext>
               </a:extLst>
             </p:cNvPr>
@@ -15948,7 +16364,7 @@
           <p:cNvPr id="164" name="Grupo 53">
             <a:extLst>
               <a:ext uri="{FF2B5EF4-FFF2-40B4-BE49-F238E27FC236}">
-                <a16:creationId xmlns:a16="http://schemas.microsoft.com/office/drawing/2014/main" xmlns="" id="{57CCFBA8-B3B4-4126-8154-1373E866F48D}"/>
+                <a16:creationId xmlns="" xmlns:a16="http://schemas.microsoft.com/office/drawing/2014/main" id="{57CCFBA8-B3B4-4126-8154-1373E866F48D}"/>
               </a:ext>
             </a:extLst>
           </p:cNvPr>
@@ -15968,7 +16384,7 @@
             <p:cNvPr id="165" name="Rectángulo: esquinas redondeadas 54">
               <a:extLst>
                 <a:ext uri="{FF2B5EF4-FFF2-40B4-BE49-F238E27FC236}">
-                  <a16:creationId xmlns:a16="http://schemas.microsoft.com/office/drawing/2014/main" xmlns="" id="{D8C3A1AD-7950-4DD9-B546-809559A2C6AD}"/>
+                  <a16:creationId xmlns="" xmlns:a16="http://schemas.microsoft.com/office/drawing/2014/main" id="{D8C3A1AD-7950-4DD9-B546-809559A2C6AD}"/>
                 </a:ext>
               </a:extLst>
             </p:cNvPr>
@@ -16022,7 +16438,7 @@
             <p:cNvPr id="166" name="Imagen 55">
               <a:extLst>
                 <a:ext uri="{FF2B5EF4-FFF2-40B4-BE49-F238E27FC236}">
-                  <a16:creationId xmlns:a16="http://schemas.microsoft.com/office/drawing/2014/main" xmlns="" id="{BB746016-F075-4744-96DC-389C856630B2}"/>
+                  <a16:creationId xmlns="" xmlns:a16="http://schemas.microsoft.com/office/drawing/2014/main" id="{BB746016-F075-4744-96DC-389C856630B2}"/>
                 </a:ext>
               </a:extLst>
             </p:cNvPr>
@@ -16058,7 +16474,7 @@
             <p:cNvPr id="167" name="Content">
               <a:extLst>
                 <a:ext uri="{FF2B5EF4-FFF2-40B4-BE49-F238E27FC236}">
-                  <a16:creationId xmlns:a16="http://schemas.microsoft.com/office/drawing/2014/main" xmlns="" id="{016F6133-3186-40AA-822D-359C4BF94DB7}"/>
+                  <a16:creationId xmlns="" xmlns:a16="http://schemas.microsoft.com/office/drawing/2014/main" id="{016F6133-3186-40AA-822D-359C4BF94DB7}"/>
                 </a:ext>
               </a:extLst>
             </p:cNvPr>
@@ -16115,7 +16531,7 @@
             <p:cNvPr id="168" name="Content">
               <a:extLst>
                 <a:ext uri="{FF2B5EF4-FFF2-40B4-BE49-F238E27FC236}">
-                  <a16:creationId xmlns:a16="http://schemas.microsoft.com/office/drawing/2014/main" xmlns="" id="{D0A0CD3A-AB42-4206-8D6B-DF22761D1783}"/>
+                  <a16:creationId xmlns="" xmlns:a16="http://schemas.microsoft.com/office/drawing/2014/main" id="{D0A0CD3A-AB42-4206-8D6B-DF22761D1783}"/>
                 </a:ext>
               </a:extLst>
             </p:cNvPr>
@@ -16162,7 +16578,7 @@
           <p:cNvPr id="169" name="Grupo 58">
             <a:extLst>
               <a:ext uri="{FF2B5EF4-FFF2-40B4-BE49-F238E27FC236}">
-                <a16:creationId xmlns:a16="http://schemas.microsoft.com/office/drawing/2014/main" xmlns="" id="{CE4DC463-8C0F-43F7-8520-38D224910DF6}"/>
+                <a16:creationId xmlns="" xmlns:a16="http://schemas.microsoft.com/office/drawing/2014/main" id="{CE4DC463-8C0F-43F7-8520-38D224910DF6}"/>
               </a:ext>
             </a:extLst>
           </p:cNvPr>
@@ -16182,7 +16598,7 @@
             <p:cNvPr id="170" name="Rectángulo: esquinas redondeadas 59">
               <a:extLst>
                 <a:ext uri="{FF2B5EF4-FFF2-40B4-BE49-F238E27FC236}">
-                  <a16:creationId xmlns:a16="http://schemas.microsoft.com/office/drawing/2014/main" xmlns="" id="{CA664D87-CF34-4B7D-B225-5F656A9CB4CD}"/>
+                  <a16:creationId xmlns="" xmlns:a16="http://schemas.microsoft.com/office/drawing/2014/main" id="{CA664D87-CF34-4B7D-B225-5F656A9CB4CD}"/>
                 </a:ext>
               </a:extLst>
             </p:cNvPr>
@@ -16238,7 +16654,7 @@
             <p:cNvPr id="171" name="Imagen 60">
               <a:extLst>
                 <a:ext uri="{FF2B5EF4-FFF2-40B4-BE49-F238E27FC236}">
-                  <a16:creationId xmlns:a16="http://schemas.microsoft.com/office/drawing/2014/main" xmlns="" id="{3AAC0AAD-D738-4173-975B-89D599EBF7B2}"/>
+                  <a16:creationId xmlns="" xmlns:a16="http://schemas.microsoft.com/office/drawing/2014/main" id="{3AAC0AAD-D738-4173-975B-89D599EBF7B2}"/>
                 </a:ext>
               </a:extLst>
             </p:cNvPr>
@@ -16274,7 +16690,7 @@
             <p:cNvPr id="172" name="Content">
               <a:extLst>
                 <a:ext uri="{FF2B5EF4-FFF2-40B4-BE49-F238E27FC236}">
-                  <a16:creationId xmlns:a16="http://schemas.microsoft.com/office/drawing/2014/main" xmlns="" id="{51E8E920-3B6D-4E95-A39F-29379D0BA5AB}"/>
+                  <a16:creationId xmlns="" xmlns:a16="http://schemas.microsoft.com/office/drawing/2014/main" id="{51E8E920-3B6D-4E95-A39F-29379D0BA5AB}"/>
                 </a:ext>
               </a:extLst>
             </p:cNvPr>
@@ -16331,7 +16747,7 @@
             <p:cNvPr id="173" name="Content">
               <a:extLst>
                 <a:ext uri="{FF2B5EF4-FFF2-40B4-BE49-F238E27FC236}">
-                  <a16:creationId xmlns:a16="http://schemas.microsoft.com/office/drawing/2014/main" xmlns="" id="{BF32D5C4-4C24-498A-BF4A-C4AC83BC32C6}"/>
+                  <a16:creationId xmlns="" xmlns:a16="http://schemas.microsoft.com/office/drawing/2014/main" id="{BF32D5C4-4C24-498A-BF4A-C4AC83BC32C6}"/>
                 </a:ext>
               </a:extLst>
             </p:cNvPr>
@@ -16378,7 +16794,7 @@
           <p:cNvPr id="174" name="Grupo 2">
             <a:extLst>
               <a:ext uri="{FF2B5EF4-FFF2-40B4-BE49-F238E27FC236}">
-                <a16:creationId xmlns:a16="http://schemas.microsoft.com/office/drawing/2014/main" xmlns="" id="{42018776-E0F2-4495-95CB-010747D7D92E}"/>
+                <a16:creationId xmlns="" xmlns:a16="http://schemas.microsoft.com/office/drawing/2014/main" id="{42018776-E0F2-4495-95CB-010747D7D92E}"/>
               </a:ext>
             </a:extLst>
           </p:cNvPr>
@@ -16400,7 +16816,7 @@
             <p:cNvPr id="175" name="Rectángulo: esquinas redondeadas 45">
               <a:extLst>
                 <a:ext uri="{FF2B5EF4-FFF2-40B4-BE49-F238E27FC236}">
-                  <a16:creationId xmlns:a16="http://schemas.microsoft.com/office/drawing/2014/main" xmlns="" id="{9A515DD0-D0F6-44A6-A287-D1B2FAEDE56B}"/>
+                  <a16:creationId xmlns="" xmlns:a16="http://schemas.microsoft.com/office/drawing/2014/main" id="{9A515DD0-D0F6-44A6-A287-D1B2FAEDE56B}"/>
                 </a:ext>
               </a:extLst>
             </p:cNvPr>
@@ -16456,7 +16872,7 @@
             <p:cNvPr id="176" name="Imagen 46">
               <a:extLst>
                 <a:ext uri="{FF2B5EF4-FFF2-40B4-BE49-F238E27FC236}">
-                  <a16:creationId xmlns:a16="http://schemas.microsoft.com/office/drawing/2014/main" xmlns="" id="{992BB558-DBA3-4E8B-92F4-B91B065B79FB}"/>
+                  <a16:creationId xmlns="" xmlns:a16="http://schemas.microsoft.com/office/drawing/2014/main" id="{992BB558-DBA3-4E8B-92F4-B91B065B79FB}"/>
                 </a:ext>
               </a:extLst>
             </p:cNvPr>
@@ -16492,7 +16908,7 @@
             <p:cNvPr id="177" name="Imagen 47">
               <a:extLst>
                 <a:ext uri="{FF2B5EF4-FFF2-40B4-BE49-F238E27FC236}">
-                  <a16:creationId xmlns:a16="http://schemas.microsoft.com/office/drawing/2014/main" xmlns="" id="{F73B8329-226B-4314-9548-D4BB08CA12EA}"/>
+                  <a16:creationId xmlns="" xmlns:a16="http://schemas.microsoft.com/office/drawing/2014/main" id="{F73B8329-226B-4314-9548-D4BB08CA12EA}"/>
                 </a:ext>
               </a:extLst>
             </p:cNvPr>
@@ -16528,7 +16944,7 @@
             <p:cNvPr id="178" name="Imagen 48">
               <a:extLst>
                 <a:ext uri="{FF2B5EF4-FFF2-40B4-BE49-F238E27FC236}">
-                  <a16:creationId xmlns:a16="http://schemas.microsoft.com/office/drawing/2014/main" xmlns="" id="{8A1F7094-BAEB-4549-AFBF-99085B79995D}"/>
+                  <a16:creationId xmlns="" xmlns:a16="http://schemas.microsoft.com/office/drawing/2014/main" id="{8A1F7094-BAEB-4549-AFBF-99085B79995D}"/>
                 </a:ext>
               </a:extLst>
             </p:cNvPr>
@@ -16566,7 +16982,7 @@
             <a:hlinkClick r:id="rId30" action="ppaction://hlinksldjump"/>
             <a:extLst>
               <a:ext uri="{FF2B5EF4-FFF2-40B4-BE49-F238E27FC236}">
-                <a16:creationId xmlns:a16="http://schemas.microsoft.com/office/drawing/2014/main" xmlns="" id="{559A4BEA-9153-487D-9C14-7A210F4D96E1}"/>
+                <a16:creationId xmlns="" xmlns:a16="http://schemas.microsoft.com/office/drawing/2014/main" id="{559A4BEA-9153-487D-9C14-7A210F4D96E1}"/>
               </a:ext>
             </a:extLst>
           </p:cNvPr>
@@ -16684,7 +17100,7 @@
             <a:hlinkClick r:id="rId33" action="ppaction://hlinksldjump"/>
             <a:extLst>
               <a:ext uri="{FF2B5EF4-FFF2-40B4-BE49-F238E27FC236}">
-                <a16:creationId xmlns:a16="http://schemas.microsoft.com/office/drawing/2014/main" xmlns="" id="{84B7AF37-DA67-495E-A89B-0DCD9D2DC409}"/>
+                <a16:creationId xmlns="" xmlns:a16="http://schemas.microsoft.com/office/drawing/2014/main" id="{84B7AF37-DA67-495E-A89B-0DCD9D2DC409}"/>
               </a:ext>
             </a:extLst>
           </p:cNvPr>
@@ -16742,7 +17158,7 @@
             <a:hlinkClick r:id="rId33" action="ppaction://hlinksldjump"/>
             <a:extLst>
               <a:ext uri="{FF2B5EF4-FFF2-40B4-BE49-F238E27FC236}">
-                <a16:creationId xmlns:a16="http://schemas.microsoft.com/office/drawing/2014/main" xmlns="" id="{26A813F6-1875-4506-9F9B-F3911D786501}"/>
+                <a16:creationId xmlns="" xmlns:a16="http://schemas.microsoft.com/office/drawing/2014/main" id="{26A813F6-1875-4506-9F9B-F3911D786501}"/>
               </a:ext>
             </a:extLst>
           </p:cNvPr>
@@ -16820,7 +17236,7 @@
           <p:cNvPr id="183" name="Content">
             <a:extLst>
               <a:ext uri="{FF2B5EF4-FFF2-40B4-BE49-F238E27FC236}">
-                <a16:creationId xmlns:a16="http://schemas.microsoft.com/office/drawing/2014/main" xmlns="" id="{4A77312A-23B7-4842-B850-7AC7FBF7BA9D}"/>
+                <a16:creationId xmlns="" xmlns:a16="http://schemas.microsoft.com/office/drawing/2014/main" id="{4A77312A-23B7-4842-B850-7AC7FBF7BA9D}"/>
               </a:ext>
             </a:extLst>
           </p:cNvPr>
@@ -16885,7 +17301,7 @@
           <p:cNvPr id="184" name="Content">
             <a:extLst>
               <a:ext uri="{FF2B5EF4-FFF2-40B4-BE49-F238E27FC236}">
-                <a16:creationId xmlns:a16="http://schemas.microsoft.com/office/drawing/2014/main" xmlns="" id="{95DB28CE-5E11-483C-96F0-7F42025329EA}"/>
+                <a16:creationId xmlns="" xmlns:a16="http://schemas.microsoft.com/office/drawing/2014/main" id="{95DB28CE-5E11-483C-96F0-7F42025329EA}"/>
               </a:ext>
             </a:extLst>
           </p:cNvPr>
@@ -17001,7 +17417,7 @@
             <a:hlinkClick r:id="rId33" action="ppaction://hlinksldjump"/>
             <a:extLst>
               <a:ext uri="{FF2B5EF4-FFF2-40B4-BE49-F238E27FC236}">
-                <a16:creationId xmlns:a16="http://schemas.microsoft.com/office/drawing/2014/main" xmlns="" id="{84B7AF37-DA67-495E-A89B-0DCD9D2DC409}"/>
+                <a16:creationId xmlns="" xmlns:a16="http://schemas.microsoft.com/office/drawing/2014/main" id="{84B7AF37-DA67-495E-A89B-0DCD9D2DC409}"/>
               </a:ext>
             </a:extLst>
           </p:cNvPr>
@@ -17116,7 +17532,7 @@
           <p:cNvPr id="4" name="WebBrowser">
             <a:extLst>
               <a:ext uri="{FF2B5EF4-FFF2-40B4-BE49-F238E27FC236}">
-                <a16:creationId xmlns:a16="http://schemas.microsoft.com/office/drawing/2014/main" xmlns="" id="{939ECCBA-94D9-4CBE-9B2C-85073B00238A}"/>
+                <a16:creationId xmlns="" xmlns:a16="http://schemas.microsoft.com/office/drawing/2014/main" id="{939ECCBA-94D9-4CBE-9B2C-85073B00238A}"/>
               </a:ext>
             </a:extLst>
           </p:cNvPr>
@@ -17140,7 +17556,7 @@
             <p:cNvPr id="5" name="Background">
               <a:extLst>
                 <a:ext uri="{FF2B5EF4-FFF2-40B4-BE49-F238E27FC236}">
-                  <a16:creationId xmlns:a16="http://schemas.microsoft.com/office/drawing/2014/main" xmlns="" id="{21B141B3-F0A8-4B59-AB9F-E5FBFEE8220C}"/>
+                  <a16:creationId xmlns="" xmlns:a16="http://schemas.microsoft.com/office/drawing/2014/main" id="{21B141B3-F0A8-4B59-AB9F-E5FBFEE8220C}"/>
                 </a:ext>
               </a:extLst>
             </p:cNvPr>
@@ -17190,7 +17606,7 @@
             <p:cNvPr id="6" name="WindowTitle">
               <a:extLst>
                 <a:ext uri="{FF2B5EF4-FFF2-40B4-BE49-F238E27FC236}">
-                  <a16:creationId xmlns:a16="http://schemas.microsoft.com/office/drawing/2014/main" xmlns="" id="{80EB6A00-6C6D-49B0-A75C-5D759666FA53}"/>
+                  <a16:creationId xmlns="" xmlns:a16="http://schemas.microsoft.com/office/drawing/2014/main" id="{80EB6A00-6C6D-49B0-A75C-5D759666FA53}"/>
                 </a:ext>
               </a:extLst>
             </p:cNvPr>
@@ -17265,7 +17681,7 @@
             <p:cNvPr id="7" name="Group 4">
               <a:extLst>
                 <a:ext uri="{FF2B5EF4-FFF2-40B4-BE49-F238E27FC236}">
-                  <a16:creationId xmlns:a16="http://schemas.microsoft.com/office/drawing/2014/main" xmlns="" id="{A88DDE5D-CA7B-4F23-9663-DEC059383F67}"/>
+                  <a16:creationId xmlns="" xmlns:a16="http://schemas.microsoft.com/office/drawing/2014/main" id="{A88DDE5D-CA7B-4F23-9663-DEC059383F67}"/>
                 </a:ext>
               </a:extLst>
             </p:cNvPr>
@@ -17285,7 +17701,7 @@
               <p:cNvPr id="31" name="Oval 28">
                 <a:extLst>
                   <a:ext uri="{FF2B5EF4-FFF2-40B4-BE49-F238E27FC236}">
-                    <a16:creationId xmlns:a16="http://schemas.microsoft.com/office/drawing/2014/main" xmlns="" id="{8C90DF0B-22F2-4EF5-808E-91B0E8E76823}"/>
+                    <a16:creationId xmlns="" xmlns:a16="http://schemas.microsoft.com/office/drawing/2014/main" id="{8C90DF0B-22F2-4EF5-808E-91B0E8E76823}"/>
                   </a:ext>
                 </a:extLst>
               </p:cNvPr>
@@ -17365,7 +17781,7 @@
               <p:cNvPr id="32" name="Left Arrow 29">
                 <a:extLst>
                   <a:ext uri="{FF2B5EF4-FFF2-40B4-BE49-F238E27FC236}">
-                    <a16:creationId xmlns:a16="http://schemas.microsoft.com/office/drawing/2014/main" xmlns="" id="{850D3FCB-A036-42EE-8C8D-22F137BB7DF6}"/>
+                    <a16:creationId xmlns="" xmlns:a16="http://schemas.microsoft.com/office/drawing/2014/main" id="{850D3FCB-A036-42EE-8C8D-22F137BB7DF6}"/>
                   </a:ext>
                 </a:extLst>
               </p:cNvPr>
@@ -17414,7 +17830,7 @@
             <p:cNvPr id="8" name="Group 5">
               <a:extLst>
                 <a:ext uri="{FF2B5EF4-FFF2-40B4-BE49-F238E27FC236}">
-                  <a16:creationId xmlns:a16="http://schemas.microsoft.com/office/drawing/2014/main" xmlns="" id="{F8E078E3-A955-4F2B-99F0-E5AB8676640C}"/>
+                  <a16:creationId xmlns="" xmlns:a16="http://schemas.microsoft.com/office/drawing/2014/main" id="{F8E078E3-A955-4F2B-99F0-E5AB8676640C}"/>
                 </a:ext>
               </a:extLst>
             </p:cNvPr>
@@ -17434,7 +17850,7 @@
               <p:cNvPr id="29" name="Oval 26">
                 <a:extLst>
                   <a:ext uri="{FF2B5EF4-FFF2-40B4-BE49-F238E27FC236}">
-                    <a16:creationId xmlns:a16="http://schemas.microsoft.com/office/drawing/2014/main" xmlns="" id="{AD94EDDB-5D7D-423B-ABBF-27709982DFDB}"/>
+                    <a16:creationId xmlns="" xmlns:a16="http://schemas.microsoft.com/office/drawing/2014/main" id="{AD94EDDB-5D7D-423B-ABBF-27709982DFDB}"/>
                   </a:ext>
                 </a:extLst>
               </p:cNvPr>
@@ -17514,7 +17930,7 @@
               <p:cNvPr id="30" name="Right Arrow 27">
                 <a:extLst>
                   <a:ext uri="{FF2B5EF4-FFF2-40B4-BE49-F238E27FC236}">
-                    <a16:creationId xmlns:a16="http://schemas.microsoft.com/office/drawing/2014/main" xmlns="" id="{A942A2E1-7657-44DA-AA8C-0516439851A8}"/>
+                    <a16:creationId xmlns="" xmlns:a16="http://schemas.microsoft.com/office/drawing/2014/main" id="{A942A2E1-7657-44DA-AA8C-0516439851A8}"/>
                   </a:ext>
                 </a:extLst>
               </p:cNvPr>
@@ -17563,7 +17979,7 @@
             <p:cNvPr id="9" name="Minimize - Maximize - Close">
               <a:extLst>
                 <a:ext uri="{FF2B5EF4-FFF2-40B4-BE49-F238E27FC236}">
-                  <a16:creationId xmlns:a16="http://schemas.microsoft.com/office/drawing/2014/main" xmlns="" id="{A48EB436-AD18-418A-A3A2-C668586D7FF9}"/>
+                  <a16:creationId xmlns="" xmlns:a16="http://schemas.microsoft.com/office/drawing/2014/main" id="{A48EB436-AD18-418A-A3A2-C668586D7FF9}"/>
                 </a:ext>
               </a:extLst>
             </p:cNvPr>
@@ -17583,7 +17999,7 @@
               <p:cNvPr id="24" name="Line">
                 <a:extLst>
                   <a:ext uri="{FF2B5EF4-FFF2-40B4-BE49-F238E27FC236}">
-                    <a16:creationId xmlns:a16="http://schemas.microsoft.com/office/drawing/2014/main" xmlns="" id="{CAD62900-77CA-430E-BEEC-40DADA69B796}"/>
+                    <a16:creationId xmlns="" xmlns:a16="http://schemas.microsoft.com/office/drawing/2014/main" id="{CAD62900-77CA-430E-BEEC-40DADA69B796}"/>
                   </a:ext>
                 </a:extLst>
               </p:cNvPr>
@@ -17624,7 +18040,7 @@
               <p:cNvPr id="25" name="Line">
                 <a:extLst>
                   <a:ext uri="{FF2B5EF4-FFF2-40B4-BE49-F238E27FC236}">
-                    <a16:creationId xmlns:a16="http://schemas.microsoft.com/office/drawing/2014/main" xmlns="" id="{A88544A0-E575-40EC-9499-4C3714C42824}"/>
+                    <a16:creationId xmlns="" xmlns:a16="http://schemas.microsoft.com/office/drawing/2014/main" id="{A88544A0-E575-40EC-9499-4C3714C42824}"/>
                   </a:ext>
                 </a:extLst>
               </p:cNvPr>
@@ -17665,7 +18081,7 @@
               <p:cNvPr id="26" name="Line">
                 <a:extLst>
                   <a:ext uri="{FF2B5EF4-FFF2-40B4-BE49-F238E27FC236}">
-                    <a16:creationId xmlns:a16="http://schemas.microsoft.com/office/drawing/2014/main" xmlns="" id="{FD95A1D0-FD4E-41DE-9A79-0A42998AA983}"/>
+                    <a16:creationId xmlns="" xmlns:a16="http://schemas.microsoft.com/office/drawing/2014/main" id="{FD95A1D0-FD4E-41DE-9A79-0A42998AA983}"/>
                   </a:ext>
                 </a:extLst>
               </p:cNvPr>
@@ -17723,7 +18139,7 @@
               <p:cNvPr id="27" name="Line">
                 <a:extLst>
                   <a:ext uri="{FF2B5EF4-FFF2-40B4-BE49-F238E27FC236}">
-                    <a16:creationId xmlns:a16="http://schemas.microsoft.com/office/drawing/2014/main" xmlns="" id="{448A67CF-F47C-4391-8E97-63CD566D5A5A}"/>
+                    <a16:creationId xmlns="" xmlns:a16="http://schemas.microsoft.com/office/drawing/2014/main" id="{448A67CF-F47C-4391-8E97-63CD566D5A5A}"/>
                   </a:ext>
                 </a:extLst>
               </p:cNvPr>
@@ -17779,7 +18195,7 @@
               <p:cNvPr id="28" name="Line">
                 <a:extLst>
                   <a:ext uri="{FF2B5EF4-FFF2-40B4-BE49-F238E27FC236}">
-                    <a16:creationId xmlns:a16="http://schemas.microsoft.com/office/drawing/2014/main" xmlns="" id="{6E95B930-6DC7-46B3-A96A-E0470137DABC}"/>
+                    <a16:creationId xmlns="" xmlns:a16="http://schemas.microsoft.com/office/drawing/2014/main" id="{6E95B930-6DC7-46B3-A96A-E0470137DABC}"/>
                   </a:ext>
                 </a:extLst>
               </p:cNvPr>
@@ -17838,7 +18254,7 @@
             <p:cNvPr id="10" name="WebPageBody">
               <a:extLst>
                 <a:ext uri="{FF2B5EF4-FFF2-40B4-BE49-F238E27FC236}">
-                  <a16:creationId xmlns:a16="http://schemas.microsoft.com/office/drawing/2014/main" xmlns="" id="{B73FE404-167A-4A45-A0E2-F0BBC74EC1F0}"/>
+                  <a16:creationId xmlns="" xmlns:a16="http://schemas.microsoft.com/office/drawing/2014/main" id="{B73FE404-167A-4A45-A0E2-F0BBC74EC1F0}"/>
                 </a:ext>
               </a:extLst>
             </p:cNvPr>
@@ -17886,7 +18302,7 @@
             <p:cNvPr id="11" name="Group 8">
               <a:extLst>
                 <a:ext uri="{FF2B5EF4-FFF2-40B4-BE49-F238E27FC236}">
-                  <a16:creationId xmlns:a16="http://schemas.microsoft.com/office/drawing/2014/main" xmlns="" id="{4134BBAF-2757-4D9C-8D0F-C45F631514E5}"/>
+                  <a16:creationId xmlns="" xmlns:a16="http://schemas.microsoft.com/office/drawing/2014/main" id="{4134BBAF-2757-4D9C-8D0F-C45F631514E5}"/>
                 </a:ext>
               </a:extLst>
             </p:cNvPr>
@@ -17906,7 +18322,7 @@
               <p:cNvPr id="21" name="Picture 2" descr="C:\Users\t-dantay\Documents\Placeholders\home.png">
                 <a:extLst>
                   <a:ext uri="{FF2B5EF4-FFF2-40B4-BE49-F238E27FC236}">
-                    <a16:creationId xmlns:a16="http://schemas.microsoft.com/office/drawing/2014/main" xmlns="" id="{D43FC607-E75A-417B-8F27-76FBD380F572}"/>
+                    <a16:creationId xmlns="" xmlns:a16="http://schemas.microsoft.com/office/drawing/2014/main" id="{D43FC607-E75A-417B-8F27-76FBD380F572}"/>
                   </a:ext>
                 </a:extLst>
               </p:cNvPr>
@@ -17953,7 +18369,7 @@
               <p:cNvPr id="22" name="Picture 2" descr="C:\Users\t-dantay\Documents\Placeholders\setting.png">
                 <a:extLst>
                   <a:ext uri="{FF2B5EF4-FFF2-40B4-BE49-F238E27FC236}">
-                    <a16:creationId xmlns:a16="http://schemas.microsoft.com/office/drawing/2014/main" xmlns="" id="{D6CFB0E4-7B90-4343-B7FF-EC27787B65C1}"/>
+                    <a16:creationId xmlns="" xmlns:a16="http://schemas.microsoft.com/office/drawing/2014/main" id="{D6CFB0E4-7B90-4343-B7FF-EC27787B65C1}"/>
                   </a:ext>
                 </a:extLst>
               </p:cNvPr>
@@ -17998,7 +18414,7 @@
               <p:cNvPr id="23" name="Picture 2" descr="C:\Users\t-dantay\Documents\Placeholders\star.png">
                 <a:extLst>
                   <a:ext uri="{FF2B5EF4-FFF2-40B4-BE49-F238E27FC236}">
-                    <a16:creationId xmlns:a16="http://schemas.microsoft.com/office/drawing/2014/main" xmlns="" id="{34598032-3E59-46C8-922F-B3D5BFFFC1A1}"/>
+                    <a16:creationId xmlns="" xmlns:a16="http://schemas.microsoft.com/office/drawing/2014/main" id="{34598032-3E59-46C8-922F-B3D5BFFFC1A1}"/>
                   </a:ext>
                 </a:extLst>
               </p:cNvPr>
@@ -18046,7 +18462,7 @@
             <p:cNvPr id="12" name="Group 9">
               <a:extLst>
                 <a:ext uri="{FF2B5EF4-FFF2-40B4-BE49-F238E27FC236}">
-                  <a16:creationId xmlns:a16="http://schemas.microsoft.com/office/drawing/2014/main" xmlns="" id="{EC836544-AE78-47FB-A93D-0D7D01A0EC1F}"/>
+                  <a16:creationId xmlns="" xmlns:a16="http://schemas.microsoft.com/office/drawing/2014/main" id="{EC836544-AE78-47FB-A93D-0D7D01A0EC1F}"/>
                 </a:ext>
               </a:extLst>
             </p:cNvPr>
@@ -18066,7 +18482,7 @@
               <p:cNvPr id="13" name="UrlBar">
                 <a:extLst>
                   <a:ext uri="{FF2B5EF4-FFF2-40B4-BE49-F238E27FC236}">
-                    <a16:creationId xmlns:a16="http://schemas.microsoft.com/office/drawing/2014/main" xmlns="" id="{ADC9B5C3-D90C-47C5-AFD1-F9009EE1E273}"/>
+                    <a16:creationId xmlns="" xmlns:a16="http://schemas.microsoft.com/office/drawing/2014/main" id="{ADC9B5C3-D90C-47C5-AFD1-F9009EE1E273}"/>
                   </a:ext>
                 </a:extLst>
               </p:cNvPr>
@@ -18119,7 +18535,7 @@
               <p:cNvPr id="14" name="Group 11">
                 <a:extLst>
                   <a:ext uri="{FF2B5EF4-FFF2-40B4-BE49-F238E27FC236}">
-                    <a16:creationId xmlns:a16="http://schemas.microsoft.com/office/drawing/2014/main" xmlns="" id="{5C9E0319-0399-499F-95F7-29BC6B8F88B6}"/>
+                    <a16:creationId xmlns="" xmlns:a16="http://schemas.microsoft.com/office/drawing/2014/main" id="{5C9E0319-0399-499F-95F7-29BC6B8F88B6}"/>
                   </a:ext>
                 </a:extLst>
               </p:cNvPr>
@@ -18139,7 +18555,7 @@
                 <p:cNvPr id="15" name="Search" descr="C:\Users\t-dantay\Documents\Placeholders\search.png">
                   <a:extLst>
                     <a:ext uri="{FF2B5EF4-FFF2-40B4-BE49-F238E27FC236}">
-                      <a16:creationId xmlns:a16="http://schemas.microsoft.com/office/drawing/2014/main" xmlns="" id="{FEBF1E03-F8C2-4954-A228-9DF266DDDA9F}"/>
+                      <a16:creationId xmlns="" xmlns:a16="http://schemas.microsoft.com/office/drawing/2014/main" id="{FEBF1E03-F8C2-4954-A228-9DF266DDDA9F}"/>
                     </a:ext>
                   </a:extLst>
                 </p:cNvPr>
@@ -18186,7 +18602,7 @@
                 <p:cNvPr id="16" name="Refresh" descr="C:\Users\t-dantay\Documents\First24\arrowrepeat1.png">
                   <a:extLst>
                     <a:ext uri="{FF2B5EF4-FFF2-40B4-BE49-F238E27FC236}">
-                      <a16:creationId xmlns:a16="http://schemas.microsoft.com/office/drawing/2014/main" xmlns="" id="{E72163D2-D036-49AE-B68B-8B104C6C87CD}"/>
+                      <a16:creationId xmlns="" xmlns:a16="http://schemas.microsoft.com/office/drawing/2014/main" id="{E72163D2-D036-49AE-B68B-8B104C6C87CD}"/>
                     </a:ext>
                   </a:extLst>
                 </p:cNvPr>
@@ -18233,7 +18649,7 @@
                 <p:cNvPr id="17" name="Drop Down" descr="C:\Users\t-dantay\Documents\First24\arrowsimple1.png">
                   <a:extLst>
                     <a:ext uri="{FF2B5EF4-FFF2-40B4-BE49-F238E27FC236}">
-                      <a16:creationId xmlns:a16="http://schemas.microsoft.com/office/drawing/2014/main" xmlns="" id="{8A1BA794-5D04-4AAB-8208-5FAFDE4C6A93}"/>
+                      <a16:creationId xmlns="" xmlns:a16="http://schemas.microsoft.com/office/drawing/2014/main" id="{8A1BA794-5D04-4AAB-8208-5FAFDE4C6A93}"/>
                     </a:ext>
                   </a:extLst>
                 </p:cNvPr>
@@ -18280,7 +18696,7 @@
                 <p:cNvPr id="18" name="X">
                   <a:extLst>
                     <a:ext uri="{FF2B5EF4-FFF2-40B4-BE49-F238E27FC236}">
-                      <a16:creationId xmlns:a16="http://schemas.microsoft.com/office/drawing/2014/main" xmlns="" id="{E489278D-4D3F-403B-BC1A-A2F2D56C54C3}"/>
+                      <a16:creationId xmlns="" xmlns:a16="http://schemas.microsoft.com/office/drawing/2014/main" id="{E489278D-4D3F-403B-BC1A-A2F2D56C54C3}"/>
                     </a:ext>
                   </a:extLst>
                 </p:cNvPr>
@@ -18300,7 +18716,7 @@
                   <p:cNvPr id="19" name="Straight Connector 16">
                     <a:extLst>
                       <a:ext uri="{FF2B5EF4-FFF2-40B4-BE49-F238E27FC236}">
-                        <a16:creationId xmlns:a16="http://schemas.microsoft.com/office/drawing/2014/main" xmlns="" id="{E79B5E07-E436-4B6A-B3EC-97C87A23C749}"/>
+                        <a16:creationId xmlns="" xmlns:a16="http://schemas.microsoft.com/office/drawing/2014/main" id="{E79B5E07-E436-4B6A-B3EC-97C87A23C749}"/>
                       </a:ext>
                     </a:extLst>
                   </p:cNvPr>
@@ -18343,7 +18759,7 @@
                   <p:cNvPr id="20" name="Straight Connector 17">
                     <a:extLst>
                       <a:ext uri="{FF2B5EF4-FFF2-40B4-BE49-F238E27FC236}">
-                        <a16:creationId xmlns:a16="http://schemas.microsoft.com/office/drawing/2014/main" xmlns="" id="{563CA86A-B5F5-4C0A-BEDD-398DA4940200}"/>
+                        <a16:creationId xmlns="" xmlns:a16="http://schemas.microsoft.com/office/drawing/2014/main" id="{563CA86A-B5F5-4C0A-BEDD-398DA4940200}"/>
                       </a:ext>
                     </a:extLst>
                   </p:cNvPr>
@@ -18390,7 +18806,7 @@
           <p:cNvPr id="33" name="Content">
             <a:extLst>
               <a:ext uri="{FF2B5EF4-FFF2-40B4-BE49-F238E27FC236}">
-                <a16:creationId xmlns:a16="http://schemas.microsoft.com/office/drawing/2014/main" xmlns="" id="{4A77312A-23B7-4842-B850-7AC7FBF7BA9D}"/>
+                <a16:creationId xmlns="" xmlns:a16="http://schemas.microsoft.com/office/drawing/2014/main" id="{4A77312A-23B7-4842-B850-7AC7FBF7BA9D}"/>
               </a:ext>
             </a:extLst>
           </p:cNvPr>
@@ -18449,7 +18865,7 @@
           <p:cNvPr id="44" name="Tile">
             <a:extLst>
               <a:ext uri="{FF2B5EF4-FFF2-40B4-BE49-F238E27FC236}">
-                <a16:creationId xmlns:a16="http://schemas.microsoft.com/office/drawing/2014/main" xmlns="" id="{0FEE1A62-912F-435C-A66D-F1D5354E6D8F}"/>
+                <a16:creationId xmlns="" xmlns:a16="http://schemas.microsoft.com/office/drawing/2014/main" id="{0FEE1A62-912F-435C-A66D-F1D5354E6D8F}"/>
               </a:ext>
             </a:extLst>
           </p:cNvPr>
@@ -18507,7 +18923,7 @@
           <p:cNvPr id="34" name="Content">
             <a:extLst>
               <a:ext uri="{FF2B5EF4-FFF2-40B4-BE49-F238E27FC236}">
-                <a16:creationId xmlns:a16="http://schemas.microsoft.com/office/drawing/2014/main" xmlns="" id="{67F08243-17E6-4464-978D-AE81A590CD79}"/>
+                <a16:creationId xmlns="" xmlns:a16="http://schemas.microsoft.com/office/drawing/2014/main" id="{67F08243-17E6-4464-978D-AE81A590CD79}"/>
               </a:ext>
             </a:extLst>
           </p:cNvPr>
@@ -18580,7 +18996,7 @@
           <p:cNvPr id="36" name="Imagen 35" descr="Imagen que contiene gráficos vectoriales&#10;&#10;Descripción generada con confianza muy alta">
             <a:extLst>
               <a:ext uri="{FF2B5EF4-FFF2-40B4-BE49-F238E27FC236}">
-                <a16:creationId xmlns:a16="http://schemas.microsoft.com/office/drawing/2014/main" xmlns="" id="{21D687BF-879D-492D-9FAF-09F5777B0B0A}"/>
+                <a16:creationId xmlns="" xmlns:a16="http://schemas.microsoft.com/office/drawing/2014/main" id="{21D687BF-879D-492D-9FAF-09F5777B0B0A}"/>
               </a:ext>
             </a:extLst>
           </p:cNvPr>
@@ -18617,7 +19033,7 @@
             <a:hlinkClick r:id="rId36"/>
             <a:extLst>
               <a:ext uri="{FF2B5EF4-FFF2-40B4-BE49-F238E27FC236}">
-                <a16:creationId xmlns:a16="http://schemas.microsoft.com/office/drawing/2014/main" xmlns="" id="{7BC667D3-3554-40C6-8055-A936802EDFDC}"/>
+                <a16:creationId xmlns="" xmlns:a16="http://schemas.microsoft.com/office/drawing/2014/main" id="{7BC667D3-3554-40C6-8055-A936802EDFDC}"/>
               </a:ext>
             </a:extLst>
           </p:cNvPr>
@@ -18664,7 +19080,7 @@
           <p:cNvPr id="43" name="Tile">
             <a:extLst>
               <a:ext uri="{FF2B5EF4-FFF2-40B4-BE49-F238E27FC236}">
-                <a16:creationId xmlns:a16="http://schemas.microsoft.com/office/drawing/2014/main" xmlns="" id="{16A53C90-A8E8-4760-B373-AE7AC6041567}"/>
+                <a16:creationId xmlns="" xmlns:a16="http://schemas.microsoft.com/office/drawing/2014/main" id="{16A53C90-A8E8-4760-B373-AE7AC6041567}"/>
               </a:ext>
             </a:extLst>
           </p:cNvPr>
@@ -18720,7 +19136,7 @@
           <p:cNvPr id="45" name="Imagen 44" descr="Imagen que contiene señal, objeto, reloj&#10;&#10;Descripción generada con confianza muy alta">
             <a:extLst>
               <a:ext uri="{FF2B5EF4-FFF2-40B4-BE49-F238E27FC236}">
-                <a16:creationId xmlns:a16="http://schemas.microsoft.com/office/drawing/2014/main" xmlns="" id="{BA522396-1E44-444F-A71F-EA4DCC8DD271}"/>
+                <a16:creationId xmlns="" xmlns:a16="http://schemas.microsoft.com/office/drawing/2014/main" id="{BA522396-1E44-444F-A71F-EA4DCC8DD271}"/>
               </a:ext>
             </a:extLst>
           </p:cNvPr>
@@ -18756,7 +19172,7 @@
           <p:cNvPr id="47" name="Content">
             <a:extLst>
               <a:ext uri="{FF2B5EF4-FFF2-40B4-BE49-F238E27FC236}">
-                <a16:creationId xmlns:a16="http://schemas.microsoft.com/office/drawing/2014/main" xmlns="" id="{959C53B5-E430-4D9F-876F-E7485EDAF825}"/>
+                <a16:creationId xmlns="" xmlns:a16="http://schemas.microsoft.com/office/drawing/2014/main" id="{959C53B5-E430-4D9F-876F-E7485EDAF825}"/>
               </a:ext>
             </a:extLst>
           </p:cNvPr>
@@ -18821,7 +19237,7 @@
           <p:cNvPr id="48" name="Imagen 47">
             <a:extLst>
               <a:ext uri="{FF2B5EF4-FFF2-40B4-BE49-F238E27FC236}">
-                <a16:creationId xmlns:a16="http://schemas.microsoft.com/office/drawing/2014/main" xmlns="" id="{019E1120-5DEF-4168-A30F-835E8096A98E}"/>
+                <a16:creationId xmlns="" xmlns:a16="http://schemas.microsoft.com/office/drawing/2014/main" id="{019E1120-5DEF-4168-A30F-835E8096A98E}"/>
               </a:ext>
             </a:extLst>
           </p:cNvPr>
@@ -18857,7 +19273,7 @@
           <p:cNvPr id="49" name="Content">
             <a:extLst>
               <a:ext uri="{FF2B5EF4-FFF2-40B4-BE49-F238E27FC236}">
-                <a16:creationId xmlns:a16="http://schemas.microsoft.com/office/drawing/2014/main" xmlns="" id="{AEA655B2-1AE9-4EED-8632-A44311B7C401}"/>
+                <a16:creationId xmlns="" xmlns:a16="http://schemas.microsoft.com/office/drawing/2014/main" id="{AEA655B2-1AE9-4EED-8632-A44311B7C401}"/>
               </a:ext>
             </a:extLst>
           </p:cNvPr>
@@ -18912,7 +19328,7 @@
             <a:hlinkClick r:id="rId40" action="ppaction://hlinksldjump"/>
             <a:extLst>
               <a:ext uri="{FF2B5EF4-FFF2-40B4-BE49-F238E27FC236}">
-                <a16:creationId xmlns:a16="http://schemas.microsoft.com/office/drawing/2014/main" xmlns="" id="{82D96681-5B5D-4070-9EA9-61964FE90828}"/>
+                <a16:creationId xmlns="" xmlns:a16="http://schemas.microsoft.com/office/drawing/2014/main" id="{82D96681-5B5D-4070-9EA9-61964FE90828}"/>
               </a:ext>
             </a:extLst>
           </p:cNvPr>
@@ -18965,7 +19381,7 @@
             <a:hlinkClick r:id="rId40" action="ppaction://hlinksldjump"/>
             <a:extLst>
               <a:ext uri="{FF2B5EF4-FFF2-40B4-BE49-F238E27FC236}">
-                <a16:creationId xmlns:a16="http://schemas.microsoft.com/office/drawing/2014/main" xmlns="" id="{AC4943C1-3710-4AC1-891A-5F6C2CE72E76}"/>
+                <a16:creationId xmlns="" xmlns:a16="http://schemas.microsoft.com/office/drawing/2014/main" id="{AC4943C1-3710-4AC1-891A-5F6C2CE72E76}"/>
               </a:ext>
             </a:extLst>
           </p:cNvPr>
@@ -19019,7 +19435,7 @@
           <p:cNvPr id="52" name="ScrollbarVertical">
             <a:extLst>
               <a:ext uri="{FF2B5EF4-FFF2-40B4-BE49-F238E27FC236}">
-                <a16:creationId xmlns:a16="http://schemas.microsoft.com/office/drawing/2014/main" xmlns="" id="{1BE74F99-CAF1-46B5-8E4C-2EAFC35E9178}"/>
+                <a16:creationId xmlns="" xmlns:a16="http://schemas.microsoft.com/office/drawing/2014/main" id="{1BE74F99-CAF1-46B5-8E4C-2EAFC35E9178}"/>
               </a:ext>
             </a:extLst>
           </p:cNvPr>
@@ -19043,7 +19459,7 @@
             <p:cNvPr id="53" name="Background">
               <a:extLst>
                 <a:ext uri="{FF2B5EF4-FFF2-40B4-BE49-F238E27FC236}">
-                  <a16:creationId xmlns:a16="http://schemas.microsoft.com/office/drawing/2014/main" xmlns="" id="{13D68EAB-5A75-4722-B291-C3BB0EE9F55E}"/>
+                  <a16:creationId xmlns="" xmlns:a16="http://schemas.microsoft.com/office/drawing/2014/main" id="{13D68EAB-5A75-4722-B291-C3BB0EE9F55E}"/>
                 </a:ext>
               </a:extLst>
             </p:cNvPr>
@@ -19101,7 +19517,7 @@
             <p:cNvPr id="54" name="Slider">
               <a:extLst>
                 <a:ext uri="{FF2B5EF4-FFF2-40B4-BE49-F238E27FC236}">
-                  <a16:creationId xmlns:a16="http://schemas.microsoft.com/office/drawing/2014/main" xmlns="" id="{B0065A72-1915-4EB2-8DE3-14B6761DAC40}"/>
+                  <a16:creationId xmlns="" xmlns:a16="http://schemas.microsoft.com/office/drawing/2014/main" id="{B0065A72-1915-4EB2-8DE3-14B6761DAC40}"/>
                 </a:ext>
               </a:extLst>
             </p:cNvPr>
@@ -19159,7 +19575,7 @@
             <p:cNvPr id="55" name="UpArrow">
               <a:extLst>
                 <a:ext uri="{FF2B5EF4-FFF2-40B4-BE49-F238E27FC236}">
-                  <a16:creationId xmlns:a16="http://schemas.microsoft.com/office/drawing/2014/main" xmlns="" id="{9FFEA258-015E-476C-BBA0-5DF1FDF5A666}"/>
+                  <a16:creationId xmlns="" xmlns:a16="http://schemas.microsoft.com/office/drawing/2014/main" id="{9FFEA258-015E-476C-BBA0-5DF1FDF5A666}"/>
                 </a:ext>
               </a:extLst>
             </p:cNvPr>
@@ -19214,7 +19630,7 @@
             <p:cNvPr id="56" name="DownArrow">
               <a:extLst>
                 <a:ext uri="{FF2B5EF4-FFF2-40B4-BE49-F238E27FC236}">
-                  <a16:creationId xmlns:a16="http://schemas.microsoft.com/office/drawing/2014/main" xmlns="" id="{A1285695-2680-44A0-8386-2A5CF1B79607}"/>
+                  <a16:creationId xmlns="" xmlns:a16="http://schemas.microsoft.com/office/drawing/2014/main" id="{A1285695-2680-44A0-8386-2A5CF1B79607}"/>
                 </a:ext>
               </a:extLst>
             </p:cNvPr>
@@ -19270,7 +19686,7 @@
           <p:cNvPr id="61" name="Grupo 60">
             <a:extLst>
               <a:ext uri="{FF2B5EF4-FFF2-40B4-BE49-F238E27FC236}">
-                <a16:creationId xmlns:a16="http://schemas.microsoft.com/office/drawing/2014/main" xmlns="" id="{C87738AA-3BAB-4E58-8DEC-4C44423EEFE5}"/>
+                <a16:creationId xmlns="" xmlns:a16="http://schemas.microsoft.com/office/drawing/2014/main" id="{C87738AA-3BAB-4E58-8DEC-4C44423EEFE5}"/>
               </a:ext>
             </a:extLst>
           </p:cNvPr>
@@ -19290,7 +19706,7 @@
             <p:cNvPr id="46" name="Rectángulo: esquinas redondeadas 45">
               <a:extLst>
                 <a:ext uri="{FF2B5EF4-FFF2-40B4-BE49-F238E27FC236}">
-                  <a16:creationId xmlns:a16="http://schemas.microsoft.com/office/drawing/2014/main" xmlns="" id="{F213C414-8105-4322-BCBC-4B4F3DBB00FB}"/>
+                  <a16:creationId xmlns="" xmlns:a16="http://schemas.microsoft.com/office/drawing/2014/main" id="{F213C414-8105-4322-BCBC-4B4F3DBB00FB}"/>
                 </a:ext>
               </a:extLst>
             </p:cNvPr>
@@ -19344,7 +19760,7 @@
             <p:cNvPr id="60" name="Imagen 59">
               <a:extLst>
                 <a:ext uri="{FF2B5EF4-FFF2-40B4-BE49-F238E27FC236}">
-                  <a16:creationId xmlns:a16="http://schemas.microsoft.com/office/drawing/2014/main" xmlns="" id="{83E34E83-8624-403F-8407-8BB993E64179}"/>
+                  <a16:creationId xmlns="" xmlns:a16="http://schemas.microsoft.com/office/drawing/2014/main" id="{83E34E83-8624-403F-8407-8BB993E64179}"/>
                 </a:ext>
               </a:extLst>
             </p:cNvPr>
@@ -19380,7 +19796,7 @@
             <p:cNvPr id="62" name="Content">
               <a:extLst>
                 <a:ext uri="{FF2B5EF4-FFF2-40B4-BE49-F238E27FC236}">
-                  <a16:creationId xmlns:a16="http://schemas.microsoft.com/office/drawing/2014/main" xmlns="" id="{65B65484-29E1-4A02-95A9-EF03456E68D5}"/>
+                  <a16:creationId xmlns="" xmlns:a16="http://schemas.microsoft.com/office/drawing/2014/main" id="{65B65484-29E1-4A02-95A9-EF03456E68D5}"/>
                 </a:ext>
               </a:extLst>
             </p:cNvPr>
@@ -19437,7 +19853,7 @@
             <p:cNvPr id="63" name="Content">
               <a:extLst>
                 <a:ext uri="{FF2B5EF4-FFF2-40B4-BE49-F238E27FC236}">
-                  <a16:creationId xmlns:a16="http://schemas.microsoft.com/office/drawing/2014/main" xmlns="" id="{3142B693-6972-46D2-BCDD-A8FC946485FB}"/>
+                  <a16:creationId xmlns="" xmlns:a16="http://schemas.microsoft.com/office/drawing/2014/main" id="{3142B693-6972-46D2-BCDD-A8FC946485FB}"/>
                 </a:ext>
               </a:extLst>
             </p:cNvPr>
@@ -19519,7 +19935,7 @@
           <p:cNvPr id="80" name="Grupo 79">
             <a:extLst>
               <a:ext uri="{FF2B5EF4-FFF2-40B4-BE49-F238E27FC236}">
-                <a16:creationId xmlns:a16="http://schemas.microsoft.com/office/drawing/2014/main" xmlns="" id="{F8A6F269-F6B5-4389-8E02-C0009DD567E4}"/>
+                <a16:creationId xmlns="" xmlns:a16="http://schemas.microsoft.com/office/drawing/2014/main" id="{F8A6F269-F6B5-4389-8E02-C0009DD567E4}"/>
               </a:ext>
             </a:extLst>
           </p:cNvPr>
@@ -19539,7 +19955,7 @@
             <p:cNvPr id="81" name="Rectángulo: esquinas redondeadas 80">
               <a:extLst>
                 <a:ext uri="{FF2B5EF4-FFF2-40B4-BE49-F238E27FC236}">
-                  <a16:creationId xmlns:a16="http://schemas.microsoft.com/office/drawing/2014/main" xmlns="" id="{ADF1EA10-0E67-4E27-9D32-56AA0E79691B}"/>
+                  <a16:creationId xmlns="" xmlns:a16="http://schemas.microsoft.com/office/drawing/2014/main" id="{ADF1EA10-0E67-4E27-9D32-56AA0E79691B}"/>
                 </a:ext>
               </a:extLst>
             </p:cNvPr>
@@ -19593,7 +20009,7 @@
             <p:cNvPr id="82" name="Imagen 81">
               <a:extLst>
                 <a:ext uri="{FF2B5EF4-FFF2-40B4-BE49-F238E27FC236}">
-                  <a16:creationId xmlns:a16="http://schemas.microsoft.com/office/drawing/2014/main" xmlns="" id="{E4B897CE-E5DA-423E-B9B4-AFA281A2A673}"/>
+                  <a16:creationId xmlns="" xmlns:a16="http://schemas.microsoft.com/office/drawing/2014/main" id="{E4B897CE-E5DA-423E-B9B4-AFA281A2A673}"/>
                 </a:ext>
               </a:extLst>
             </p:cNvPr>
@@ -19629,7 +20045,7 @@
             <p:cNvPr id="83" name="Content">
               <a:extLst>
                 <a:ext uri="{FF2B5EF4-FFF2-40B4-BE49-F238E27FC236}">
-                  <a16:creationId xmlns:a16="http://schemas.microsoft.com/office/drawing/2014/main" xmlns="" id="{C888A4A2-7769-4FA0-8CBB-E634AE82FB55}"/>
+                  <a16:creationId xmlns="" xmlns:a16="http://schemas.microsoft.com/office/drawing/2014/main" id="{C888A4A2-7769-4FA0-8CBB-E634AE82FB55}"/>
                 </a:ext>
               </a:extLst>
             </p:cNvPr>
@@ -19686,7 +20102,7 @@
             <p:cNvPr id="84" name="Content">
               <a:extLst>
                 <a:ext uri="{FF2B5EF4-FFF2-40B4-BE49-F238E27FC236}">
-                  <a16:creationId xmlns:a16="http://schemas.microsoft.com/office/drawing/2014/main" xmlns="" id="{B8789167-3159-49FD-943C-895E7B2E0F37}"/>
+                  <a16:creationId xmlns="" xmlns:a16="http://schemas.microsoft.com/office/drawing/2014/main" id="{B8789167-3159-49FD-943C-895E7B2E0F37}"/>
                 </a:ext>
               </a:extLst>
             </p:cNvPr>
@@ -19768,7 +20184,7 @@
           <p:cNvPr id="85" name="Grupo 84">
             <a:extLst>
               <a:ext uri="{FF2B5EF4-FFF2-40B4-BE49-F238E27FC236}">
-                <a16:creationId xmlns:a16="http://schemas.microsoft.com/office/drawing/2014/main" xmlns="" id="{4582EB1A-E4CD-4929-B93B-D07856FD5D79}"/>
+                <a16:creationId xmlns="" xmlns:a16="http://schemas.microsoft.com/office/drawing/2014/main" id="{4582EB1A-E4CD-4929-B93B-D07856FD5D79}"/>
               </a:ext>
             </a:extLst>
           </p:cNvPr>
@@ -19788,7 +20204,7 @@
             <p:cNvPr id="86" name="Rectángulo: esquinas redondeadas 85">
               <a:extLst>
                 <a:ext uri="{FF2B5EF4-FFF2-40B4-BE49-F238E27FC236}">
-                  <a16:creationId xmlns:a16="http://schemas.microsoft.com/office/drawing/2014/main" xmlns="" id="{D4BBD192-F685-4A4D-A986-27754F5DB52B}"/>
+                  <a16:creationId xmlns="" xmlns:a16="http://schemas.microsoft.com/office/drawing/2014/main" id="{D4BBD192-F685-4A4D-A986-27754F5DB52B}"/>
                 </a:ext>
               </a:extLst>
             </p:cNvPr>
@@ -19844,7 +20260,7 @@
             <p:cNvPr id="87" name="Imagen 86">
               <a:extLst>
                 <a:ext uri="{FF2B5EF4-FFF2-40B4-BE49-F238E27FC236}">
-                  <a16:creationId xmlns:a16="http://schemas.microsoft.com/office/drawing/2014/main" xmlns="" id="{86575A8E-F65C-43C9-9D1F-E5C5A1C1B081}"/>
+                  <a16:creationId xmlns="" xmlns:a16="http://schemas.microsoft.com/office/drawing/2014/main" id="{86575A8E-F65C-43C9-9D1F-E5C5A1C1B081}"/>
                 </a:ext>
               </a:extLst>
             </p:cNvPr>
@@ -19880,7 +20296,7 @@
             <p:cNvPr id="88" name="Content">
               <a:extLst>
                 <a:ext uri="{FF2B5EF4-FFF2-40B4-BE49-F238E27FC236}">
-                  <a16:creationId xmlns:a16="http://schemas.microsoft.com/office/drawing/2014/main" xmlns="" id="{22F43AE9-859E-474B-A03F-63E599C7D683}"/>
+                  <a16:creationId xmlns="" xmlns:a16="http://schemas.microsoft.com/office/drawing/2014/main" id="{22F43AE9-859E-474B-A03F-63E599C7D683}"/>
                 </a:ext>
               </a:extLst>
             </p:cNvPr>
@@ -19937,7 +20353,7 @@
             <p:cNvPr id="89" name="Content">
               <a:extLst>
                 <a:ext uri="{FF2B5EF4-FFF2-40B4-BE49-F238E27FC236}">
-                  <a16:creationId xmlns:a16="http://schemas.microsoft.com/office/drawing/2014/main" xmlns="" id="{3F63BCC1-DE15-4156-B1AA-96FE7B2C2318}"/>
+                  <a16:creationId xmlns="" xmlns:a16="http://schemas.microsoft.com/office/drawing/2014/main" id="{3F63BCC1-DE15-4156-B1AA-96FE7B2C2318}"/>
                 </a:ext>
               </a:extLst>
             </p:cNvPr>
@@ -20019,7 +20435,7 @@
           <p:cNvPr id="90" name="Grupo 89">
             <a:extLst>
               <a:ext uri="{FF2B5EF4-FFF2-40B4-BE49-F238E27FC236}">
-                <a16:creationId xmlns:a16="http://schemas.microsoft.com/office/drawing/2014/main" xmlns="" id="{7B269B5D-C6FF-4EA7-AAFC-F847B9BAA52C}"/>
+                <a16:creationId xmlns="" xmlns:a16="http://schemas.microsoft.com/office/drawing/2014/main" id="{7B269B5D-C6FF-4EA7-AAFC-F847B9BAA52C}"/>
               </a:ext>
             </a:extLst>
           </p:cNvPr>
@@ -20039,7 +20455,7 @@
             <p:cNvPr id="91" name="Rectángulo: esquinas redondeadas 90">
               <a:extLst>
                 <a:ext uri="{FF2B5EF4-FFF2-40B4-BE49-F238E27FC236}">
-                  <a16:creationId xmlns:a16="http://schemas.microsoft.com/office/drawing/2014/main" xmlns="" id="{1BDB2C7E-6547-44A7-B9EC-7327B7071C8F}"/>
+                  <a16:creationId xmlns="" xmlns:a16="http://schemas.microsoft.com/office/drawing/2014/main" id="{1BDB2C7E-6547-44A7-B9EC-7327B7071C8F}"/>
                 </a:ext>
               </a:extLst>
             </p:cNvPr>
@@ -20093,7 +20509,7 @@
             <p:cNvPr id="92" name="Imagen 91">
               <a:extLst>
                 <a:ext uri="{FF2B5EF4-FFF2-40B4-BE49-F238E27FC236}">
-                  <a16:creationId xmlns:a16="http://schemas.microsoft.com/office/drawing/2014/main" xmlns="" id="{98FD5791-45B8-4DB8-AED8-9174F138EC4B}"/>
+                  <a16:creationId xmlns="" xmlns:a16="http://schemas.microsoft.com/office/drawing/2014/main" id="{98FD5791-45B8-4DB8-AED8-9174F138EC4B}"/>
                 </a:ext>
               </a:extLst>
             </p:cNvPr>
@@ -20129,7 +20545,7 @@
             <p:cNvPr id="93" name="Content">
               <a:extLst>
                 <a:ext uri="{FF2B5EF4-FFF2-40B4-BE49-F238E27FC236}">
-                  <a16:creationId xmlns:a16="http://schemas.microsoft.com/office/drawing/2014/main" xmlns="" id="{71393629-95E1-4F48-B5D6-49A1C2FE4A95}"/>
+                  <a16:creationId xmlns="" xmlns:a16="http://schemas.microsoft.com/office/drawing/2014/main" id="{71393629-95E1-4F48-B5D6-49A1C2FE4A95}"/>
                 </a:ext>
               </a:extLst>
             </p:cNvPr>
@@ -20183,7 +20599,7 @@
             <p:cNvPr id="94" name="Content">
               <a:extLst>
                 <a:ext uri="{FF2B5EF4-FFF2-40B4-BE49-F238E27FC236}">
-                  <a16:creationId xmlns:a16="http://schemas.microsoft.com/office/drawing/2014/main" xmlns="" id="{73BDB1BB-F031-4077-B75A-AA9DE1186258}"/>
+                  <a16:creationId xmlns="" xmlns:a16="http://schemas.microsoft.com/office/drawing/2014/main" id="{73BDB1BB-F031-4077-B75A-AA9DE1186258}"/>
                 </a:ext>
               </a:extLst>
             </p:cNvPr>
@@ -20265,7 +20681,7 @@
           <p:cNvPr id="95" name="Grupo 94">
             <a:extLst>
               <a:ext uri="{FF2B5EF4-FFF2-40B4-BE49-F238E27FC236}">
-                <a16:creationId xmlns:a16="http://schemas.microsoft.com/office/drawing/2014/main" xmlns="" id="{D7283A9F-BB29-4557-9954-253C9DFD4504}"/>
+                <a16:creationId xmlns="" xmlns:a16="http://schemas.microsoft.com/office/drawing/2014/main" id="{D7283A9F-BB29-4557-9954-253C9DFD4504}"/>
               </a:ext>
             </a:extLst>
           </p:cNvPr>
@@ -20285,7 +20701,7 @@
             <p:cNvPr id="96" name="Rectángulo: esquinas redondeadas 95">
               <a:extLst>
                 <a:ext uri="{FF2B5EF4-FFF2-40B4-BE49-F238E27FC236}">
-                  <a16:creationId xmlns:a16="http://schemas.microsoft.com/office/drawing/2014/main" xmlns="" id="{855160F7-6435-4BC7-970C-F2172ED54D96}"/>
+                  <a16:creationId xmlns="" xmlns:a16="http://schemas.microsoft.com/office/drawing/2014/main" id="{855160F7-6435-4BC7-970C-F2172ED54D96}"/>
                 </a:ext>
               </a:extLst>
             </p:cNvPr>
@@ -20339,7 +20755,7 @@
             <p:cNvPr id="97" name="Imagen 96">
               <a:extLst>
                 <a:ext uri="{FF2B5EF4-FFF2-40B4-BE49-F238E27FC236}">
-                  <a16:creationId xmlns:a16="http://schemas.microsoft.com/office/drawing/2014/main" xmlns="" id="{12B4EA24-375F-45CB-BAEC-6CAEC6CD746C}"/>
+                  <a16:creationId xmlns="" xmlns:a16="http://schemas.microsoft.com/office/drawing/2014/main" id="{12B4EA24-375F-45CB-BAEC-6CAEC6CD746C}"/>
                 </a:ext>
               </a:extLst>
             </p:cNvPr>
@@ -20376,7 +20792,7 @@
           <p:cNvPr id="100" name="Rectángulo: esquinas redondeadas 99">
             <a:extLst>
               <a:ext uri="{FF2B5EF4-FFF2-40B4-BE49-F238E27FC236}">
-                <a16:creationId xmlns:a16="http://schemas.microsoft.com/office/drawing/2014/main" xmlns="" id="{A1BF544A-9A78-4781-8CBE-655B391EDFED}"/>
+                <a16:creationId xmlns="" xmlns:a16="http://schemas.microsoft.com/office/drawing/2014/main" id="{A1BF544A-9A78-4781-8CBE-655B391EDFED}"/>
               </a:ext>
             </a:extLst>
           </p:cNvPr>
@@ -20432,7 +20848,7 @@
           <p:cNvPr id="101" name="Rectángulo: esquinas redondeadas 100">
             <a:extLst>
               <a:ext uri="{FF2B5EF4-FFF2-40B4-BE49-F238E27FC236}">
-                <a16:creationId xmlns:a16="http://schemas.microsoft.com/office/drawing/2014/main" xmlns="" id="{E58F19F7-6331-4D75-A4E1-48CCB689F25C}"/>
+                <a16:creationId xmlns="" xmlns:a16="http://schemas.microsoft.com/office/drawing/2014/main" id="{E58F19F7-6331-4D75-A4E1-48CCB689F25C}"/>
               </a:ext>
             </a:extLst>
           </p:cNvPr>
@@ -20488,7 +20904,7 @@
           <p:cNvPr id="102" name="Rectángulo: esquinas redondeadas 101">
             <a:extLst>
               <a:ext uri="{FF2B5EF4-FFF2-40B4-BE49-F238E27FC236}">
-                <a16:creationId xmlns:a16="http://schemas.microsoft.com/office/drawing/2014/main" xmlns="" id="{95D7FA7C-F8FC-4ED9-A6A8-DADE687854AC}"/>
+                <a16:creationId xmlns="" xmlns:a16="http://schemas.microsoft.com/office/drawing/2014/main" id="{95D7FA7C-F8FC-4ED9-A6A8-DADE687854AC}"/>
               </a:ext>
             </a:extLst>
           </p:cNvPr>
@@ -20544,7 +20960,7 @@
           <p:cNvPr id="64" name="Grupo 63">
             <a:extLst>
               <a:ext uri="{FF2B5EF4-FFF2-40B4-BE49-F238E27FC236}">
-                <a16:creationId xmlns:a16="http://schemas.microsoft.com/office/drawing/2014/main" xmlns="" id="{52157591-E0C1-4BD2-BC7E-50CB959040A2}"/>
+                <a16:creationId xmlns="" xmlns:a16="http://schemas.microsoft.com/office/drawing/2014/main" id="{52157591-E0C1-4BD2-BC7E-50CB959040A2}"/>
               </a:ext>
             </a:extLst>
           </p:cNvPr>
@@ -20564,7 +20980,7 @@
             <p:cNvPr id="103" name="Rectángulo: esquinas redondeadas 102">
               <a:extLst>
                 <a:ext uri="{FF2B5EF4-FFF2-40B4-BE49-F238E27FC236}">
-                  <a16:creationId xmlns:a16="http://schemas.microsoft.com/office/drawing/2014/main" xmlns="" id="{E018261E-D1BA-4EFA-9023-4292CF28D8E0}"/>
+                  <a16:creationId xmlns="" xmlns:a16="http://schemas.microsoft.com/office/drawing/2014/main" id="{E018261E-D1BA-4EFA-9023-4292CF28D8E0}"/>
                 </a:ext>
               </a:extLst>
             </p:cNvPr>
@@ -20620,7 +21036,7 @@
             <p:cNvPr id="104" name="Imagen 103">
               <a:extLst>
                 <a:ext uri="{FF2B5EF4-FFF2-40B4-BE49-F238E27FC236}">
-                  <a16:creationId xmlns:a16="http://schemas.microsoft.com/office/drawing/2014/main" xmlns="" id="{80AEBD50-7D21-4681-AAF8-667EF265A6E1}"/>
+                  <a16:creationId xmlns="" xmlns:a16="http://schemas.microsoft.com/office/drawing/2014/main" id="{80AEBD50-7D21-4681-AAF8-667EF265A6E1}"/>
                 </a:ext>
               </a:extLst>
             </p:cNvPr>
@@ -20656,7 +21072,7 @@
             <p:cNvPr id="105" name="Imagen 104">
               <a:extLst>
                 <a:ext uri="{FF2B5EF4-FFF2-40B4-BE49-F238E27FC236}">
-                  <a16:creationId xmlns:a16="http://schemas.microsoft.com/office/drawing/2014/main" xmlns="" id="{E899F533-3225-4150-B2F0-3AFFC5DF2402}"/>
+                  <a16:creationId xmlns="" xmlns:a16="http://schemas.microsoft.com/office/drawing/2014/main" id="{E899F533-3225-4150-B2F0-3AFFC5DF2402}"/>
                 </a:ext>
               </a:extLst>
             </p:cNvPr>
@@ -20692,7 +21108,7 @@
             <p:cNvPr id="106" name="Imagen 105">
               <a:extLst>
                 <a:ext uri="{FF2B5EF4-FFF2-40B4-BE49-F238E27FC236}">
-                  <a16:creationId xmlns:a16="http://schemas.microsoft.com/office/drawing/2014/main" xmlns="" id="{7E8D4384-9848-4594-9F18-11F0EA82B212}"/>
+                  <a16:creationId xmlns="" xmlns:a16="http://schemas.microsoft.com/office/drawing/2014/main" id="{7E8D4384-9848-4594-9F18-11F0EA82B212}"/>
                 </a:ext>
               </a:extLst>
             </p:cNvPr>
@@ -20730,7 +21146,7 @@
             <a:hlinkClick r:id="rId40" action="ppaction://hlinksldjump"/>
             <a:extLst>
               <a:ext uri="{FF2B5EF4-FFF2-40B4-BE49-F238E27FC236}">
-                <a16:creationId xmlns:a16="http://schemas.microsoft.com/office/drawing/2014/main" xmlns="" id="{8EAF6471-4E54-4A80-8A7E-CC376F7D036F}"/>
+                <a16:creationId xmlns="" xmlns:a16="http://schemas.microsoft.com/office/drawing/2014/main" id="{8EAF6471-4E54-4A80-8A7E-CC376F7D036F}"/>
               </a:ext>
             </a:extLst>
           </p:cNvPr>
@@ -20767,7 +21183,7 @@
             <a:hlinkClick r:id="rId40" action="ppaction://hlinksldjump"/>
             <a:extLst>
               <a:ext uri="{FF2B5EF4-FFF2-40B4-BE49-F238E27FC236}">
-                <a16:creationId xmlns:a16="http://schemas.microsoft.com/office/drawing/2014/main" xmlns="" id="{8872DF6A-9587-4E91-B416-943E3D922E67}"/>
+                <a16:creationId xmlns="" xmlns:a16="http://schemas.microsoft.com/office/drawing/2014/main" id="{8872DF6A-9587-4E91-B416-943E3D922E67}"/>
               </a:ext>
             </a:extLst>
           </p:cNvPr>
@@ -20821,7 +21237,7 @@
           <p:cNvPr id="98" name="Imagen 97">
             <a:extLst>
               <a:ext uri="{FF2B5EF4-FFF2-40B4-BE49-F238E27FC236}">
-                <a16:creationId xmlns:a16="http://schemas.microsoft.com/office/drawing/2014/main" xmlns="" id="{7882B9C7-858E-4C40-B167-358E978B3A47}"/>
+                <a16:creationId xmlns="" xmlns:a16="http://schemas.microsoft.com/office/drawing/2014/main" id="{7882B9C7-858E-4C40-B167-358E978B3A47}"/>
               </a:ext>
             </a:extLst>
           </p:cNvPr>
@@ -20857,7 +21273,7 @@
           <p:cNvPr id="99" name="Content">
             <a:extLst>
               <a:ext uri="{FF2B5EF4-FFF2-40B4-BE49-F238E27FC236}">
-                <a16:creationId xmlns:a16="http://schemas.microsoft.com/office/drawing/2014/main" xmlns="" id="{4C59270A-40AF-454A-8F4F-853745605ABB}"/>
+                <a16:creationId xmlns="" xmlns:a16="http://schemas.microsoft.com/office/drawing/2014/main" id="{4C59270A-40AF-454A-8F4F-853745605ABB}"/>
               </a:ext>
             </a:extLst>
           </p:cNvPr>
@@ -20969,7 +21385,7 @@
             <a:hlinkClick r:id="rId52" action="ppaction://hlinksldjump"/>
             <a:extLst>
               <a:ext uri="{FF2B5EF4-FFF2-40B4-BE49-F238E27FC236}">
-                <a16:creationId xmlns:a16="http://schemas.microsoft.com/office/drawing/2014/main" xmlns="" id="{84B7AF37-DA67-495E-A89B-0DCD9D2DC409}"/>
+                <a16:creationId xmlns="" xmlns:a16="http://schemas.microsoft.com/office/drawing/2014/main" id="{84B7AF37-DA67-495E-A89B-0DCD9D2DC409}"/>
               </a:ext>
             </a:extLst>
           </p:cNvPr>
@@ -21027,7 +21443,7 @@
             <a:hlinkClick r:id="rId52" action="ppaction://hlinksldjump"/>
             <a:extLst>
               <a:ext uri="{FF2B5EF4-FFF2-40B4-BE49-F238E27FC236}">
-                <a16:creationId xmlns:a16="http://schemas.microsoft.com/office/drawing/2014/main" xmlns="" id="{26A813F6-1875-4506-9F9B-F3911D786501}"/>
+                <a16:creationId xmlns="" xmlns:a16="http://schemas.microsoft.com/office/drawing/2014/main" id="{26A813F6-1875-4506-9F9B-F3911D786501}"/>
               </a:ext>
             </a:extLst>
           </p:cNvPr>
@@ -21105,7 +21521,7 @@
           <p:cNvPr id="117" name="Content">
             <a:extLst>
               <a:ext uri="{FF2B5EF4-FFF2-40B4-BE49-F238E27FC236}">
-                <a16:creationId xmlns:a16="http://schemas.microsoft.com/office/drawing/2014/main" xmlns="" id="{4A77312A-23B7-4842-B850-7AC7FBF7BA9D}"/>
+                <a16:creationId xmlns="" xmlns:a16="http://schemas.microsoft.com/office/drawing/2014/main" id="{4A77312A-23B7-4842-B850-7AC7FBF7BA9D}"/>
               </a:ext>
             </a:extLst>
           </p:cNvPr>
@@ -21170,7 +21586,7 @@
           <p:cNvPr id="118" name="Content">
             <a:extLst>
               <a:ext uri="{FF2B5EF4-FFF2-40B4-BE49-F238E27FC236}">
-                <a16:creationId xmlns:a16="http://schemas.microsoft.com/office/drawing/2014/main" xmlns="" id="{95DB28CE-5E11-483C-96F0-7F42025329EA}"/>
+                <a16:creationId xmlns="" xmlns:a16="http://schemas.microsoft.com/office/drawing/2014/main" id="{95DB28CE-5E11-483C-96F0-7F42025329EA}"/>
               </a:ext>
             </a:extLst>
           </p:cNvPr>
@@ -21286,7 +21702,7 @@
             <a:hlinkClick r:id="rId52" action="ppaction://hlinksldjump"/>
             <a:extLst>
               <a:ext uri="{FF2B5EF4-FFF2-40B4-BE49-F238E27FC236}">
-                <a16:creationId xmlns:a16="http://schemas.microsoft.com/office/drawing/2014/main" xmlns="" id="{84B7AF37-DA67-495E-A89B-0DCD9D2DC409}"/>
+                <a16:creationId xmlns="" xmlns:a16="http://schemas.microsoft.com/office/drawing/2014/main" id="{84B7AF37-DA67-495E-A89B-0DCD9D2DC409}"/>
               </a:ext>
             </a:extLst>
           </p:cNvPr>
@@ -21384,7 +21800,7 @@
           <p:cNvPr id="107" name="Content">
             <a:extLst>
               <a:ext uri="{FF2B5EF4-FFF2-40B4-BE49-F238E27FC236}">
-                <a16:creationId xmlns:a16="http://schemas.microsoft.com/office/drawing/2014/main" xmlns="" id="{4A77312A-23B7-4842-B850-7AC7FBF7BA9D}"/>
+                <a16:creationId xmlns="" xmlns:a16="http://schemas.microsoft.com/office/drawing/2014/main" id="{4A77312A-23B7-4842-B850-7AC7FBF7BA9D}"/>
               </a:ext>
             </a:extLst>
           </p:cNvPr>
@@ -21449,7 +21865,7 @@
           <p:cNvPr id="108" name="Content">
             <a:extLst>
               <a:ext uri="{FF2B5EF4-FFF2-40B4-BE49-F238E27FC236}">
-                <a16:creationId xmlns:a16="http://schemas.microsoft.com/office/drawing/2014/main" xmlns="" id="{95DB28CE-5E11-483C-96F0-7F42025329EA}"/>
+                <a16:creationId xmlns="" xmlns:a16="http://schemas.microsoft.com/office/drawing/2014/main" id="{95DB28CE-5E11-483C-96F0-7F42025329EA}"/>
               </a:ext>
             </a:extLst>
           </p:cNvPr>
@@ -21728,7 +22144,7 @@
           <p:cNvPr id="4" name="WebBrowser">
             <a:extLst>
               <a:ext uri="{FF2B5EF4-FFF2-40B4-BE49-F238E27FC236}">
-                <a16:creationId xmlns:a16="http://schemas.microsoft.com/office/drawing/2014/main" xmlns="" id="{939ECCBA-94D9-4CBE-9B2C-85073B00238A}"/>
+                <a16:creationId xmlns="" xmlns:a16="http://schemas.microsoft.com/office/drawing/2014/main" id="{939ECCBA-94D9-4CBE-9B2C-85073B00238A}"/>
               </a:ext>
             </a:extLst>
           </p:cNvPr>
@@ -21752,7 +22168,7 @@
             <p:cNvPr id="5" name="Background">
               <a:extLst>
                 <a:ext uri="{FF2B5EF4-FFF2-40B4-BE49-F238E27FC236}">
-                  <a16:creationId xmlns:a16="http://schemas.microsoft.com/office/drawing/2014/main" xmlns="" id="{21B141B3-F0A8-4B59-AB9F-E5FBFEE8220C}"/>
+                  <a16:creationId xmlns="" xmlns:a16="http://schemas.microsoft.com/office/drawing/2014/main" id="{21B141B3-F0A8-4B59-AB9F-E5FBFEE8220C}"/>
                 </a:ext>
               </a:extLst>
             </p:cNvPr>
@@ -21802,7 +22218,7 @@
             <p:cNvPr id="6" name="WindowTitle">
               <a:extLst>
                 <a:ext uri="{FF2B5EF4-FFF2-40B4-BE49-F238E27FC236}">
-                  <a16:creationId xmlns:a16="http://schemas.microsoft.com/office/drawing/2014/main" xmlns="" id="{80EB6A00-6C6D-49B0-A75C-5D759666FA53}"/>
+                  <a16:creationId xmlns="" xmlns:a16="http://schemas.microsoft.com/office/drawing/2014/main" id="{80EB6A00-6C6D-49B0-A75C-5D759666FA53}"/>
                 </a:ext>
               </a:extLst>
             </p:cNvPr>
@@ -21877,7 +22293,7 @@
             <p:cNvPr id="7" name="Group 4">
               <a:extLst>
                 <a:ext uri="{FF2B5EF4-FFF2-40B4-BE49-F238E27FC236}">
-                  <a16:creationId xmlns:a16="http://schemas.microsoft.com/office/drawing/2014/main" xmlns="" id="{A88DDE5D-CA7B-4F23-9663-DEC059383F67}"/>
+                  <a16:creationId xmlns="" xmlns:a16="http://schemas.microsoft.com/office/drawing/2014/main" id="{A88DDE5D-CA7B-4F23-9663-DEC059383F67}"/>
                 </a:ext>
               </a:extLst>
             </p:cNvPr>
@@ -21897,7 +22313,7 @@
               <p:cNvPr id="31" name="Oval 28">
                 <a:extLst>
                   <a:ext uri="{FF2B5EF4-FFF2-40B4-BE49-F238E27FC236}">
-                    <a16:creationId xmlns:a16="http://schemas.microsoft.com/office/drawing/2014/main" xmlns="" id="{8C90DF0B-22F2-4EF5-808E-91B0E8E76823}"/>
+                    <a16:creationId xmlns="" xmlns:a16="http://schemas.microsoft.com/office/drawing/2014/main" id="{8C90DF0B-22F2-4EF5-808E-91B0E8E76823}"/>
                   </a:ext>
                 </a:extLst>
               </p:cNvPr>
@@ -21977,7 +22393,7 @@
               <p:cNvPr id="32" name="Left Arrow 29">
                 <a:extLst>
                   <a:ext uri="{FF2B5EF4-FFF2-40B4-BE49-F238E27FC236}">
-                    <a16:creationId xmlns:a16="http://schemas.microsoft.com/office/drawing/2014/main" xmlns="" id="{850D3FCB-A036-42EE-8C8D-22F137BB7DF6}"/>
+                    <a16:creationId xmlns="" xmlns:a16="http://schemas.microsoft.com/office/drawing/2014/main" id="{850D3FCB-A036-42EE-8C8D-22F137BB7DF6}"/>
                   </a:ext>
                 </a:extLst>
               </p:cNvPr>
@@ -22026,7 +22442,7 @@
             <p:cNvPr id="8" name="Group 5">
               <a:extLst>
                 <a:ext uri="{FF2B5EF4-FFF2-40B4-BE49-F238E27FC236}">
-                  <a16:creationId xmlns:a16="http://schemas.microsoft.com/office/drawing/2014/main" xmlns="" id="{F8E078E3-A955-4F2B-99F0-E5AB8676640C}"/>
+                  <a16:creationId xmlns="" xmlns:a16="http://schemas.microsoft.com/office/drawing/2014/main" id="{F8E078E3-A955-4F2B-99F0-E5AB8676640C}"/>
                 </a:ext>
               </a:extLst>
             </p:cNvPr>
@@ -22046,7 +22462,7 @@
               <p:cNvPr id="29" name="Oval 26">
                 <a:extLst>
                   <a:ext uri="{FF2B5EF4-FFF2-40B4-BE49-F238E27FC236}">
-                    <a16:creationId xmlns:a16="http://schemas.microsoft.com/office/drawing/2014/main" xmlns="" id="{AD94EDDB-5D7D-423B-ABBF-27709982DFDB}"/>
+                    <a16:creationId xmlns="" xmlns:a16="http://schemas.microsoft.com/office/drawing/2014/main" id="{AD94EDDB-5D7D-423B-ABBF-27709982DFDB}"/>
                   </a:ext>
                 </a:extLst>
               </p:cNvPr>
@@ -22126,7 +22542,7 @@
               <p:cNvPr id="30" name="Right Arrow 27">
                 <a:extLst>
                   <a:ext uri="{FF2B5EF4-FFF2-40B4-BE49-F238E27FC236}">
-                    <a16:creationId xmlns:a16="http://schemas.microsoft.com/office/drawing/2014/main" xmlns="" id="{A942A2E1-7657-44DA-AA8C-0516439851A8}"/>
+                    <a16:creationId xmlns="" xmlns:a16="http://schemas.microsoft.com/office/drawing/2014/main" id="{A942A2E1-7657-44DA-AA8C-0516439851A8}"/>
                   </a:ext>
                 </a:extLst>
               </p:cNvPr>
@@ -22175,7 +22591,7 @@
             <p:cNvPr id="9" name="Minimize - Maximize - Close">
               <a:extLst>
                 <a:ext uri="{FF2B5EF4-FFF2-40B4-BE49-F238E27FC236}">
-                  <a16:creationId xmlns:a16="http://schemas.microsoft.com/office/drawing/2014/main" xmlns="" id="{A48EB436-AD18-418A-A3A2-C668586D7FF9}"/>
+                  <a16:creationId xmlns="" xmlns:a16="http://schemas.microsoft.com/office/drawing/2014/main" id="{A48EB436-AD18-418A-A3A2-C668586D7FF9}"/>
                 </a:ext>
               </a:extLst>
             </p:cNvPr>
@@ -22195,7 +22611,7 @@
               <p:cNvPr id="24" name="Line">
                 <a:extLst>
                   <a:ext uri="{FF2B5EF4-FFF2-40B4-BE49-F238E27FC236}">
-                    <a16:creationId xmlns:a16="http://schemas.microsoft.com/office/drawing/2014/main" xmlns="" id="{CAD62900-77CA-430E-BEEC-40DADA69B796}"/>
+                    <a16:creationId xmlns="" xmlns:a16="http://schemas.microsoft.com/office/drawing/2014/main" id="{CAD62900-77CA-430E-BEEC-40DADA69B796}"/>
                   </a:ext>
                 </a:extLst>
               </p:cNvPr>
@@ -22236,7 +22652,7 @@
               <p:cNvPr id="25" name="Line">
                 <a:extLst>
                   <a:ext uri="{FF2B5EF4-FFF2-40B4-BE49-F238E27FC236}">
-                    <a16:creationId xmlns:a16="http://schemas.microsoft.com/office/drawing/2014/main" xmlns="" id="{A88544A0-E575-40EC-9499-4C3714C42824}"/>
+                    <a16:creationId xmlns="" xmlns:a16="http://schemas.microsoft.com/office/drawing/2014/main" id="{A88544A0-E575-40EC-9499-4C3714C42824}"/>
                   </a:ext>
                 </a:extLst>
               </p:cNvPr>
@@ -22277,7 +22693,7 @@
               <p:cNvPr id="26" name="Line">
                 <a:extLst>
                   <a:ext uri="{FF2B5EF4-FFF2-40B4-BE49-F238E27FC236}">
-                    <a16:creationId xmlns:a16="http://schemas.microsoft.com/office/drawing/2014/main" xmlns="" id="{FD95A1D0-FD4E-41DE-9A79-0A42998AA983}"/>
+                    <a16:creationId xmlns="" xmlns:a16="http://schemas.microsoft.com/office/drawing/2014/main" id="{FD95A1D0-FD4E-41DE-9A79-0A42998AA983}"/>
                   </a:ext>
                 </a:extLst>
               </p:cNvPr>
@@ -22335,7 +22751,7 @@
               <p:cNvPr id="27" name="Line">
                 <a:extLst>
                   <a:ext uri="{FF2B5EF4-FFF2-40B4-BE49-F238E27FC236}">
-                    <a16:creationId xmlns:a16="http://schemas.microsoft.com/office/drawing/2014/main" xmlns="" id="{448A67CF-F47C-4391-8E97-63CD566D5A5A}"/>
+                    <a16:creationId xmlns="" xmlns:a16="http://schemas.microsoft.com/office/drawing/2014/main" id="{448A67CF-F47C-4391-8E97-63CD566D5A5A}"/>
                   </a:ext>
                 </a:extLst>
               </p:cNvPr>
@@ -22391,7 +22807,7 @@
               <p:cNvPr id="28" name="Line">
                 <a:extLst>
                   <a:ext uri="{FF2B5EF4-FFF2-40B4-BE49-F238E27FC236}">
-                    <a16:creationId xmlns:a16="http://schemas.microsoft.com/office/drawing/2014/main" xmlns="" id="{6E95B930-6DC7-46B3-A96A-E0470137DABC}"/>
+                    <a16:creationId xmlns="" xmlns:a16="http://schemas.microsoft.com/office/drawing/2014/main" id="{6E95B930-6DC7-46B3-A96A-E0470137DABC}"/>
                   </a:ext>
                 </a:extLst>
               </p:cNvPr>
@@ -22450,7 +22866,7 @@
             <p:cNvPr id="10" name="WebPageBody">
               <a:extLst>
                 <a:ext uri="{FF2B5EF4-FFF2-40B4-BE49-F238E27FC236}">
-                  <a16:creationId xmlns:a16="http://schemas.microsoft.com/office/drawing/2014/main" xmlns="" id="{B73FE404-167A-4A45-A0E2-F0BBC74EC1F0}"/>
+                  <a16:creationId xmlns="" xmlns:a16="http://schemas.microsoft.com/office/drawing/2014/main" id="{B73FE404-167A-4A45-A0E2-F0BBC74EC1F0}"/>
                 </a:ext>
               </a:extLst>
             </p:cNvPr>
@@ -22498,7 +22914,7 @@
             <p:cNvPr id="11" name="Group 8">
               <a:extLst>
                 <a:ext uri="{FF2B5EF4-FFF2-40B4-BE49-F238E27FC236}">
-                  <a16:creationId xmlns:a16="http://schemas.microsoft.com/office/drawing/2014/main" xmlns="" id="{4134BBAF-2757-4D9C-8D0F-C45F631514E5}"/>
+                  <a16:creationId xmlns="" xmlns:a16="http://schemas.microsoft.com/office/drawing/2014/main" id="{4134BBAF-2757-4D9C-8D0F-C45F631514E5}"/>
                 </a:ext>
               </a:extLst>
             </p:cNvPr>
@@ -22518,7 +22934,7 @@
               <p:cNvPr id="21" name="Picture 2" descr="C:\Users\t-dantay\Documents\Placeholders\home.png">
                 <a:extLst>
                   <a:ext uri="{FF2B5EF4-FFF2-40B4-BE49-F238E27FC236}">
-                    <a16:creationId xmlns:a16="http://schemas.microsoft.com/office/drawing/2014/main" xmlns="" id="{D43FC607-E75A-417B-8F27-76FBD380F572}"/>
+                    <a16:creationId xmlns="" xmlns:a16="http://schemas.microsoft.com/office/drawing/2014/main" id="{D43FC607-E75A-417B-8F27-76FBD380F572}"/>
                   </a:ext>
                 </a:extLst>
               </p:cNvPr>
@@ -22565,7 +22981,7 @@
               <p:cNvPr id="22" name="Picture 2" descr="C:\Users\t-dantay\Documents\Placeholders\setting.png">
                 <a:extLst>
                   <a:ext uri="{FF2B5EF4-FFF2-40B4-BE49-F238E27FC236}">
-                    <a16:creationId xmlns:a16="http://schemas.microsoft.com/office/drawing/2014/main" xmlns="" id="{D6CFB0E4-7B90-4343-B7FF-EC27787B65C1}"/>
+                    <a16:creationId xmlns="" xmlns:a16="http://schemas.microsoft.com/office/drawing/2014/main" id="{D6CFB0E4-7B90-4343-B7FF-EC27787B65C1}"/>
                   </a:ext>
                 </a:extLst>
               </p:cNvPr>
@@ -22610,7 +23026,7 @@
               <p:cNvPr id="23" name="Picture 2" descr="C:\Users\t-dantay\Documents\Placeholders\star.png">
                 <a:extLst>
                   <a:ext uri="{FF2B5EF4-FFF2-40B4-BE49-F238E27FC236}">
-                    <a16:creationId xmlns:a16="http://schemas.microsoft.com/office/drawing/2014/main" xmlns="" id="{34598032-3E59-46C8-922F-B3D5BFFFC1A1}"/>
+                    <a16:creationId xmlns="" xmlns:a16="http://schemas.microsoft.com/office/drawing/2014/main" id="{34598032-3E59-46C8-922F-B3D5BFFFC1A1}"/>
                   </a:ext>
                 </a:extLst>
               </p:cNvPr>
@@ -22658,7 +23074,7 @@
             <p:cNvPr id="12" name="Group 9">
               <a:extLst>
                 <a:ext uri="{FF2B5EF4-FFF2-40B4-BE49-F238E27FC236}">
-                  <a16:creationId xmlns:a16="http://schemas.microsoft.com/office/drawing/2014/main" xmlns="" id="{EC836544-AE78-47FB-A93D-0D7D01A0EC1F}"/>
+                  <a16:creationId xmlns="" xmlns:a16="http://schemas.microsoft.com/office/drawing/2014/main" id="{EC836544-AE78-47FB-A93D-0D7D01A0EC1F}"/>
                 </a:ext>
               </a:extLst>
             </p:cNvPr>
@@ -22678,7 +23094,7 @@
               <p:cNvPr id="13" name="UrlBar">
                 <a:extLst>
                   <a:ext uri="{FF2B5EF4-FFF2-40B4-BE49-F238E27FC236}">
-                    <a16:creationId xmlns:a16="http://schemas.microsoft.com/office/drawing/2014/main" xmlns="" id="{ADC9B5C3-D90C-47C5-AFD1-F9009EE1E273}"/>
+                    <a16:creationId xmlns="" xmlns:a16="http://schemas.microsoft.com/office/drawing/2014/main" id="{ADC9B5C3-D90C-47C5-AFD1-F9009EE1E273}"/>
                   </a:ext>
                 </a:extLst>
               </p:cNvPr>
@@ -22731,7 +23147,7 @@
               <p:cNvPr id="14" name="Group 11">
                 <a:extLst>
                   <a:ext uri="{FF2B5EF4-FFF2-40B4-BE49-F238E27FC236}">
-                    <a16:creationId xmlns:a16="http://schemas.microsoft.com/office/drawing/2014/main" xmlns="" id="{5C9E0319-0399-499F-95F7-29BC6B8F88B6}"/>
+                    <a16:creationId xmlns="" xmlns:a16="http://schemas.microsoft.com/office/drawing/2014/main" id="{5C9E0319-0399-499F-95F7-29BC6B8F88B6}"/>
                   </a:ext>
                 </a:extLst>
               </p:cNvPr>
@@ -22751,7 +23167,7 @@
                 <p:cNvPr id="15" name="Search" descr="C:\Users\t-dantay\Documents\Placeholders\search.png">
                   <a:extLst>
                     <a:ext uri="{FF2B5EF4-FFF2-40B4-BE49-F238E27FC236}">
-                      <a16:creationId xmlns:a16="http://schemas.microsoft.com/office/drawing/2014/main" xmlns="" id="{FEBF1E03-F8C2-4954-A228-9DF266DDDA9F}"/>
+                      <a16:creationId xmlns="" xmlns:a16="http://schemas.microsoft.com/office/drawing/2014/main" id="{FEBF1E03-F8C2-4954-A228-9DF266DDDA9F}"/>
                     </a:ext>
                   </a:extLst>
                 </p:cNvPr>
@@ -22798,7 +23214,7 @@
                 <p:cNvPr id="16" name="Refresh" descr="C:\Users\t-dantay\Documents\First24\arrowrepeat1.png">
                   <a:extLst>
                     <a:ext uri="{FF2B5EF4-FFF2-40B4-BE49-F238E27FC236}">
-                      <a16:creationId xmlns:a16="http://schemas.microsoft.com/office/drawing/2014/main" xmlns="" id="{E72163D2-D036-49AE-B68B-8B104C6C87CD}"/>
+                      <a16:creationId xmlns="" xmlns:a16="http://schemas.microsoft.com/office/drawing/2014/main" id="{E72163D2-D036-49AE-B68B-8B104C6C87CD}"/>
                     </a:ext>
                   </a:extLst>
                 </p:cNvPr>
@@ -22845,7 +23261,7 @@
                 <p:cNvPr id="17" name="Drop Down" descr="C:\Users\t-dantay\Documents\First24\arrowsimple1.png">
                   <a:extLst>
                     <a:ext uri="{FF2B5EF4-FFF2-40B4-BE49-F238E27FC236}">
-                      <a16:creationId xmlns:a16="http://schemas.microsoft.com/office/drawing/2014/main" xmlns="" id="{8A1BA794-5D04-4AAB-8208-5FAFDE4C6A93}"/>
+                      <a16:creationId xmlns="" xmlns:a16="http://schemas.microsoft.com/office/drawing/2014/main" id="{8A1BA794-5D04-4AAB-8208-5FAFDE4C6A93}"/>
                     </a:ext>
                   </a:extLst>
                 </p:cNvPr>
@@ -22892,7 +23308,7 @@
                 <p:cNvPr id="18" name="X">
                   <a:extLst>
                     <a:ext uri="{FF2B5EF4-FFF2-40B4-BE49-F238E27FC236}">
-                      <a16:creationId xmlns:a16="http://schemas.microsoft.com/office/drawing/2014/main" xmlns="" id="{E489278D-4D3F-403B-BC1A-A2F2D56C54C3}"/>
+                      <a16:creationId xmlns="" xmlns:a16="http://schemas.microsoft.com/office/drawing/2014/main" id="{E489278D-4D3F-403B-BC1A-A2F2D56C54C3}"/>
                     </a:ext>
                   </a:extLst>
                 </p:cNvPr>
@@ -22912,7 +23328,7 @@
                   <p:cNvPr id="19" name="Straight Connector 16">
                     <a:extLst>
                       <a:ext uri="{FF2B5EF4-FFF2-40B4-BE49-F238E27FC236}">
-                        <a16:creationId xmlns:a16="http://schemas.microsoft.com/office/drawing/2014/main" xmlns="" id="{E79B5E07-E436-4B6A-B3EC-97C87A23C749}"/>
+                        <a16:creationId xmlns="" xmlns:a16="http://schemas.microsoft.com/office/drawing/2014/main" id="{E79B5E07-E436-4B6A-B3EC-97C87A23C749}"/>
                       </a:ext>
                     </a:extLst>
                   </p:cNvPr>
@@ -22955,7 +23371,7 @@
                   <p:cNvPr id="20" name="Straight Connector 17">
                     <a:extLst>
                       <a:ext uri="{FF2B5EF4-FFF2-40B4-BE49-F238E27FC236}">
-                        <a16:creationId xmlns:a16="http://schemas.microsoft.com/office/drawing/2014/main" xmlns="" id="{563CA86A-B5F5-4C0A-BEDD-398DA4940200}"/>
+                        <a16:creationId xmlns="" xmlns:a16="http://schemas.microsoft.com/office/drawing/2014/main" id="{563CA86A-B5F5-4C0A-BEDD-398DA4940200}"/>
                       </a:ext>
                     </a:extLst>
                   </p:cNvPr>
@@ -23002,7 +23418,7 @@
           <p:cNvPr id="33" name="Content">
             <a:extLst>
               <a:ext uri="{FF2B5EF4-FFF2-40B4-BE49-F238E27FC236}">
-                <a16:creationId xmlns:a16="http://schemas.microsoft.com/office/drawing/2014/main" xmlns="" id="{4A77312A-23B7-4842-B850-7AC7FBF7BA9D}"/>
+                <a16:creationId xmlns="" xmlns:a16="http://schemas.microsoft.com/office/drawing/2014/main" id="{4A77312A-23B7-4842-B850-7AC7FBF7BA9D}"/>
               </a:ext>
             </a:extLst>
           </p:cNvPr>
@@ -23061,7 +23477,7 @@
           <p:cNvPr id="44" name="Tile">
             <a:extLst>
               <a:ext uri="{FF2B5EF4-FFF2-40B4-BE49-F238E27FC236}">
-                <a16:creationId xmlns:a16="http://schemas.microsoft.com/office/drawing/2014/main" xmlns="" id="{0FEE1A62-912F-435C-A66D-F1D5354E6D8F}"/>
+                <a16:creationId xmlns="" xmlns:a16="http://schemas.microsoft.com/office/drawing/2014/main" id="{0FEE1A62-912F-435C-A66D-F1D5354E6D8F}"/>
               </a:ext>
             </a:extLst>
           </p:cNvPr>
@@ -23119,7 +23535,7 @@
           <p:cNvPr id="34" name="Content">
             <a:extLst>
               <a:ext uri="{FF2B5EF4-FFF2-40B4-BE49-F238E27FC236}">
-                <a16:creationId xmlns:a16="http://schemas.microsoft.com/office/drawing/2014/main" xmlns="" id="{67F08243-17E6-4464-978D-AE81A590CD79}"/>
+                <a16:creationId xmlns="" xmlns:a16="http://schemas.microsoft.com/office/drawing/2014/main" id="{67F08243-17E6-4464-978D-AE81A590CD79}"/>
               </a:ext>
             </a:extLst>
           </p:cNvPr>
@@ -23192,7 +23608,7 @@
           <p:cNvPr id="36" name="Imagen 35" descr="Imagen que contiene gráficos vectoriales&#10;&#10;Descripción generada con confianza muy alta">
             <a:extLst>
               <a:ext uri="{FF2B5EF4-FFF2-40B4-BE49-F238E27FC236}">
-                <a16:creationId xmlns:a16="http://schemas.microsoft.com/office/drawing/2014/main" xmlns="" id="{21D687BF-879D-492D-9FAF-09F5777B0B0A}"/>
+                <a16:creationId xmlns="" xmlns:a16="http://schemas.microsoft.com/office/drawing/2014/main" id="{21D687BF-879D-492D-9FAF-09F5777B0B0A}"/>
               </a:ext>
             </a:extLst>
           </p:cNvPr>
@@ -23229,7 +23645,7 @@
             <a:hlinkClick r:id="rId32"/>
             <a:extLst>
               <a:ext uri="{FF2B5EF4-FFF2-40B4-BE49-F238E27FC236}">
-                <a16:creationId xmlns:a16="http://schemas.microsoft.com/office/drawing/2014/main" xmlns="" id="{7BC667D3-3554-40C6-8055-A936802EDFDC}"/>
+                <a16:creationId xmlns="" xmlns:a16="http://schemas.microsoft.com/office/drawing/2014/main" id="{7BC667D3-3554-40C6-8055-A936802EDFDC}"/>
               </a:ext>
             </a:extLst>
           </p:cNvPr>
@@ -23276,7 +23692,7 @@
           <p:cNvPr id="43" name="Tile">
             <a:extLst>
               <a:ext uri="{FF2B5EF4-FFF2-40B4-BE49-F238E27FC236}">
-                <a16:creationId xmlns:a16="http://schemas.microsoft.com/office/drawing/2014/main" xmlns="" id="{16A53C90-A8E8-4760-B373-AE7AC6041567}"/>
+                <a16:creationId xmlns="" xmlns:a16="http://schemas.microsoft.com/office/drawing/2014/main" id="{16A53C90-A8E8-4760-B373-AE7AC6041567}"/>
               </a:ext>
             </a:extLst>
           </p:cNvPr>
@@ -23332,7 +23748,7 @@
           <p:cNvPr id="45" name="Imagen 44" descr="Imagen que contiene señal, objeto, reloj&#10;&#10;Descripción generada con confianza muy alta">
             <a:extLst>
               <a:ext uri="{FF2B5EF4-FFF2-40B4-BE49-F238E27FC236}">
-                <a16:creationId xmlns:a16="http://schemas.microsoft.com/office/drawing/2014/main" xmlns="" id="{BA522396-1E44-444F-A71F-EA4DCC8DD271}"/>
+                <a16:creationId xmlns="" xmlns:a16="http://schemas.microsoft.com/office/drawing/2014/main" id="{BA522396-1E44-444F-A71F-EA4DCC8DD271}"/>
               </a:ext>
             </a:extLst>
           </p:cNvPr>
@@ -23368,7 +23784,7 @@
           <p:cNvPr id="47" name="Content">
             <a:extLst>
               <a:ext uri="{FF2B5EF4-FFF2-40B4-BE49-F238E27FC236}">
-                <a16:creationId xmlns:a16="http://schemas.microsoft.com/office/drawing/2014/main" xmlns="" id="{959C53B5-E430-4D9F-876F-E7485EDAF825}"/>
+                <a16:creationId xmlns="" xmlns:a16="http://schemas.microsoft.com/office/drawing/2014/main" id="{959C53B5-E430-4D9F-876F-E7485EDAF825}"/>
               </a:ext>
             </a:extLst>
           </p:cNvPr>
@@ -23433,7 +23849,7 @@
           <p:cNvPr id="48" name="Imagen 47">
             <a:extLst>
               <a:ext uri="{FF2B5EF4-FFF2-40B4-BE49-F238E27FC236}">
-                <a16:creationId xmlns:a16="http://schemas.microsoft.com/office/drawing/2014/main" xmlns="" id="{019E1120-5DEF-4168-A30F-835E8096A98E}"/>
+                <a16:creationId xmlns="" xmlns:a16="http://schemas.microsoft.com/office/drawing/2014/main" id="{019E1120-5DEF-4168-A30F-835E8096A98E}"/>
               </a:ext>
             </a:extLst>
           </p:cNvPr>
@@ -23469,7 +23885,7 @@
           <p:cNvPr id="49" name="Content">
             <a:extLst>
               <a:ext uri="{FF2B5EF4-FFF2-40B4-BE49-F238E27FC236}">
-                <a16:creationId xmlns:a16="http://schemas.microsoft.com/office/drawing/2014/main" xmlns="" id="{AEA655B2-1AE9-4EED-8632-A44311B7C401}"/>
+                <a16:creationId xmlns="" xmlns:a16="http://schemas.microsoft.com/office/drawing/2014/main" id="{AEA655B2-1AE9-4EED-8632-A44311B7C401}"/>
               </a:ext>
             </a:extLst>
           </p:cNvPr>
@@ -23524,7 +23940,7 @@
             <a:hlinkClick r:id="rId36" action="ppaction://hlinksldjump"/>
             <a:extLst>
               <a:ext uri="{FF2B5EF4-FFF2-40B4-BE49-F238E27FC236}">
-                <a16:creationId xmlns:a16="http://schemas.microsoft.com/office/drawing/2014/main" xmlns="" id="{82D96681-5B5D-4070-9EA9-61964FE90828}"/>
+                <a16:creationId xmlns="" xmlns:a16="http://schemas.microsoft.com/office/drawing/2014/main" id="{82D96681-5B5D-4070-9EA9-61964FE90828}"/>
               </a:ext>
             </a:extLst>
           </p:cNvPr>
@@ -23577,7 +23993,7 @@
             <a:hlinkClick r:id="rId36" action="ppaction://hlinksldjump"/>
             <a:extLst>
               <a:ext uri="{FF2B5EF4-FFF2-40B4-BE49-F238E27FC236}">
-                <a16:creationId xmlns:a16="http://schemas.microsoft.com/office/drawing/2014/main" xmlns="" id="{AC4943C1-3710-4AC1-891A-5F6C2CE72E76}"/>
+                <a16:creationId xmlns="" xmlns:a16="http://schemas.microsoft.com/office/drawing/2014/main" id="{AC4943C1-3710-4AC1-891A-5F6C2CE72E76}"/>
               </a:ext>
             </a:extLst>
           </p:cNvPr>
@@ -23631,7 +24047,7 @@
           <p:cNvPr id="52" name="ScrollbarVertical">
             <a:extLst>
               <a:ext uri="{FF2B5EF4-FFF2-40B4-BE49-F238E27FC236}">
-                <a16:creationId xmlns:a16="http://schemas.microsoft.com/office/drawing/2014/main" xmlns="" id="{1BE74F99-CAF1-46B5-8E4C-2EAFC35E9178}"/>
+                <a16:creationId xmlns="" xmlns:a16="http://schemas.microsoft.com/office/drawing/2014/main" id="{1BE74F99-CAF1-46B5-8E4C-2EAFC35E9178}"/>
               </a:ext>
             </a:extLst>
           </p:cNvPr>
@@ -23655,7 +24071,7 @@
             <p:cNvPr id="53" name="Background">
               <a:extLst>
                 <a:ext uri="{FF2B5EF4-FFF2-40B4-BE49-F238E27FC236}">
-                  <a16:creationId xmlns:a16="http://schemas.microsoft.com/office/drawing/2014/main" xmlns="" id="{13D68EAB-5A75-4722-B291-C3BB0EE9F55E}"/>
+                  <a16:creationId xmlns="" xmlns:a16="http://schemas.microsoft.com/office/drawing/2014/main" id="{13D68EAB-5A75-4722-B291-C3BB0EE9F55E}"/>
                 </a:ext>
               </a:extLst>
             </p:cNvPr>
@@ -23713,7 +24129,7 @@
             <p:cNvPr id="54" name="Slider">
               <a:extLst>
                 <a:ext uri="{FF2B5EF4-FFF2-40B4-BE49-F238E27FC236}">
-                  <a16:creationId xmlns:a16="http://schemas.microsoft.com/office/drawing/2014/main" xmlns="" id="{B0065A72-1915-4EB2-8DE3-14B6761DAC40}"/>
+                  <a16:creationId xmlns="" xmlns:a16="http://schemas.microsoft.com/office/drawing/2014/main" id="{B0065A72-1915-4EB2-8DE3-14B6761DAC40}"/>
                 </a:ext>
               </a:extLst>
             </p:cNvPr>
@@ -23771,7 +24187,7 @@
             <p:cNvPr id="55" name="UpArrow">
               <a:extLst>
                 <a:ext uri="{FF2B5EF4-FFF2-40B4-BE49-F238E27FC236}">
-                  <a16:creationId xmlns:a16="http://schemas.microsoft.com/office/drawing/2014/main" xmlns="" id="{9FFEA258-015E-476C-BBA0-5DF1FDF5A666}"/>
+                  <a16:creationId xmlns="" xmlns:a16="http://schemas.microsoft.com/office/drawing/2014/main" id="{9FFEA258-015E-476C-BBA0-5DF1FDF5A666}"/>
                 </a:ext>
               </a:extLst>
             </p:cNvPr>
@@ -23826,7 +24242,7 @@
             <p:cNvPr id="56" name="DownArrow">
               <a:extLst>
                 <a:ext uri="{FF2B5EF4-FFF2-40B4-BE49-F238E27FC236}">
-                  <a16:creationId xmlns:a16="http://schemas.microsoft.com/office/drawing/2014/main" xmlns="" id="{A1285695-2680-44A0-8386-2A5CF1B79607}"/>
+                  <a16:creationId xmlns="" xmlns:a16="http://schemas.microsoft.com/office/drawing/2014/main" id="{A1285695-2680-44A0-8386-2A5CF1B79607}"/>
                 </a:ext>
               </a:extLst>
             </p:cNvPr>
@@ -23882,7 +24298,7 @@
           <p:cNvPr id="61" name="Grupo 60">
             <a:extLst>
               <a:ext uri="{FF2B5EF4-FFF2-40B4-BE49-F238E27FC236}">
-                <a16:creationId xmlns:a16="http://schemas.microsoft.com/office/drawing/2014/main" xmlns="" id="{C87738AA-3BAB-4E58-8DEC-4C44423EEFE5}"/>
+                <a16:creationId xmlns="" xmlns:a16="http://schemas.microsoft.com/office/drawing/2014/main" id="{C87738AA-3BAB-4E58-8DEC-4C44423EEFE5}"/>
               </a:ext>
             </a:extLst>
           </p:cNvPr>
@@ -23902,7 +24318,7 @@
             <p:cNvPr id="46" name="Rectángulo: esquinas redondeadas 45">
               <a:extLst>
                 <a:ext uri="{FF2B5EF4-FFF2-40B4-BE49-F238E27FC236}">
-                  <a16:creationId xmlns:a16="http://schemas.microsoft.com/office/drawing/2014/main" xmlns="" id="{F213C414-8105-4322-BCBC-4B4F3DBB00FB}"/>
+                  <a16:creationId xmlns="" xmlns:a16="http://schemas.microsoft.com/office/drawing/2014/main" id="{F213C414-8105-4322-BCBC-4B4F3DBB00FB}"/>
                 </a:ext>
               </a:extLst>
             </p:cNvPr>
@@ -23956,7 +24372,7 @@
             <p:cNvPr id="60" name="Imagen 59">
               <a:extLst>
                 <a:ext uri="{FF2B5EF4-FFF2-40B4-BE49-F238E27FC236}">
-                  <a16:creationId xmlns:a16="http://schemas.microsoft.com/office/drawing/2014/main" xmlns="" id="{83E34E83-8624-403F-8407-8BB993E64179}"/>
+                  <a16:creationId xmlns="" xmlns:a16="http://schemas.microsoft.com/office/drawing/2014/main" id="{83E34E83-8624-403F-8407-8BB993E64179}"/>
                 </a:ext>
               </a:extLst>
             </p:cNvPr>
@@ -23992,7 +24408,7 @@
             <p:cNvPr id="62" name="Content">
               <a:extLst>
                 <a:ext uri="{FF2B5EF4-FFF2-40B4-BE49-F238E27FC236}">
-                  <a16:creationId xmlns:a16="http://schemas.microsoft.com/office/drawing/2014/main" xmlns="" id="{65B65484-29E1-4A02-95A9-EF03456E68D5}"/>
+                  <a16:creationId xmlns="" xmlns:a16="http://schemas.microsoft.com/office/drawing/2014/main" id="{65B65484-29E1-4A02-95A9-EF03456E68D5}"/>
                 </a:ext>
               </a:extLst>
             </p:cNvPr>
@@ -24049,7 +24465,7 @@
             <p:cNvPr id="63" name="Content">
               <a:extLst>
                 <a:ext uri="{FF2B5EF4-FFF2-40B4-BE49-F238E27FC236}">
-                  <a16:creationId xmlns:a16="http://schemas.microsoft.com/office/drawing/2014/main" xmlns="" id="{3142B693-6972-46D2-BCDD-A8FC946485FB}"/>
+                  <a16:creationId xmlns="" xmlns:a16="http://schemas.microsoft.com/office/drawing/2014/main" id="{3142B693-6972-46D2-BCDD-A8FC946485FB}"/>
                 </a:ext>
               </a:extLst>
             </p:cNvPr>
@@ -24131,7 +24547,7 @@
           <p:cNvPr id="80" name="Grupo 79">
             <a:extLst>
               <a:ext uri="{FF2B5EF4-FFF2-40B4-BE49-F238E27FC236}">
-                <a16:creationId xmlns:a16="http://schemas.microsoft.com/office/drawing/2014/main" xmlns="" id="{F8A6F269-F6B5-4389-8E02-C0009DD567E4}"/>
+                <a16:creationId xmlns="" xmlns:a16="http://schemas.microsoft.com/office/drawing/2014/main" id="{F8A6F269-F6B5-4389-8E02-C0009DD567E4}"/>
               </a:ext>
             </a:extLst>
           </p:cNvPr>
@@ -24151,7 +24567,7 @@
             <p:cNvPr id="81" name="Rectángulo: esquinas redondeadas 80">
               <a:extLst>
                 <a:ext uri="{FF2B5EF4-FFF2-40B4-BE49-F238E27FC236}">
-                  <a16:creationId xmlns:a16="http://schemas.microsoft.com/office/drawing/2014/main" xmlns="" id="{ADF1EA10-0E67-4E27-9D32-56AA0E79691B}"/>
+                  <a16:creationId xmlns="" xmlns:a16="http://schemas.microsoft.com/office/drawing/2014/main" id="{ADF1EA10-0E67-4E27-9D32-56AA0E79691B}"/>
                 </a:ext>
               </a:extLst>
             </p:cNvPr>
@@ -24205,7 +24621,7 @@
             <p:cNvPr id="82" name="Imagen 81">
               <a:extLst>
                 <a:ext uri="{FF2B5EF4-FFF2-40B4-BE49-F238E27FC236}">
-                  <a16:creationId xmlns:a16="http://schemas.microsoft.com/office/drawing/2014/main" xmlns="" id="{E4B897CE-E5DA-423E-B9B4-AFA281A2A673}"/>
+                  <a16:creationId xmlns="" xmlns:a16="http://schemas.microsoft.com/office/drawing/2014/main" id="{E4B897CE-E5DA-423E-B9B4-AFA281A2A673}"/>
                 </a:ext>
               </a:extLst>
             </p:cNvPr>
@@ -24241,7 +24657,7 @@
             <p:cNvPr id="83" name="Content">
               <a:extLst>
                 <a:ext uri="{FF2B5EF4-FFF2-40B4-BE49-F238E27FC236}">
-                  <a16:creationId xmlns:a16="http://schemas.microsoft.com/office/drawing/2014/main" xmlns="" id="{C888A4A2-7769-4FA0-8CBB-E634AE82FB55}"/>
+                  <a16:creationId xmlns="" xmlns:a16="http://schemas.microsoft.com/office/drawing/2014/main" id="{C888A4A2-7769-4FA0-8CBB-E634AE82FB55}"/>
                 </a:ext>
               </a:extLst>
             </p:cNvPr>
@@ -24298,7 +24714,7 @@
             <p:cNvPr id="84" name="Content">
               <a:extLst>
                 <a:ext uri="{FF2B5EF4-FFF2-40B4-BE49-F238E27FC236}">
-                  <a16:creationId xmlns:a16="http://schemas.microsoft.com/office/drawing/2014/main" xmlns="" id="{B8789167-3159-49FD-943C-895E7B2E0F37}"/>
+                  <a16:creationId xmlns="" xmlns:a16="http://schemas.microsoft.com/office/drawing/2014/main" id="{B8789167-3159-49FD-943C-895E7B2E0F37}"/>
                 </a:ext>
               </a:extLst>
             </p:cNvPr>
@@ -24380,7 +24796,7 @@
           <p:cNvPr id="85" name="Grupo 84">
             <a:extLst>
               <a:ext uri="{FF2B5EF4-FFF2-40B4-BE49-F238E27FC236}">
-                <a16:creationId xmlns:a16="http://schemas.microsoft.com/office/drawing/2014/main" xmlns="" id="{4582EB1A-E4CD-4929-B93B-D07856FD5D79}"/>
+                <a16:creationId xmlns="" xmlns:a16="http://schemas.microsoft.com/office/drawing/2014/main" id="{4582EB1A-E4CD-4929-B93B-D07856FD5D79}"/>
               </a:ext>
             </a:extLst>
           </p:cNvPr>
@@ -24400,7 +24816,7 @@
             <p:cNvPr id="86" name="Rectángulo: esquinas redondeadas 85">
               <a:extLst>
                 <a:ext uri="{FF2B5EF4-FFF2-40B4-BE49-F238E27FC236}">
-                  <a16:creationId xmlns:a16="http://schemas.microsoft.com/office/drawing/2014/main" xmlns="" id="{D4BBD192-F685-4A4D-A986-27754F5DB52B}"/>
+                  <a16:creationId xmlns="" xmlns:a16="http://schemas.microsoft.com/office/drawing/2014/main" id="{D4BBD192-F685-4A4D-A986-27754F5DB52B}"/>
                 </a:ext>
               </a:extLst>
             </p:cNvPr>
@@ -24456,7 +24872,7 @@
             <p:cNvPr id="87" name="Imagen 86">
               <a:extLst>
                 <a:ext uri="{FF2B5EF4-FFF2-40B4-BE49-F238E27FC236}">
-                  <a16:creationId xmlns:a16="http://schemas.microsoft.com/office/drawing/2014/main" xmlns="" id="{86575A8E-F65C-43C9-9D1F-E5C5A1C1B081}"/>
+                  <a16:creationId xmlns="" xmlns:a16="http://schemas.microsoft.com/office/drawing/2014/main" id="{86575A8E-F65C-43C9-9D1F-E5C5A1C1B081}"/>
                 </a:ext>
               </a:extLst>
             </p:cNvPr>
@@ -24492,7 +24908,7 @@
             <p:cNvPr id="88" name="Content">
               <a:extLst>
                 <a:ext uri="{FF2B5EF4-FFF2-40B4-BE49-F238E27FC236}">
-                  <a16:creationId xmlns:a16="http://schemas.microsoft.com/office/drawing/2014/main" xmlns="" id="{22F43AE9-859E-474B-A03F-63E599C7D683}"/>
+                  <a16:creationId xmlns="" xmlns:a16="http://schemas.microsoft.com/office/drawing/2014/main" id="{22F43AE9-859E-474B-A03F-63E599C7D683}"/>
                 </a:ext>
               </a:extLst>
             </p:cNvPr>
@@ -24549,7 +24965,7 @@
             <p:cNvPr id="89" name="Content">
               <a:extLst>
                 <a:ext uri="{FF2B5EF4-FFF2-40B4-BE49-F238E27FC236}">
-                  <a16:creationId xmlns:a16="http://schemas.microsoft.com/office/drawing/2014/main" xmlns="" id="{3F63BCC1-DE15-4156-B1AA-96FE7B2C2318}"/>
+                  <a16:creationId xmlns="" xmlns:a16="http://schemas.microsoft.com/office/drawing/2014/main" id="{3F63BCC1-DE15-4156-B1AA-96FE7B2C2318}"/>
                 </a:ext>
               </a:extLst>
             </p:cNvPr>
@@ -24631,7 +25047,7 @@
           <p:cNvPr id="90" name="Grupo 89">
             <a:extLst>
               <a:ext uri="{FF2B5EF4-FFF2-40B4-BE49-F238E27FC236}">
-                <a16:creationId xmlns:a16="http://schemas.microsoft.com/office/drawing/2014/main" xmlns="" id="{7B269B5D-C6FF-4EA7-AAFC-F847B9BAA52C}"/>
+                <a16:creationId xmlns="" xmlns:a16="http://schemas.microsoft.com/office/drawing/2014/main" id="{7B269B5D-C6FF-4EA7-AAFC-F847B9BAA52C}"/>
               </a:ext>
             </a:extLst>
           </p:cNvPr>
@@ -24651,7 +25067,7 @@
             <p:cNvPr id="91" name="Rectángulo: esquinas redondeadas 90">
               <a:extLst>
                 <a:ext uri="{FF2B5EF4-FFF2-40B4-BE49-F238E27FC236}">
-                  <a16:creationId xmlns:a16="http://schemas.microsoft.com/office/drawing/2014/main" xmlns="" id="{1BDB2C7E-6547-44A7-B9EC-7327B7071C8F}"/>
+                  <a16:creationId xmlns="" xmlns:a16="http://schemas.microsoft.com/office/drawing/2014/main" id="{1BDB2C7E-6547-44A7-B9EC-7327B7071C8F}"/>
                 </a:ext>
               </a:extLst>
             </p:cNvPr>
@@ -24705,7 +25121,7 @@
             <p:cNvPr id="92" name="Imagen 91">
               <a:extLst>
                 <a:ext uri="{FF2B5EF4-FFF2-40B4-BE49-F238E27FC236}">
-                  <a16:creationId xmlns:a16="http://schemas.microsoft.com/office/drawing/2014/main" xmlns="" id="{98FD5791-45B8-4DB8-AED8-9174F138EC4B}"/>
+                  <a16:creationId xmlns="" xmlns:a16="http://schemas.microsoft.com/office/drawing/2014/main" id="{98FD5791-45B8-4DB8-AED8-9174F138EC4B}"/>
                 </a:ext>
               </a:extLst>
             </p:cNvPr>
@@ -24741,7 +25157,7 @@
             <p:cNvPr id="93" name="Content">
               <a:extLst>
                 <a:ext uri="{FF2B5EF4-FFF2-40B4-BE49-F238E27FC236}">
-                  <a16:creationId xmlns:a16="http://schemas.microsoft.com/office/drawing/2014/main" xmlns="" id="{71393629-95E1-4F48-B5D6-49A1C2FE4A95}"/>
+                  <a16:creationId xmlns="" xmlns:a16="http://schemas.microsoft.com/office/drawing/2014/main" id="{71393629-95E1-4F48-B5D6-49A1C2FE4A95}"/>
                 </a:ext>
               </a:extLst>
             </p:cNvPr>
@@ -24795,7 +25211,7 @@
             <p:cNvPr id="94" name="Content">
               <a:extLst>
                 <a:ext uri="{FF2B5EF4-FFF2-40B4-BE49-F238E27FC236}">
-                  <a16:creationId xmlns:a16="http://schemas.microsoft.com/office/drawing/2014/main" xmlns="" id="{73BDB1BB-F031-4077-B75A-AA9DE1186258}"/>
+                  <a16:creationId xmlns="" xmlns:a16="http://schemas.microsoft.com/office/drawing/2014/main" id="{73BDB1BB-F031-4077-B75A-AA9DE1186258}"/>
                 </a:ext>
               </a:extLst>
             </p:cNvPr>
@@ -24877,7 +25293,7 @@
           <p:cNvPr id="95" name="Grupo 94">
             <a:extLst>
               <a:ext uri="{FF2B5EF4-FFF2-40B4-BE49-F238E27FC236}">
-                <a16:creationId xmlns:a16="http://schemas.microsoft.com/office/drawing/2014/main" xmlns="" id="{D7283A9F-BB29-4557-9954-253C9DFD4504}"/>
+                <a16:creationId xmlns="" xmlns:a16="http://schemas.microsoft.com/office/drawing/2014/main" id="{D7283A9F-BB29-4557-9954-253C9DFD4504}"/>
               </a:ext>
             </a:extLst>
           </p:cNvPr>
@@ -24897,7 +25313,7 @@
             <p:cNvPr id="96" name="Rectángulo: esquinas redondeadas 95">
               <a:extLst>
                 <a:ext uri="{FF2B5EF4-FFF2-40B4-BE49-F238E27FC236}">
-                  <a16:creationId xmlns:a16="http://schemas.microsoft.com/office/drawing/2014/main" xmlns="" id="{855160F7-6435-4BC7-970C-F2172ED54D96}"/>
+                  <a16:creationId xmlns="" xmlns:a16="http://schemas.microsoft.com/office/drawing/2014/main" id="{855160F7-6435-4BC7-970C-F2172ED54D96}"/>
                 </a:ext>
               </a:extLst>
             </p:cNvPr>
@@ -24951,7 +25367,7 @@
             <p:cNvPr id="97" name="Imagen 96">
               <a:extLst>
                 <a:ext uri="{FF2B5EF4-FFF2-40B4-BE49-F238E27FC236}">
-                  <a16:creationId xmlns:a16="http://schemas.microsoft.com/office/drawing/2014/main" xmlns="" id="{12B4EA24-375F-45CB-BAEC-6CAEC6CD746C}"/>
+                  <a16:creationId xmlns="" xmlns:a16="http://schemas.microsoft.com/office/drawing/2014/main" id="{12B4EA24-375F-45CB-BAEC-6CAEC6CD746C}"/>
                 </a:ext>
               </a:extLst>
             </p:cNvPr>
@@ -24988,7 +25404,7 @@
           <p:cNvPr id="100" name="Rectángulo: esquinas redondeadas 99">
             <a:extLst>
               <a:ext uri="{FF2B5EF4-FFF2-40B4-BE49-F238E27FC236}">
-                <a16:creationId xmlns:a16="http://schemas.microsoft.com/office/drawing/2014/main" xmlns="" id="{A1BF544A-9A78-4781-8CBE-655B391EDFED}"/>
+                <a16:creationId xmlns="" xmlns:a16="http://schemas.microsoft.com/office/drawing/2014/main" id="{A1BF544A-9A78-4781-8CBE-655B391EDFED}"/>
               </a:ext>
             </a:extLst>
           </p:cNvPr>
@@ -25044,7 +25460,7 @@
           <p:cNvPr id="101" name="Rectángulo: esquinas redondeadas 100">
             <a:extLst>
               <a:ext uri="{FF2B5EF4-FFF2-40B4-BE49-F238E27FC236}">
-                <a16:creationId xmlns:a16="http://schemas.microsoft.com/office/drawing/2014/main" xmlns="" id="{E58F19F7-6331-4D75-A4E1-48CCB689F25C}"/>
+                <a16:creationId xmlns="" xmlns:a16="http://schemas.microsoft.com/office/drawing/2014/main" id="{E58F19F7-6331-4D75-A4E1-48CCB689F25C}"/>
               </a:ext>
             </a:extLst>
           </p:cNvPr>
@@ -25100,7 +25516,7 @@
           <p:cNvPr id="102" name="Rectángulo: esquinas redondeadas 101">
             <a:extLst>
               <a:ext uri="{FF2B5EF4-FFF2-40B4-BE49-F238E27FC236}">
-                <a16:creationId xmlns:a16="http://schemas.microsoft.com/office/drawing/2014/main" xmlns="" id="{95D7FA7C-F8FC-4ED9-A6A8-DADE687854AC}"/>
+                <a16:creationId xmlns="" xmlns:a16="http://schemas.microsoft.com/office/drawing/2014/main" id="{95D7FA7C-F8FC-4ED9-A6A8-DADE687854AC}"/>
               </a:ext>
             </a:extLst>
           </p:cNvPr>
@@ -25156,7 +25572,7 @@
           <p:cNvPr id="64" name="Grupo 63">
             <a:extLst>
               <a:ext uri="{FF2B5EF4-FFF2-40B4-BE49-F238E27FC236}">
-                <a16:creationId xmlns:a16="http://schemas.microsoft.com/office/drawing/2014/main" xmlns="" id="{52157591-E0C1-4BD2-BC7E-50CB959040A2}"/>
+                <a16:creationId xmlns="" xmlns:a16="http://schemas.microsoft.com/office/drawing/2014/main" id="{52157591-E0C1-4BD2-BC7E-50CB959040A2}"/>
               </a:ext>
             </a:extLst>
           </p:cNvPr>
@@ -25176,7 +25592,7 @@
             <p:cNvPr id="103" name="Rectángulo: esquinas redondeadas 102">
               <a:extLst>
                 <a:ext uri="{FF2B5EF4-FFF2-40B4-BE49-F238E27FC236}">
-                  <a16:creationId xmlns:a16="http://schemas.microsoft.com/office/drawing/2014/main" xmlns="" id="{E018261E-D1BA-4EFA-9023-4292CF28D8E0}"/>
+                  <a16:creationId xmlns="" xmlns:a16="http://schemas.microsoft.com/office/drawing/2014/main" id="{E018261E-D1BA-4EFA-9023-4292CF28D8E0}"/>
                 </a:ext>
               </a:extLst>
             </p:cNvPr>
@@ -25232,7 +25648,7 @@
             <p:cNvPr id="104" name="Imagen 103">
               <a:extLst>
                 <a:ext uri="{FF2B5EF4-FFF2-40B4-BE49-F238E27FC236}">
-                  <a16:creationId xmlns:a16="http://schemas.microsoft.com/office/drawing/2014/main" xmlns="" id="{80AEBD50-7D21-4681-AAF8-667EF265A6E1}"/>
+                  <a16:creationId xmlns="" xmlns:a16="http://schemas.microsoft.com/office/drawing/2014/main" id="{80AEBD50-7D21-4681-AAF8-667EF265A6E1}"/>
                 </a:ext>
               </a:extLst>
             </p:cNvPr>
@@ -25268,7 +25684,7 @@
             <p:cNvPr id="105" name="Imagen 104">
               <a:extLst>
                 <a:ext uri="{FF2B5EF4-FFF2-40B4-BE49-F238E27FC236}">
-                  <a16:creationId xmlns:a16="http://schemas.microsoft.com/office/drawing/2014/main" xmlns="" id="{E899F533-3225-4150-B2F0-3AFFC5DF2402}"/>
+                  <a16:creationId xmlns="" xmlns:a16="http://schemas.microsoft.com/office/drawing/2014/main" id="{E899F533-3225-4150-B2F0-3AFFC5DF2402}"/>
                 </a:ext>
               </a:extLst>
             </p:cNvPr>
@@ -25304,7 +25720,7 @@
             <p:cNvPr id="106" name="Imagen 105">
               <a:extLst>
                 <a:ext uri="{FF2B5EF4-FFF2-40B4-BE49-F238E27FC236}">
-                  <a16:creationId xmlns:a16="http://schemas.microsoft.com/office/drawing/2014/main" xmlns="" id="{7E8D4384-9848-4594-9F18-11F0EA82B212}"/>
+                  <a16:creationId xmlns="" xmlns:a16="http://schemas.microsoft.com/office/drawing/2014/main" id="{7E8D4384-9848-4594-9F18-11F0EA82B212}"/>
                 </a:ext>
               </a:extLst>
             </p:cNvPr>
@@ -25342,7 +25758,7 @@
             <a:hlinkClick r:id="rId36" action="ppaction://hlinksldjump"/>
             <a:extLst>
               <a:ext uri="{FF2B5EF4-FFF2-40B4-BE49-F238E27FC236}">
-                <a16:creationId xmlns:a16="http://schemas.microsoft.com/office/drawing/2014/main" xmlns="" id="{8EAF6471-4E54-4A80-8A7E-CC376F7D036F}"/>
+                <a16:creationId xmlns="" xmlns:a16="http://schemas.microsoft.com/office/drawing/2014/main" id="{8EAF6471-4E54-4A80-8A7E-CC376F7D036F}"/>
               </a:ext>
             </a:extLst>
           </p:cNvPr>
@@ -25379,7 +25795,7 @@
             <a:hlinkClick r:id="rId36" action="ppaction://hlinksldjump"/>
             <a:extLst>
               <a:ext uri="{FF2B5EF4-FFF2-40B4-BE49-F238E27FC236}">
-                <a16:creationId xmlns:a16="http://schemas.microsoft.com/office/drawing/2014/main" xmlns="" id="{8872DF6A-9587-4E91-B416-943E3D922E67}"/>
+                <a16:creationId xmlns="" xmlns:a16="http://schemas.microsoft.com/office/drawing/2014/main" id="{8872DF6A-9587-4E91-B416-943E3D922E67}"/>
               </a:ext>
             </a:extLst>
           </p:cNvPr>
@@ -25433,7 +25849,7 @@
           <p:cNvPr id="98" name="Imagen 97">
             <a:extLst>
               <a:ext uri="{FF2B5EF4-FFF2-40B4-BE49-F238E27FC236}">
-                <a16:creationId xmlns:a16="http://schemas.microsoft.com/office/drawing/2014/main" xmlns="" id="{7882B9C7-858E-4C40-B167-358E978B3A47}"/>
+                <a16:creationId xmlns="" xmlns:a16="http://schemas.microsoft.com/office/drawing/2014/main" id="{7882B9C7-858E-4C40-B167-358E978B3A47}"/>
               </a:ext>
             </a:extLst>
           </p:cNvPr>
@@ -25469,7 +25885,7 @@
           <p:cNvPr id="99" name="Content">
             <a:extLst>
               <a:ext uri="{FF2B5EF4-FFF2-40B4-BE49-F238E27FC236}">
-                <a16:creationId xmlns:a16="http://schemas.microsoft.com/office/drawing/2014/main" xmlns="" id="{4C59270A-40AF-454A-8F4F-853745605ABB}"/>
+                <a16:creationId xmlns="" xmlns:a16="http://schemas.microsoft.com/office/drawing/2014/main" id="{4C59270A-40AF-454A-8F4F-853745605ABB}"/>
               </a:ext>
             </a:extLst>
           </p:cNvPr>
@@ -25581,7 +25997,7 @@
             <a:hlinkClick r:id="rId48" action="ppaction://hlinksldjump"/>
             <a:extLst>
               <a:ext uri="{FF2B5EF4-FFF2-40B4-BE49-F238E27FC236}">
-                <a16:creationId xmlns:a16="http://schemas.microsoft.com/office/drawing/2014/main" xmlns="" id="{84B7AF37-DA67-495E-A89B-0DCD9D2DC409}"/>
+                <a16:creationId xmlns="" xmlns:a16="http://schemas.microsoft.com/office/drawing/2014/main" id="{84B7AF37-DA67-495E-A89B-0DCD9D2DC409}"/>
               </a:ext>
             </a:extLst>
           </p:cNvPr>
@@ -25639,7 +26055,7 @@
             <a:hlinkClick r:id="rId48" action="ppaction://hlinksldjump"/>
             <a:extLst>
               <a:ext uri="{FF2B5EF4-FFF2-40B4-BE49-F238E27FC236}">
-                <a16:creationId xmlns:a16="http://schemas.microsoft.com/office/drawing/2014/main" xmlns="" id="{26A813F6-1875-4506-9F9B-F3911D786501}"/>
+                <a16:creationId xmlns="" xmlns:a16="http://schemas.microsoft.com/office/drawing/2014/main" id="{26A813F6-1875-4506-9F9B-F3911D786501}"/>
               </a:ext>
             </a:extLst>
           </p:cNvPr>
@@ -25748,7 +26164,7 @@
             <a:hlinkClick r:id="rId48" action="ppaction://hlinksldjump"/>
             <a:extLst>
               <a:ext uri="{FF2B5EF4-FFF2-40B4-BE49-F238E27FC236}">
-                <a16:creationId xmlns:a16="http://schemas.microsoft.com/office/drawing/2014/main" xmlns="" id="{84B7AF37-DA67-495E-A89B-0DCD9D2DC409}"/>
+                <a16:creationId xmlns="" xmlns:a16="http://schemas.microsoft.com/office/drawing/2014/main" id="{84B7AF37-DA67-495E-A89B-0DCD9D2DC409}"/>
               </a:ext>
             </a:extLst>
           </p:cNvPr>
@@ -25860,7 +26276,7 @@
           <p:cNvPr id="4" name="Group 2">
             <a:extLst>
               <a:ext uri="{FF2B5EF4-FFF2-40B4-BE49-F238E27FC236}">
-                <a16:creationId xmlns:a16="http://schemas.microsoft.com/office/drawing/2014/main" xmlns="" id="{21C3B3EC-4037-44E8-85BF-708C74AD4625}"/>
+                <a16:creationId xmlns="" xmlns:a16="http://schemas.microsoft.com/office/drawing/2014/main" id="{21C3B3EC-4037-44E8-85BF-708C74AD4625}"/>
               </a:ext>
             </a:extLst>
           </p:cNvPr>
@@ -25880,7 +26296,7 @@
             <p:cNvPr id="5" name="Group 4">
               <a:extLst>
                 <a:ext uri="{FF2B5EF4-FFF2-40B4-BE49-F238E27FC236}">
-                  <a16:creationId xmlns:a16="http://schemas.microsoft.com/office/drawing/2014/main" xmlns="" id="{A0C0DFB6-AF4B-40E2-BD00-C0F08DFEB32E}"/>
+                  <a16:creationId xmlns="" xmlns:a16="http://schemas.microsoft.com/office/drawing/2014/main" id="{A0C0DFB6-AF4B-40E2-BD00-C0F08DFEB32E}"/>
                 </a:ext>
               </a:extLst>
             </p:cNvPr>
@@ -25900,7 +26316,7 @@
               <p:cNvPr id="7" name="Rounded Rectangle 6">
                 <a:extLst>
                   <a:ext uri="{FF2B5EF4-FFF2-40B4-BE49-F238E27FC236}">
-                    <a16:creationId xmlns:a16="http://schemas.microsoft.com/office/drawing/2014/main" xmlns="" id="{AE508296-F38E-4A9A-8FD9-B634376973D8}"/>
+                    <a16:creationId xmlns="" xmlns:a16="http://schemas.microsoft.com/office/drawing/2014/main" id="{AE508296-F38E-4A9A-8FD9-B634376973D8}"/>
                   </a:ext>
                 </a:extLst>
               </p:cNvPr>
@@ -25963,7 +26379,7 @@
               <p:cNvPr id="8" name="Rounded Rectangle 7">
                 <a:extLst>
                   <a:ext uri="{FF2B5EF4-FFF2-40B4-BE49-F238E27FC236}">
-                    <a16:creationId xmlns:a16="http://schemas.microsoft.com/office/drawing/2014/main" xmlns="" id="{34A37947-C08E-46E9-866C-C649B1BC45D4}"/>
+                    <a16:creationId xmlns="" xmlns:a16="http://schemas.microsoft.com/office/drawing/2014/main" id="{34A37947-C08E-46E9-866C-C649B1BC45D4}"/>
                   </a:ext>
                 </a:extLst>
               </p:cNvPr>
@@ -26023,7 +26439,7 @@
               <p:cNvPr id="9" name="Rectangle 8">
                 <a:extLst>
                   <a:ext uri="{FF2B5EF4-FFF2-40B4-BE49-F238E27FC236}">
-                    <a16:creationId xmlns:a16="http://schemas.microsoft.com/office/drawing/2014/main" xmlns="" id="{4C539735-0B90-4BC8-B249-69C1B8B1CCC0}"/>
+                    <a16:creationId xmlns="" xmlns:a16="http://schemas.microsoft.com/office/drawing/2014/main" id="{4C539735-0B90-4BC8-B249-69C1B8B1CCC0}"/>
                   </a:ext>
                 </a:extLst>
               </p:cNvPr>
@@ -26081,7 +26497,7 @@
               <p:cNvPr id="10" name="Rounded Rectangle 11">
                 <a:extLst>
                   <a:ext uri="{FF2B5EF4-FFF2-40B4-BE49-F238E27FC236}">
-                    <a16:creationId xmlns:a16="http://schemas.microsoft.com/office/drawing/2014/main" xmlns="" id="{120D33B5-CFCB-4104-AB8C-1916149D9BCA}"/>
+                    <a16:creationId xmlns="" xmlns:a16="http://schemas.microsoft.com/office/drawing/2014/main" id="{120D33B5-CFCB-4104-AB8C-1916149D9BCA}"/>
                   </a:ext>
                 </a:extLst>
               </p:cNvPr>
@@ -26140,7 +26556,7 @@
             <p:cNvPr id="6" name="Rectangle 5">
               <a:extLst>
                 <a:ext uri="{FF2B5EF4-FFF2-40B4-BE49-F238E27FC236}">
-                  <a16:creationId xmlns:a16="http://schemas.microsoft.com/office/drawing/2014/main" xmlns="" id="{20E130B0-2F7C-4A32-829C-7389639398C1}"/>
+                  <a16:creationId xmlns="" xmlns:a16="http://schemas.microsoft.com/office/drawing/2014/main" id="{20E130B0-2F7C-4A32-829C-7389639398C1}"/>
                 </a:ext>
               </a:extLst>
             </p:cNvPr>
@@ -26217,7 +26633,7 @@
           <p:cNvPr id="11" name="Tile">
             <a:extLst>
               <a:ext uri="{FF2B5EF4-FFF2-40B4-BE49-F238E27FC236}">
-                <a16:creationId xmlns:a16="http://schemas.microsoft.com/office/drawing/2014/main" xmlns="" id="{08E47932-A220-4DD3-B2E5-C13ADE217F04}"/>
+                <a16:creationId xmlns="" xmlns:a16="http://schemas.microsoft.com/office/drawing/2014/main" id="{08E47932-A220-4DD3-B2E5-C13ADE217F04}"/>
               </a:ext>
             </a:extLst>
           </p:cNvPr>
@@ -26275,7 +26691,7 @@
           <p:cNvPr id="12" name="Imagen 19" descr="Imagen que contiene gráficos vectoriales&#10;&#10;Descripción generada con confianza muy alta">
             <a:extLst>
               <a:ext uri="{FF2B5EF4-FFF2-40B4-BE49-F238E27FC236}">
-                <a16:creationId xmlns:a16="http://schemas.microsoft.com/office/drawing/2014/main" xmlns="" id="{67210019-63D8-41DC-983D-FE73F57DA3AC}"/>
+                <a16:creationId xmlns="" xmlns:a16="http://schemas.microsoft.com/office/drawing/2014/main" id="{67210019-63D8-41DC-983D-FE73F57DA3AC}"/>
               </a:ext>
             </a:extLst>
           </p:cNvPr>
@@ -26311,7 +26727,7 @@
           <p:cNvPr id="13" name="Imagen 16" descr="Imagen que contiene señal, objeto, reloj&#10;&#10;Descripción generada con confianza muy alta">
             <a:extLst>
               <a:ext uri="{FF2B5EF4-FFF2-40B4-BE49-F238E27FC236}">
-                <a16:creationId xmlns:a16="http://schemas.microsoft.com/office/drawing/2014/main" xmlns="" id="{2A04E46A-9376-4361-BE17-33C8DE35B1F4}"/>
+                <a16:creationId xmlns="" xmlns:a16="http://schemas.microsoft.com/office/drawing/2014/main" id="{2A04E46A-9376-4361-BE17-33C8DE35B1F4}"/>
               </a:ext>
             </a:extLst>
           </p:cNvPr>
@@ -26347,7 +26763,7 @@
           <p:cNvPr id="14" name="Imagen 17">
             <a:extLst>
               <a:ext uri="{FF2B5EF4-FFF2-40B4-BE49-F238E27FC236}">
-                <a16:creationId xmlns:a16="http://schemas.microsoft.com/office/drawing/2014/main" xmlns="" id="{02F224D2-FFB7-4970-A14D-610D657E7DC6}"/>
+                <a16:creationId xmlns="" xmlns:a16="http://schemas.microsoft.com/office/drawing/2014/main" id="{02F224D2-FFB7-4970-A14D-610D657E7DC6}"/>
               </a:ext>
             </a:extLst>
           </p:cNvPr>
@@ -26384,7 +26800,7 @@
             <a:hlinkClick r:id="rId16" action="ppaction://hlinksldjump"/>
             <a:extLst>
               <a:ext uri="{FF2B5EF4-FFF2-40B4-BE49-F238E27FC236}">
-                <a16:creationId xmlns:a16="http://schemas.microsoft.com/office/drawing/2014/main" xmlns="" id="{1A20770D-092E-4D69-B065-9444D0C21BB9}"/>
+                <a16:creationId xmlns="" xmlns:a16="http://schemas.microsoft.com/office/drawing/2014/main" id="{1A20770D-092E-4D69-B065-9444D0C21BB9}"/>
               </a:ext>
             </a:extLst>
           </p:cNvPr>
@@ -26420,7 +26836,7 @@
           <p:cNvPr id="16" name="Imagen 26">
             <a:extLst>
               <a:ext uri="{FF2B5EF4-FFF2-40B4-BE49-F238E27FC236}">
-                <a16:creationId xmlns:a16="http://schemas.microsoft.com/office/drawing/2014/main" xmlns="" id="{5747D6C6-E608-49B0-A252-0FD9E7C707B8}"/>
+                <a16:creationId xmlns="" xmlns:a16="http://schemas.microsoft.com/office/drawing/2014/main" id="{5747D6C6-E608-49B0-A252-0FD9E7C707B8}"/>
               </a:ext>
             </a:extLst>
           </p:cNvPr>
@@ -26456,7 +26872,7 @@
           <p:cNvPr id="17" name="Content">
             <a:extLst>
               <a:ext uri="{FF2B5EF4-FFF2-40B4-BE49-F238E27FC236}">
-                <a16:creationId xmlns:a16="http://schemas.microsoft.com/office/drawing/2014/main" xmlns="" id="{7C5DA1DF-3C1A-46C4-9F5A-BEADD0B9E34B}"/>
+                <a16:creationId xmlns="" xmlns:a16="http://schemas.microsoft.com/office/drawing/2014/main" id="{7C5DA1DF-3C1A-46C4-9F5A-BEADD0B9E34B}"/>
               </a:ext>
             </a:extLst>
           </p:cNvPr>
@@ -26516,7 +26932,7 @@
             <a:hlinkClick r:id="rId19"/>
             <a:extLst>
               <a:ext uri="{FF2B5EF4-FFF2-40B4-BE49-F238E27FC236}">
-                <a16:creationId xmlns:a16="http://schemas.microsoft.com/office/drawing/2014/main" xmlns="" id="{19CE0A23-B208-4D09-A27D-B74C11BE535A}"/>
+                <a16:creationId xmlns="" xmlns:a16="http://schemas.microsoft.com/office/drawing/2014/main" id="{19CE0A23-B208-4D09-A27D-B74C11BE535A}"/>
               </a:ext>
             </a:extLst>
           </p:cNvPr>
@@ -26563,7 +26979,7 @@
           <p:cNvPr id="19" name="Grupo 1">
             <a:extLst>
               <a:ext uri="{FF2B5EF4-FFF2-40B4-BE49-F238E27FC236}">
-                <a16:creationId xmlns:a16="http://schemas.microsoft.com/office/drawing/2014/main" xmlns="" id="{EE9824E3-0111-4056-9B6F-168C15087DA8}"/>
+                <a16:creationId xmlns="" xmlns:a16="http://schemas.microsoft.com/office/drawing/2014/main" id="{EE9824E3-0111-4056-9B6F-168C15087DA8}"/>
               </a:ext>
             </a:extLst>
           </p:cNvPr>
@@ -26583,7 +26999,7 @@
             <p:cNvPr id="20" name="Rectángulo: esquinas redondeadas 49">
               <a:extLst>
                 <a:ext uri="{FF2B5EF4-FFF2-40B4-BE49-F238E27FC236}">
-                  <a16:creationId xmlns:a16="http://schemas.microsoft.com/office/drawing/2014/main" xmlns="" id="{4A499154-A38A-401D-B96C-DBA441BD9CF1}"/>
+                  <a16:creationId xmlns="" xmlns:a16="http://schemas.microsoft.com/office/drawing/2014/main" id="{4A499154-A38A-401D-B96C-DBA441BD9CF1}"/>
                 </a:ext>
               </a:extLst>
             </p:cNvPr>
@@ -26637,7 +27053,7 @@
             <p:cNvPr id="21" name="Imagen 50">
               <a:extLst>
                 <a:ext uri="{FF2B5EF4-FFF2-40B4-BE49-F238E27FC236}">
-                  <a16:creationId xmlns:a16="http://schemas.microsoft.com/office/drawing/2014/main" xmlns="" id="{1749696F-6BC8-48C3-BDBC-FC3F83ABFECC}"/>
+                  <a16:creationId xmlns="" xmlns:a16="http://schemas.microsoft.com/office/drawing/2014/main" id="{1749696F-6BC8-48C3-BDBC-FC3F83ABFECC}"/>
                 </a:ext>
               </a:extLst>
             </p:cNvPr>
@@ -26673,7 +27089,7 @@
             <p:cNvPr id="22" name="Content">
               <a:extLst>
                 <a:ext uri="{FF2B5EF4-FFF2-40B4-BE49-F238E27FC236}">
-                  <a16:creationId xmlns:a16="http://schemas.microsoft.com/office/drawing/2014/main" xmlns="" id="{05642A9C-ACC8-4348-9380-2056B386390D}"/>
+                  <a16:creationId xmlns="" xmlns:a16="http://schemas.microsoft.com/office/drawing/2014/main" id="{05642A9C-ACC8-4348-9380-2056B386390D}"/>
                 </a:ext>
               </a:extLst>
             </p:cNvPr>
@@ -26730,7 +27146,7 @@
             <p:cNvPr id="23" name="Content">
               <a:extLst>
                 <a:ext uri="{FF2B5EF4-FFF2-40B4-BE49-F238E27FC236}">
-                  <a16:creationId xmlns:a16="http://schemas.microsoft.com/office/drawing/2014/main" xmlns="" id="{AD529EFE-7EE7-4FB6-878C-1AA2895A776C}"/>
+                  <a16:creationId xmlns="" xmlns:a16="http://schemas.microsoft.com/office/drawing/2014/main" id="{AD529EFE-7EE7-4FB6-878C-1AA2895A776C}"/>
                 </a:ext>
               </a:extLst>
             </p:cNvPr>
@@ -26777,7 +27193,7 @@
           <p:cNvPr id="24" name="Grupo 53">
             <a:extLst>
               <a:ext uri="{FF2B5EF4-FFF2-40B4-BE49-F238E27FC236}">
-                <a16:creationId xmlns:a16="http://schemas.microsoft.com/office/drawing/2014/main" xmlns="" id="{57CCFBA8-B3B4-4126-8154-1373E866F48D}"/>
+                <a16:creationId xmlns="" xmlns:a16="http://schemas.microsoft.com/office/drawing/2014/main" id="{57CCFBA8-B3B4-4126-8154-1373E866F48D}"/>
               </a:ext>
             </a:extLst>
           </p:cNvPr>
@@ -26797,7 +27213,7 @@
             <p:cNvPr id="25" name="Rectángulo: esquinas redondeadas 54">
               <a:extLst>
                 <a:ext uri="{FF2B5EF4-FFF2-40B4-BE49-F238E27FC236}">
-                  <a16:creationId xmlns:a16="http://schemas.microsoft.com/office/drawing/2014/main" xmlns="" id="{D8C3A1AD-7950-4DD9-B546-809559A2C6AD}"/>
+                  <a16:creationId xmlns="" xmlns:a16="http://schemas.microsoft.com/office/drawing/2014/main" id="{D8C3A1AD-7950-4DD9-B546-809559A2C6AD}"/>
                 </a:ext>
               </a:extLst>
             </p:cNvPr>
@@ -26851,7 +27267,7 @@
             <p:cNvPr id="26" name="Imagen 55">
               <a:extLst>
                 <a:ext uri="{FF2B5EF4-FFF2-40B4-BE49-F238E27FC236}">
-                  <a16:creationId xmlns:a16="http://schemas.microsoft.com/office/drawing/2014/main" xmlns="" id="{BB746016-F075-4744-96DC-389C856630B2}"/>
+                  <a16:creationId xmlns="" xmlns:a16="http://schemas.microsoft.com/office/drawing/2014/main" id="{BB746016-F075-4744-96DC-389C856630B2}"/>
                 </a:ext>
               </a:extLst>
             </p:cNvPr>
@@ -26887,7 +27303,7 @@
             <p:cNvPr id="27" name="Content">
               <a:extLst>
                 <a:ext uri="{FF2B5EF4-FFF2-40B4-BE49-F238E27FC236}">
-                  <a16:creationId xmlns:a16="http://schemas.microsoft.com/office/drawing/2014/main" xmlns="" id="{016F6133-3186-40AA-822D-359C4BF94DB7}"/>
+                  <a16:creationId xmlns="" xmlns:a16="http://schemas.microsoft.com/office/drawing/2014/main" id="{016F6133-3186-40AA-822D-359C4BF94DB7}"/>
                 </a:ext>
               </a:extLst>
             </p:cNvPr>
@@ -26944,7 +27360,7 @@
             <p:cNvPr id="28" name="Content">
               <a:extLst>
                 <a:ext uri="{FF2B5EF4-FFF2-40B4-BE49-F238E27FC236}">
-                  <a16:creationId xmlns:a16="http://schemas.microsoft.com/office/drawing/2014/main" xmlns="" id="{D0A0CD3A-AB42-4206-8D6B-DF22761D1783}"/>
+                  <a16:creationId xmlns="" xmlns:a16="http://schemas.microsoft.com/office/drawing/2014/main" id="{D0A0CD3A-AB42-4206-8D6B-DF22761D1783}"/>
                 </a:ext>
               </a:extLst>
             </p:cNvPr>
@@ -26991,7 +27407,7 @@
           <p:cNvPr id="29" name="Grupo 58">
             <a:extLst>
               <a:ext uri="{FF2B5EF4-FFF2-40B4-BE49-F238E27FC236}">
-                <a16:creationId xmlns:a16="http://schemas.microsoft.com/office/drawing/2014/main" xmlns="" id="{CE4DC463-8C0F-43F7-8520-38D224910DF6}"/>
+                <a16:creationId xmlns="" xmlns:a16="http://schemas.microsoft.com/office/drawing/2014/main" id="{CE4DC463-8C0F-43F7-8520-38D224910DF6}"/>
               </a:ext>
             </a:extLst>
           </p:cNvPr>
@@ -27011,7 +27427,7 @@
             <p:cNvPr id="30" name="Rectángulo: esquinas redondeadas 59">
               <a:extLst>
                 <a:ext uri="{FF2B5EF4-FFF2-40B4-BE49-F238E27FC236}">
-                  <a16:creationId xmlns:a16="http://schemas.microsoft.com/office/drawing/2014/main" xmlns="" id="{CA664D87-CF34-4B7D-B225-5F656A9CB4CD}"/>
+                  <a16:creationId xmlns="" xmlns:a16="http://schemas.microsoft.com/office/drawing/2014/main" id="{CA664D87-CF34-4B7D-B225-5F656A9CB4CD}"/>
                 </a:ext>
               </a:extLst>
             </p:cNvPr>
@@ -27067,7 +27483,7 @@
             <p:cNvPr id="31" name="Imagen 60">
               <a:extLst>
                 <a:ext uri="{FF2B5EF4-FFF2-40B4-BE49-F238E27FC236}">
-                  <a16:creationId xmlns:a16="http://schemas.microsoft.com/office/drawing/2014/main" xmlns="" id="{3AAC0AAD-D738-4173-975B-89D599EBF7B2}"/>
+                  <a16:creationId xmlns="" xmlns:a16="http://schemas.microsoft.com/office/drawing/2014/main" id="{3AAC0AAD-D738-4173-975B-89D599EBF7B2}"/>
                 </a:ext>
               </a:extLst>
             </p:cNvPr>
@@ -27103,7 +27519,7 @@
             <p:cNvPr id="32" name="Content">
               <a:extLst>
                 <a:ext uri="{FF2B5EF4-FFF2-40B4-BE49-F238E27FC236}">
-                  <a16:creationId xmlns:a16="http://schemas.microsoft.com/office/drawing/2014/main" xmlns="" id="{51E8E920-3B6D-4E95-A39F-29379D0BA5AB}"/>
+                  <a16:creationId xmlns="" xmlns:a16="http://schemas.microsoft.com/office/drawing/2014/main" id="{51E8E920-3B6D-4E95-A39F-29379D0BA5AB}"/>
                 </a:ext>
               </a:extLst>
             </p:cNvPr>
@@ -27160,7 +27576,7 @@
             <p:cNvPr id="33" name="Content">
               <a:extLst>
                 <a:ext uri="{FF2B5EF4-FFF2-40B4-BE49-F238E27FC236}">
-                  <a16:creationId xmlns:a16="http://schemas.microsoft.com/office/drawing/2014/main" xmlns="" id="{BF32D5C4-4C24-498A-BF4A-C4AC83BC32C6}"/>
+                  <a16:creationId xmlns="" xmlns:a16="http://schemas.microsoft.com/office/drawing/2014/main" id="{BF32D5C4-4C24-498A-BF4A-C4AC83BC32C6}"/>
                 </a:ext>
               </a:extLst>
             </p:cNvPr>
@@ -27207,7 +27623,7 @@
           <p:cNvPr id="34" name="Grupo 2">
             <a:extLst>
               <a:ext uri="{FF2B5EF4-FFF2-40B4-BE49-F238E27FC236}">
-                <a16:creationId xmlns:a16="http://schemas.microsoft.com/office/drawing/2014/main" xmlns="" id="{42018776-E0F2-4495-95CB-010747D7D92E}"/>
+                <a16:creationId xmlns="" xmlns:a16="http://schemas.microsoft.com/office/drawing/2014/main" id="{42018776-E0F2-4495-95CB-010747D7D92E}"/>
               </a:ext>
             </a:extLst>
           </p:cNvPr>
@@ -27229,7 +27645,7 @@
             <p:cNvPr id="35" name="Rectángulo: esquinas redondeadas 45">
               <a:extLst>
                 <a:ext uri="{FF2B5EF4-FFF2-40B4-BE49-F238E27FC236}">
-                  <a16:creationId xmlns:a16="http://schemas.microsoft.com/office/drawing/2014/main" xmlns="" id="{9A515DD0-D0F6-44A6-A287-D1B2FAEDE56B}"/>
+                  <a16:creationId xmlns="" xmlns:a16="http://schemas.microsoft.com/office/drawing/2014/main" id="{9A515DD0-D0F6-44A6-A287-D1B2FAEDE56B}"/>
                 </a:ext>
               </a:extLst>
             </p:cNvPr>
@@ -27285,7 +27701,7 @@
             <p:cNvPr id="36" name="Imagen 46">
               <a:extLst>
                 <a:ext uri="{FF2B5EF4-FFF2-40B4-BE49-F238E27FC236}">
-                  <a16:creationId xmlns:a16="http://schemas.microsoft.com/office/drawing/2014/main" xmlns="" id="{992BB558-DBA3-4E8B-92F4-B91B065B79FB}"/>
+                  <a16:creationId xmlns="" xmlns:a16="http://schemas.microsoft.com/office/drawing/2014/main" id="{992BB558-DBA3-4E8B-92F4-B91B065B79FB}"/>
                 </a:ext>
               </a:extLst>
             </p:cNvPr>
@@ -27321,7 +27737,7 @@
             <p:cNvPr id="37" name="Imagen 47">
               <a:extLst>
                 <a:ext uri="{FF2B5EF4-FFF2-40B4-BE49-F238E27FC236}">
-                  <a16:creationId xmlns:a16="http://schemas.microsoft.com/office/drawing/2014/main" xmlns="" id="{F73B8329-226B-4314-9548-D4BB08CA12EA}"/>
+                  <a16:creationId xmlns="" xmlns:a16="http://schemas.microsoft.com/office/drawing/2014/main" id="{F73B8329-226B-4314-9548-D4BB08CA12EA}"/>
                 </a:ext>
               </a:extLst>
             </p:cNvPr>
@@ -27357,7 +27773,7 @@
             <p:cNvPr id="38" name="Imagen 48">
               <a:extLst>
                 <a:ext uri="{FF2B5EF4-FFF2-40B4-BE49-F238E27FC236}">
-                  <a16:creationId xmlns:a16="http://schemas.microsoft.com/office/drawing/2014/main" xmlns="" id="{8A1F7094-BAEB-4549-AFBF-99085B79995D}"/>
+                  <a16:creationId xmlns="" xmlns:a16="http://schemas.microsoft.com/office/drawing/2014/main" id="{8A1F7094-BAEB-4549-AFBF-99085B79995D}"/>
                 </a:ext>
               </a:extLst>
             </p:cNvPr>
@@ -27395,7 +27811,7 @@
             <a:hlinkClick r:id="rId27" action="ppaction://hlinksldjump"/>
             <a:extLst>
               <a:ext uri="{FF2B5EF4-FFF2-40B4-BE49-F238E27FC236}">
-                <a16:creationId xmlns:a16="http://schemas.microsoft.com/office/drawing/2014/main" xmlns="" id="{559A4BEA-9153-487D-9C14-7A210F4D96E1}"/>
+                <a16:creationId xmlns="" xmlns:a16="http://schemas.microsoft.com/office/drawing/2014/main" id="{559A4BEA-9153-487D-9C14-7A210F4D96E1}"/>
               </a:ext>
             </a:extLst>
           </p:cNvPr>
@@ -27513,7 +27929,7 @@
             <a:hlinkClick r:id="rId30" action="ppaction://hlinksldjump"/>
             <a:extLst>
               <a:ext uri="{FF2B5EF4-FFF2-40B4-BE49-F238E27FC236}">
-                <a16:creationId xmlns:a16="http://schemas.microsoft.com/office/drawing/2014/main" xmlns="" id="{84B7AF37-DA67-495E-A89B-0DCD9D2DC409}"/>
+                <a16:creationId xmlns="" xmlns:a16="http://schemas.microsoft.com/office/drawing/2014/main" id="{84B7AF37-DA67-495E-A89B-0DCD9D2DC409}"/>
               </a:ext>
             </a:extLst>
           </p:cNvPr>
@@ -27603,7 +28019,7 @@
             <a:hlinkClick r:id="rId30" action="ppaction://hlinksldjump"/>
             <a:extLst>
               <a:ext uri="{FF2B5EF4-FFF2-40B4-BE49-F238E27FC236}">
-                <a16:creationId xmlns:a16="http://schemas.microsoft.com/office/drawing/2014/main" xmlns="" id="{84B7AF37-DA67-495E-A89B-0DCD9D2DC409}"/>
+                <a16:creationId xmlns="" xmlns:a16="http://schemas.microsoft.com/office/drawing/2014/main" id="{84B7AF37-DA67-495E-A89B-0DCD9D2DC409}"/>
               </a:ext>
             </a:extLst>
           </p:cNvPr>
@@ -27682,7 +28098,7 @@
             <a:hlinkClick r:id="rId30" action="ppaction://hlinksldjump"/>
             <a:extLst>
               <a:ext uri="{FF2B5EF4-FFF2-40B4-BE49-F238E27FC236}">
-                <a16:creationId xmlns:a16="http://schemas.microsoft.com/office/drawing/2014/main" xmlns="" id="{26A813F6-1875-4506-9F9B-F3911D786501}"/>
+                <a16:creationId xmlns="" xmlns:a16="http://schemas.microsoft.com/office/drawing/2014/main" id="{26A813F6-1875-4506-9F9B-F3911D786501}"/>
               </a:ext>
             </a:extLst>
           </p:cNvPr>
@@ -27790,7 +28206,7 @@
           <p:cNvPr id="4" name="WebBrowser">
             <a:extLst>
               <a:ext uri="{FF2B5EF4-FFF2-40B4-BE49-F238E27FC236}">
-                <a16:creationId xmlns:a16="http://schemas.microsoft.com/office/drawing/2014/main" xmlns="" id="{939ECCBA-94D9-4CBE-9B2C-85073B00238A}"/>
+                <a16:creationId xmlns="" xmlns:a16="http://schemas.microsoft.com/office/drawing/2014/main" id="{939ECCBA-94D9-4CBE-9B2C-85073B00238A}"/>
               </a:ext>
             </a:extLst>
           </p:cNvPr>
@@ -27814,7 +28230,7 @@
             <p:cNvPr id="5" name="Background">
               <a:extLst>
                 <a:ext uri="{FF2B5EF4-FFF2-40B4-BE49-F238E27FC236}">
-                  <a16:creationId xmlns:a16="http://schemas.microsoft.com/office/drawing/2014/main" xmlns="" id="{21B141B3-F0A8-4B59-AB9F-E5FBFEE8220C}"/>
+                  <a16:creationId xmlns="" xmlns:a16="http://schemas.microsoft.com/office/drawing/2014/main" id="{21B141B3-F0A8-4B59-AB9F-E5FBFEE8220C}"/>
                 </a:ext>
               </a:extLst>
             </p:cNvPr>
@@ -27864,7 +28280,7 @@
             <p:cNvPr id="6" name="WindowTitle">
               <a:extLst>
                 <a:ext uri="{FF2B5EF4-FFF2-40B4-BE49-F238E27FC236}">
-                  <a16:creationId xmlns:a16="http://schemas.microsoft.com/office/drawing/2014/main" xmlns="" id="{80EB6A00-6C6D-49B0-A75C-5D759666FA53}"/>
+                  <a16:creationId xmlns="" xmlns:a16="http://schemas.microsoft.com/office/drawing/2014/main" id="{80EB6A00-6C6D-49B0-A75C-5D759666FA53}"/>
                 </a:ext>
               </a:extLst>
             </p:cNvPr>
@@ -27939,7 +28355,7 @@
             <p:cNvPr id="7" name="Group 4">
               <a:extLst>
                 <a:ext uri="{FF2B5EF4-FFF2-40B4-BE49-F238E27FC236}">
-                  <a16:creationId xmlns:a16="http://schemas.microsoft.com/office/drawing/2014/main" xmlns="" id="{A88DDE5D-CA7B-4F23-9663-DEC059383F67}"/>
+                  <a16:creationId xmlns="" xmlns:a16="http://schemas.microsoft.com/office/drawing/2014/main" id="{A88DDE5D-CA7B-4F23-9663-DEC059383F67}"/>
                 </a:ext>
               </a:extLst>
             </p:cNvPr>
@@ -27959,7 +28375,7 @@
               <p:cNvPr id="31" name="Oval 28">
                 <a:extLst>
                   <a:ext uri="{FF2B5EF4-FFF2-40B4-BE49-F238E27FC236}">
-                    <a16:creationId xmlns:a16="http://schemas.microsoft.com/office/drawing/2014/main" xmlns="" id="{8C90DF0B-22F2-4EF5-808E-91B0E8E76823}"/>
+                    <a16:creationId xmlns="" xmlns:a16="http://schemas.microsoft.com/office/drawing/2014/main" id="{8C90DF0B-22F2-4EF5-808E-91B0E8E76823}"/>
                   </a:ext>
                 </a:extLst>
               </p:cNvPr>
@@ -28039,7 +28455,7 @@
               <p:cNvPr id="32" name="Left Arrow 29">
                 <a:extLst>
                   <a:ext uri="{FF2B5EF4-FFF2-40B4-BE49-F238E27FC236}">
-                    <a16:creationId xmlns:a16="http://schemas.microsoft.com/office/drawing/2014/main" xmlns="" id="{850D3FCB-A036-42EE-8C8D-22F137BB7DF6}"/>
+                    <a16:creationId xmlns="" xmlns:a16="http://schemas.microsoft.com/office/drawing/2014/main" id="{850D3FCB-A036-42EE-8C8D-22F137BB7DF6}"/>
                   </a:ext>
                 </a:extLst>
               </p:cNvPr>
@@ -28088,7 +28504,7 @@
             <p:cNvPr id="8" name="Group 5">
               <a:extLst>
                 <a:ext uri="{FF2B5EF4-FFF2-40B4-BE49-F238E27FC236}">
-                  <a16:creationId xmlns:a16="http://schemas.microsoft.com/office/drawing/2014/main" xmlns="" id="{F8E078E3-A955-4F2B-99F0-E5AB8676640C}"/>
+                  <a16:creationId xmlns="" xmlns:a16="http://schemas.microsoft.com/office/drawing/2014/main" id="{F8E078E3-A955-4F2B-99F0-E5AB8676640C}"/>
                 </a:ext>
               </a:extLst>
             </p:cNvPr>
@@ -28108,7 +28524,7 @@
               <p:cNvPr id="29" name="Oval 26">
                 <a:extLst>
                   <a:ext uri="{FF2B5EF4-FFF2-40B4-BE49-F238E27FC236}">
-                    <a16:creationId xmlns:a16="http://schemas.microsoft.com/office/drawing/2014/main" xmlns="" id="{AD94EDDB-5D7D-423B-ABBF-27709982DFDB}"/>
+                    <a16:creationId xmlns="" xmlns:a16="http://schemas.microsoft.com/office/drawing/2014/main" id="{AD94EDDB-5D7D-423B-ABBF-27709982DFDB}"/>
                   </a:ext>
                 </a:extLst>
               </p:cNvPr>
@@ -28188,7 +28604,7 @@
               <p:cNvPr id="30" name="Right Arrow 27">
                 <a:extLst>
                   <a:ext uri="{FF2B5EF4-FFF2-40B4-BE49-F238E27FC236}">
-                    <a16:creationId xmlns:a16="http://schemas.microsoft.com/office/drawing/2014/main" xmlns="" id="{A942A2E1-7657-44DA-AA8C-0516439851A8}"/>
+                    <a16:creationId xmlns="" xmlns:a16="http://schemas.microsoft.com/office/drawing/2014/main" id="{A942A2E1-7657-44DA-AA8C-0516439851A8}"/>
                   </a:ext>
                 </a:extLst>
               </p:cNvPr>
@@ -28237,7 +28653,7 @@
             <p:cNvPr id="9" name="Minimize - Maximize - Close">
               <a:extLst>
                 <a:ext uri="{FF2B5EF4-FFF2-40B4-BE49-F238E27FC236}">
-                  <a16:creationId xmlns:a16="http://schemas.microsoft.com/office/drawing/2014/main" xmlns="" id="{A48EB436-AD18-418A-A3A2-C668586D7FF9}"/>
+                  <a16:creationId xmlns="" xmlns:a16="http://schemas.microsoft.com/office/drawing/2014/main" id="{A48EB436-AD18-418A-A3A2-C668586D7FF9}"/>
                 </a:ext>
               </a:extLst>
             </p:cNvPr>
@@ -28257,7 +28673,7 @@
               <p:cNvPr id="24" name="Line">
                 <a:extLst>
                   <a:ext uri="{FF2B5EF4-FFF2-40B4-BE49-F238E27FC236}">
-                    <a16:creationId xmlns:a16="http://schemas.microsoft.com/office/drawing/2014/main" xmlns="" id="{CAD62900-77CA-430E-BEEC-40DADA69B796}"/>
+                    <a16:creationId xmlns="" xmlns:a16="http://schemas.microsoft.com/office/drawing/2014/main" id="{CAD62900-77CA-430E-BEEC-40DADA69B796}"/>
                   </a:ext>
                 </a:extLst>
               </p:cNvPr>
@@ -28298,7 +28714,7 @@
               <p:cNvPr id="25" name="Line">
                 <a:extLst>
                   <a:ext uri="{FF2B5EF4-FFF2-40B4-BE49-F238E27FC236}">
-                    <a16:creationId xmlns:a16="http://schemas.microsoft.com/office/drawing/2014/main" xmlns="" id="{A88544A0-E575-40EC-9499-4C3714C42824}"/>
+                    <a16:creationId xmlns="" xmlns:a16="http://schemas.microsoft.com/office/drawing/2014/main" id="{A88544A0-E575-40EC-9499-4C3714C42824}"/>
                   </a:ext>
                 </a:extLst>
               </p:cNvPr>
@@ -28339,7 +28755,7 @@
               <p:cNvPr id="26" name="Line">
                 <a:extLst>
                   <a:ext uri="{FF2B5EF4-FFF2-40B4-BE49-F238E27FC236}">
-                    <a16:creationId xmlns:a16="http://schemas.microsoft.com/office/drawing/2014/main" xmlns="" id="{FD95A1D0-FD4E-41DE-9A79-0A42998AA983}"/>
+                    <a16:creationId xmlns="" xmlns:a16="http://schemas.microsoft.com/office/drawing/2014/main" id="{FD95A1D0-FD4E-41DE-9A79-0A42998AA983}"/>
                   </a:ext>
                 </a:extLst>
               </p:cNvPr>
@@ -28397,7 +28813,7 @@
               <p:cNvPr id="27" name="Line">
                 <a:extLst>
                   <a:ext uri="{FF2B5EF4-FFF2-40B4-BE49-F238E27FC236}">
-                    <a16:creationId xmlns:a16="http://schemas.microsoft.com/office/drawing/2014/main" xmlns="" id="{448A67CF-F47C-4391-8E97-63CD566D5A5A}"/>
+                    <a16:creationId xmlns="" xmlns:a16="http://schemas.microsoft.com/office/drawing/2014/main" id="{448A67CF-F47C-4391-8E97-63CD566D5A5A}"/>
                   </a:ext>
                 </a:extLst>
               </p:cNvPr>
@@ -28453,7 +28869,7 @@
               <p:cNvPr id="28" name="Line">
                 <a:extLst>
                   <a:ext uri="{FF2B5EF4-FFF2-40B4-BE49-F238E27FC236}">
-                    <a16:creationId xmlns:a16="http://schemas.microsoft.com/office/drawing/2014/main" xmlns="" id="{6E95B930-6DC7-46B3-A96A-E0470137DABC}"/>
+                    <a16:creationId xmlns="" xmlns:a16="http://schemas.microsoft.com/office/drawing/2014/main" id="{6E95B930-6DC7-46B3-A96A-E0470137DABC}"/>
                   </a:ext>
                 </a:extLst>
               </p:cNvPr>
@@ -28512,7 +28928,7 @@
             <p:cNvPr id="10" name="WebPageBody">
               <a:extLst>
                 <a:ext uri="{FF2B5EF4-FFF2-40B4-BE49-F238E27FC236}">
-                  <a16:creationId xmlns:a16="http://schemas.microsoft.com/office/drawing/2014/main" xmlns="" id="{B73FE404-167A-4A45-A0E2-F0BBC74EC1F0}"/>
+                  <a16:creationId xmlns="" xmlns:a16="http://schemas.microsoft.com/office/drawing/2014/main" id="{B73FE404-167A-4A45-A0E2-F0BBC74EC1F0}"/>
                 </a:ext>
               </a:extLst>
             </p:cNvPr>
@@ -28560,7 +28976,7 @@
             <p:cNvPr id="11" name="Group 8">
               <a:extLst>
                 <a:ext uri="{FF2B5EF4-FFF2-40B4-BE49-F238E27FC236}">
-                  <a16:creationId xmlns:a16="http://schemas.microsoft.com/office/drawing/2014/main" xmlns="" id="{4134BBAF-2757-4D9C-8D0F-C45F631514E5}"/>
+                  <a16:creationId xmlns="" xmlns:a16="http://schemas.microsoft.com/office/drawing/2014/main" id="{4134BBAF-2757-4D9C-8D0F-C45F631514E5}"/>
                 </a:ext>
               </a:extLst>
             </p:cNvPr>
@@ -28580,7 +28996,7 @@
               <p:cNvPr id="21" name="Picture 2" descr="C:\Users\t-dantay\Documents\Placeholders\home.png">
                 <a:extLst>
                   <a:ext uri="{FF2B5EF4-FFF2-40B4-BE49-F238E27FC236}">
-                    <a16:creationId xmlns:a16="http://schemas.microsoft.com/office/drawing/2014/main" xmlns="" id="{D43FC607-E75A-417B-8F27-76FBD380F572}"/>
+                    <a16:creationId xmlns="" xmlns:a16="http://schemas.microsoft.com/office/drawing/2014/main" id="{D43FC607-E75A-417B-8F27-76FBD380F572}"/>
                   </a:ext>
                 </a:extLst>
               </p:cNvPr>
@@ -28627,7 +29043,7 @@
               <p:cNvPr id="22" name="Picture 2" descr="C:\Users\t-dantay\Documents\Placeholders\setting.png">
                 <a:extLst>
                   <a:ext uri="{FF2B5EF4-FFF2-40B4-BE49-F238E27FC236}">
-                    <a16:creationId xmlns:a16="http://schemas.microsoft.com/office/drawing/2014/main" xmlns="" id="{D6CFB0E4-7B90-4343-B7FF-EC27787B65C1}"/>
+                    <a16:creationId xmlns="" xmlns:a16="http://schemas.microsoft.com/office/drawing/2014/main" id="{D6CFB0E4-7B90-4343-B7FF-EC27787B65C1}"/>
                   </a:ext>
                 </a:extLst>
               </p:cNvPr>
@@ -28672,7 +29088,7 @@
               <p:cNvPr id="23" name="Picture 2" descr="C:\Users\t-dantay\Documents\Placeholders\star.png">
                 <a:extLst>
                   <a:ext uri="{FF2B5EF4-FFF2-40B4-BE49-F238E27FC236}">
-                    <a16:creationId xmlns:a16="http://schemas.microsoft.com/office/drawing/2014/main" xmlns="" id="{34598032-3E59-46C8-922F-B3D5BFFFC1A1}"/>
+                    <a16:creationId xmlns="" xmlns:a16="http://schemas.microsoft.com/office/drawing/2014/main" id="{34598032-3E59-46C8-922F-B3D5BFFFC1A1}"/>
                   </a:ext>
                 </a:extLst>
               </p:cNvPr>
@@ -28720,7 +29136,7 @@
             <p:cNvPr id="12" name="Group 9">
               <a:extLst>
                 <a:ext uri="{FF2B5EF4-FFF2-40B4-BE49-F238E27FC236}">
-                  <a16:creationId xmlns:a16="http://schemas.microsoft.com/office/drawing/2014/main" xmlns="" id="{EC836544-AE78-47FB-A93D-0D7D01A0EC1F}"/>
+                  <a16:creationId xmlns="" xmlns:a16="http://schemas.microsoft.com/office/drawing/2014/main" id="{EC836544-AE78-47FB-A93D-0D7D01A0EC1F}"/>
                 </a:ext>
               </a:extLst>
             </p:cNvPr>
@@ -28740,7 +29156,7 @@
               <p:cNvPr id="13" name="UrlBar">
                 <a:extLst>
                   <a:ext uri="{FF2B5EF4-FFF2-40B4-BE49-F238E27FC236}">
-                    <a16:creationId xmlns:a16="http://schemas.microsoft.com/office/drawing/2014/main" xmlns="" id="{ADC9B5C3-D90C-47C5-AFD1-F9009EE1E273}"/>
+                    <a16:creationId xmlns="" xmlns:a16="http://schemas.microsoft.com/office/drawing/2014/main" id="{ADC9B5C3-D90C-47C5-AFD1-F9009EE1E273}"/>
                   </a:ext>
                 </a:extLst>
               </p:cNvPr>
@@ -28793,7 +29209,7 @@
               <p:cNvPr id="14" name="Group 11">
                 <a:extLst>
                   <a:ext uri="{FF2B5EF4-FFF2-40B4-BE49-F238E27FC236}">
-                    <a16:creationId xmlns:a16="http://schemas.microsoft.com/office/drawing/2014/main" xmlns="" id="{5C9E0319-0399-499F-95F7-29BC6B8F88B6}"/>
+                    <a16:creationId xmlns="" xmlns:a16="http://schemas.microsoft.com/office/drawing/2014/main" id="{5C9E0319-0399-499F-95F7-29BC6B8F88B6}"/>
                   </a:ext>
                 </a:extLst>
               </p:cNvPr>
@@ -28813,7 +29229,7 @@
                 <p:cNvPr id="15" name="Search" descr="C:\Users\t-dantay\Documents\Placeholders\search.png">
                   <a:extLst>
                     <a:ext uri="{FF2B5EF4-FFF2-40B4-BE49-F238E27FC236}">
-                      <a16:creationId xmlns:a16="http://schemas.microsoft.com/office/drawing/2014/main" xmlns="" id="{FEBF1E03-F8C2-4954-A228-9DF266DDDA9F}"/>
+                      <a16:creationId xmlns="" xmlns:a16="http://schemas.microsoft.com/office/drawing/2014/main" id="{FEBF1E03-F8C2-4954-A228-9DF266DDDA9F}"/>
                     </a:ext>
                   </a:extLst>
                 </p:cNvPr>
@@ -28860,7 +29276,7 @@
                 <p:cNvPr id="16" name="Refresh" descr="C:\Users\t-dantay\Documents\First24\arrowrepeat1.png">
                   <a:extLst>
                     <a:ext uri="{FF2B5EF4-FFF2-40B4-BE49-F238E27FC236}">
-                      <a16:creationId xmlns:a16="http://schemas.microsoft.com/office/drawing/2014/main" xmlns="" id="{E72163D2-D036-49AE-B68B-8B104C6C87CD}"/>
+                      <a16:creationId xmlns="" xmlns:a16="http://schemas.microsoft.com/office/drawing/2014/main" id="{E72163D2-D036-49AE-B68B-8B104C6C87CD}"/>
                     </a:ext>
                   </a:extLst>
                 </p:cNvPr>
@@ -28907,7 +29323,7 @@
                 <p:cNvPr id="17" name="Drop Down" descr="C:\Users\t-dantay\Documents\First24\arrowsimple1.png">
                   <a:extLst>
                     <a:ext uri="{FF2B5EF4-FFF2-40B4-BE49-F238E27FC236}">
-                      <a16:creationId xmlns:a16="http://schemas.microsoft.com/office/drawing/2014/main" xmlns="" id="{8A1BA794-5D04-4AAB-8208-5FAFDE4C6A93}"/>
+                      <a16:creationId xmlns="" xmlns:a16="http://schemas.microsoft.com/office/drawing/2014/main" id="{8A1BA794-5D04-4AAB-8208-5FAFDE4C6A93}"/>
                     </a:ext>
                   </a:extLst>
                 </p:cNvPr>
@@ -28954,7 +29370,7 @@
                 <p:cNvPr id="18" name="X">
                   <a:extLst>
                     <a:ext uri="{FF2B5EF4-FFF2-40B4-BE49-F238E27FC236}">
-                      <a16:creationId xmlns:a16="http://schemas.microsoft.com/office/drawing/2014/main" xmlns="" id="{E489278D-4D3F-403B-BC1A-A2F2D56C54C3}"/>
+                      <a16:creationId xmlns="" xmlns:a16="http://schemas.microsoft.com/office/drawing/2014/main" id="{E489278D-4D3F-403B-BC1A-A2F2D56C54C3}"/>
                     </a:ext>
                   </a:extLst>
                 </p:cNvPr>
@@ -28974,7 +29390,7 @@
                   <p:cNvPr id="19" name="Straight Connector 16">
                     <a:extLst>
                       <a:ext uri="{FF2B5EF4-FFF2-40B4-BE49-F238E27FC236}">
-                        <a16:creationId xmlns:a16="http://schemas.microsoft.com/office/drawing/2014/main" xmlns="" id="{E79B5E07-E436-4B6A-B3EC-97C87A23C749}"/>
+                        <a16:creationId xmlns="" xmlns:a16="http://schemas.microsoft.com/office/drawing/2014/main" id="{E79B5E07-E436-4B6A-B3EC-97C87A23C749}"/>
                       </a:ext>
                     </a:extLst>
                   </p:cNvPr>
@@ -29017,7 +29433,7 @@
                   <p:cNvPr id="20" name="Straight Connector 17">
                     <a:extLst>
                       <a:ext uri="{FF2B5EF4-FFF2-40B4-BE49-F238E27FC236}">
-                        <a16:creationId xmlns:a16="http://schemas.microsoft.com/office/drawing/2014/main" xmlns="" id="{563CA86A-B5F5-4C0A-BEDD-398DA4940200}"/>
+                        <a16:creationId xmlns="" xmlns:a16="http://schemas.microsoft.com/office/drawing/2014/main" id="{563CA86A-B5F5-4C0A-BEDD-398DA4940200}"/>
                       </a:ext>
                     </a:extLst>
                   </p:cNvPr>
@@ -29064,7 +29480,7 @@
           <p:cNvPr id="33" name="Content">
             <a:extLst>
               <a:ext uri="{FF2B5EF4-FFF2-40B4-BE49-F238E27FC236}">
-                <a16:creationId xmlns:a16="http://schemas.microsoft.com/office/drawing/2014/main" xmlns="" id="{4A77312A-23B7-4842-B850-7AC7FBF7BA9D}"/>
+                <a16:creationId xmlns="" xmlns:a16="http://schemas.microsoft.com/office/drawing/2014/main" id="{4A77312A-23B7-4842-B850-7AC7FBF7BA9D}"/>
               </a:ext>
             </a:extLst>
           </p:cNvPr>
@@ -29123,7 +29539,7 @@
           <p:cNvPr id="44" name="Tile">
             <a:extLst>
               <a:ext uri="{FF2B5EF4-FFF2-40B4-BE49-F238E27FC236}">
-                <a16:creationId xmlns:a16="http://schemas.microsoft.com/office/drawing/2014/main" xmlns="" id="{0FEE1A62-912F-435C-A66D-F1D5354E6D8F}"/>
+                <a16:creationId xmlns="" xmlns:a16="http://schemas.microsoft.com/office/drawing/2014/main" id="{0FEE1A62-912F-435C-A66D-F1D5354E6D8F}"/>
               </a:ext>
             </a:extLst>
           </p:cNvPr>
@@ -29181,7 +29597,7 @@
           <p:cNvPr id="34" name="Content">
             <a:extLst>
               <a:ext uri="{FF2B5EF4-FFF2-40B4-BE49-F238E27FC236}">
-                <a16:creationId xmlns:a16="http://schemas.microsoft.com/office/drawing/2014/main" xmlns="" id="{67F08243-17E6-4464-978D-AE81A590CD79}"/>
+                <a16:creationId xmlns="" xmlns:a16="http://schemas.microsoft.com/office/drawing/2014/main" id="{67F08243-17E6-4464-978D-AE81A590CD79}"/>
               </a:ext>
             </a:extLst>
           </p:cNvPr>
@@ -29254,7 +29670,7 @@
           <p:cNvPr id="36" name="Imagen 35" descr="Imagen que contiene gráficos vectoriales&#10;&#10;Descripción generada con confianza muy alta">
             <a:extLst>
               <a:ext uri="{FF2B5EF4-FFF2-40B4-BE49-F238E27FC236}">
-                <a16:creationId xmlns:a16="http://schemas.microsoft.com/office/drawing/2014/main" xmlns="" id="{21D687BF-879D-492D-9FAF-09F5777B0B0A}"/>
+                <a16:creationId xmlns="" xmlns:a16="http://schemas.microsoft.com/office/drawing/2014/main" id="{21D687BF-879D-492D-9FAF-09F5777B0B0A}"/>
               </a:ext>
             </a:extLst>
           </p:cNvPr>
@@ -29291,7 +29707,7 @@
             <a:hlinkClick r:id="rId22"/>
             <a:extLst>
               <a:ext uri="{FF2B5EF4-FFF2-40B4-BE49-F238E27FC236}">
-                <a16:creationId xmlns:a16="http://schemas.microsoft.com/office/drawing/2014/main" xmlns="" id="{7BC667D3-3554-40C6-8055-A936802EDFDC}"/>
+                <a16:creationId xmlns="" xmlns:a16="http://schemas.microsoft.com/office/drawing/2014/main" id="{7BC667D3-3554-40C6-8055-A936802EDFDC}"/>
               </a:ext>
             </a:extLst>
           </p:cNvPr>
@@ -29338,7 +29754,7 @@
           <p:cNvPr id="43" name="Tile">
             <a:extLst>
               <a:ext uri="{FF2B5EF4-FFF2-40B4-BE49-F238E27FC236}">
-                <a16:creationId xmlns:a16="http://schemas.microsoft.com/office/drawing/2014/main" xmlns="" id="{16A53C90-A8E8-4760-B373-AE7AC6041567}"/>
+                <a16:creationId xmlns="" xmlns:a16="http://schemas.microsoft.com/office/drawing/2014/main" id="{16A53C90-A8E8-4760-B373-AE7AC6041567}"/>
               </a:ext>
             </a:extLst>
           </p:cNvPr>
@@ -29394,7 +29810,7 @@
           <p:cNvPr id="45" name="Imagen 44" descr="Imagen que contiene señal, objeto, reloj&#10;&#10;Descripción generada con confianza muy alta">
             <a:extLst>
               <a:ext uri="{FF2B5EF4-FFF2-40B4-BE49-F238E27FC236}">
-                <a16:creationId xmlns:a16="http://schemas.microsoft.com/office/drawing/2014/main" xmlns="" id="{BA522396-1E44-444F-A71F-EA4DCC8DD271}"/>
+                <a16:creationId xmlns="" xmlns:a16="http://schemas.microsoft.com/office/drawing/2014/main" id="{BA522396-1E44-444F-A71F-EA4DCC8DD271}"/>
               </a:ext>
             </a:extLst>
           </p:cNvPr>
@@ -29430,7 +29846,7 @@
           <p:cNvPr id="47" name="Content">
             <a:extLst>
               <a:ext uri="{FF2B5EF4-FFF2-40B4-BE49-F238E27FC236}">
-                <a16:creationId xmlns:a16="http://schemas.microsoft.com/office/drawing/2014/main" xmlns="" id="{959C53B5-E430-4D9F-876F-E7485EDAF825}"/>
+                <a16:creationId xmlns="" xmlns:a16="http://schemas.microsoft.com/office/drawing/2014/main" id="{959C53B5-E430-4D9F-876F-E7485EDAF825}"/>
               </a:ext>
             </a:extLst>
           </p:cNvPr>
@@ -29495,7 +29911,7 @@
           <p:cNvPr id="48" name="Imagen 47">
             <a:extLst>
               <a:ext uri="{FF2B5EF4-FFF2-40B4-BE49-F238E27FC236}">
-                <a16:creationId xmlns:a16="http://schemas.microsoft.com/office/drawing/2014/main" xmlns="" id="{019E1120-5DEF-4168-A30F-835E8096A98E}"/>
+                <a16:creationId xmlns="" xmlns:a16="http://schemas.microsoft.com/office/drawing/2014/main" id="{019E1120-5DEF-4168-A30F-835E8096A98E}"/>
               </a:ext>
             </a:extLst>
           </p:cNvPr>
@@ -29531,7 +29947,7 @@
           <p:cNvPr id="49" name="Content">
             <a:extLst>
               <a:ext uri="{FF2B5EF4-FFF2-40B4-BE49-F238E27FC236}">
-                <a16:creationId xmlns:a16="http://schemas.microsoft.com/office/drawing/2014/main" xmlns="" id="{AEA655B2-1AE9-4EED-8632-A44311B7C401}"/>
+                <a16:creationId xmlns="" xmlns:a16="http://schemas.microsoft.com/office/drawing/2014/main" id="{AEA655B2-1AE9-4EED-8632-A44311B7C401}"/>
               </a:ext>
             </a:extLst>
           </p:cNvPr>
@@ -29586,7 +30002,7 @@
             <a:hlinkClick r:id="rId26" action="ppaction://hlinksldjump"/>
             <a:extLst>
               <a:ext uri="{FF2B5EF4-FFF2-40B4-BE49-F238E27FC236}">
-                <a16:creationId xmlns:a16="http://schemas.microsoft.com/office/drawing/2014/main" xmlns="" id="{82D96681-5B5D-4070-9EA9-61964FE90828}"/>
+                <a16:creationId xmlns="" xmlns:a16="http://schemas.microsoft.com/office/drawing/2014/main" id="{82D96681-5B5D-4070-9EA9-61964FE90828}"/>
               </a:ext>
             </a:extLst>
           </p:cNvPr>
@@ -29639,7 +30055,7 @@
             <a:hlinkClick r:id="rId26" action="ppaction://hlinksldjump"/>
             <a:extLst>
               <a:ext uri="{FF2B5EF4-FFF2-40B4-BE49-F238E27FC236}">
-                <a16:creationId xmlns:a16="http://schemas.microsoft.com/office/drawing/2014/main" xmlns="" id="{AC4943C1-3710-4AC1-891A-5F6C2CE72E76}"/>
+                <a16:creationId xmlns="" xmlns:a16="http://schemas.microsoft.com/office/drawing/2014/main" id="{AC4943C1-3710-4AC1-891A-5F6C2CE72E76}"/>
               </a:ext>
             </a:extLst>
           </p:cNvPr>
@@ -29693,7 +30109,7 @@
           <p:cNvPr id="52" name="ScrollbarVertical">
             <a:extLst>
               <a:ext uri="{FF2B5EF4-FFF2-40B4-BE49-F238E27FC236}">
-                <a16:creationId xmlns:a16="http://schemas.microsoft.com/office/drawing/2014/main" xmlns="" id="{1BE74F99-CAF1-46B5-8E4C-2EAFC35E9178}"/>
+                <a16:creationId xmlns="" xmlns:a16="http://schemas.microsoft.com/office/drawing/2014/main" id="{1BE74F99-CAF1-46B5-8E4C-2EAFC35E9178}"/>
               </a:ext>
             </a:extLst>
           </p:cNvPr>
@@ -29717,7 +30133,7 @@
             <p:cNvPr id="53" name="Background">
               <a:extLst>
                 <a:ext uri="{FF2B5EF4-FFF2-40B4-BE49-F238E27FC236}">
-                  <a16:creationId xmlns:a16="http://schemas.microsoft.com/office/drawing/2014/main" xmlns="" id="{13D68EAB-5A75-4722-B291-C3BB0EE9F55E}"/>
+                  <a16:creationId xmlns="" xmlns:a16="http://schemas.microsoft.com/office/drawing/2014/main" id="{13D68EAB-5A75-4722-B291-C3BB0EE9F55E}"/>
                 </a:ext>
               </a:extLst>
             </p:cNvPr>
@@ -29775,7 +30191,7 @@
             <p:cNvPr id="54" name="Slider">
               <a:extLst>
                 <a:ext uri="{FF2B5EF4-FFF2-40B4-BE49-F238E27FC236}">
-                  <a16:creationId xmlns:a16="http://schemas.microsoft.com/office/drawing/2014/main" xmlns="" id="{B0065A72-1915-4EB2-8DE3-14B6761DAC40}"/>
+                  <a16:creationId xmlns="" xmlns:a16="http://schemas.microsoft.com/office/drawing/2014/main" id="{B0065A72-1915-4EB2-8DE3-14B6761DAC40}"/>
                 </a:ext>
               </a:extLst>
             </p:cNvPr>
@@ -29833,7 +30249,7 @@
             <p:cNvPr id="55" name="UpArrow">
               <a:extLst>
                 <a:ext uri="{FF2B5EF4-FFF2-40B4-BE49-F238E27FC236}">
-                  <a16:creationId xmlns:a16="http://schemas.microsoft.com/office/drawing/2014/main" xmlns="" id="{9FFEA258-015E-476C-BBA0-5DF1FDF5A666}"/>
+                  <a16:creationId xmlns="" xmlns:a16="http://schemas.microsoft.com/office/drawing/2014/main" id="{9FFEA258-015E-476C-BBA0-5DF1FDF5A666}"/>
                 </a:ext>
               </a:extLst>
             </p:cNvPr>
@@ -29888,7 +30304,7 @@
             <p:cNvPr id="56" name="DownArrow">
               <a:extLst>
                 <a:ext uri="{FF2B5EF4-FFF2-40B4-BE49-F238E27FC236}">
-                  <a16:creationId xmlns:a16="http://schemas.microsoft.com/office/drawing/2014/main" xmlns="" id="{A1285695-2680-44A0-8386-2A5CF1B79607}"/>
+                  <a16:creationId xmlns="" xmlns:a16="http://schemas.microsoft.com/office/drawing/2014/main" id="{A1285695-2680-44A0-8386-2A5CF1B79607}"/>
                 </a:ext>
               </a:extLst>
             </p:cNvPr>
@@ -29945,7 +30361,7 @@
             <a:hlinkClick r:id="rId26" action="ppaction://hlinksldjump"/>
             <a:extLst>
               <a:ext uri="{FF2B5EF4-FFF2-40B4-BE49-F238E27FC236}">
-                <a16:creationId xmlns:a16="http://schemas.microsoft.com/office/drawing/2014/main" xmlns="" id="{8EAF6471-4E54-4A80-8A7E-CC376F7D036F}"/>
+                <a16:creationId xmlns="" xmlns:a16="http://schemas.microsoft.com/office/drawing/2014/main" id="{8EAF6471-4E54-4A80-8A7E-CC376F7D036F}"/>
               </a:ext>
             </a:extLst>
           </p:cNvPr>
@@ -29982,7 +30398,7 @@
             <a:hlinkClick r:id="rId26" action="ppaction://hlinksldjump"/>
             <a:extLst>
               <a:ext uri="{FF2B5EF4-FFF2-40B4-BE49-F238E27FC236}">
-                <a16:creationId xmlns:a16="http://schemas.microsoft.com/office/drawing/2014/main" xmlns="" id="{8872DF6A-9587-4E91-B416-943E3D922E67}"/>
+                <a16:creationId xmlns="" xmlns:a16="http://schemas.microsoft.com/office/drawing/2014/main" id="{8872DF6A-9587-4E91-B416-943E3D922E67}"/>
               </a:ext>
             </a:extLst>
           </p:cNvPr>
@@ -30036,7 +30452,7 @@
           <p:cNvPr id="98" name="Imagen 97">
             <a:extLst>
               <a:ext uri="{FF2B5EF4-FFF2-40B4-BE49-F238E27FC236}">
-                <a16:creationId xmlns:a16="http://schemas.microsoft.com/office/drawing/2014/main" xmlns="" id="{7882B9C7-858E-4C40-B167-358E978B3A47}"/>
+                <a16:creationId xmlns="" xmlns:a16="http://schemas.microsoft.com/office/drawing/2014/main" id="{7882B9C7-858E-4C40-B167-358E978B3A47}"/>
               </a:ext>
             </a:extLst>
           </p:cNvPr>
@@ -30072,7 +30488,7 @@
           <p:cNvPr id="99" name="Content">
             <a:extLst>
               <a:ext uri="{FF2B5EF4-FFF2-40B4-BE49-F238E27FC236}">
-                <a16:creationId xmlns:a16="http://schemas.microsoft.com/office/drawing/2014/main" xmlns="" id="{4C59270A-40AF-454A-8F4F-853745605ABB}"/>
+                <a16:creationId xmlns="" xmlns:a16="http://schemas.microsoft.com/office/drawing/2014/main" id="{4C59270A-40AF-454A-8F4F-853745605ABB}"/>
               </a:ext>
             </a:extLst>
           </p:cNvPr>
@@ -30207,7 +30623,7 @@
             <a:hlinkClick r:id="rId32" action="ppaction://hlinksldjump"/>
             <a:extLst>
               <a:ext uri="{FF2B5EF4-FFF2-40B4-BE49-F238E27FC236}">
-                <a16:creationId xmlns:a16="http://schemas.microsoft.com/office/drawing/2014/main" xmlns="" id="{84B7AF37-DA67-495E-A89B-0DCD9D2DC409}"/>
+                <a16:creationId xmlns="" xmlns:a16="http://schemas.microsoft.com/office/drawing/2014/main" id="{84B7AF37-DA67-495E-A89B-0DCD9D2DC409}"/>
               </a:ext>
             </a:extLst>
           </p:cNvPr>
@@ -30342,7 +30758,7 @@
           <p:cNvPr id="4" name="Group 2">
             <a:extLst>
               <a:ext uri="{FF2B5EF4-FFF2-40B4-BE49-F238E27FC236}">
-                <a16:creationId xmlns:a16="http://schemas.microsoft.com/office/drawing/2014/main" xmlns="" id="{21C3B3EC-4037-44E8-85BF-708C74AD4625}"/>
+                <a16:creationId xmlns="" xmlns:a16="http://schemas.microsoft.com/office/drawing/2014/main" id="{21C3B3EC-4037-44E8-85BF-708C74AD4625}"/>
               </a:ext>
             </a:extLst>
           </p:cNvPr>
@@ -30362,7 +30778,7 @@
             <p:cNvPr id="5" name="Group 4">
               <a:extLst>
                 <a:ext uri="{FF2B5EF4-FFF2-40B4-BE49-F238E27FC236}">
-                  <a16:creationId xmlns:a16="http://schemas.microsoft.com/office/drawing/2014/main" xmlns="" id="{A0C0DFB6-AF4B-40E2-BD00-C0F08DFEB32E}"/>
+                  <a16:creationId xmlns="" xmlns:a16="http://schemas.microsoft.com/office/drawing/2014/main" id="{A0C0DFB6-AF4B-40E2-BD00-C0F08DFEB32E}"/>
                 </a:ext>
               </a:extLst>
             </p:cNvPr>
@@ -30382,7 +30798,7 @@
               <p:cNvPr id="7" name="Rounded Rectangle 6">
                 <a:extLst>
                   <a:ext uri="{FF2B5EF4-FFF2-40B4-BE49-F238E27FC236}">
-                    <a16:creationId xmlns:a16="http://schemas.microsoft.com/office/drawing/2014/main" xmlns="" id="{AE508296-F38E-4A9A-8FD9-B634376973D8}"/>
+                    <a16:creationId xmlns="" xmlns:a16="http://schemas.microsoft.com/office/drawing/2014/main" id="{AE508296-F38E-4A9A-8FD9-B634376973D8}"/>
                   </a:ext>
                 </a:extLst>
               </p:cNvPr>
@@ -30445,7 +30861,7 @@
               <p:cNvPr id="8" name="Rounded Rectangle 7">
                 <a:extLst>
                   <a:ext uri="{FF2B5EF4-FFF2-40B4-BE49-F238E27FC236}">
-                    <a16:creationId xmlns:a16="http://schemas.microsoft.com/office/drawing/2014/main" xmlns="" id="{34A37947-C08E-46E9-866C-C649B1BC45D4}"/>
+                    <a16:creationId xmlns="" xmlns:a16="http://schemas.microsoft.com/office/drawing/2014/main" id="{34A37947-C08E-46E9-866C-C649B1BC45D4}"/>
                   </a:ext>
                 </a:extLst>
               </p:cNvPr>
@@ -30505,7 +30921,7 @@
               <p:cNvPr id="9" name="Rectangle 8">
                 <a:extLst>
                   <a:ext uri="{FF2B5EF4-FFF2-40B4-BE49-F238E27FC236}">
-                    <a16:creationId xmlns:a16="http://schemas.microsoft.com/office/drawing/2014/main" xmlns="" id="{4C539735-0B90-4BC8-B249-69C1B8B1CCC0}"/>
+                    <a16:creationId xmlns="" xmlns:a16="http://schemas.microsoft.com/office/drawing/2014/main" id="{4C539735-0B90-4BC8-B249-69C1B8B1CCC0}"/>
                   </a:ext>
                 </a:extLst>
               </p:cNvPr>
@@ -30563,7 +30979,7 @@
               <p:cNvPr id="10" name="Rounded Rectangle 11">
                 <a:extLst>
                   <a:ext uri="{FF2B5EF4-FFF2-40B4-BE49-F238E27FC236}">
-                    <a16:creationId xmlns:a16="http://schemas.microsoft.com/office/drawing/2014/main" xmlns="" id="{120D33B5-CFCB-4104-AB8C-1916149D9BCA}"/>
+                    <a16:creationId xmlns="" xmlns:a16="http://schemas.microsoft.com/office/drawing/2014/main" id="{120D33B5-CFCB-4104-AB8C-1916149D9BCA}"/>
                   </a:ext>
                 </a:extLst>
               </p:cNvPr>
@@ -30622,7 +31038,7 @@
             <p:cNvPr id="6" name="Rectangle 5">
               <a:extLst>
                 <a:ext uri="{FF2B5EF4-FFF2-40B4-BE49-F238E27FC236}">
-                  <a16:creationId xmlns:a16="http://schemas.microsoft.com/office/drawing/2014/main" xmlns="" id="{20E130B0-2F7C-4A32-829C-7389639398C1}"/>
+                  <a16:creationId xmlns="" xmlns:a16="http://schemas.microsoft.com/office/drawing/2014/main" id="{20E130B0-2F7C-4A32-829C-7389639398C1}"/>
                 </a:ext>
               </a:extLst>
             </p:cNvPr>
@@ -30699,7 +31115,7 @@
           <p:cNvPr id="11" name="Tile">
             <a:extLst>
               <a:ext uri="{FF2B5EF4-FFF2-40B4-BE49-F238E27FC236}">
-                <a16:creationId xmlns:a16="http://schemas.microsoft.com/office/drawing/2014/main" xmlns="" id="{08E47932-A220-4DD3-B2E5-C13ADE217F04}"/>
+                <a16:creationId xmlns="" xmlns:a16="http://schemas.microsoft.com/office/drawing/2014/main" id="{08E47932-A220-4DD3-B2E5-C13ADE217F04}"/>
               </a:ext>
             </a:extLst>
           </p:cNvPr>
@@ -30757,7 +31173,7 @@
           <p:cNvPr id="12" name="Imagen 19" descr="Imagen que contiene gráficos vectoriales&#10;&#10;Descripción generada con confianza muy alta">
             <a:extLst>
               <a:ext uri="{FF2B5EF4-FFF2-40B4-BE49-F238E27FC236}">
-                <a16:creationId xmlns:a16="http://schemas.microsoft.com/office/drawing/2014/main" xmlns="" id="{67210019-63D8-41DC-983D-FE73F57DA3AC}"/>
+                <a16:creationId xmlns="" xmlns:a16="http://schemas.microsoft.com/office/drawing/2014/main" id="{67210019-63D8-41DC-983D-FE73F57DA3AC}"/>
               </a:ext>
             </a:extLst>
           </p:cNvPr>
@@ -30793,7 +31209,7 @@
           <p:cNvPr id="13" name="Imagen 16" descr="Imagen que contiene señal, objeto, reloj&#10;&#10;Descripción generada con confianza muy alta">
             <a:extLst>
               <a:ext uri="{FF2B5EF4-FFF2-40B4-BE49-F238E27FC236}">
-                <a16:creationId xmlns:a16="http://schemas.microsoft.com/office/drawing/2014/main" xmlns="" id="{2A04E46A-9376-4361-BE17-33C8DE35B1F4}"/>
+                <a16:creationId xmlns="" xmlns:a16="http://schemas.microsoft.com/office/drawing/2014/main" id="{2A04E46A-9376-4361-BE17-33C8DE35B1F4}"/>
               </a:ext>
             </a:extLst>
           </p:cNvPr>
@@ -30829,7 +31245,7 @@
           <p:cNvPr id="14" name="Imagen 17">
             <a:extLst>
               <a:ext uri="{FF2B5EF4-FFF2-40B4-BE49-F238E27FC236}">
-                <a16:creationId xmlns:a16="http://schemas.microsoft.com/office/drawing/2014/main" xmlns="" id="{02F224D2-FFB7-4970-A14D-610D657E7DC6}"/>
+                <a16:creationId xmlns="" xmlns:a16="http://schemas.microsoft.com/office/drawing/2014/main" id="{02F224D2-FFB7-4970-A14D-610D657E7DC6}"/>
               </a:ext>
             </a:extLst>
           </p:cNvPr>
@@ -30866,7 +31282,7 @@
             <a:hlinkClick r:id="rId7" action="ppaction://hlinksldjump"/>
             <a:extLst>
               <a:ext uri="{FF2B5EF4-FFF2-40B4-BE49-F238E27FC236}">
-                <a16:creationId xmlns:a16="http://schemas.microsoft.com/office/drawing/2014/main" xmlns="" id="{1A20770D-092E-4D69-B065-9444D0C21BB9}"/>
+                <a16:creationId xmlns="" xmlns:a16="http://schemas.microsoft.com/office/drawing/2014/main" id="{1A20770D-092E-4D69-B065-9444D0C21BB9}"/>
               </a:ext>
             </a:extLst>
           </p:cNvPr>
@@ -30902,7 +31318,7 @@
           <p:cNvPr id="16" name="Imagen 26">
             <a:extLst>
               <a:ext uri="{FF2B5EF4-FFF2-40B4-BE49-F238E27FC236}">
-                <a16:creationId xmlns:a16="http://schemas.microsoft.com/office/drawing/2014/main" xmlns="" id="{5747D6C6-E608-49B0-A252-0FD9E7C707B8}"/>
+                <a16:creationId xmlns="" xmlns:a16="http://schemas.microsoft.com/office/drawing/2014/main" id="{5747D6C6-E608-49B0-A252-0FD9E7C707B8}"/>
               </a:ext>
             </a:extLst>
           </p:cNvPr>
@@ -30938,7 +31354,7 @@
           <p:cNvPr id="17" name="Content">
             <a:extLst>
               <a:ext uri="{FF2B5EF4-FFF2-40B4-BE49-F238E27FC236}">
-                <a16:creationId xmlns:a16="http://schemas.microsoft.com/office/drawing/2014/main" xmlns="" id="{7C5DA1DF-3C1A-46C4-9F5A-BEADD0B9E34B}"/>
+                <a16:creationId xmlns="" xmlns:a16="http://schemas.microsoft.com/office/drawing/2014/main" id="{7C5DA1DF-3C1A-46C4-9F5A-BEADD0B9E34B}"/>
               </a:ext>
             </a:extLst>
           </p:cNvPr>
@@ -30998,7 +31414,7 @@
             <a:hlinkClick r:id="rId10"/>
             <a:extLst>
               <a:ext uri="{FF2B5EF4-FFF2-40B4-BE49-F238E27FC236}">
-                <a16:creationId xmlns:a16="http://schemas.microsoft.com/office/drawing/2014/main" xmlns="" id="{19CE0A23-B208-4D09-A27D-B74C11BE535A}"/>
+                <a16:creationId xmlns="" xmlns:a16="http://schemas.microsoft.com/office/drawing/2014/main" id="{19CE0A23-B208-4D09-A27D-B74C11BE535A}"/>
               </a:ext>
             </a:extLst>
           </p:cNvPr>
@@ -31046,7 +31462,7 @@
             <a:hlinkClick r:id="rId12" action="ppaction://hlinksldjump"/>
             <a:extLst>
               <a:ext uri="{FF2B5EF4-FFF2-40B4-BE49-F238E27FC236}">
-                <a16:creationId xmlns:a16="http://schemas.microsoft.com/office/drawing/2014/main" xmlns="" id="{559A4BEA-9153-487D-9C14-7A210F4D96E1}"/>
+                <a16:creationId xmlns="" xmlns:a16="http://schemas.microsoft.com/office/drawing/2014/main" id="{559A4BEA-9153-487D-9C14-7A210F4D96E1}"/>
               </a:ext>
             </a:extLst>
           </p:cNvPr>
@@ -31494,7 +31910,7 @@
   <a:extraClrSchemeLst/>
   <a:extLst>
     <a:ext uri="{05A4C25C-085E-4340-85A3-A5531E510DB2}">
-      <thm15:themeFamily xmlns:thm15="http://schemas.microsoft.com/office/thememl/2012/main" xmlns="" name="Office Theme" id="{62F939B6-93AF-4DB8-9C6B-D6C7DFDC589F}" vid="{4A3C46E8-61CC-4603-A589-7422A47A8E4A}"/>
+      <thm15:themeFamily xmlns="" xmlns:thm15="http://schemas.microsoft.com/office/thememl/2012/main" name="Office Theme" id="{62F939B6-93AF-4DB8-9C6B-D6C7DFDC589F}" vid="{4A3C46E8-61CC-4603-A589-7422A47A8E4A}"/>
     </a:ext>
   </a:extLst>
 </a:theme>
@@ -31789,7 +32205,7 @@
   <a:extraClrSchemeLst/>
   <a:extLst>
     <a:ext uri="{05A4C25C-085E-4340-85A3-A5531E510DB2}">
-      <thm15:themeFamily xmlns:thm15="http://schemas.microsoft.com/office/thememl/2012/main" xmlns="" name="Office Theme" id="{62F939B6-93AF-4DB8-9C6B-D6C7DFDC589F}" vid="{4A3C46E8-61CC-4603-A589-7422A47A8E4A}"/>
+      <thm15:themeFamily xmlns="" xmlns:thm15="http://schemas.microsoft.com/office/thememl/2012/main" name="Office Theme" id="{62F939B6-93AF-4DB8-9C6B-D6C7DFDC589F}" vid="{4A3C46E8-61CC-4603-A589-7422A47A8E4A}"/>
     </a:ext>
   </a:extLst>
 </a:theme>
@@ -31803,19 +32219,19 @@
 
 <file path=customXml/item10.xml><?xml version="1.0" encoding="utf-8"?>
 <Control xmlns="http://schemas.microsoft.com/VisualStudio/2011/storyboarding/control">
-  <Id Name="System.Storyboarding.Common.Text" Revision="1" Stencil="System.Storyboarding.Common" StencilVersion="0.1"/>
+  <Id Name="System.Storyboarding.WindowsApps.WindowsAppsTileMedium" Revision="1" Stencil="System.Storyboarding.WindowsApps" StencilVersion="0.1"/>
 </Control>
 </file>
 
 <file path=customXml/item100.xml><?xml version="1.0" encoding="utf-8"?>
 <Control xmlns="http://schemas.microsoft.com/VisualStudio/2011/storyboarding/control">
-  <Id Name="System.Storyboarding.Common.Text" Revision="1" Stencil="System.Storyboarding.Common" StencilVersion="0.1"/>
+  <Id Name="System.Storyboarding.Common.TextInput" Revision="1" Stencil="System.Storyboarding.Common" StencilVersion="0.1"/>
 </Control>
 </file>
 
 <file path=customXml/item101.xml><?xml version="1.0" encoding="utf-8"?>
 <Control xmlns="http://schemas.microsoft.com/VisualStudio/2011/storyboarding/control">
-  <Id Name="System.Storyboarding.Common.Text" Revision="1" Stencil="System.Storyboarding.Common" StencilVersion="0.1"/>
+  <Id Name="System.Storyboarding.Common.Button" Revision="1" Stencil="System.Storyboarding.Common" StencilVersion="0.1"/>
 </Control>
 </file>
 
@@ -31845,19 +32261,19 @@
 
 <file path=customXml/item106.xml><?xml version="1.0" encoding="utf-8"?>
 <Control xmlns="http://schemas.microsoft.com/VisualStudio/2011/storyboarding/control">
-  <Id Name="System.Storyboarding.Common.Text" Revision="1" Stencil="System.Storyboarding.Common" StencilVersion="0.1"/>
+  <Id Name="System.Storyboarding.Common.TextInput" Revision="1" Stencil="System.Storyboarding.Common" StencilVersion="0.1"/>
 </Control>
 </file>
 
 <file path=customXml/item107.xml><?xml version="1.0" encoding="utf-8"?>
 <Control xmlns="http://schemas.microsoft.com/VisualStudio/2011/storyboarding/control">
-  <Id Name="System.Storyboarding.Common.Text" Revision="1" Stencil="System.Storyboarding.Common" StencilVersion="0.1"/>
+  <Id Name="System.Storyboarding.WindowsApps.WindowsAppsTileMedium" Revision="1" Stencil="System.Storyboarding.WindowsApps" StencilVersion="0.1"/>
 </Control>
 </file>
 
 <file path=customXml/item108.xml><?xml version="1.0" encoding="utf-8"?>
 <Control xmlns="http://schemas.microsoft.com/VisualStudio/2011/storyboarding/control">
-  <Id Name="System.Storyboarding.Backgrounds.WebBrowser" Revision="1" Stencil="System.Storyboarding.Backgrounds" StencilVersion="0.1"/>
+  <Id Name="System.Storyboarding.Common.TextInput" Revision="1" Stencil="System.Storyboarding.Common" StencilVersion="0.1"/>
 </Control>
 </file>
 
@@ -31869,25 +32285,25 @@
 
 <file path=customXml/item11.xml><?xml version="1.0" encoding="utf-8"?>
 <Control xmlns="http://schemas.microsoft.com/VisualStudio/2011/storyboarding/control">
+  <Id Name="System.Storyboarding.Common.TextInput" Revision="1" Stencil="System.Storyboarding.Common" StencilVersion="0.1"/>
+</Control>
+</file>
+
+<file path=customXml/item110.xml><?xml version="1.0" encoding="utf-8"?>
+<Control xmlns="http://schemas.microsoft.com/VisualStudio/2011/storyboarding/control">
   <Id Name="System.Storyboarding.Common.Text" Revision="1" Stencil="System.Storyboarding.Common" StencilVersion="0.1"/>
 </Control>
 </file>
 
-<file path=customXml/item110.xml><?xml version="1.0" encoding="utf-8"?>
+<file path=customXml/item111.xml><?xml version="1.0" encoding="utf-8"?>
 <Control xmlns="http://schemas.microsoft.com/VisualStudio/2011/storyboarding/control">
   <Id Name="System.Storyboarding.WindowsApps.WindowsAppsTileMedium" Revision="1" Stencil="System.Storyboarding.WindowsApps" StencilVersion="0.1"/>
 </Control>
 </file>
 
-<file path=customXml/item111.xml><?xml version="1.0" encoding="utf-8"?>
+<file path=customXml/item112.xml><?xml version="1.0" encoding="utf-8"?>
 <Control xmlns="http://schemas.microsoft.com/VisualStudio/2011/storyboarding/control">
   <Id Name="System.Storyboarding.Common.Text" Revision="1" Stencil="System.Storyboarding.Common" StencilVersion="0.1"/>
-</Control>
-</file>
-
-<file path=customXml/item112.xml><?xml version="1.0" encoding="utf-8"?>
-<Control xmlns="http://schemas.microsoft.com/VisualStudio/2011/storyboarding/control">
-  <Id Name="System.Storyboarding.WindowsApps.WindowsAppsTileMedium" Revision="1" Stencil="System.Storyboarding.WindowsApps" StencilVersion="0.1"/>
 </Control>
 </file>
 
@@ -31905,19 +32321,19 @@
 
 <file path=customXml/item115.xml><?xml version="1.0" encoding="utf-8"?>
 <Control xmlns="http://schemas.microsoft.com/VisualStudio/2011/storyboarding/control">
-  <Id Name="System.Storyboarding.Common.Text" Revision="1" Stencil="System.Storyboarding.Common" StencilVersion="0.1"/>
+  <Id Name="System.Storyboarding.Common.Button" Revision="1" Stencil="System.Storyboarding.Common" StencilVersion="0.1"/>
 </Control>
 </file>
 
 <file path=customXml/item116.xml><?xml version="1.0" encoding="utf-8"?>
 <Control xmlns="http://schemas.microsoft.com/VisualStudio/2011/storyboarding/control">
-  <Id Name="System.Storyboarding.Common.ScrollbarVertical" Revision="1" Stencil="System.Storyboarding.Common" StencilVersion="0.1"/>
+  <Id Name="System.Storyboarding.WindowsApps.WindowsAppsTileMedium" Revision="1" Stencil="System.Storyboarding.WindowsApps" StencilVersion="0.1"/>
 </Control>
 </file>
 
 <file path=customXml/item117.xml><?xml version="1.0" encoding="utf-8"?>
 <Control xmlns="http://schemas.microsoft.com/VisualStudio/2011/storyboarding/control">
-  <Id Name="System.Storyboarding.Common.Text" Revision="1" Stencil="System.Storyboarding.Common" StencilVersion="0.1"/>
+  <Id Name="System.Storyboarding.Common.Button" Revision="1" Stencil="System.Storyboarding.Common" StencilVersion="0.1"/>
 </Control>
 </file>
 
@@ -31929,7 +32345,7 @@
 
 <file path=customXml/item119.xml><?xml version="1.0" encoding="utf-8"?>
 <Control xmlns="http://schemas.microsoft.com/VisualStudio/2011/storyboarding/control">
-  <Id Name="System.Storyboarding.Common.Button" Revision="1" Stencil="System.Storyboarding.Common" StencilVersion="0.1"/>
+  <Id Name="System.Storyboarding.Common.Text" Revision="1" Stencil="System.Storyboarding.Common" StencilVersion="0.1"/>
 </Control>
 </file>
 
@@ -31941,7 +32357,7 @@
 
 <file path=customXml/item120.xml><?xml version="1.0" encoding="utf-8"?>
 <Control xmlns="http://schemas.microsoft.com/VisualStudio/2011/storyboarding/control">
-  <Id Name="System.Storyboarding.Common.Button" Revision="1" Stencil="System.Storyboarding.Common" StencilVersion="0.1"/>
+  <Id Name="System.Storyboarding.Common.Text" Revision="1" Stencil="System.Storyboarding.Common" StencilVersion="0.1"/>
 </Control>
 </file>
 
@@ -31953,13 +32369,13 @@
 
 <file path=customXml/item122.xml><?xml version="1.0" encoding="utf-8"?>
 <Control xmlns="http://schemas.microsoft.com/VisualStudio/2011/storyboarding/control">
-  <Id Name="System.Storyboarding.Common.TextInput" Revision="1" Stencil="System.Storyboarding.Common" StencilVersion="0.1"/>
+  <Id Name="System.Storyboarding.Common.Button" Revision="1" Stencil="System.Storyboarding.Common" StencilVersion="0.1"/>
 </Control>
 </file>
 
 <file path=customXml/item123.xml><?xml version="1.0" encoding="utf-8"?>
 <Control xmlns="http://schemas.microsoft.com/VisualStudio/2011/storyboarding/control">
-  <Id Name="System.Storyboarding.Common.Button" Revision="1" Stencil="System.Storyboarding.Common" StencilVersion="0.1"/>
+  <Id Name="System.Storyboarding.Common.TextInput" Revision="1" Stencil="System.Storyboarding.Common" StencilVersion="0.1"/>
 </Control>
 </file>
 
@@ -31995,7 +32411,7 @@
 
 <file path=customXml/item129.xml><?xml version="1.0" encoding="utf-8"?>
 <Control xmlns="http://schemas.microsoft.com/VisualStudio/2011/storyboarding/control">
-  <Id Name="System.Storyboarding.Common.Text" Revision="1" Stencil="System.Storyboarding.Common" StencilVersion="0.1"/>
+  <Id Name="System.Storyboarding.Common.TextInput" Revision="1" Stencil="System.Storyboarding.Common" StencilVersion="0.1"/>
 </Control>
 </file>
 
@@ -32025,7 +32441,7 @@
 
 <file path=customXml/item133.xml><?xml version="1.0" encoding="utf-8"?>
 <Control xmlns="http://schemas.microsoft.com/VisualStudio/2011/storyboarding/control">
-  <Id Name="System.Storyboarding.Common.TextInput" Revision="1" Stencil="System.Storyboarding.Common" StencilVersion="0.1"/>
+  <Id Name="System.Storyboarding.Common.Text" Revision="1" Stencil="System.Storyboarding.Common" StencilVersion="0.1"/>
 </Control>
 </file>
 
@@ -32049,7 +32465,7 @@
 
 <file path=customXml/item137.xml><?xml version="1.0" encoding="utf-8"?>
 <Control xmlns="http://schemas.microsoft.com/VisualStudio/2011/storyboarding/control">
-  <Id Name="System.Storyboarding.Common.Button" Revision="1" Stencil="System.Storyboarding.Common" StencilVersion="0.1"/>
+  <Id Name="System.Storyboarding.Common.TextInput" Revision="1" Stencil="System.Storyboarding.Common" StencilVersion="0.1"/>
 </Control>
 </file>
 
@@ -32061,13 +32477,13 @@
 
 <file path=customXml/item139.xml><?xml version="1.0" encoding="utf-8"?>
 <Control xmlns="http://schemas.microsoft.com/VisualStudio/2011/storyboarding/control">
-  <Id Name="System.Storyboarding.Common.Text" Revision="1" Stencil="System.Storyboarding.Common" StencilVersion="0.1"/>
+  <Id Name="System.Storyboarding.Common.TextInput" Revision="1" Stencil="System.Storyboarding.Common" StencilVersion="0.1"/>
 </Control>
 </file>
 
 <file path=customXml/item14.xml><?xml version="1.0" encoding="utf-8"?>
 <Control xmlns="http://schemas.microsoft.com/VisualStudio/2011/storyboarding/control">
-  <Id Name="System.Storyboarding.Common.Text" Revision="1" Stencil="System.Storyboarding.Common" StencilVersion="0.1"/>
+  <Id Name="System.Storyboarding.Common.TextInput" Revision="1" Stencil="System.Storyboarding.Common" StencilVersion="0.1"/>
 </Control>
 </file>
 
@@ -32085,25 +32501,25 @@
 
 <file path=customXml/item142.xml><?xml version="1.0" encoding="utf-8"?>
 <Control xmlns="http://schemas.microsoft.com/VisualStudio/2011/storyboarding/control">
-  <Id Name="System.Storyboarding.Common.TextInput" Revision="1" Stencil="System.Storyboarding.Common" StencilVersion="0.1"/>
+  <Id Name="System.Storyboarding.Common.ScrollbarVertical" Revision="1" Stencil="System.Storyboarding.Common" StencilVersion="0.1"/>
 </Control>
 </file>
 
 <file path=customXml/item143.xml><?xml version="1.0" encoding="utf-8"?>
 <Control xmlns="http://schemas.microsoft.com/VisualStudio/2011/storyboarding/control">
-  <Id Name="System.Storyboarding.Common.TextInput" Revision="1" Stencil="System.Storyboarding.Common" StencilVersion="0.1"/>
+  <Id Name="System.Storyboarding.Common.ScrollbarVertical" Revision="1" Stencil="System.Storyboarding.Common" StencilVersion="0.1"/>
 </Control>
 </file>
 
 <file path=customXml/item144.xml><?xml version="1.0" encoding="utf-8"?>
 <Control xmlns="http://schemas.microsoft.com/VisualStudio/2011/storyboarding/control">
-  <Id Name="System.Storyboarding.Common.TextInput" Revision="1" Stencil="System.Storyboarding.Common" StencilVersion="0.1"/>
+  <Id Name="System.Storyboarding.Common.Button" Revision="1" Stencil="System.Storyboarding.Common" StencilVersion="0.1"/>
 </Control>
 </file>
 
 <file path=customXml/item145.xml><?xml version="1.0" encoding="utf-8"?>
 <Control xmlns="http://schemas.microsoft.com/VisualStudio/2011/storyboarding/control">
-  <Id Name="System.Storyboarding.Common.TextInput" Revision="1" Stencil="System.Storyboarding.Common" StencilVersion="0.1"/>
+  <Id Name="System.Storyboarding.Common.Text" Revision="1" Stencil="System.Storyboarding.Common" StencilVersion="0.1"/>
 </Control>
 </file>
 
@@ -32115,31 +32531,31 @@
 
 <file path=customXml/item147.xml><?xml version="1.0" encoding="utf-8"?>
 <Control xmlns="http://schemas.microsoft.com/VisualStudio/2011/storyboarding/control">
-  <Id Name="System.Storyboarding.Common.TextInput" Revision="1" Stencil="System.Storyboarding.Common" StencilVersion="0.1"/>
+  <Id Name="System.Storyboarding.Common.Text" Revision="1" Stencil="System.Storyboarding.Common" StencilVersion="0.1"/>
 </Control>
 </file>
 
 <file path=customXml/item148.xml><?xml version="1.0" encoding="utf-8"?>
-<Control xmlns="http://schemas.microsoft.com/VisualStudio/2011/storyboarding/control">
-  <Id Name="System.Storyboarding.WindowsApps.WindowsAppsTileMedium" Revision="1" Stencil="System.Storyboarding.WindowsApps" StencilVersion="0.1"/>
-</Control>
-</file>
-
-<file path=customXml/item149.xml><?xml version="1.0" encoding="utf-8"?>
 <Control xmlns="http://schemas.microsoft.com/VisualStudio/2011/storyboarding/control">
   <Id Name="System.Storyboarding.Common.Text" Revision="1" Stencil="System.Storyboarding.Common" StencilVersion="0.1"/>
 </Control>
 </file>
 
+<file path=customXml/item149.xml><?xml version="1.0" encoding="utf-8"?>
+<Control xmlns="http://schemas.microsoft.com/VisualStudio/2011/storyboarding/control">
+  <Id Name="System.Storyboarding.Common.TextInput" Revision="1" Stencil="System.Storyboarding.Common" StencilVersion="0.1"/>
+</Control>
+</file>
+
 <file path=customXml/item15.xml><?xml version="1.0" encoding="utf-8"?>
 <Control xmlns="http://schemas.microsoft.com/VisualStudio/2011/storyboarding/control">
-  <Id Name="System.Storyboarding.Common.Text" Revision="1" Stencil="System.Storyboarding.Common" StencilVersion="0.1"/>
+  <Id Name="System.Storyboarding.Common.Button" Revision="1" Stencil="System.Storyboarding.Common" StencilVersion="0.1"/>
 </Control>
 </file>
 
 <file path=customXml/item150.xml><?xml version="1.0" encoding="utf-8"?>
 <Control xmlns="http://schemas.microsoft.com/VisualStudio/2011/storyboarding/control">
-  <Id Name="System.Storyboarding.Common.Text" Revision="1" Stencil="System.Storyboarding.Common" StencilVersion="0.1"/>
+  <Id Name="System.Storyboarding.WindowsApps.WindowsAppsTileMedium" Revision="1" Stencil="System.Storyboarding.WindowsApps" StencilVersion="0.1"/>
 </Control>
 </file>
 
@@ -32169,19 +32585,19 @@
 
 <file path=customXml/item155.xml><?xml version="1.0" encoding="utf-8"?>
 <Control xmlns="http://schemas.microsoft.com/VisualStudio/2011/storyboarding/control">
+  <Id Name="System.Storyboarding.Common.Button" Revision="1" Stencil="System.Storyboarding.Common" StencilVersion="0.1"/>
+</Control>
+</file>
+
+<file path=customXml/item156.xml><?xml version="1.0" encoding="utf-8"?>
+<Control xmlns="http://schemas.microsoft.com/VisualStudio/2011/storyboarding/control">
   <Id Name="System.Storyboarding.Common.Text" Revision="1" Stencil="System.Storyboarding.Common" StencilVersion="0.1"/>
 </Control>
 </file>
 
-<file path=customXml/item156.xml><?xml version="1.0" encoding="utf-8"?>
-<Control xmlns="http://schemas.microsoft.com/VisualStudio/2011/storyboarding/control">
-  <Id Name="System.Storyboarding.Common.Button" Revision="1" Stencil="System.Storyboarding.Common" StencilVersion="0.1"/>
-</Control>
-</file>
-
 <file path=customXml/item157.xml><?xml version="1.0" encoding="utf-8"?>
 <Control xmlns="http://schemas.microsoft.com/VisualStudio/2011/storyboarding/control">
-  <Id Name="System.Storyboarding.Common.Button" Revision="1" Stencil="System.Storyboarding.Common" StencilVersion="0.1"/>
+  <Id Name="System.Storyboarding.Common.Text" Revision="1" Stencil="System.Storyboarding.Common" StencilVersion="0.1"/>
 </Control>
 </file>
 
@@ -32193,7 +32609,7 @@
 
 <file path=customXml/item159.xml><?xml version="1.0" encoding="utf-8"?>
 <Control xmlns="http://schemas.microsoft.com/VisualStudio/2011/storyboarding/control">
-  <Id Name="System.Storyboarding.Common.TextInput" Revision="1" Stencil="System.Storyboarding.Common" StencilVersion="0.1"/>
+  <Id Name="System.Storyboarding.Common.Text" Revision="1" Stencil="System.Storyboarding.Common" StencilVersion="0.1"/>
 </Control>
 </file>
 
@@ -32205,37 +32621,37 @@
 
 <file path=customXml/item160.xml><?xml version="1.0" encoding="utf-8"?>
 <Control xmlns="http://schemas.microsoft.com/VisualStudio/2011/storyboarding/control">
-  <Id Name="System.Storyboarding.Common.Button" Revision="1" Stencil="System.Storyboarding.Common" StencilVersion="0.1"/>
+  <Id Name="System.Storyboarding.Common.Text" Revision="1" Stencil="System.Storyboarding.Common" StencilVersion="0.1"/>
 </Control>
 </file>
 
 <file path=customXml/item161.xml><?xml version="1.0" encoding="utf-8"?>
+<Control xmlns="http://schemas.microsoft.com/VisualStudio/2011/storyboarding/control">
+  <Id Name="System.Storyboarding.Common.Text" Revision="1" Stencil="System.Storyboarding.Common" StencilVersion="0.1"/>
+</Control>
+</file>
+
+<file path=customXml/item162.xml><?xml version="1.0" encoding="utf-8"?>
+<Control xmlns="http://schemas.microsoft.com/VisualStudio/2011/storyboarding/control">
+  <Id Name="System.Storyboarding.Common.TextInput" Revision="1" Stencil="System.Storyboarding.Common" StencilVersion="0.1"/>
+</Control>
+</file>
+
+<file path=customXml/item163.xml><?xml version="1.0" encoding="utf-8"?>
 <Control xmlns="http://schemas.microsoft.com/VisualStudio/2011/storyboarding/control">
   <Id Name="System.Storyboarding.WindowsApps.WindowsAppsTileMedium" Revision="1" Stencil="System.Storyboarding.WindowsApps" StencilVersion="0.1"/>
 </Control>
 </file>
 
-<file path=customXml/item162.xml><?xml version="1.0" encoding="utf-8"?>
-<Control xmlns="http://schemas.microsoft.com/VisualStudio/2011/storyboarding/control">
-  <Id Name="System.Storyboarding.Common.Text" Revision="1" Stencil="System.Storyboarding.Common" StencilVersion="0.1"/>
-</Control>
-</file>
-
-<file path=customXml/item163.xml><?xml version="1.0" encoding="utf-8"?>
-<Control xmlns="http://schemas.microsoft.com/VisualStudio/2011/storyboarding/control">
-  <Id Name="System.Storyboarding.Common.Text" Revision="1" Stencil="System.Storyboarding.Common" StencilVersion="0.1"/>
-</Control>
-</file>
-
 <file path=customXml/item164.xml><?xml version="1.0" encoding="utf-8"?>
 <Control xmlns="http://schemas.microsoft.com/VisualStudio/2011/storyboarding/control">
-  <Id Name="System.Storyboarding.Common.Text" Revision="1" Stencil="System.Storyboarding.Common" StencilVersion="0.1"/>
+  <Id Name="System.Storyboarding.Common.ScrollbarVertical" Revision="1" Stencil="System.Storyboarding.Common" StencilVersion="0.1"/>
 </Control>
 </file>
 
 <file path=customXml/item165.xml><?xml version="1.0" encoding="utf-8"?>
 <Control xmlns="http://schemas.microsoft.com/VisualStudio/2011/storyboarding/control">
-  <Id Name="System.Storyboarding.Common.Text" Revision="1" Stencil="System.Storyboarding.Common" StencilVersion="0.1"/>
+  <Id Name="System.Storyboarding.Common.Button" Revision="1" Stencil="System.Storyboarding.Common" StencilVersion="0.1"/>
 </Control>
 </file>
 
@@ -32247,19 +32663,19 @@
 
 <file path=customXml/item167.xml><?xml version="1.0" encoding="utf-8"?>
 <Control xmlns="http://schemas.microsoft.com/VisualStudio/2011/storyboarding/control">
-  <Id Name="System.Storyboarding.Common.Text" Revision="1" Stencil="System.Storyboarding.Common" StencilVersion="0.1"/>
+  <Id Name="System.Storyboarding.Common.TextInput" Revision="1" Stencil="System.Storyboarding.Common" StencilVersion="0.1"/>
 </Control>
 </file>
 
 <file path=customXml/item168.xml><?xml version="1.0" encoding="utf-8"?>
 <Control xmlns="http://schemas.microsoft.com/VisualStudio/2011/storyboarding/control">
-  <Id Name="System.Storyboarding.Common.Text" Revision="1" Stencil="System.Storyboarding.Common" StencilVersion="0.1"/>
+  <Id Name="System.Storyboarding.Common.TextInput" Revision="1" Stencil="System.Storyboarding.Common" StencilVersion="0.1"/>
 </Control>
 </file>
 
 <file path=customXml/item169.xml><?xml version="1.0" encoding="utf-8"?>
 <Control xmlns="http://schemas.microsoft.com/VisualStudio/2011/storyboarding/control">
-  <Id Name="System.Storyboarding.Common.Button" Revision="1" Stencil="System.Storyboarding.Common" StencilVersion="0.1"/>
+  <Id Name="System.Storyboarding.WindowsApps.WindowsAppsTileMedium" Revision="1" Stencil="System.Storyboarding.WindowsApps" StencilVersion="0.1"/>
 </Control>
 </file>
 
@@ -32271,7 +32687,7 @@
 
 <file path=customXml/item170.xml><?xml version="1.0" encoding="utf-8"?>
 <Control xmlns="http://schemas.microsoft.com/VisualStudio/2011/storyboarding/control">
-  <Id Name="System.Storyboarding.Common.Button" Revision="1" Stencil="System.Storyboarding.Common" StencilVersion="0.1"/>
+  <Id Name="System.Storyboarding.Common.Text" Revision="1" Stencil="System.Storyboarding.Common" StencilVersion="0.1"/>
 </Control>
 </file>
 
@@ -32283,11 +32699,17 @@
 
 <file path=customXml/item172.xml><?xml version="1.0" encoding="utf-8"?>
 <Control xmlns="http://schemas.microsoft.com/VisualStudio/2011/storyboarding/control">
+  <Id Name="System.Storyboarding.Common.TextInput" Revision="1" Stencil="System.Storyboarding.Common" StencilVersion="0.1"/>
+</Control>
+</file>
+
+<file path=customXml/item173.xml><?xml version="1.0" encoding="utf-8"?>
+<Control xmlns="http://schemas.microsoft.com/VisualStudio/2011/storyboarding/control">
   <Id Name="System.Storyboarding.WindowsApps.WindowsAppsTileMedium" Revision="1" Stencil="System.Storyboarding.WindowsApps" StencilVersion="0.1"/>
 </Control>
 </file>
 
-<file path=customXml/item173.xml><?xml version="1.0" encoding="utf-8"?>
+<file path=customXml/item174.xml><?xml version="1.0" encoding="utf-8"?>
 <Control xmlns="http://schemas.microsoft.com/VisualStudio/2011/storyboarding/control">
   <Id Name="System.Storyboarding.Common.Text" Revision="1" Stencil="System.Storyboarding.Common" StencilVersion="0.1"/>
 </Control>
@@ -32313,7 +32735,7 @@
 
 <file path=customXml/item20.xml><?xml version="1.0" encoding="utf-8"?>
 <Control xmlns="http://schemas.microsoft.com/VisualStudio/2011/storyboarding/control">
-  <Id Name="System.Storyboarding.Common.Text" Revision="1" Stencil="System.Storyboarding.Common" StencilVersion="0.1"/>
+  <Id Name="System.Storyboarding.Backgrounds.WebBrowser" Revision="1" Stencil="System.Storyboarding.Backgrounds" StencilVersion="0.1"/>
 </Control>
 </file>
 
@@ -32325,19 +32747,19 @@
 
 <file path=customXml/item22.xml><?xml version="1.0" encoding="utf-8"?>
 <Control xmlns="http://schemas.microsoft.com/VisualStudio/2011/storyboarding/control">
-  <Id Name="System.Storyboarding.Common.Text" Revision="1" Stencil="System.Storyboarding.Common" StencilVersion="0.1"/>
+  <Id Name="System.Storyboarding.Common.TextInput" Revision="1" Stencil="System.Storyboarding.Common" StencilVersion="0.1"/>
 </Control>
 </file>
 
 <file path=customXml/item23.xml><?xml version="1.0" encoding="utf-8"?>
 <Control xmlns="http://schemas.microsoft.com/VisualStudio/2011/storyboarding/control">
-  <Id Name="System.Storyboarding.WindowsApps.WindowsAppsTileMedium" Revision="1" Stencil="System.Storyboarding.WindowsApps" StencilVersion="0.1"/>
+  <Id Name="System.Storyboarding.Common.Button" Revision="1" Stencil="System.Storyboarding.Common" StencilVersion="0.1"/>
 </Control>
 </file>
 
 <file path=customXml/item24.xml><?xml version="1.0" encoding="utf-8"?>
 <Control xmlns="http://schemas.microsoft.com/VisualStudio/2011/storyboarding/control">
-  <Id Name="System.Storyboarding.Common.TextInput" Revision="1" Stencil="System.Storyboarding.Common" StencilVersion="0.1"/>
+  <Id Name="System.Storyboarding.WindowsApps.WindowsAppsTileMedium" Revision="1" Stencil="System.Storyboarding.WindowsApps" StencilVersion="0.1"/>
 </Control>
 </file>
 
@@ -32349,19 +32771,19 @@
 
 <file path=customXml/item26.xml><?xml version="1.0" encoding="utf-8"?>
 <Control xmlns="http://schemas.microsoft.com/VisualStudio/2011/storyboarding/control">
+  <Id Name="System.Storyboarding.Common.Button" Revision="1" Stencil="System.Storyboarding.Common" StencilVersion="0.1"/>
+</Control>
+</file>
+
+<file path=customXml/item27.xml><?xml version="1.0" encoding="utf-8"?>
+<Control xmlns="http://schemas.microsoft.com/VisualStudio/2011/storyboarding/control">
   <Id Name="System.Storyboarding.Common.Text" Revision="1" Stencil="System.Storyboarding.Common" StencilVersion="0.1"/>
 </Control>
 </file>
 
-<file path=customXml/item27.xml><?xml version="1.0" encoding="utf-8"?>
-<Control xmlns="http://schemas.microsoft.com/VisualStudio/2011/storyboarding/control">
-  <Id Name="System.Storyboarding.Common.Button" Revision="1" Stencil="System.Storyboarding.Common" StencilVersion="0.1"/>
-</Control>
-</file>
-
 <file path=customXml/item28.xml><?xml version="1.0" encoding="utf-8"?>
 <Control xmlns="http://schemas.microsoft.com/VisualStudio/2011/storyboarding/control">
-  <Id Name="System.Storyboarding.Common.Text" Revision="1" Stencil="System.Storyboarding.Common" StencilVersion="0.1"/>
+  <Id Name="System.Storyboarding.Common.TextInput" Revision="1" Stencil="System.Storyboarding.Common" StencilVersion="0.1"/>
 </Control>
 </file>
 
@@ -32373,19 +32795,19 @@
 
 <file path=customXml/item3.xml><?xml version="1.0" encoding="utf-8"?>
 <Control xmlns="http://schemas.microsoft.com/VisualStudio/2011/storyboarding/control">
-  <Id Name="System.Storyboarding.Common.TextInput" Revision="1" Stencil="System.Storyboarding.Common" StencilVersion="0.1"/>
+  <Id Name="System.Storyboarding.Common.Text" Revision="1" Stencil="System.Storyboarding.Common" StencilVersion="0.1"/>
 </Control>
 </file>
 
 <file path=customXml/item30.xml><?xml version="1.0" encoding="utf-8"?>
 <Control xmlns="http://schemas.microsoft.com/VisualStudio/2011/storyboarding/control">
-  <Id Name="System.Storyboarding.Common.Button" Revision="1" Stencil="System.Storyboarding.Common" StencilVersion="0.1"/>
+  <Id Name="System.Storyboarding.Common.ScrollbarVertical" Revision="1" Stencil="System.Storyboarding.Common" StencilVersion="0.1"/>
 </Control>
 </file>
 
 <file path=customXml/item31.xml><?xml version="1.0" encoding="utf-8"?>
 <Control xmlns="http://schemas.microsoft.com/VisualStudio/2011/storyboarding/control">
-  <Id Name="System.Storyboarding.Common.Text" Revision="1" Stencil="System.Storyboarding.Common" StencilVersion="0.1"/>
+  <Id Name="System.Storyboarding.WindowsApps.WindowsAppsTileMedium" Revision="1" Stencil="System.Storyboarding.WindowsApps" StencilVersion="0.1"/>
 </Control>
 </file>
 
@@ -32397,7 +32819,7 @@
 
 <file path=customXml/item33.xml><?xml version="1.0" encoding="utf-8"?>
 <Control xmlns="http://schemas.microsoft.com/VisualStudio/2011/storyboarding/control">
-  <Id Name="System.Storyboarding.Common.Text" Revision="1" Stencil="System.Storyboarding.Common" StencilVersion="0.1"/>
+  <Id Name="System.Storyboarding.Common.Button" Revision="1" Stencil="System.Storyboarding.Common" StencilVersion="0.1"/>
 </Control>
 </file>
 
@@ -32409,7 +32831,7 @@
 
 <file path=customXml/item35.xml><?xml version="1.0" encoding="utf-8"?>
 <Control xmlns="http://schemas.microsoft.com/VisualStudio/2011/storyboarding/control">
-  <Id Name="System.Storyboarding.Common.TextInput" Revision="1" Stencil="System.Storyboarding.Common" StencilVersion="0.1"/>
+  <Id Name="System.Storyboarding.Common.Text" Revision="1" Stencil="System.Storyboarding.Common" StencilVersion="0.1"/>
 </Control>
 </file>
 
@@ -32427,7 +32849,7 @@
 
 <file path=customXml/item38.xml><?xml version="1.0" encoding="utf-8"?>
 <Control xmlns="http://schemas.microsoft.com/VisualStudio/2011/storyboarding/control">
-  <Id Name="System.Storyboarding.Common.Button" Revision="1" Stencil="System.Storyboarding.Common" StencilVersion="0.1"/>
+  <Id Name="System.Storyboarding.Common.ScrollbarVertical" Revision="1" Stencil="System.Storyboarding.Common" StencilVersion="0.1"/>
 </Control>
 </file>
 
@@ -32439,13 +32861,13 @@
 
 <file path=customXml/item4.xml><?xml version="1.0" encoding="utf-8"?>
 <Control xmlns="http://schemas.microsoft.com/VisualStudio/2011/storyboarding/control">
-  <Id Name="System.Storyboarding.Common.TextInput" Revision="1" Stencil="System.Storyboarding.Common" StencilVersion="0.1"/>
+  <Id Name="System.Storyboarding.Common.Text" Revision="1" Stencil="System.Storyboarding.Common" StencilVersion="0.1"/>
 </Control>
 </file>
 
 <file path=customXml/item40.xml><?xml version="1.0" encoding="utf-8"?>
 <Control xmlns="http://schemas.microsoft.com/VisualStudio/2011/storyboarding/control">
-  <Id Name="System.Storyboarding.WindowsApps.WindowsAppsTileMedium" Revision="1" Stencil="System.Storyboarding.WindowsApps" StencilVersion="0.1"/>
+  <Id Name="System.Storyboarding.Common.Text" Revision="1" Stencil="System.Storyboarding.Common" StencilVersion="0.1"/>
 </Control>
 </file>
 
@@ -32463,7 +32885,7 @@
 
 <file path=customXml/item43.xml><?xml version="1.0" encoding="utf-8"?>
 <Control xmlns="http://schemas.microsoft.com/VisualStudio/2011/storyboarding/control">
-  <Id Name="System.Storyboarding.Backgrounds.WebBrowser" Revision="1" Stencil="System.Storyboarding.Backgrounds" StencilVersion="0.1"/>
+  <Id Name="System.Storyboarding.Common.Text" Revision="1" Stencil="System.Storyboarding.Common" StencilVersion="0.1"/>
 </Control>
 </file>
 
@@ -32475,37 +32897,37 @@
 
 <file path=customXml/item45.xml><?xml version="1.0" encoding="utf-8"?>
 <Control xmlns="http://schemas.microsoft.com/VisualStudio/2011/storyboarding/control">
-  <Id Name="System.Storyboarding.Common.TextInput" Revision="1" Stencil="System.Storyboarding.Common" StencilVersion="0.1"/>
+  <Id Name="System.Storyboarding.Common.ScrollbarVertical" Revision="1" Stencil="System.Storyboarding.Common" StencilVersion="0.1"/>
 </Control>
 </file>
 
 <file path=customXml/item46.xml><?xml version="1.0" encoding="utf-8"?>
+<Control xmlns="http://schemas.microsoft.com/VisualStudio/2011/storyboarding/control">
+  <Id Name="System.Storyboarding.Common.Button" Revision="1" Stencil="System.Storyboarding.Common" StencilVersion="0.1"/>
+</Control>
+</file>
+
+<file path=customXml/item47.xml><?xml version="1.0" encoding="utf-8"?>
 <Control xmlns="http://schemas.microsoft.com/VisualStudio/2011/storyboarding/control">
   <Id Name="System.Storyboarding.Common.Text" Revision="1" Stencil="System.Storyboarding.Common" StencilVersion="0.1"/>
 </Control>
 </file>
 
-<file path=customXml/item47.xml><?xml version="1.0" encoding="utf-8"?>
+<file path=customXml/item48.xml><?xml version="1.0" encoding="utf-8"?>
+<Control xmlns="http://schemas.microsoft.com/VisualStudio/2011/storyboarding/control">
+  <Id Name="System.Storyboarding.Common.Text" Revision="1" Stencil="System.Storyboarding.Common" StencilVersion="0.1"/>
+</Control>
+</file>
+
+<file path=customXml/item49.xml><?xml version="1.0" encoding="utf-8"?>
+<Control xmlns="http://schemas.microsoft.com/VisualStudio/2011/storyboarding/control">
+  <Id Name="System.Storyboarding.Common.Button" Revision="1" Stencil="System.Storyboarding.Common" StencilVersion="0.1"/>
+</Control>
+</file>
+
+<file path=customXml/item5.xml><?xml version="1.0" encoding="utf-8"?>
 <Control xmlns="http://schemas.microsoft.com/VisualStudio/2011/storyboarding/control">
   <Id Name="System.Storyboarding.WindowsApps.WindowsAppsTileMedium" Revision="1" Stencil="System.Storyboarding.WindowsApps" StencilVersion="0.1"/>
-</Control>
-</file>
-
-<file path=customXml/item48.xml><?xml version="1.0" encoding="utf-8"?>
-<Control xmlns="http://schemas.microsoft.com/VisualStudio/2011/storyboarding/control">
-  <Id Name="System.Storyboarding.Common.ScrollbarVertical" Revision="1" Stencil="System.Storyboarding.Common" StencilVersion="0.1"/>
-</Control>
-</file>
-
-<file path=customXml/item49.xml><?xml version="1.0" encoding="utf-8"?>
-<Control xmlns="http://schemas.microsoft.com/VisualStudio/2011/storyboarding/control">
-  <Id Name="System.Storyboarding.Common.TextInput" Revision="1" Stencil="System.Storyboarding.Common" StencilVersion="0.1"/>
-</Control>
-</file>
-
-<file path=customXml/item5.xml><?xml version="1.0" encoding="utf-8"?>
-<Control xmlns="http://schemas.microsoft.com/VisualStudio/2011/storyboarding/control">
-  <Id Name="System.Storyboarding.Common.ScrollbarVertical" Revision="1" Stencil="System.Storyboarding.Common" StencilVersion="0.1"/>
 </Control>
 </file>
 
@@ -32529,13 +32951,13 @@
 
 <file path=customXml/item53.xml><?xml version="1.0" encoding="utf-8"?>
 <Control xmlns="http://schemas.microsoft.com/VisualStudio/2011/storyboarding/control">
-  <Id Name="System.Storyboarding.Common.Text" Revision="1" Stencil="System.Storyboarding.Common" StencilVersion="0.1"/>
+  <Id Name="System.Storyboarding.Common.Button" Revision="1" Stencil="System.Storyboarding.Common" StencilVersion="0.1"/>
 </Control>
 </file>
 
 <file path=customXml/item54.xml><?xml version="1.0" encoding="utf-8"?>
 <Control xmlns="http://schemas.microsoft.com/VisualStudio/2011/storyboarding/control">
-  <Id Name="System.Storyboarding.Common.TextInput" Revision="1" Stencil="System.Storyboarding.Common" StencilVersion="0.1"/>
+  <Id Name="System.Storyboarding.Backgrounds.WebBrowser" Revision="1" Stencil="System.Storyboarding.Backgrounds" StencilVersion="0.1"/>
 </Control>
 </file>
 
@@ -32547,7 +32969,7 @@
 
 <file path=customXml/item56.xml><?xml version="1.0" encoding="utf-8"?>
 <Control xmlns="http://schemas.microsoft.com/VisualStudio/2011/storyboarding/control">
-  <Id Name="System.Storyboarding.Common.Text" Revision="1" Stencil="System.Storyboarding.Common" StencilVersion="0.1"/>
+  <Id Name="System.Storyboarding.Backgrounds.WebBrowser" Revision="1" Stencil="System.Storyboarding.Backgrounds" StencilVersion="0.1"/>
 </Control>
 </file>
 
@@ -32559,31 +32981,31 @@
 
 <file path=customXml/item58.xml><?xml version="1.0" encoding="utf-8"?>
 <Control xmlns="http://schemas.microsoft.com/VisualStudio/2011/storyboarding/control">
+  <Id Name="System.Storyboarding.Common.Text" Revision="1" Stencil="System.Storyboarding.Common" StencilVersion="0.1"/>
+</Control>
+</file>
+
+<file path=customXml/item59.xml><?xml version="1.0" encoding="utf-8"?>
+<Control xmlns="http://schemas.microsoft.com/VisualStudio/2011/storyboarding/control">
   <Id Name="System.Storyboarding.Common.TextInput" Revision="1" Stencil="System.Storyboarding.Common" StencilVersion="0.1"/>
 </Control>
 </file>
 
-<file path=customXml/item59.xml><?xml version="1.0" encoding="utf-8"?>
-<Control xmlns="http://schemas.microsoft.com/VisualStudio/2011/storyboarding/control">
-  <Id Name="System.Storyboarding.Backgrounds.WebBrowser" Revision="1" Stencil="System.Storyboarding.Backgrounds" StencilVersion="0.1"/>
-</Control>
-</file>
-
 <file path=customXml/item6.xml><?xml version="1.0" encoding="utf-8"?>
 <Control xmlns="http://schemas.microsoft.com/VisualStudio/2011/storyboarding/control">
-  <Id Name="System.Storyboarding.Common.Text" Revision="1" Stencil="System.Storyboarding.Common" StencilVersion="0.1"/>
+  <Id Name="System.Storyboarding.WindowsApps.WindowsAppsTileMedium" Revision="1" Stencil="System.Storyboarding.WindowsApps" StencilVersion="0.1"/>
 </Control>
 </file>
 
 <file path=customXml/item60.xml><?xml version="1.0" encoding="utf-8"?>
 <Control xmlns="http://schemas.microsoft.com/VisualStudio/2011/storyboarding/control">
-  <Id Name="System.Storyboarding.Common.Text" Revision="1" Stencil="System.Storyboarding.Common" StencilVersion="0.1"/>
+  <Id Name="System.Storyboarding.Common.Button" Revision="1" Stencil="System.Storyboarding.Common" StencilVersion="0.1"/>
 </Control>
 </file>
 
 <file path=customXml/item61.xml><?xml version="1.0" encoding="utf-8"?>
 <Control xmlns="http://schemas.microsoft.com/VisualStudio/2011/storyboarding/control">
-  <Id Name="System.Storyboarding.WindowsApps.WindowsAppsTileMedium" Revision="1" Stencil="System.Storyboarding.WindowsApps" StencilVersion="0.1"/>
+  <Id Name="System.Storyboarding.Common.Button" Revision="1" Stencil="System.Storyboarding.Common" StencilVersion="0.1"/>
 </Control>
 </file>
 
@@ -32595,7 +33017,7 @@
 
 <file path=customXml/item63.xml><?xml version="1.0" encoding="utf-8"?>
 <Control xmlns="http://schemas.microsoft.com/VisualStudio/2011/storyboarding/control">
-  <Id Name="System.Storyboarding.WindowsApps.WindowsAppsTileMedium" Revision="1" Stencil="System.Storyboarding.WindowsApps" StencilVersion="0.1"/>
+  <Id Name="System.Storyboarding.Common.Text" Revision="1" Stencil="System.Storyboarding.Common" StencilVersion="0.1"/>
 </Control>
 </file>
 
@@ -32607,19 +33029,19 @@
 
 <file path=customXml/item65.xml><?xml version="1.0" encoding="utf-8"?>
 <Control xmlns="http://schemas.microsoft.com/VisualStudio/2011/storyboarding/control">
-  <Id Name="System.Storyboarding.Common.Text" Revision="1" Stencil="System.Storyboarding.Common" StencilVersion="0.1"/>
+  <Id Name="System.Storyboarding.Common.TextInput" Revision="1" Stencil="System.Storyboarding.Common" StencilVersion="0.1"/>
 </Control>
 </file>
 
 <file path=customXml/item66.xml><?xml version="1.0" encoding="utf-8"?>
 <Control xmlns="http://schemas.microsoft.com/VisualStudio/2011/storyboarding/control">
-  <Id Name="System.Storyboarding.Common.Text" Revision="1" Stencil="System.Storyboarding.Common" StencilVersion="0.1"/>
+  <Id Name="System.Storyboarding.WindowsApps.WindowsAppsTileMedium" Revision="1" Stencil="System.Storyboarding.WindowsApps" StencilVersion="0.1"/>
 </Control>
 </file>
 
 <file path=customXml/item67.xml><?xml version="1.0" encoding="utf-8"?>
 <Control xmlns="http://schemas.microsoft.com/VisualStudio/2011/storyboarding/control">
-  <Id Name="System.Storyboarding.Common.ScrollbarVertical" Revision="1" Stencil="System.Storyboarding.Common" StencilVersion="0.1"/>
+  <Id Name="System.Storyboarding.Common.Text" Revision="1" Stencil="System.Storyboarding.Common" StencilVersion="0.1"/>
 </Control>
 </file>
 
@@ -32637,31 +33059,31 @@
 
 <file path=customXml/item7.xml><?xml version="1.0" encoding="utf-8"?>
 <Control xmlns="http://schemas.microsoft.com/VisualStudio/2011/storyboarding/control">
-  <Id Name="System.Storyboarding.Common.TextInput" Revision="1" Stencil="System.Storyboarding.Common" StencilVersion="0.1"/>
+  <Id Name="System.Storyboarding.Common.Text" Revision="1" Stencil="System.Storyboarding.Common" StencilVersion="0.1"/>
 </Control>
 </file>
 
 <file path=customXml/item70.xml><?xml version="1.0" encoding="utf-8"?>
 <Control xmlns="http://schemas.microsoft.com/VisualStudio/2011/storyboarding/control">
-  <Id Name="System.Storyboarding.Common.Button" Revision="1" Stencil="System.Storyboarding.Common" StencilVersion="0.1"/>
+  <Id Name="System.Storyboarding.WindowsApps.WindowsAppsTileMedium" Revision="1" Stencil="System.Storyboarding.WindowsApps" StencilVersion="0.1"/>
 </Control>
 </file>
 
 <file path=customXml/item71.xml><?xml version="1.0" encoding="utf-8"?>
-<Control xmlns="http://schemas.microsoft.com/VisualStudio/2011/storyboarding/control">
-  <Id Name="System.Storyboarding.Common.Button" Revision="1" Stencil="System.Storyboarding.Common" StencilVersion="0.1"/>
-</Control>
-</file>
-
-<file path=customXml/item72.xml><?xml version="1.0" encoding="utf-8"?>
 <Control xmlns="http://schemas.microsoft.com/VisualStudio/2011/storyboarding/control">
   <Id Name="System.Storyboarding.Common.Text" Revision="1" Stencil="System.Storyboarding.Common" StencilVersion="0.1"/>
 </Control>
 </file>
 
+<file path=customXml/item72.xml><?xml version="1.0" encoding="utf-8"?>
+<Control xmlns="http://schemas.microsoft.com/VisualStudio/2011/storyboarding/control">
+  <Id Name="System.Storyboarding.Common.TextInput" Revision="1" Stencil="System.Storyboarding.Common" StencilVersion="0.1"/>
+</Control>
+</file>
+
 <file path=customXml/item73.xml><?xml version="1.0" encoding="utf-8"?>
 <Control xmlns="http://schemas.microsoft.com/VisualStudio/2011/storyboarding/control">
-  <Id Name="System.Storyboarding.Common.TextInput" Revision="1" Stencil="System.Storyboarding.Common" StencilVersion="0.1"/>
+  <Id Name="System.Storyboarding.Common.Text" Revision="1" Stencil="System.Storyboarding.Common" StencilVersion="0.1"/>
 </Control>
 </file>
 
@@ -32673,13 +33095,13 @@
 
 <file path=customXml/item75.xml><?xml version="1.0" encoding="utf-8"?>
 <Control xmlns="http://schemas.microsoft.com/VisualStudio/2011/storyboarding/control">
-  <Id Name="System.Storyboarding.Common.Button" Revision="1" Stencil="System.Storyboarding.Common" StencilVersion="0.1"/>
+  <Id Name="System.Storyboarding.Common.Text" Revision="1" Stencil="System.Storyboarding.Common" StencilVersion="0.1"/>
 </Control>
 </file>
 
 <file path=customXml/item76.xml><?xml version="1.0" encoding="utf-8"?>
 <Control xmlns="http://schemas.microsoft.com/VisualStudio/2011/storyboarding/control">
-  <Id Name="System.Storyboarding.Backgrounds.WebBrowser" Revision="1" Stencil="System.Storyboarding.Backgrounds" StencilVersion="0.1"/>
+  <Id Name="System.Storyboarding.Common.Text" Revision="1" Stencil="System.Storyboarding.Common" StencilVersion="0.1"/>
 </Control>
 </file>
 
@@ -32691,25 +33113,25 @@
 
 <file path=customXml/item78.xml><?xml version="1.0" encoding="utf-8"?>
 <Control xmlns="http://schemas.microsoft.com/VisualStudio/2011/storyboarding/control">
-  <Id Name="System.Storyboarding.WindowsApps.WindowsAppsTileMedium" Revision="1" Stencil="System.Storyboarding.WindowsApps" StencilVersion="0.1"/>
+  <Id Name="System.Storyboarding.Common.Button" Revision="1" Stencil="System.Storyboarding.Common" StencilVersion="0.1"/>
 </Control>
 </file>
 
 <file path=customXml/item79.xml><?xml version="1.0" encoding="utf-8"?>
 <Control xmlns="http://schemas.microsoft.com/VisualStudio/2011/storyboarding/control">
-  <Id Name="System.Storyboarding.WindowsApps.WindowsAppsTileMedium" Revision="1" Stencil="System.Storyboarding.WindowsApps" StencilVersion="0.1"/>
+  <Id Name="System.Storyboarding.Backgrounds.WebBrowser" Revision="1" Stencil="System.Storyboarding.Backgrounds" StencilVersion="0.1"/>
 </Control>
 </file>
 
 <file path=customXml/item8.xml><?xml version="1.0" encoding="utf-8"?>
 <Control xmlns="http://schemas.microsoft.com/VisualStudio/2011/storyboarding/control">
-  <Id Name="System.Storyboarding.Common.Text" Revision="1" Stencil="System.Storyboarding.Common" StencilVersion="0.1"/>
+  <Id Name="System.Storyboarding.Common.TextInput" Revision="1" Stencil="System.Storyboarding.Common" StencilVersion="0.1"/>
 </Control>
 </file>
 
 <file path=customXml/item80.xml><?xml version="1.0" encoding="utf-8"?>
 <Control xmlns="http://schemas.microsoft.com/VisualStudio/2011/storyboarding/control">
-  <Id Name="System.Storyboarding.Common.ScrollbarVertical" Revision="1" Stencil="System.Storyboarding.Common" StencilVersion="0.1"/>
+  <Id Name="System.Storyboarding.Common.Text" Revision="1" Stencil="System.Storyboarding.Common" StencilVersion="0.1"/>
 </Control>
 </file>
 
@@ -32721,31 +33143,31 @@
 
 <file path=customXml/item82.xml><?xml version="1.0" encoding="utf-8"?>
 <Control xmlns="http://schemas.microsoft.com/VisualStudio/2011/storyboarding/control">
-  <Id Name="System.Storyboarding.Common.Button" Revision="1" Stencil="System.Storyboarding.Common" StencilVersion="0.1"/>
+  <Id Name="System.Storyboarding.Common.Text" Revision="1" Stencil="System.Storyboarding.Common" StencilVersion="0.1"/>
 </Control>
 </file>
 
 <file path=customXml/item83.xml><?xml version="1.0" encoding="utf-8"?>
-<Control xmlns="http://schemas.microsoft.com/VisualStudio/2011/storyboarding/control">
-  <Id Name="System.Storyboarding.Common.TextInput" Revision="1" Stencil="System.Storyboarding.Common" StencilVersion="0.1"/>
-</Control>
-</file>
-
-<file path=customXml/item84.xml><?xml version="1.0" encoding="utf-8"?>
-<Control xmlns="http://schemas.microsoft.com/VisualStudio/2011/storyboarding/control">
-  <Id Name="System.Storyboarding.Common.TextInput" Revision="1" Stencil="System.Storyboarding.Common" StencilVersion="0.1"/>
-</Control>
-</file>
-
-<file path=customXml/item85.xml><?xml version="1.0" encoding="utf-8"?>
 <Control xmlns="http://schemas.microsoft.com/VisualStudio/2011/storyboarding/control">
   <Id Name="System.Storyboarding.Common.Button" Revision="1" Stencil="System.Storyboarding.Common" StencilVersion="0.1"/>
 </Control>
 </file>
 
+<file path=customXml/item84.xml><?xml version="1.0" encoding="utf-8"?>
+<Control xmlns="http://schemas.microsoft.com/VisualStudio/2011/storyboarding/control">
+  <Id Name="System.Storyboarding.WindowsApps.WindowsAppsTileMedium" Revision="1" Stencil="System.Storyboarding.WindowsApps" StencilVersion="0.1"/>
+</Control>
+</file>
+
+<file path=customXml/item85.xml><?xml version="1.0" encoding="utf-8"?>
+<Control xmlns="http://schemas.microsoft.com/VisualStudio/2011/storyboarding/control">
+  <Id Name="System.Storyboarding.Common.Text" Revision="1" Stencil="System.Storyboarding.Common" StencilVersion="0.1"/>
+</Control>
+</file>
+
 <file path=customXml/item86.xml><?xml version="1.0" encoding="utf-8"?>
 <Control xmlns="http://schemas.microsoft.com/VisualStudio/2011/storyboarding/control">
-  <Id Name="System.Storyboarding.Backgrounds.WebBrowser" Revision="1" Stencil="System.Storyboarding.Backgrounds" StencilVersion="0.1"/>
+  <Id Name="System.Storyboarding.Common.Text" Revision="1" Stencil="System.Storyboarding.Common" StencilVersion="0.1"/>
 </Control>
 </file>
 
@@ -32757,7 +33179,7 @@
 
 <file path=customXml/item88.xml><?xml version="1.0" encoding="utf-8"?>
 <Control xmlns="http://schemas.microsoft.com/VisualStudio/2011/storyboarding/control">
-  <Id Name="System.Storyboarding.WindowsApps.WindowsAppsTileMedium" Revision="1" Stencil="System.Storyboarding.WindowsApps" StencilVersion="0.1"/>
+  <Id Name="System.Storyboarding.Common.Text" Revision="1" Stencil="System.Storyboarding.Common" StencilVersion="0.1"/>
 </Control>
 </file>
 
@@ -32769,13 +33191,13 @@
 
 <file path=customXml/item9.xml><?xml version="1.0" encoding="utf-8"?>
 <Control xmlns="http://schemas.microsoft.com/VisualStudio/2011/storyboarding/control">
-  <Id Name="System.Storyboarding.WindowsApps.WindowsAppsTileMedium" Revision="1" Stencil="System.Storyboarding.WindowsApps" StencilVersion="0.1"/>
+  <Id Name="System.Storyboarding.Common.Text" Revision="1" Stencil="System.Storyboarding.Common" StencilVersion="0.1"/>
 </Control>
 </file>
 
 <file path=customXml/item90.xml><?xml version="1.0" encoding="utf-8"?>
 <Control xmlns="http://schemas.microsoft.com/VisualStudio/2011/storyboarding/control">
-  <Id Name="System.Storyboarding.WindowsApps.WindowsAppsTileMedium" Revision="1" Stencil="System.Storyboarding.WindowsApps" StencilVersion="0.1"/>
+  <Id Name="System.Storyboarding.Common.Text" Revision="1" Stencil="System.Storyboarding.Common" StencilVersion="0.1"/>
 </Control>
 </file>
 
@@ -32787,25 +33209,25 @@
 
 <file path=customXml/item92.xml><?xml version="1.0" encoding="utf-8"?>
 <Control xmlns="http://schemas.microsoft.com/VisualStudio/2011/storyboarding/control">
-  <Id Name="System.Storyboarding.Common.Text" Revision="1" Stencil="System.Storyboarding.Common" StencilVersion="0.1"/>
+  <Id Name="System.Storyboarding.Backgrounds.WebBrowser" Revision="1" Stencil="System.Storyboarding.Backgrounds" StencilVersion="0.1"/>
 </Control>
 </file>
 
 <file path=customXml/item93.xml><?xml version="1.0" encoding="utf-8"?>
+<Control xmlns="http://schemas.microsoft.com/VisualStudio/2011/storyboarding/control">
+  <Id Name="System.Storyboarding.Common.Button" Revision="1" Stencil="System.Storyboarding.Common" StencilVersion="0.1"/>
+</Control>
+</file>
+
+<file path=customXml/item94.xml><?xml version="1.0" encoding="utf-8"?>
 <Control xmlns="http://schemas.microsoft.com/VisualStudio/2011/storyboarding/control">
   <Id Name="System.Storyboarding.Common.Text" Revision="1" Stencil="System.Storyboarding.Common" StencilVersion="0.1"/>
 </Control>
 </file>
 
-<file path=customXml/item94.xml><?xml version="1.0" encoding="utf-8"?>
-<Control xmlns="http://schemas.microsoft.com/VisualStudio/2011/storyboarding/control">
-  <Id Name="System.Storyboarding.Common.ScrollbarVertical" Revision="1" Stencil="System.Storyboarding.Common" StencilVersion="0.1"/>
-</Control>
-</file>
-
 <file path=customXml/item95.xml><?xml version="1.0" encoding="utf-8"?>
 <Control xmlns="http://schemas.microsoft.com/VisualStudio/2011/storyboarding/control">
-  <Id Name="System.Storyboarding.Common.Text" Revision="1" Stencil="System.Storyboarding.Common" StencilVersion="0.1"/>
+  <Id Name="System.Storyboarding.Common.Button" Revision="1" Stencil="System.Storyboarding.Common" StencilVersion="0.1"/>
 </Control>
 </file>
 
@@ -32817,24 +33239,24 @@
 
 <file path=customXml/item97.xml><?xml version="1.0" encoding="utf-8"?>
 <Control xmlns="http://schemas.microsoft.com/VisualStudio/2011/storyboarding/control">
-  <Id Name="System.Storyboarding.Common.Button" Revision="1" Stencil="System.Storyboarding.Common" StencilVersion="0.1"/>
+  <Id Name="System.Storyboarding.Common.Text" Revision="1" Stencil="System.Storyboarding.Common" StencilVersion="0.1"/>
 </Control>
 </file>
 
 <file path=customXml/item98.xml><?xml version="1.0" encoding="utf-8"?>
 <Control xmlns="http://schemas.microsoft.com/VisualStudio/2011/storyboarding/control">
-  <Id Name="System.Storyboarding.Common.Button" Revision="1" Stencil="System.Storyboarding.Common" StencilVersion="0.1"/>
+  <Id Name="System.Storyboarding.Common.Text" Revision="1" Stencil="System.Storyboarding.Common" StencilVersion="0.1"/>
 </Control>
 </file>
 
 <file path=customXml/item99.xml><?xml version="1.0" encoding="utf-8"?>
 <Control xmlns="http://schemas.microsoft.com/VisualStudio/2011/storyboarding/control">
-  <Id Name="System.Storyboarding.Common.Button" Revision="1" Stencil="System.Storyboarding.Common" StencilVersion="0.1"/>
+  <Id Name="System.Storyboarding.Common.Text" Revision="1" Stencil="System.Storyboarding.Common" StencilVersion="0.1"/>
 </Control>
 </file>
 
 <file path=customXml/itemProps1.xml><?xml version="1.0" encoding="utf-8"?>
-<ds:datastoreItem xmlns:ds="http://schemas.openxmlformats.org/officeDocument/2006/customXml" ds:itemID="{8F3F5182-C1B3-4F2D-B536-FC558F7AF95D}">
+<ds:datastoreItem xmlns:ds="http://schemas.openxmlformats.org/officeDocument/2006/customXml" ds:itemID="{3CA2419A-9F14-4C85-A58F-75A1F119CFF3}">
   <ds:schemaRefs>
     <ds:schemaRef ds:uri="http://schemas.microsoft.com/VisualStudio/2011/storyboarding/control"/>
   </ds:schemaRefs>
@@ -32842,7 +33264,7 @@
 </file>
 
 <file path=customXml/itemProps10.xml><?xml version="1.0" encoding="utf-8"?>
-<ds:datastoreItem xmlns:ds="http://schemas.openxmlformats.org/officeDocument/2006/customXml" ds:itemID="{9FF0AB84-2314-4D73-9ABD-6CA74066B7EE}">
+<ds:datastoreItem xmlns:ds="http://schemas.openxmlformats.org/officeDocument/2006/customXml" ds:itemID="{EE5291B8-B796-47C0-BA38-D31E569A04FF}">
   <ds:schemaRefs>
     <ds:schemaRef ds:uri="http://schemas.microsoft.com/VisualStudio/2011/storyboarding/control"/>
   </ds:schemaRefs>
@@ -32850,6 +33272,230 @@
 </file>
 
 <file path=customXml/itemProps100.xml><?xml version="1.0" encoding="utf-8"?>
+<ds:datastoreItem xmlns:ds="http://schemas.openxmlformats.org/officeDocument/2006/customXml" ds:itemID="{2373A68B-B86F-473C-A00A-DA311A7118B3}">
+  <ds:schemaRefs>
+    <ds:schemaRef ds:uri="http://schemas.microsoft.com/VisualStudio/2011/storyboarding/control"/>
+  </ds:schemaRefs>
+</ds:datastoreItem>
+</file>
+
+<file path=customXml/itemProps101.xml><?xml version="1.0" encoding="utf-8"?>
+<ds:datastoreItem xmlns:ds="http://schemas.openxmlformats.org/officeDocument/2006/customXml" ds:itemID="{007D892C-5B31-44DA-9AD7-CEB1331B9DF6}">
+  <ds:schemaRefs>
+    <ds:schemaRef ds:uri="http://schemas.microsoft.com/VisualStudio/2011/storyboarding/control"/>
+  </ds:schemaRefs>
+</ds:datastoreItem>
+</file>
+
+<file path=customXml/itemProps102.xml><?xml version="1.0" encoding="utf-8"?>
+<ds:datastoreItem xmlns:ds="http://schemas.openxmlformats.org/officeDocument/2006/customXml" ds:itemID="{E6F2112B-8630-443E-B2BA-D5923B338AED}">
+  <ds:schemaRefs>
+    <ds:schemaRef ds:uri="http://schemas.microsoft.com/VisualStudio/2011/storyboarding/control"/>
+  </ds:schemaRefs>
+</ds:datastoreItem>
+</file>
+
+<file path=customXml/itemProps103.xml><?xml version="1.0" encoding="utf-8"?>
+<ds:datastoreItem xmlns:ds="http://schemas.openxmlformats.org/officeDocument/2006/customXml" ds:itemID="{8B524881-26B2-4DEA-9397-EF9433F4740E}">
+  <ds:schemaRefs>
+    <ds:schemaRef ds:uri="http://schemas.microsoft.com/VisualStudio/2011/storyboarding/control"/>
+  </ds:schemaRefs>
+</ds:datastoreItem>
+</file>
+
+<file path=customXml/itemProps104.xml><?xml version="1.0" encoding="utf-8"?>
+<ds:datastoreItem xmlns:ds="http://schemas.openxmlformats.org/officeDocument/2006/customXml" ds:itemID="{3A2BFA52-4A3E-462F-B1E6-D85E5E995C70}">
+  <ds:schemaRefs>
+    <ds:schemaRef ds:uri="http://schemas.microsoft.com/VisualStudio/2011/storyboarding/control"/>
+  </ds:schemaRefs>
+</ds:datastoreItem>
+</file>
+
+<file path=customXml/itemProps105.xml><?xml version="1.0" encoding="utf-8"?>
+<ds:datastoreItem xmlns:ds="http://schemas.openxmlformats.org/officeDocument/2006/customXml" ds:itemID="{5516EA6B-196E-4D6E-8253-18BAC0EF962D}">
+  <ds:schemaRefs>
+    <ds:schemaRef ds:uri="http://schemas.microsoft.com/VisualStudio/2011/storyboarding/control"/>
+  </ds:schemaRefs>
+</ds:datastoreItem>
+</file>
+
+<file path=customXml/itemProps106.xml><?xml version="1.0" encoding="utf-8"?>
+<ds:datastoreItem xmlns:ds="http://schemas.openxmlformats.org/officeDocument/2006/customXml" ds:itemID="{D6B004F4-612C-4678-9C91-A32C1118C303}">
+  <ds:schemaRefs>
+    <ds:schemaRef ds:uri="http://schemas.microsoft.com/VisualStudio/2011/storyboarding/control"/>
+  </ds:schemaRefs>
+</ds:datastoreItem>
+</file>
+
+<file path=customXml/itemProps107.xml><?xml version="1.0" encoding="utf-8"?>
+<ds:datastoreItem xmlns:ds="http://schemas.openxmlformats.org/officeDocument/2006/customXml" ds:itemID="{0DB6FDB1-69E5-45C1-AF3F-BDD1DEB2EB9B}">
+  <ds:schemaRefs>
+    <ds:schemaRef ds:uri="http://schemas.microsoft.com/VisualStudio/2011/storyboarding/control"/>
+  </ds:schemaRefs>
+</ds:datastoreItem>
+</file>
+
+<file path=customXml/itemProps108.xml><?xml version="1.0" encoding="utf-8"?>
+<ds:datastoreItem xmlns:ds="http://schemas.openxmlformats.org/officeDocument/2006/customXml" ds:itemID="{93F9C43D-5C90-427C-B551-0016A0BC7F6D}">
+  <ds:schemaRefs>
+    <ds:schemaRef ds:uri="http://schemas.microsoft.com/VisualStudio/2011/storyboarding/control"/>
+  </ds:schemaRefs>
+</ds:datastoreItem>
+</file>
+
+<file path=customXml/itemProps109.xml><?xml version="1.0" encoding="utf-8"?>
+<ds:datastoreItem xmlns:ds="http://schemas.openxmlformats.org/officeDocument/2006/customXml" ds:itemID="{F3ABC146-717A-4FBE-8C32-767C65FC75DF}">
+  <ds:schemaRefs>
+    <ds:schemaRef ds:uri="http://schemas.microsoft.com/VisualStudio/2011/storyboarding/control"/>
+  </ds:schemaRefs>
+</ds:datastoreItem>
+</file>
+
+<file path=customXml/itemProps11.xml><?xml version="1.0" encoding="utf-8"?>
+<ds:datastoreItem xmlns:ds="http://schemas.openxmlformats.org/officeDocument/2006/customXml" ds:itemID="{68C57C27-81CC-4DF3-83C1-0C9D94C46E6C}">
+  <ds:schemaRefs>
+    <ds:schemaRef ds:uri="http://schemas.microsoft.com/VisualStudio/2011/storyboarding/control"/>
+  </ds:schemaRefs>
+</ds:datastoreItem>
+</file>
+
+<file path=customXml/itemProps110.xml><?xml version="1.0" encoding="utf-8"?>
+<ds:datastoreItem xmlns:ds="http://schemas.openxmlformats.org/officeDocument/2006/customXml" ds:itemID="{9D057857-66CE-456F-ABBE-654B4BDC09D9}">
+  <ds:schemaRefs>
+    <ds:schemaRef ds:uri="http://schemas.microsoft.com/VisualStudio/2011/storyboarding/control"/>
+  </ds:schemaRefs>
+</ds:datastoreItem>
+</file>
+
+<file path=customXml/itemProps111.xml><?xml version="1.0" encoding="utf-8"?>
+<ds:datastoreItem xmlns:ds="http://schemas.openxmlformats.org/officeDocument/2006/customXml" ds:itemID="{6B85CEAE-CD4E-44B1-A5D2-B71C8922FE48}">
+  <ds:schemaRefs>
+    <ds:schemaRef ds:uri="http://schemas.microsoft.com/VisualStudio/2011/storyboarding/control"/>
+  </ds:schemaRefs>
+</ds:datastoreItem>
+</file>
+
+<file path=customXml/itemProps112.xml><?xml version="1.0" encoding="utf-8"?>
+<ds:datastoreItem xmlns:ds="http://schemas.openxmlformats.org/officeDocument/2006/customXml" ds:itemID="{248004A7-B051-4D44-937B-8D0684BAFF92}">
+  <ds:schemaRefs>
+    <ds:schemaRef ds:uri="http://schemas.microsoft.com/VisualStudio/2011/storyboarding/control"/>
+  </ds:schemaRefs>
+</ds:datastoreItem>
+</file>
+
+<file path=customXml/itemProps113.xml><?xml version="1.0" encoding="utf-8"?>
+<ds:datastoreItem xmlns:ds="http://schemas.openxmlformats.org/officeDocument/2006/customXml" ds:itemID="{0870949C-B431-43A5-A093-CB97B3EC4CEA}">
+  <ds:schemaRefs>
+    <ds:schemaRef ds:uri="http://schemas.microsoft.com/VisualStudio/2011/storyboarding/control"/>
+  </ds:schemaRefs>
+</ds:datastoreItem>
+</file>
+
+<file path=customXml/itemProps114.xml><?xml version="1.0" encoding="utf-8"?>
+<ds:datastoreItem xmlns:ds="http://schemas.openxmlformats.org/officeDocument/2006/customXml" ds:itemID="{9DCC2428-04BD-4107-9707-755AD6440E27}">
+  <ds:schemaRefs>
+    <ds:schemaRef ds:uri="http://schemas.microsoft.com/VisualStudio/2011/storyboarding/control"/>
+  </ds:schemaRefs>
+</ds:datastoreItem>
+</file>
+
+<file path=customXml/itemProps115.xml><?xml version="1.0" encoding="utf-8"?>
+<ds:datastoreItem xmlns:ds="http://schemas.openxmlformats.org/officeDocument/2006/customXml" ds:itemID="{4A798B4E-1C8F-43D3-BA57-1C2548FE0994}">
+  <ds:schemaRefs>
+    <ds:schemaRef ds:uri="http://schemas.microsoft.com/VisualStudio/2011/storyboarding/control"/>
+  </ds:schemaRefs>
+</ds:datastoreItem>
+</file>
+
+<file path=customXml/itemProps116.xml><?xml version="1.0" encoding="utf-8"?>
+<ds:datastoreItem xmlns:ds="http://schemas.openxmlformats.org/officeDocument/2006/customXml" ds:itemID="{8D1EB095-65F0-439A-A38C-3A455E481048}">
+  <ds:schemaRefs>
+    <ds:schemaRef ds:uri="http://schemas.microsoft.com/VisualStudio/2011/storyboarding/control"/>
+  </ds:schemaRefs>
+</ds:datastoreItem>
+</file>
+
+<file path=customXml/itemProps117.xml><?xml version="1.0" encoding="utf-8"?>
+<ds:datastoreItem xmlns:ds="http://schemas.openxmlformats.org/officeDocument/2006/customXml" ds:itemID="{230EA6E8-C2D8-480B-A0B3-6FBF45141447}">
+  <ds:schemaRefs>
+    <ds:schemaRef ds:uri="http://schemas.microsoft.com/VisualStudio/2011/storyboarding/control"/>
+  </ds:schemaRefs>
+</ds:datastoreItem>
+</file>
+
+<file path=customXml/itemProps118.xml><?xml version="1.0" encoding="utf-8"?>
+<ds:datastoreItem xmlns:ds="http://schemas.openxmlformats.org/officeDocument/2006/customXml" ds:itemID="{6DDAE303-8BD7-472B-93F5-C41EC35E2B04}">
+  <ds:schemaRefs>
+    <ds:schemaRef ds:uri="http://schemas.microsoft.com/VisualStudio/2011/storyboarding/control"/>
+  </ds:schemaRefs>
+</ds:datastoreItem>
+</file>
+
+<file path=customXml/itemProps119.xml><?xml version="1.0" encoding="utf-8"?>
+<ds:datastoreItem xmlns:ds="http://schemas.openxmlformats.org/officeDocument/2006/customXml" ds:itemID="{3549F5EB-03E0-4800-ADE0-47727B1CCABD}">
+  <ds:schemaRefs>
+    <ds:schemaRef ds:uri="http://schemas.microsoft.com/VisualStudio/2011/storyboarding/control"/>
+  </ds:schemaRefs>
+</ds:datastoreItem>
+</file>
+
+<file path=customXml/itemProps12.xml><?xml version="1.0" encoding="utf-8"?>
+<ds:datastoreItem xmlns:ds="http://schemas.openxmlformats.org/officeDocument/2006/customXml" ds:itemID="{E9663C27-3FFF-4417-AC3D-383FDE3BC85C}">
+  <ds:schemaRefs>
+    <ds:schemaRef ds:uri="http://schemas.microsoft.com/VisualStudio/2011/storyboarding/control"/>
+  </ds:schemaRefs>
+</ds:datastoreItem>
+</file>
+
+<file path=customXml/itemProps120.xml><?xml version="1.0" encoding="utf-8"?>
+<ds:datastoreItem xmlns:ds="http://schemas.openxmlformats.org/officeDocument/2006/customXml" ds:itemID="{253EE405-832B-48D6-8500-D0F6A51BDB15}">
+  <ds:schemaRefs>
+    <ds:schemaRef ds:uri="http://schemas.microsoft.com/VisualStudio/2011/storyboarding/control"/>
+  </ds:schemaRefs>
+</ds:datastoreItem>
+</file>
+
+<file path=customXml/itemProps121.xml><?xml version="1.0" encoding="utf-8"?>
+<ds:datastoreItem xmlns:ds="http://schemas.openxmlformats.org/officeDocument/2006/customXml" ds:itemID="{1CAC6399-6732-4330-B963-02ABF8500240}">
+  <ds:schemaRefs>
+    <ds:schemaRef ds:uri="http://schemas.microsoft.com/VisualStudio/2011/storyboarding/control"/>
+  </ds:schemaRefs>
+</ds:datastoreItem>
+</file>
+
+<file path=customXml/itemProps122.xml><?xml version="1.0" encoding="utf-8"?>
+<ds:datastoreItem xmlns:ds="http://schemas.openxmlformats.org/officeDocument/2006/customXml" ds:itemID="{860ED1DF-12F7-41CD-AC3D-3D47A69BAF47}">
+  <ds:schemaRefs>
+    <ds:schemaRef ds:uri="http://schemas.microsoft.com/VisualStudio/2011/storyboarding/control"/>
+  </ds:schemaRefs>
+</ds:datastoreItem>
+</file>
+
+<file path=customXml/itemProps123.xml><?xml version="1.0" encoding="utf-8"?>
+<ds:datastoreItem xmlns:ds="http://schemas.openxmlformats.org/officeDocument/2006/customXml" ds:itemID="{BC2B38A2-BD79-41B3-82F7-A0B6256A90A7}">
+  <ds:schemaRefs>
+    <ds:schemaRef ds:uri="http://schemas.microsoft.com/VisualStudio/2011/storyboarding/control"/>
+  </ds:schemaRefs>
+</ds:datastoreItem>
+</file>
+
+<file path=customXml/itemProps124.xml><?xml version="1.0" encoding="utf-8"?>
+<ds:datastoreItem xmlns:ds="http://schemas.openxmlformats.org/officeDocument/2006/customXml" ds:itemID="{DF7457C2-8445-4FA9-8E4C-0A4F370B6BA0}">
+  <ds:schemaRefs>
+    <ds:schemaRef ds:uri="http://schemas.microsoft.com/VisualStudio/2011/storyboarding/control"/>
+  </ds:schemaRefs>
+</ds:datastoreItem>
+</file>
+
+<file path=customXml/itemProps125.xml><?xml version="1.0" encoding="utf-8"?>
+<ds:datastoreItem xmlns:ds="http://schemas.openxmlformats.org/officeDocument/2006/customXml" ds:itemID="{C960899B-A438-4D44-8CCC-F63932F7F14B}">
+  <ds:schemaRefs>
+    <ds:schemaRef ds:uri="http://schemas.microsoft.com/VisualStudio/2011/storyboarding/control"/>
+  </ds:schemaRefs>
+</ds:datastoreItem>
+</file>
+
+<file path=customXml/itemProps126.xml><?xml version="1.0" encoding="utf-8"?>
 <ds:datastoreItem xmlns:ds="http://schemas.openxmlformats.org/officeDocument/2006/customXml" ds:itemID="{6693F96B-A8E8-45B2-BF3A-25E52CAD28E5}">
   <ds:schemaRefs>
     <ds:schemaRef ds:uri="http://schemas.microsoft.com/VisualStudio/2011/storyboarding/control"/>
@@ -32857,39 +33503,7 @@
 </ds:datastoreItem>
 </file>
 
-<file path=customXml/itemProps101.xml><?xml version="1.0" encoding="utf-8"?>
-<ds:datastoreItem xmlns:ds="http://schemas.openxmlformats.org/officeDocument/2006/customXml" ds:itemID="{7A7FFE08-FB89-4DC0-AB73-22D6E49DF620}">
-  <ds:schemaRefs>
-    <ds:schemaRef ds:uri="http://schemas.microsoft.com/VisualStudio/2011/storyboarding/control"/>
-  </ds:schemaRefs>
-</ds:datastoreItem>
-</file>
-
-<file path=customXml/itemProps102.xml><?xml version="1.0" encoding="utf-8"?>
-<ds:datastoreItem xmlns:ds="http://schemas.openxmlformats.org/officeDocument/2006/customXml" ds:itemID="{1AAD5E22-A265-47CB-95BE-32463383E013}">
-  <ds:schemaRefs>
-    <ds:schemaRef ds:uri="http://schemas.microsoft.com/VisualStudio/2011/storyboarding/control"/>
-  </ds:schemaRefs>
-</ds:datastoreItem>
-</file>
-
-<file path=customXml/itemProps103.xml><?xml version="1.0" encoding="utf-8"?>
-<ds:datastoreItem xmlns:ds="http://schemas.openxmlformats.org/officeDocument/2006/customXml" ds:itemID="{2DC25D7B-9CCA-4B96-84EE-5B5C6EB7184F}">
-  <ds:schemaRefs>
-    <ds:schemaRef ds:uri="http://schemas.microsoft.com/VisualStudio/2011/storyboarding/control"/>
-  </ds:schemaRefs>
-</ds:datastoreItem>
-</file>
-
-<file path=customXml/itemProps104.xml><?xml version="1.0" encoding="utf-8"?>
-<ds:datastoreItem xmlns:ds="http://schemas.openxmlformats.org/officeDocument/2006/customXml" ds:itemID="{56C87F8C-97BE-4602-963E-83F9EF83749A}">
-  <ds:schemaRefs>
-    <ds:schemaRef ds:uri="http://schemas.microsoft.com/VisualStudio/2011/storyboarding/control"/>
-  </ds:schemaRefs>
-</ds:datastoreItem>
-</file>
-
-<file path=customXml/itemProps105.xml><?xml version="1.0" encoding="utf-8"?>
+<file path=customXml/itemProps127.xml><?xml version="1.0" encoding="utf-8"?>
 <ds:datastoreItem xmlns:ds="http://schemas.openxmlformats.org/officeDocument/2006/customXml" ds:itemID="{320BB6CA-F995-4496-A410-1FE13C9B3F9C}">
   <ds:schemaRefs>
     <ds:schemaRef ds:uri="http://schemas.microsoft.com/VisualStudio/2011/storyboarding/control"/>
@@ -32897,55 +33511,215 @@
 </ds:datastoreItem>
 </file>
 
-<file path=customXml/itemProps106.xml><?xml version="1.0" encoding="utf-8"?>
-<ds:datastoreItem xmlns:ds="http://schemas.openxmlformats.org/officeDocument/2006/customXml" ds:itemID="{0EBD460A-2EEE-409A-940A-A9CB748CAD66}">
+<file path=customXml/itemProps128.xml><?xml version="1.0" encoding="utf-8"?>
+<ds:datastoreItem xmlns:ds="http://schemas.openxmlformats.org/officeDocument/2006/customXml" ds:itemID="{53BEBFC3-4DE5-43DE-BAC2-5B4F95512008}">
   <ds:schemaRefs>
     <ds:schemaRef ds:uri="http://schemas.microsoft.com/VisualStudio/2011/storyboarding/control"/>
   </ds:schemaRefs>
 </ds:datastoreItem>
 </file>
 
-<file path=customXml/itemProps107.xml><?xml version="1.0" encoding="utf-8"?>
-<ds:datastoreItem xmlns:ds="http://schemas.openxmlformats.org/officeDocument/2006/customXml" ds:itemID="{E07A49A2-F76D-461A-9E32-513A17FF0F86}">
+<file path=customXml/itemProps129.xml><?xml version="1.0" encoding="utf-8"?>
+<ds:datastoreItem xmlns:ds="http://schemas.openxmlformats.org/officeDocument/2006/customXml" ds:itemID="{E9E88B12-E85A-4292-AC28-08728FE452B9}">
   <ds:schemaRefs>
     <ds:schemaRef ds:uri="http://schemas.microsoft.com/VisualStudio/2011/storyboarding/control"/>
   </ds:schemaRefs>
 </ds:datastoreItem>
 </file>
 
-<file path=customXml/itemProps108.xml><?xml version="1.0" encoding="utf-8"?>
-<ds:datastoreItem xmlns:ds="http://schemas.openxmlformats.org/officeDocument/2006/customXml" ds:itemID="{7B05A05C-95CD-4D56-BD02-DED18F84390A}">
+<file path=customXml/itemProps13.xml><?xml version="1.0" encoding="utf-8"?>
+<ds:datastoreItem xmlns:ds="http://schemas.openxmlformats.org/officeDocument/2006/customXml" ds:itemID="{AEF70F83-4700-4E22-8AD7-1FFB82EAE412}">
   <ds:schemaRefs>
     <ds:schemaRef ds:uri="http://schemas.microsoft.com/VisualStudio/2011/storyboarding/control"/>
   </ds:schemaRefs>
 </ds:datastoreItem>
 </file>
 
-<file path=customXml/itemProps109.xml><?xml version="1.0" encoding="utf-8"?>
-<ds:datastoreItem xmlns:ds="http://schemas.openxmlformats.org/officeDocument/2006/customXml" ds:itemID="{988ADB28-05F2-4952-AC28-BD2B58AF155C}">
+<file path=customXml/itemProps130.xml><?xml version="1.0" encoding="utf-8"?>
+<ds:datastoreItem xmlns:ds="http://schemas.openxmlformats.org/officeDocument/2006/customXml" ds:itemID="{EDA7CE4B-D6D1-4674-BD98-10F22632E88C}">
   <ds:schemaRefs>
     <ds:schemaRef ds:uri="http://schemas.microsoft.com/VisualStudio/2011/storyboarding/control"/>
   </ds:schemaRefs>
 </ds:datastoreItem>
 </file>
 
-<file path=customXml/itemProps11.xml><?xml version="1.0" encoding="utf-8"?>
-<ds:datastoreItem xmlns:ds="http://schemas.openxmlformats.org/officeDocument/2006/customXml" ds:itemID="{165FC4D0-2252-4A9C-B420-7BAE0D94A93B}">
+<file path=customXml/itemProps131.xml><?xml version="1.0" encoding="utf-8"?>
+<ds:datastoreItem xmlns:ds="http://schemas.openxmlformats.org/officeDocument/2006/customXml" ds:itemID="{945085E0-0893-4EEB-8346-E4BF9E1D8BA0}">
   <ds:schemaRefs>
     <ds:schemaRef ds:uri="http://schemas.microsoft.com/VisualStudio/2011/storyboarding/control"/>
   </ds:schemaRefs>
 </ds:datastoreItem>
 </file>
 
-<file path=customXml/itemProps110.xml><?xml version="1.0" encoding="utf-8"?>
-<ds:datastoreItem xmlns:ds="http://schemas.openxmlformats.org/officeDocument/2006/customXml" ds:itemID="{6B85CEAE-CD4E-44B1-A5D2-B71C8922FE48}">
+<file path=customXml/itemProps132.xml><?xml version="1.0" encoding="utf-8"?>
+<ds:datastoreItem xmlns:ds="http://schemas.openxmlformats.org/officeDocument/2006/customXml" ds:itemID="{518752C0-478A-40E9-B165-E6A02CF5CDCE}">
   <ds:schemaRefs>
     <ds:schemaRef ds:uri="http://schemas.microsoft.com/VisualStudio/2011/storyboarding/control"/>
   </ds:schemaRefs>
 </ds:datastoreItem>
 </file>
 
-<file path=customXml/itemProps111.xml><?xml version="1.0" encoding="utf-8"?>
+<file path=customXml/itemProps133.xml><?xml version="1.0" encoding="utf-8"?>
+<ds:datastoreItem xmlns:ds="http://schemas.openxmlformats.org/officeDocument/2006/customXml" ds:itemID="{60C68249-7045-4E6B-AE89-025121D76D39}">
+  <ds:schemaRefs>
+    <ds:schemaRef ds:uri="http://schemas.microsoft.com/VisualStudio/2011/storyboarding/control"/>
+  </ds:schemaRefs>
+</ds:datastoreItem>
+</file>
+
+<file path=customXml/itemProps134.xml><?xml version="1.0" encoding="utf-8"?>
+<ds:datastoreItem xmlns:ds="http://schemas.openxmlformats.org/officeDocument/2006/customXml" ds:itemID="{FE299C07-0773-4FA0-8D1A-579A52579B43}">
+  <ds:schemaRefs>
+    <ds:schemaRef ds:uri="http://schemas.microsoft.com/VisualStudio/2011/storyboarding/control"/>
+  </ds:schemaRefs>
+</ds:datastoreItem>
+</file>
+
+<file path=customXml/itemProps135.xml><?xml version="1.0" encoding="utf-8"?>
+<ds:datastoreItem xmlns:ds="http://schemas.openxmlformats.org/officeDocument/2006/customXml" ds:itemID="{9B24E7B2-5FAA-43AF-9928-BC7CFE1FCAD4}">
+  <ds:schemaRefs>
+    <ds:schemaRef ds:uri="http://schemas.microsoft.com/VisualStudio/2011/storyboarding/control"/>
+  </ds:schemaRefs>
+</ds:datastoreItem>
+</file>
+
+<file path=customXml/itemProps136.xml><?xml version="1.0" encoding="utf-8"?>
+<ds:datastoreItem xmlns:ds="http://schemas.openxmlformats.org/officeDocument/2006/customXml" ds:itemID="{05D253F5-66A7-4B78-947C-63A86D4258F9}">
+  <ds:schemaRefs>
+    <ds:schemaRef ds:uri="http://schemas.microsoft.com/VisualStudio/2011/storyboarding/control"/>
+  </ds:schemaRefs>
+</ds:datastoreItem>
+</file>
+
+<file path=customXml/itemProps137.xml><?xml version="1.0" encoding="utf-8"?>
+<ds:datastoreItem xmlns:ds="http://schemas.openxmlformats.org/officeDocument/2006/customXml" ds:itemID="{0B46C772-747A-45A0-B22D-34AA2623BBD2}">
+  <ds:schemaRefs>
+    <ds:schemaRef ds:uri="http://schemas.microsoft.com/VisualStudio/2011/storyboarding/control"/>
+  </ds:schemaRefs>
+</ds:datastoreItem>
+</file>
+
+<file path=customXml/itemProps138.xml><?xml version="1.0" encoding="utf-8"?>
+<ds:datastoreItem xmlns:ds="http://schemas.openxmlformats.org/officeDocument/2006/customXml" ds:itemID="{47CEDDF1-F640-4264-8C3D-BAA2C418AD72}">
+  <ds:schemaRefs>
+    <ds:schemaRef ds:uri="http://schemas.microsoft.com/VisualStudio/2011/storyboarding/control"/>
+  </ds:schemaRefs>
+</ds:datastoreItem>
+</file>
+
+<file path=customXml/itemProps139.xml><?xml version="1.0" encoding="utf-8"?>
+<ds:datastoreItem xmlns:ds="http://schemas.openxmlformats.org/officeDocument/2006/customXml" ds:itemID="{2F74691C-D5AA-40DA-97AB-FE01A539C04A}">
+  <ds:schemaRefs>
+    <ds:schemaRef ds:uri="http://schemas.microsoft.com/VisualStudio/2011/storyboarding/control"/>
+  </ds:schemaRefs>
+</ds:datastoreItem>
+</file>
+
+<file path=customXml/itemProps14.xml><?xml version="1.0" encoding="utf-8"?>
+<ds:datastoreItem xmlns:ds="http://schemas.openxmlformats.org/officeDocument/2006/customXml" ds:itemID="{0BEFCE92-22E0-43FD-8239-2694E8ACCB88}">
+  <ds:schemaRefs>
+    <ds:schemaRef ds:uri="http://schemas.microsoft.com/VisualStudio/2011/storyboarding/control"/>
+  </ds:schemaRefs>
+</ds:datastoreItem>
+</file>
+
+<file path=customXml/itemProps140.xml><?xml version="1.0" encoding="utf-8"?>
+<ds:datastoreItem xmlns:ds="http://schemas.openxmlformats.org/officeDocument/2006/customXml" ds:itemID="{0366E824-7EF4-42AC-8B52-EB5A5245210D}">
+  <ds:schemaRefs>
+    <ds:schemaRef ds:uri="http://schemas.microsoft.com/VisualStudio/2011/storyboarding/control"/>
+  </ds:schemaRefs>
+</ds:datastoreItem>
+</file>
+
+<file path=customXml/itemProps141.xml><?xml version="1.0" encoding="utf-8"?>
+<ds:datastoreItem xmlns:ds="http://schemas.openxmlformats.org/officeDocument/2006/customXml" ds:itemID="{A7B77CF9-0838-4CB4-B143-D45DF598F832}">
+  <ds:schemaRefs>
+    <ds:schemaRef ds:uri="http://schemas.microsoft.com/VisualStudio/2011/storyboarding/control"/>
+  </ds:schemaRefs>
+</ds:datastoreItem>
+</file>
+
+<file path=customXml/itemProps142.xml><?xml version="1.0" encoding="utf-8"?>
+<ds:datastoreItem xmlns:ds="http://schemas.openxmlformats.org/officeDocument/2006/customXml" ds:itemID="{6B929A03-703C-44E6-9E22-D24F2EDCF6F2}">
+  <ds:schemaRefs>
+    <ds:schemaRef ds:uri="http://schemas.microsoft.com/VisualStudio/2011/storyboarding/control"/>
+  </ds:schemaRefs>
+</ds:datastoreItem>
+</file>
+
+<file path=customXml/itemProps143.xml><?xml version="1.0" encoding="utf-8"?>
+<ds:datastoreItem xmlns:ds="http://schemas.openxmlformats.org/officeDocument/2006/customXml" ds:itemID="{70B98886-1880-41A9-9E3B-3EF872BECBA4}">
+  <ds:schemaRefs>
+    <ds:schemaRef ds:uri="http://schemas.microsoft.com/VisualStudio/2011/storyboarding/control"/>
+  </ds:schemaRefs>
+</ds:datastoreItem>
+</file>
+
+<file path=customXml/itemProps144.xml><?xml version="1.0" encoding="utf-8"?>
+<ds:datastoreItem xmlns:ds="http://schemas.openxmlformats.org/officeDocument/2006/customXml" ds:itemID="{B8581022-1575-427D-AFD8-65EC46CA6B82}">
+  <ds:schemaRefs>
+    <ds:schemaRef ds:uri="http://schemas.microsoft.com/VisualStudio/2011/storyboarding/control"/>
+  </ds:schemaRefs>
+</ds:datastoreItem>
+</file>
+
+<file path=customXml/itemProps145.xml><?xml version="1.0" encoding="utf-8"?>
+<ds:datastoreItem xmlns:ds="http://schemas.openxmlformats.org/officeDocument/2006/customXml" ds:itemID="{558E35BB-D751-451F-B60F-043B4048C63F}">
+  <ds:schemaRefs>
+    <ds:schemaRef ds:uri="http://schemas.microsoft.com/VisualStudio/2011/storyboarding/control"/>
+  </ds:schemaRefs>
+</ds:datastoreItem>
+</file>
+
+<file path=customXml/itemProps146.xml><?xml version="1.0" encoding="utf-8"?>
+<ds:datastoreItem xmlns:ds="http://schemas.openxmlformats.org/officeDocument/2006/customXml" ds:itemID="{2195D455-7A95-4EAE-A9E7-A402096C1047}">
+  <ds:schemaRefs>
+    <ds:schemaRef ds:uri="http://schemas.microsoft.com/VisualStudio/2011/storyboarding/control"/>
+  </ds:schemaRefs>
+</ds:datastoreItem>
+</file>
+
+<file path=customXml/itemProps147.xml><?xml version="1.0" encoding="utf-8"?>
+<ds:datastoreItem xmlns:ds="http://schemas.openxmlformats.org/officeDocument/2006/customXml" ds:itemID="{961AABDC-3706-4EAF-A783-B70448E2BA8C}">
+  <ds:schemaRefs>
+    <ds:schemaRef ds:uri="http://schemas.microsoft.com/VisualStudio/2011/storyboarding/control"/>
+  </ds:schemaRefs>
+</ds:datastoreItem>
+</file>
+
+<file path=customXml/itemProps148.xml><?xml version="1.0" encoding="utf-8"?>
+<ds:datastoreItem xmlns:ds="http://schemas.openxmlformats.org/officeDocument/2006/customXml" ds:itemID="{67D13DAD-264E-4CF4-8001-60B63768083D}">
+  <ds:schemaRefs>
+    <ds:schemaRef ds:uri="http://schemas.microsoft.com/VisualStudio/2011/storyboarding/control"/>
+  </ds:schemaRefs>
+</ds:datastoreItem>
+</file>
+
+<file path=customXml/itemProps149.xml><?xml version="1.0" encoding="utf-8"?>
+<ds:datastoreItem xmlns:ds="http://schemas.openxmlformats.org/officeDocument/2006/customXml" ds:itemID="{67571EB3-FA0F-4C8D-A867-02E1B603E11B}">
+  <ds:schemaRefs>
+    <ds:schemaRef ds:uri="http://schemas.microsoft.com/VisualStudio/2011/storyboarding/control"/>
+  </ds:schemaRefs>
+</ds:datastoreItem>
+</file>
+
+<file path=customXml/itemProps15.xml><?xml version="1.0" encoding="utf-8"?>
+<ds:datastoreItem xmlns:ds="http://schemas.openxmlformats.org/officeDocument/2006/customXml" ds:itemID="{50E4F24D-6148-4E79-9D1B-789E7A7F574B}">
+  <ds:schemaRefs>
+    <ds:schemaRef ds:uri="http://schemas.microsoft.com/VisualStudio/2011/storyboarding/control"/>
+  </ds:schemaRefs>
+</ds:datastoreItem>
+</file>
+
+<file path=customXml/itemProps150.xml><?xml version="1.0" encoding="utf-8"?>
+<ds:datastoreItem xmlns:ds="http://schemas.openxmlformats.org/officeDocument/2006/customXml" ds:itemID="{5157BFAC-8AEF-4DCB-83E8-49C162CA8BA7}">
+  <ds:schemaRefs>
+    <ds:schemaRef ds:uri="http://schemas.microsoft.com/VisualStudio/2011/storyboarding/control"/>
+  </ds:schemaRefs>
+</ds:datastoreItem>
+</file>
+
+<file path=customXml/itemProps151.xml><?xml version="1.0" encoding="utf-8"?>
 <ds:datastoreItem xmlns:ds="http://schemas.openxmlformats.org/officeDocument/2006/customXml" ds:itemID="{FCD2F269-1384-4D7B-AEDD-2CE799551A7A}">
   <ds:schemaRefs>
     <ds:schemaRef ds:uri="http://schemas.microsoft.com/VisualStudio/2011/storyboarding/control"/>
@@ -32953,360 +33727,8 @@
 </ds:datastoreItem>
 </file>
 
-<file path=customXml/itemProps112.xml><?xml version="1.0" encoding="utf-8"?>
-<ds:datastoreItem xmlns:ds="http://schemas.openxmlformats.org/officeDocument/2006/customXml" ds:itemID="{EE5291B8-B796-47C0-BA38-D31E569A04FF}">
-  <ds:schemaRefs>
-    <ds:schemaRef ds:uri="http://schemas.microsoft.com/VisualStudio/2011/storyboarding/control"/>
-  </ds:schemaRefs>
-</ds:datastoreItem>
-</file>
-
-<file path=customXml/itemProps113.xml><?xml version="1.0" encoding="utf-8"?>
-<ds:datastoreItem xmlns:ds="http://schemas.openxmlformats.org/officeDocument/2006/customXml" ds:itemID="{B31DF4D8-D32E-43DA-9781-409FBF615481}">
-  <ds:schemaRefs>
-    <ds:schemaRef ds:uri="http://schemas.microsoft.com/VisualStudio/2011/storyboarding/control"/>
-  </ds:schemaRefs>
-</ds:datastoreItem>
-</file>
-
-<file path=customXml/itemProps114.xml><?xml version="1.0" encoding="utf-8"?>
-<ds:datastoreItem xmlns:ds="http://schemas.openxmlformats.org/officeDocument/2006/customXml" ds:itemID="{8F35E91C-5A08-4C0D-9D08-2322CAAD43DB}">
-  <ds:schemaRefs>
-    <ds:schemaRef ds:uri="http://schemas.microsoft.com/VisualStudio/2011/storyboarding/control"/>
-  </ds:schemaRefs>
-</ds:datastoreItem>
-</file>
-
-<file path=customXml/itemProps115.xml><?xml version="1.0" encoding="utf-8"?>
-<ds:datastoreItem xmlns:ds="http://schemas.openxmlformats.org/officeDocument/2006/customXml" ds:itemID="{248004A7-B051-4D44-937B-8D0684BAFF92}">
-  <ds:schemaRefs>
-    <ds:schemaRef ds:uri="http://schemas.microsoft.com/VisualStudio/2011/storyboarding/control"/>
-  </ds:schemaRefs>
-</ds:datastoreItem>
-</file>
-
-<file path=customXml/itemProps116.xml><?xml version="1.0" encoding="utf-8"?>
-<ds:datastoreItem xmlns:ds="http://schemas.openxmlformats.org/officeDocument/2006/customXml" ds:itemID="{70B98886-1880-41A9-9E3B-3EF872BECBA4}">
-  <ds:schemaRefs>
-    <ds:schemaRef ds:uri="http://schemas.microsoft.com/VisualStudio/2011/storyboarding/control"/>
-  </ds:schemaRefs>
-</ds:datastoreItem>
-</file>
-
-<file path=customXml/itemProps117.xml><?xml version="1.0" encoding="utf-8"?>
-<ds:datastoreItem xmlns:ds="http://schemas.openxmlformats.org/officeDocument/2006/customXml" ds:itemID="{A73616A3-615A-4C91-B050-48A3D437BF64}">
-  <ds:schemaRefs>
-    <ds:schemaRef ds:uri="http://schemas.microsoft.com/VisualStudio/2011/storyboarding/control"/>
-  </ds:schemaRefs>
-</ds:datastoreItem>
-</file>
-
-<file path=customXml/itemProps118.xml><?xml version="1.0" encoding="utf-8"?>
-<ds:datastoreItem xmlns:ds="http://schemas.openxmlformats.org/officeDocument/2006/customXml" ds:itemID="{0248ABD6-B885-493E-831E-FF3439D78212}">
-  <ds:schemaRefs>
-    <ds:schemaRef ds:uri="http://schemas.microsoft.com/VisualStudio/2011/storyboarding/control"/>
-  </ds:schemaRefs>
-</ds:datastoreItem>
-</file>
-
-<file path=customXml/itemProps119.xml><?xml version="1.0" encoding="utf-8"?>
-<ds:datastoreItem xmlns:ds="http://schemas.openxmlformats.org/officeDocument/2006/customXml" ds:itemID="{0A56F9D1-E64A-4421-AE00-85CEFE039966}">
-  <ds:schemaRefs>
-    <ds:schemaRef ds:uri="http://schemas.microsoft.com/VisualStudio/2011/storyboarding/control"/>
-  </ds:schemaRefs>
-</ds:datastoreItem>
-</file>
-
-<file path=customXml/itemProps12.xml><?xml version="1.0" encoding="utf-8"?>
-<ds:datastoreItem xmlns:ds="http://schemas.openxmlformats.org/officeDocument/2006/customXml" ds:itemID="{A694FD44-683D-4E92-9098-79FE270A6520}">
-  <ds:schemaRefs>
-    <ds:schemaRef ds:uri="http://schemas.microsoft.com/VisualStudio/2011/storyboarding/control"/>
-  </ds:schemaRefs>
-</ds:datastoreItem>
-</file>
-
-<file path=customXml/itemProps120.xml><?xml version="1.0" encoding="utf-8"?>
-<ds:datastoreItem xmlns:ds="http://schemas.openxmlformats.org/officeDocument/2006/customXml" ds:itemID="{182F9DC1-0FE6-44F8-BA1F-BBCE29B65CC3}">
-  <ds:schemaRefs>
-    <ds:schemaRef ds:uri="http://schemas.microsoft.com/VisualStudio/2011/storyboarding/control"/>
-  </ds:schemaRefs>
-</ds:datastoreItem>
-</file>
-
-<file path=customXml/itemProps121.xml><?xml version="1.0" encoding="utf-8"?>
-<ds:datastoreItem xmlns:ds="http://schemas.openxmlformats.org/officeDocument/2006/customXml" ds:itemID="{05D253F5-66A7-4B78-947C-63A86D4258F9}">
-  <ds:schemaRefs>
-    <ds:schemaRef ds:uri="http://schemas.microsoft.com/VisualStudio/2011/storyboarding/control"/>
-  </ds:schemaRefs>
-</ds:datastoreItem>
-</file>
-
-<file path=customXml/itemProps122.xml><?xml version="1.0" encoding="utf-8"?>
-<ds:datastoreItem xmlns:ds="http://schemas.openxmlformats.org/officeDocument/2006/customXml" ds:itemID="{2994E0FB-51A3-4133-808B-607A2131C2E8}">
-  <ds:schemaRefs>
-    <ds:schemaRef ds:uri="http://schemas.microsoft.com/VisualStudio/2011/storyboarding/control"/>
-  </ds:schemaRefs>
-</ds:datastoreItem>
-</file>
-
-<file path=customXml/itemProps123.xml><?xml version="1.0" encoding="utf-8"?>
-<ds:datastoreItem xmlns:ds="http://schemas.openxmlformats.org/officeDocument/2006/customXml" ds:itemID="{23285ABE-ADF8-4941-944E-DE50CE29D21D}">
-  <ds:schemaRefs>
-    <ds:schemaRef ds:uri="http://schemas.microsoft.com/VisualStudio/2011/storyboarding/control"/>
-  </ds:schemaRefs>
-</ds:datastoreItem>
-</file>
-
-<file path=customXml/itemProps124.xml><?xml version="1.0" encoding="utf-8"?>
-<ds:datastoreItem xmlns:ds="http://schemas.openxmlformats.org/officeDocument/2006/customXml" ds:itemID="{A4A0B5EA-BBEE-4DCF-991E-2DF6BD74FBAB}">
-  <ds:schemaRefs>
-    <ds:schemaRef ds:uri="http://schemas.microsoft.com/VisualStudio/2011/storyboarding/control"/>
-  </ds:schemaRefs>
-</ds:datastoreItem>
-</file>
-
-<file path=customXml/itemProps125.xml><?xml version="1.0" encoding="utf-8"?>
-<ds:datastoreItem xmlns:ds="http://schemas.openxmlformats.org/officeDocument/2006/customXml" ds:itemID="{E5E2B166-B97D-4788-837F-1FC5EABE7C64}">
-  <ds:schemaRefs>
-    <ds:schemaRef ds:uri="http://schemas.microsoft.com/VisualStudio/2011/storyboarding/control"/>
-  </ds:schemaRefs>
-</ds:datastoreItem>
-</file>
-
-<file path=customXml/itemProps126.xml><?xml version="1.0" encoding="utf-8"?>
-<ds:datastoreItem xmlns:ds="http://schemas.openxmlformats.org/officeDocument/2006/customXml" ds:itemID="{53BEBFC3-4DE5-43DE-BAC2-5B4F95512008}">
-  <ds:schemaRefs>
-    <ds:schemaRef ds:uri="http://schemas.microsoft.com/VisualStudio/2011/storyboarding/control"/>
-  </ds:schemaRefs>
-</ds:datastoreItem>
-</file>
-
-<file path=customXml/itemProps127.xml><?xml version="1.0" encoding="utf-8"?>
-<ds:datastoreItem xmlns:ds="http://schemas.openxmlformats.org/officeDocument/2006/customXml" ds:itemID="{27F58D88-58AF-415E-91E4-46E925A341F1}">
-  <ds:schemaRefs>
-    <ds:schemaRef ds:uri="http://schemas.microsoft.com/VisualStudio/2011/storyboarding/control"/>
-  </ds:schemaRefs>
-</ds:datastoreItem>
-</file>
-
-<file path=customXml/itemProps128.xml><?xml version="1.0" encoding="utf-8"?>
-<ds:datastoreItem xmlns:ds="http://schemas.openxmlformats.org/officeDocument/2006/customXml" ds:itemID="{DC7498A8-C4C5-4B57-BDF3-4DF975C026E0}">
-  <ds:schemaRefs>
-    <ds:schemaRef ds:uri="http://schemas.microsoft.com/VisualStudio/2011/storyboarding/control"/>
-  </ds:schemaRefs>
-</ds:datastoreItem>
-</file>
-
-<file path=customXml/itemProps129.xml><?xml version="1.0" encoding="utf-8"?>
-<ds:datastoreItem xmlns:ds="http://schemas.openxmlformats.org/officeDocument/2006/customXml" ds:itemID="{99B098C4-1206-4F65-8C53-4004C97A4F24}">
-  <ds:schemaRefs>
-    <ds:schemaRef ds:uri="http://schemas.microsoft.com/VisualStudio/2011/storyboarding/control"/>
-  </ds:schemaRefs>
-</ds:datastoreItem>
-</file>
-
-<file path=customXml/itemProps13.xml><?xml version="1.0" encoding="utf-8"?>
-<ds:datastoreItem xmlns:ds="http://schemas.openxmlformats.org/officeDocument/2006/customXml" ds:itemID="{8AB21784-DCD5-4DDE-ADA2-E306BC4E6017}">
-  <ds:schemaRefs>
-    <ds:schemaRef ds:uri="http://schemas.microsoft.com/VisualStudio/2011/storyboarding/control"/>
-  </ds:schemaRefs>
-</ds:datastoreItem>
-</file>
-
-<file path=customXml/itemProps130.xml><?xml version="1.0" encoding="utf-8"?>
-<ds:datastoreItem xmlns:ds="http://schemas.openxmlformats.org/officeDocument/2006/customXml" ds:itemID="{21A4F40C-98AD-41FA-91F7-96E35A555965}">
-  <ds:schemaRefs>
-    <ds:schemaRef ds:uri="http://schemas.microsoft.com/VisualStudio/2011/storyboarding/control"/>
-  </ds:schemaRefs>
-</ds:datastoreItem>
-</file>
-
-<file path=customXml/itemProps131.xml><?xml version="1.0" encoding="utf-8"?>
-<ds:datastoreItem xmlns:ds="http://schemas.openxmlformats.org/officeDocument/2006/customXml" ds:itemID="{0870949C-B431-43A5-A093-CB97B3EC4CEA}">
-  <ds:schemaRefs>
-    <ds:schemaRef ds:uri="http://schemas.microsoft.com/VisualStudio/2011/storyboarding/control"/>
-  </ds:schemaRefs>
-</ds:datastoreItem>
-</file>
-
-<file path=customXml/itemProps132.xml><?xml version="1.0" encoding="utf-8"?>
+<file path=customXml/itemProps152.xml><?xml version="1.0" encoding="utf-8"?>
 <ds:datastoreItem xmlns:ds="http://schemas.openxmlformats.org/officeDocument/2006/customXml" ds:itemID="{235B06BC-58CE-4FAD-98F9-2E5658AB928C}">
-  <ds:schemaRefs>
-    <ds:schemaRef ds:uri="http://schemas.microsoft.com/VisualStudio/2011/storyboarding/control"/>
-  </ds:schemaRefs>
-</ds:datastoreItem>
-</file>
-
-<file path=customXml/itemProps133.xml><?xml version="1.0" encoding="utf-8"?>
-<ds:datastoreItem xmlns:ds="http://schemas.openxmlformats.org/officeDocument/2006/customXml" ds:itemID="{68C57C27-81CC-4DF3-83C1-0C9D94C46E6C}">
-  <ds:schemaRefs>
-    <ds:schemaRef ds:uri="http://schemas.microsoft.com/VisualStudio/2011/storyboarding/control"/>
-  </ds:schemaRefs>
-</ds:datastoreItem>
-</file>
-
-<file path=customXml/itemProps134.xml><?xml version="1.0" encoding="utf-8"?>
-<ds:datastoreItem xmlns:ds="http://schemas.openxmlformats.org/officeDocument/2006/customXml" ds:itemID="{64A0BB21-4EFE-4DB9-AF5D-F0B5D0A65942}">
-  <ds:schemaRefs>
-    <ds:schemaRef ds:uri="http://schemas.microsoft.com/VisualStudio/2011/storyboarding/control"/>
-  </ds:schemaRefs>
-</ds:datastoreItem>
-</file>
-
-<file path=customXml/itemProps135.xml><?xml version="1.0" encoding="utf-8"?>
-<ds:datastoreItem xmlns:ds="http://schemas.openxmlformats.org/officeDocument/2006/customXml" ds:itemID="{7A18F3D0-7CBD-42BC-A744-729340D86F9E}">
-  <ds:schemaRefs>
-    <ds:schemaRef ds:uri="http://schemas.microsoft.com/VisualStudio/2011/storyboarding/control"/>
-  </ds:schemaRefs>
-</ds:datastoreItem>
-</file>
-
-<file path=customXml/itemProps136.xml><?xml version="1.0" encoding="utf-8"?>
-<ds:datastoreItem xmlns:ds="http://schemas.openxmlformats.org/officeDocument/2006/customXml" ds:itemID="{9DCC2428-04BD-4107-9707-755AD6440E27}">
-  <ds:schemaRefs>
-    <ds:schemaRef ds:uri="http://schemas.microsoft.com/VisualStudio/2011/storyboarding/control"/>
-  </ds:schemaRefs>
-</ds:datastoreItem>
-</file>
-
-<file path=customXml/itemProps137.xml><?xml version="1.0" encoding="utf-8"?>
-<ds:datastoreItem xmlns:ds="http://schemas.openxmlformats.org/officeDocument/2006/customXml" ds:itemID="{B8581022-1575-427D-AFD8-65EC46CA6B82}">
-  <ds:schemaRefs>
-    <ds:schemaRef ds:uri="http://schemas.microsoft.com/VisualStudio/2011/storyboarding/control"/>
-  </ds:schemaRefs>
-</ds:datastoreItem>
-</file>
-
-<file path=customXml/itemProps138.xml><?xml version="1.0" encoding="utf-8"?>
-<ds:datastoreItem xmlns:ds="http://schemas.openxmlformats.org/officeDocument/2006/customXml" ds:itemID="{E9663C27-3FFF-4417-AC3D-383FDE3BC85C}">
-  <ds:schemaRefs>
-    <ds:schemaRef ds:uri="http://schemas.microsoft.com/VisualStudio/2011/storyboarding/control"/>
-  </ds:schemaRefs>
-</ds:datastoreItem>
-</file>
-
-<file path=customXml/itemProps139.xml><?xml version="1.0" encoding="utf-8"?>
-<ds:datastoreItem xmlns:ds="http://schemas.openxmlformats.org/officeDocument/2006/customXml" ds:itemID="{3BEE9000-DA5F-4AB1-B8E0-DBCF68584900}">
-  <ds:schemaRefs>
-    <ds:schemaRef ds:uri="http://schemas.microsoft.com/VisualStudio/2011/storyboarding/control"/>
-  </ds:schemaRefs>
-</ds:datastoreItem>
-</file>
-
-<file path=customXml/itemProps14.xml><?xml version="1.0" encoding="utf-8"?>
-<ds:datastoreItem xmlns:ds="http://schemas.openxmlformats.org/officeDocument/2006/customXml" ds:itemID="{1CAC6399-6732-4330-B963-02ABF8500240}">
-  <ds:schemaRefs>
-    <ds:schemaRef ds:uri="http://schemas.microsoft.com/VisualStudio/2011/storyboarding/control"/>
-  </ds:schemaRefs>
-</ds:datastoreItem>
-</file>
-
-<file path=customXml/itemProps140.xml><?xml version="1.0" encoding="utf-8"?>
-<ds:datastoreItem xmlns:ds="http://schemas.openxmlformats.org/officeDocument/2006/customXml" ds:itemID="{0EC1D66B-B4A6-439F-B29D-2041C4020266}">
-  <ds:schemaRefs>
-    <ds:schemaRef ds:uri="http://schemas.microsoft.com/VisualStudio/2011/storyboarding/control"/>
-  </ds:schemaRefs>
-</ds:datastoreItem>
-</file>
-
-<file path=customXml/itemProps141.xml><?xml version="1.0" encoding="utf-8"?>
-<ds:datastoreItem xmlns:ds="http://schemas.openxmlformats.org/officeDocument/2006/customXml" ds:itemID="{214BD403-EC7B-4CB1-8CFA-9CFDDF13C0A3}">
-  <ds:schemaRefs>
-    <ds:schemaRef ds:uri="http://schemas.microsoft.com/VisualStudio/2011/storyboarding/control"/>
-  </ds:schemaRefs>
-</ds:datastoreItem>
-</file>
-
-<file path=customXml/itemProps142.xml><?xml version="1.0" encoding="utf-8"?>
-<ds:datastoreItem xmlns:ds="http://schemas.openxmlformats.org/officeDocument/2006/customXml" ds:itemID="{0B46C772-747A-45A0-B22D-34AA2623BBD2}">
-  <ds:schemaRefs>
-    <ds:schemaRef ds:uri="http://schemas.microsoft.com/VisualStudio/2011/storyboarding/control"/>
-  </ds:schemaRefs>
-</ds:datastoreItem>
-</file>
-
-<file path=customXml/itemProps143.xml><?xml version="1.0" encoding="utf-8"?>
-<ds:datastoreItem xmlns:ds="http://schemas.openxmlformats.org/officeDocument/2006/customXml" ds:itemID="{CDA84F6D-C59E-4790-8D7F-47A5021A6EF2}">
-  <ds:schemaRefs>
-    <ds:schemaRef ds:uri="http://schemas.microsoft.com/VisualStudio/2011/storyboarding/control"/>
-  </ds:schemaRefs>
-</ds:datastoreItem>
-</file>
-
-<file path=customXml/itemProps144.xml><?xml version="1.0" encoding="utf-8"?>
-<ds:datastoreItem xmlns:ds="http://schemas.openxmlformats.org/officeDocument/2006/customXml" ds:itemID="{A1569773-7D4A-4EF1-8568-9A6F343CEEC1}">
-  <ds:schemaRefs>
-    <ds:schemaRef ds:uri="http://schemas.microsoft.com/VisualStudio/2011/storyboarding/control"/>
-  </ds:schemaRefs>
-</ds:datastoreItem>
-</file>
-
-<file path=customXml/itemProps145.xml><?xml version="1.0" encoding="utf-8"?>
-<ds:datastoreItem xmlns:ds="http://schemas.openxmlformats.org/officeDocument/2006/customXml" ds:itemID="{2D5B7644-2E08-4084-A104-AE34B74C5305}">
-  <ds:schemaRefs>
-    <ds:schemaRef ds:uri="http://schemas.microsoft.com/VisualStudio/2011/storyboarding/control"/>
-  </ds:schemaRefs>
-</ds:datastoreItem>
-</file>
-
-<file path=customXml/itemProps146.xml><?xml version="1.0" encoding="utf-8"?>
-<ds:datastoreItem xmlns:ds="http://schemas.openxmlformats.org/officeDocument/2006/customXml" ds:itemID="{B8435363-5092-430A-9A3C-4E5226E7F489}">
-  <ds:schemaRefs>
-    <ds:schemaRef ds:uri="http://schemas.microsoft.com/VisualStudio/2011/storyboarding/control"/>
-  </ds:schemaRefs>
-</ds:datastoreItem>
-</file>
-
-<file path=customXml/itemProps147.xml><?xml version="1.0" encoding="utf-8"?>
-<ds:datastoreItem xmlns:ds="http://schemas.openxmlformats.org/officeDocument/2006/customXml" ds:itemID="{E9E88B12-E85A-4292-AC28-08728FE452B9}">
-  <ds:schemaRefs>
-    <ds:schemaRef ds:uri="http://schemas.microsoft.com/VisualStudio/2011/storyboarding/control"/>
-  </ds:schemaRefs>
-</ds:datastoreItem>
-</file>
-
-<file path=customXml/itemProps148.xml><?xml version="1.0" encoding="utf-8"?>
-<ds:datastoreItem xmlns:ds="http://schemas.openxmlformats.org/officeDocument/2006/customXml" ds:itemID="{3D2E394E-A719-4478-BEEA-E59B64F594CA}">
-  <ds:schemaRefs>
-    <ds:schemaRef ds:uri="http://schemas.microsoft.com/VisualStudio/2011/storyboarding/control"/>
-  </ds:schemaRefs>
-</ds:datastoreItem>
-</file>
-
-<file path=customXml/itemProps149.xml><?xml version="1.0" encoding="utf-8"?>
-<ds:datastoreItem xmlns:ds="http://schemas.openxmlformats.org/officeDocument/2006/customXml" ds:itemID="{23D0DB5E-AA4E-482B-960C-2BB1BF797F77}">
-  <ds:schemaRefs>
-    <ds:schemaRef ds:uri="http://schemas.microsoft.com/VisualStudio/2011/storyboarding/control"/>
-  </ds:schemaRefs>
-</ds:datastoreItem>
-</file>
-
-<file path=customXml/itemProps15.xml><?xml version="1.0" encoding="utf-8"?>
-<ds:datastoreItem xmlns:ds="http://schemas.openxmlformats.org/officeDocument/2006/customXml" ds:itemID="{E8BE9F28-5D93-456E-9F48-D01FC7CAB3D1}">
-  <ds:schemaRefs>
-    <ds:schemaRef ds:uri="http://schemas.microsoft.com/VisualStudio/2011/storyboarding/control"/>
-  </ds:schemaRefs>
-</ds:datastoreItem>
-</file>
-
-<file path=customXml/itemProps150.xml><?xml version="1.0" encoding="utf-8"?>
-<ds:datastoreItem xmlns:ds="http://schemas.openxmlformats.org/officeDocument/2006/customXml" ds:itemID="{9398B977-13F3-47D9-BD2D-A59F38209035}">
-  <ds:schemaRefs>
-    <ds:schemaRef ds:uri="http://schemas.microsoft.com/VisualStudio/2011/storyboarding/control"/>
-  </ds:schemaRefs>
-</ds:datastoreItem>
-</file>
-
-<file path=customXml/itemProps151.xml><?xml version="1.0" encoding="utf-8"?>
-<ds:datastoreItem xmlns:ds="http://schemas.openxmlformats.org/officeDocument/2006/customXml" ds:itemID="{55E77807-A985-4E43-B142-ACDB4C8ABA91}">
-  <ds:schemaRefs>
-    <ds:schemaRef ds:uri="http://schemas.microsoft.com/VisualStudio/2011/storyboarding/control"/>
-  </ds:schemaRefs>
-</ds:datastoreItem>
-</file>
-
-<file path=customXml/itemProps152.xml><?xml version="1.0" encoding="utf-8"?>
-<ds:datastoreItem xmlns:ds="http://schemas.openxmlformats.org/officeDocument/2006/customXml" ds:itemID="{6DDAE303-8BD7-472B-93F5-C41EC35E2B04}">
   <ds:schemaRefs>
     <ds:schemaRef ds:uri="http://schemas.microsoft.com/VisualStudio/2011/storyboarding/control"/>
   </ds:schemaRefs>
@@ -33322,7 +33744,7 @@
 </file>
 
 <file path=customXml/itemProps154.xml><?xml version="1.0" encoding="utf-8"?>
-<ds:datastoreItem xmlns:ds="http://schemas.openxmlformats.org/officeDocument/2006/customXml" ds:itemID="{AEF70F83-4700-4E22-8AD7-1FFB82EAE412}">
+<ds:datastoreItem xmlns:ds="http://schemas.openxmlformats.org/officeDocument/2006/customXml" ds:itemID="{E8BE9F28-5D93-456E-9F48-D01FC7CAB3D1}">
   <ds:schemaRefs>
     <ds:schemaRef ds:uri="http://schemas.microsoft.com/VisualStudio/2011/storyboarding/control"/>
   </ds:schemaRefs>
@@ -33330,7 +33752,7 @@
 </file>
 
 <file path=customXml/itemProps155.xml><?xml version="1.0" encoding="utf-8"?>
-<ds:datastoreItem xmlns:ds="http://schemas.openxmlformats.org/officeDocument/2006/customXml" ds:itemID="{BF7121C5-FE8B-44C9-B65F-3C64C85F8C81}">
+<ds:datastoreItem xmlns:ds="http://schemas.openxmlformats.org/officeDocument/2006/customXml" ds:itemID="{AB2C5266-A809-4630-A80F-57ECBE121C80}">
   <ds:schemaRefs>
     <ds:schemaRef ds:uri="http://schemas.microsoft.com/VisualStudio/2011/storyboarding/control"/>
   </ds:schemaRefs>
@@ -33338,7 +33760,7 @@
 </file>
 
 <file path=customXml/itemProps156.xml><?xml version="1.0" encoding="utf-8"?>
-<ds:datastoreItem xmlns:ds="http://schemas.openxmlformats.org/officeDocument/2006/customXml" ds:itemID="{4810F662-2A18-47BF-912B-DBA959C0EF5F}">
+<ds:datastoreItem xmlns:ds="http://schemas.openxmlformats.org/officeDocument/2006/customXml" ds:itemID="{FC6911CC-18AC-4072-B2A0-2FD713CE1B1B}">
   <ds:schemaRefs>
     <ds:schemaRef ds:uri="http://schemas.microsoft.com/VisualStudio/2011/storyboarding/control"/>
   </ds:schemaRefs>
@@ -33346,7 +33768,7 @@
 </file>
 
 <file path=customXml/itemProps157.xml><?xml version="1.0" encoding="utf-8"?>
-<ds:datastoreItem xmlns:ds="http://schemas.openxmlformats.org/officeDocument/2006/customXml" ds:itemID="{4A798B4E-1C8F-43D3-BA57-1C2548FE0994}">
+<ds:datastoreItem xmlns:ds="http://schemas.openxmlformats.org/officeDocument/2006/customXml" ds:itemID="{0EBD460A-2EEE-409A-940A-A9CB748CAD66}">
   <ds:schemaRefs>
     <ds:schemaRef ds:uri="http://schemas.microsoft.com/VisualStudio/2011/storyboarding/control"/>
   </ds:schemaRefs>
@@ -33354,7 +33776,7 @@
 </file>
 
 <file path=customXml/itemProps158.xml><?xml version="1.0" encoding="utf-8"?>
-<ds:datastoreItem xmlns:ds="http://schemas.openxmlformats.org/officeDocument/2006/customXml" ds:itemID="{558E35BB-D751-451F-B60F-043B4048C63F}">
+<ds:datastoreItem xmlns:ds="http://schemas.openxmlformats.org/officeDocument/2006/customXml" ds:itemID="{27F58D88-58AF-415E-91E4-46E925A341F1}">
   <ds:schemaRefs>
     <ds:schemaRef ds:uri="http://schemas.microsoft.com/VisualStudio/2011/storyboarding/control"/>
   </ds:schemaRefs>
@@ -33362,7 +33784,7 @@
 </file>
 
 <file path=customXml/itemProps159.xml><?xml version="1.0" encoding="utf-8"?>
-<ds:datastoreItem xmlns:ds="http://schemas.openxmlformats.org/officeDocument/2006/customXml" ds:itemID="{0BEFCE92-22E0-43FD-8239-2694E8ACCB88}">
+<ds:datastoreItem xmlns:ds="http://schemas.openxmlformats.org/officeDocument/2006/customXml" ds:itemID="{9FF0AB84-2314-4D73-9ABD-6CA74066B7EE}">
   <ds:schemaRefs>
     <ds:schemaRef ds:uri="http://schemas.microsoft.com/VisualStudio/2011/storyboarding/control"/>
   </ds:schemaRefs>
@@ -33378,6 +33800,270 @@
 </file>
 
 <file path=customXml/itemProps160.xml><?xml version="1.0" encoding="utf-8"?>
+<ds:datastoreItem xmlns:ds="http://schemas.openxmlformats.org/officeDocument/2006/customXml" ds:itemID="{44D58D84-D136-4CE4-B745-4C744F62BBCD}">
+  <ds:schemaRefs>
+    <ds:schemaRef ds:uri="http://schemas.microsoft.com/VisualStudio/2011/storyboarding/control"/>
+  </ds:schemaRefs>
+</ds:datastoreItem>
+</file>
+
+<file path=customXml/itemProps161.xml><?xml version="1.0" encoding="utf-8"?>
+<ds:datastoreItem xmlns:ds="http://schemas.openxmlformats.org/officeDocument/2006/customXml" ds:itemID="{07C3B091-09CA-4C61-B5E3-22E0717CE0A5}">
+  <ds:schemaRefs>
+    <ds:schemaRef ds:uri="http://schemas.microsoft.com/VisualStudio/2011/storyboarding/control"/>
+  </ds:schemaRefs>
+</ds:datastoreItem>
+</file>
+
+<file path=customXml/itemProps162.xml><?xml version="1.0" encoding="utf-8"?>
+<ds:datastoreItem xmlns:ds="http://schemas.openxmlformats.org/officeDocument/2006/customXml" ds:itemID="{4A387D48-D766-4B8F-B880-626B06B51C62}">
+  <ds:schemaRefs>
+    <ds:schemaRef ds:uri="http://schemas.microsoft.com/VisualStudio/2011/storyboarding/control"/>
+  </ds:schemaRefs>
+</ds:datastoreItem>
+</file>
+
+<file path=customXml/itemProps163.xml><?xml version="1.0" encoding="utf-8"?>
+<ds:datastoreItem xmlns:ds="http://schemas.openxmlformats.org/officeDocument/2006/customXml" ds:itemID="{6A47F339-DDD2-46AE-848E-7166CD1E5DE1}">
+  <ds:schemaRefs>
+    <ds:schemaRef ds:uri="http://schemas.microsoft.com/VisualStudio/2011/storyboarding/control"/>
+  </ds:schemaRefs>
+</ds:datastoreItem>
+</file>
+
+<file path=customXml/itemProps164.xml><?xml version="1.0" encoding="utf-8"?>
+<ds:datastoreItem xmlns:ds="http://schemas.openxmlformats.org/officeDocument/2006/customXml" ds:itemID="{02EC123A-AC3F-4945-AD74-F72EB89F442B}">
+  <ds:schemaRefs>
+    <ds:schemaRef ds:uri="http://schemas.microsoft.com/VisualStudio/2011/storyboarding/control"/>
+  </ds:schemaRefs>
+</ds:datastoreItem>
+</file>
+
+<file path=customXml/itemProps165.xml><?xml version="1.0" encoding="utf-8"?>
+<ds:datastoreItem xmlns:ds="http://schemas.openxmlformats.org/officeDocument/2006/customXml" ds:itemID="{6B27CE9A-BB52-4955-AB41-C2771C0E3794}">
+  <ds:schemaRefs>
+    <ds:schemaRef ds:uri="http://schemas.microsoft.com/VisualStudio/2011/storyboarding/control"/>
+  </ds:schemaRefs>
+</ds:datastoreItem>
+</file>
+
+<file path=customXml/itemProps166.xml><?xml version="1.0" encoding="utf-8"?>
+<ds:datastoreItem xmlns:ds="http://schemas.openxmlformats.org/officeDocument/2006/customXml" ds:itemID="{7A7FFE08-FB89-4DC0-AB73-22D6E49DF620}">
+  <ds:schemaRefs>
+    <ds:schemaRef ds:uri="http://schemas.microsoft.com/VisualStudio/2011/storyboarding/control"/>
+  </ds:schemaRefs>
+</ds:datastoreItem>
+</file>
+
+<file path=customXml/itemProps167.xml><?xml version="1.0" encoding="utf-8"?>
+<ds:datastoreItem xmlns:ds="http://schemas.openxmlformats.org/officeDocument/2006/customXml" ds:itemID="{2994E0FB-51A3-4133-808B-607A2131C2E8}">
+  <ds:schemaRefs>
+    <ds:schemaRef ds:uri="http://schemas.microsoft.com/VisualStudio/2011/storyboarding/control"/>
+  </ds:schemaRefs>
+</ds:datastoreItem>
+</file>
+
+<file path=customXml/itemProps168.xml><?xml version="1.0" encoding="utf-8"?>
+<ds:datastoreItem xmlns:ds="http://schemas.openxmlformats.org/officeDocument/2006/customXml" ds:itemID="{CDA84F6D-C59E-4790-8D7F-47A5021A6EF2}">
+  <ds:schemaRefs>
+    <ds:schemaRef ds:uri="http://schemas.microsoft.com/VisualStudio/2011/storyboarding/control"/>
+  </ds:schemaRefs>
+</ds:datastoreItem>
+</file>
+
+<file path=customXml/itemProps169.xml><?xml version="1.0" encoding="utf-8"?>
+<ds:datastoreItem xmlns:ds="http://schemas.openxmlformats.org/officeDocument/2006/customXml" ds:itemID="{3D2E394E-A719-4478-BEEA-E59B64F594CA}">
+  <ds:schemaRefs>
+    <ds:schemaRef ds:uri="http://schemas.microsoft.com/VisualStudio/2011/storyboarding/control"/>
+  </ds:schemaRefs>
+</ds:datastoreItem>
+</file>
+
+<file path=customXml/itemProps17.xml><?xml version="1.0" encoding="utf-8"?>
+<ds:datastoreItem xmlns:ds="http://schemas.openxmlformats.org/officeDocument/2006/customXml" ds:itemID="{E07A49A2-F76D-461A-9E32-513A17FF0F86}">
+  <ds:schemaRefs>
+    <ds:schemaRef ds:uri="http://schemas.microsoft.com/VisualStudio/2011/storyboarding/control"/>
+  </ds:schemaRefs>
+</ds:datastoreItem>
+</file>
+
+<file path=customXml/itemProps170.xml><?xml version="1.0" encoding="utf-8"?>
+<ds:datastoreItem xmlns:ds="http://schemas.openxmlformats.org/officeDocument/2006/customXml" ds:itemID="{A4C0E7EB-1964-4EEF-923B-3884E842A841}">
+  <ds:schemaRefs>
+    <ds:schemaRef ds:uri="http://schemas.microsoft.com/VisualStudio/2011/storyboarding/control"/>
+  </ds:schemaRefs>
+</ds:datastoreItem>
+</file>
+
+<file path=customXml/itemProps171.xml><?xml version="1.0" encoding="utf-8"?>
+<ds:datastoreItem xmlns:ds="http://schemas.openxmlformats.org/officeDocument/2006/customXml" ds:itemID="{9F12F108-B585-48FD-B3F2-462221297B10}">
+  <ds:schemaRefs>
+    <ds:schemaRef ds:uri="http://schemas.microsoft.com/VisualStudio/2011/storyboarding/control"/>
+  </ds:schemaRefs>
+</ds:datastoreItem>
+</file>
+
+<file path=customXml/itemProps172.xml><?xml version="1.0" encoding="utf-8"?>
+<ds:datastoreItem xmlns:ds="http://schemas.openxmlformats.org/officeDocument/2006/customXml" ds:itemID="{1460E81C-73A8-4FED-A025-A889D34F9ED6}">
+  <ds:schemaRefs>
+    <ds:schemaRef ds:uri="http://schemas.microsoft.com/VisualStudio/2011/storyboarding/control"/>
+  </ds:schemaRefs>
+</ds:datastoreItem>
+</file>
+
+<file path=customXml/itemProps173.xml><?xml version="1.0" encoding="utf-8"?>
+<ds:datastoreItem xmlns:ds="http://schemas.openxmlformats.org/officeDocument/2006/customXml" ds:itemID="{909CB29C-C94D-479C-9BD5-DF80DD09C1A5}">
+  <ds:schemaRefs>
+    <ds:schemaRef ds:uri="http://schemas.microsoft.com/VisualStudio/2011/storyboarding/control"/>
+  </ds:schemaRefs>
+</ds:datastoreItem>
+</file>
+
+<file path=customXml/itemProps174.xml><?xml version="1.0" encoding="utf-8"?>
+<ds:datastoreItem xmlns:ds="http://schemas.openxmlformats.org/officeDocument/2006/customXml" ds:itemID="{9FFC6B24-4ADB-484D-96EC-3B0A3C6EFFC7}">
+  <ds:schemaRefs>
+    <ds:schemaRef ds:uri="http://schemas.microsoft.com/VisualStudio/2011/storyboarding/control"/>
+  </ds:schemaRefs>
+</ds:datastoreItem>
+</file>
+
+<file path=customXml/itemProps18.xml><?xml version="1.0" encoding="utf-8"?>
+<ds:datastoreItem xmlns:ds="http://schemas.openxmlformats.org/officeDocument/2006/customXml" ds:itemID="{165FC4D0-2252-4A9C-B420-7BAE0D94A93B}">
+  <ds:schemaRefs>
+    <ds:schemaRef ds:uri="http://schemas.microsoft.com/VisualStudio/2011/storyboarding/control"/>
+  </ds:schemaRefs>
+</ds:datastoreItem>
+</file>
+
+<file path=customXml/itemProps19.xml><?xml version="1.0" encoding="utf-8"?>
+<ds:datastoreItem xmlns:ds="http://schemas.openxmlformats.org/officeDocument/2006/customXml" ds:itemID="{8016485D-1097-4E97-9016-A7B23DE48229}">
+  <ds:schemaRefs>
+    <ds:schemaRef ds:uri="http://schemas.microsoft.com/VisualStudio/2011/storyboarding/control"/>
+  </ds:schemaRefs>
+</ds:datastoreItem>
+</file>
+
+<file path=customXml/itemProps2.xml><?xml version="1.0" encoding="utf-8"?>
+<ds:datastoreItem xmlns:ds="http://schemas.openxmlformats.org/officeDocument/2006/customXml" ds:itemID="{A73616A3-615A-4C91-B050-48A3D437BF64}">
+  <ds:schemaRefs>
+    <ds:schemaRef ds:uri="http://schemas.microsoft.com/VisualStudio/2011/storyboarding/control"/>
+  </ds:schemaRefs>
+</ds:datastoreItem>
+</file>
+
+<file path=customXml/itemProps20.xml><?xml version="1.0" encoding="utf-8"?>
+<ds:datastoreItem xmlns:ds="http://schemas.openxmlformats.org/officeDocument/2006/customXml" ds:itemID="{779D6FE4-456B-49B9-830E-6559B351BF40}">
+  <ds:schemaRefs>
+    <ds:schemaRef ds:uri="http://schemas.microsoft.com/VisualStudio/2011/storyboarding/control"/>
+  </ds:schemaRefs>
+</ds:datastoreItem>
+</file>
+
+<file path=customXml/itemProps21.xml><?xml version="1.0" encoding="utf-8"?>
+<ds:datastoreItem xmlns:ds="http://schemas.openxmlformats.org/officeDocument/2006/customXml" ds:itemID="{E8316EDB-CA88-4711-BEC6-B4CD89CC0CC0}">
+  <ds:schemaRefs>
+    <ds:schemaRef ds:uri="http://schemas.microsoft.com/VisualStudio/2011/storyboarding/control"/>
+  </ds:schemaRefs>
+</ds:datastoreItem>
+</file>
+
+<file path=customXml/itemProps22.xml><?xml version="1.0" encoding="utf-8"?>
+<ds:datastoreItem xmlns:ds="http://schemas.openxmlformats.org/officeDocument/2006/customXml" ds:itemID="{7EAAAC69-703D-4617-9F46-F082D2053DF0}">
+  <ds:schemaRefs>
+    <ds:schemaRef ds:uri="http://schemas.microsoft.com/VisualStudio/2011/storyboarding/control"/>
+  </ds:schemaRefs>
+</ds:datastoreItem>
+</file>
+
+<file path=customXml/itemProps23.xml><?xml version="1.0" encoding="utf-8"?>
+<ds:datastoreItem xmlns:ds="http://schemas.openxmlformats.org/officeDocument/2006/customXml" ds:itemID="{CAFB82BC-1FE8-4E3D-982E-A8972DEED3DB}">
+  <ds:schemaRefs>
+    <ds:schemaRef ds:uri="http://schemas.microsoft.com/VisualStudio/2011/storyboarding/control"/>
+  </ds:schemaRefs>
+</ds:datastoreItem>
+</file>
+
+<file path=customXml/itemProps24.xml><?xml version="1.0" encoding="utf-8"?>
+<ds:datastoreItem xmlns:ds="http://schemas.openxmlformats.org/officeDocument/2006/customXml" ds:itemID="{FF726662-78BA-4C06-B047-4F6EB2D4421C}">
+  <ds:schemaRefs>
+    <ds:schemaRef ds:uri="http://schemas.microsoft.com/VisualStudio/2011/storyboarding/control"/>
+  </ds:schemaRefs>
+</ds:datastoreItem>
+</file>
+
+<file path=customXml/itemProps25.xml><?xml version="1.0" encoding="utf-8"?>
+<ds:datastoreItem xmlns:ds="http://schemas.openxmlformats.org/officeDocument/2006/customXml" ds:itemID="{1AAD5E22-A265-47CB-95BE-32463383E013}">
+  <ds:schemaRefs>
+    <ds:schemaRef ds:uri="http://schemas.microsoft.com/VisualStudio/2011/storyboarding/control"/>
+  </ds:schemaRefs>
+</ds:datastoreItem>
+</file>
+
+<file path=customXml/itemProps26.xml><?xml version="1.0" encoding="utf-8"?>
+<ds:datastoreItem xmlns:ds="http://schemas.openxmlformats.org/officeDocument/2006/customXml" ds:itemID="{23285ABE-ADF8-4941-944E-DE50CE29D21D}">
+  <ds:schemaRefs>
+    <ds:schemaRef ds:uri="http://schemas.microsoft.com/VisualStudio/2011/storyboarding/control"/>
+  </ds:schemaRefs>
+</ds:datastoreItem>
+</file>
+
+<file path=customXml/itemProps27.xml><?xml version="1.0" encoding="utf-8"?>
+<ds:datastoreItem xmlns:ds="http://schemas.openxmlformats.org/officeDocument/2006/customXml" ds:itemID="{DC7498A8-C4C5-4B57-BDF3-4DF975C026E0}">
+  <ds:schemaRefs>
+    <ds:schemaRef ds:uri="http://schemas.microsoft.com/VisualStudio/2011/storyboarding/control"/>
+  </ds:schemaRefs>
+</ds:datastoreItem>
+</file>
+
+<file path=customXml/itemProps28.xml><?xml version="1.0" encoding="utf-8"?>
+<ds:datastoreItem xmlns:ds="http://schemas.openxmlformats.org/officeDocument/2006/customXml" ds:itemID="{A1569773-7D4A-4EF1-8568-9A6F343CEEC1}">
+  <ds:schemaRefs>
+    <ds:schemaRef ds:uri="http://schemas.microsoft.com/VisualStudio/2011/storyboarding/control"/>
+  </ds:schemaRefs>
+</ds:datastoreItem>
+</file>
+
+<file path=customXml/itemProps29.xml><?xml version="1.0" encoding="utf-8"?>
+<ds:datastoreItem xmlns:ds="http://schemas.openxmlformats.org/officeDocument/2006/customXml" ds:itemID="{23D0DB5E-AA4E-482B-960C-2BB1BF797F77}">
+  <ds:schemaRefs>
+    <ds:schemaRef ds:uri="http://schemas.microsoft.com/VisualStudio/2011/storyboarding/control"/>
+  </ds:schemaRefs>
+</ds:datastoreItem>
+</file>
+
+<file path=customXml/itemProps3.xml><?xml version="1.0" encoding="utf-8"?>
+<ds:datastoreItem xmlns:ds="http://schemas.openxmlformats.org/officeDocument/2006/customXml" ds:itemID="{314813DF-888E-40A9-98D9-E695A4B0AB26}">
+  <ds:schemaRefs>
+    <ds:schemaRef ds:uri="http://schemas.microsoft.com/VisualStudio/2011/storyboarding/control"/>
+  </ds:schemaRefs>
+</ds:datastoreItem>
+</file>
+
+<file path=customXml/itemProps30.xml><?xml version="1.0" encoding="utf-8"?>
+<ds:datastoreItem xmlns:ds="http://schemas.openxmlformats.org/officeDocument/2006/customXml" ds:itemID="{04A84746-C966-41AB-B7BB-7D0080E4DD05}">
+  <ds:schemaRefs>
+    <ds:schemaRef ds:uri="http://schemas.microsoft.com/VisualStudio/2011/storyboarding/control"/>
+  </ds:schemaRefs>
+</ds:datastoreItem>
+</file>
+
+<file path=customXml/itemProps31.xml><?xml version="1.0" encoding="utf-8"?>
+<ds:datastoreItem xmlns:ds="http://schemas.openxmlformats.org/officeDocument/2006/customXml" ds:itemID="{054ABC92-09F1-4921-A471-72F626DD07BF}">
+  <ds:schemaRefs>
+    <ds:schemaRef ds:uri="http://schemas.microsoft.com/VisualStudio/2011/storyboarding/control"/>
+  </ds:schemaRefs>
+</ds:datastoreItem>
+</file>
+
+<file path=customXml/itemProps32.xml><?xml version="1.0" encoding="utf-8"?>
+<ds:datastoreItem xmlns:ds="http://schemas.openxmlformats.org/officeDocument/2006/customXml" ds:itemID="{44D555C3-F6BD-42D7-B93D-539DD63B2114}">
+  <ds:schemaRefs>
+    <ds:schemaRef ds:uri="http://schemas.microsoft.com/VisualStudio/2011/storyboarding/control"/>
+  </ds:schemaRefs>
+</ds:datastoreItem>
+</file>
+
+<file path=customXml/itemProps33.xml><?xml version="1.0" encoding="utf-8"?>
 <ds:datastoreItem xmlns:ds="http://schemas.openxmlformats.org/officeDocument/2006/customXml" ds:itemID="{6E767A4A-6F60-482B-B8E1-861A0099420B}">
   <ds:schemaRefs>
     <ds:schemaRef ds:uri="http://schemas.microsoft.com/VisualStudio/2011/storyboarding/control"/>
@@ -33385,7 +34071,287 @@
 </ds:datastoreItem>
 </file>
 
-<file path=customXml/itemProps161.xml><?xml version="1.0" encoding="utf-8"?>
+<file path=customXml/itemProps34.xml><?xml version="1.0" encoding="utf-8"?>
+<ds:datastoreItem xmlns:ds="http://schemas.openxmlformats.org/officeDocument/2006/customXml" ds:itemID="{B300E57B-AF38-496B-844C-F3294CF36396}">
+  <ds:schemaRefs>
+    <ds:schemaRef ds:uri="http://schemas.microsoft.com/VisualStudio/2011/storyboarding/control"/>
+  </ds:schemaRefs>
+</ds:datastoreItem>
+</file>
+
+<file path=customXml/itemProps35.xml><?xml version="1.0" encoding="utf-8"?>
+<ds:datastoreItem xmlns:ds="http://schemas.openxmlformats.org/officeDocument/2006/customXml" ds:itemID="{86D2BAB8-3F3D-4719-A5D8-DE2FF41E16E8}">
+  <ds:schemaRefs>
+    <ds:schemaRef ds:uri="http://schemas.microsoft.com/VisualStudio/2011/storyboarding/control"/>
+  </ds:schemaRefs>
+</ds:datastoreItem>
+</file>
+
+<file path=customXml/itemProps36.xml><?xml version="1.0" encoding="utf-8"?>
+<ds:datastoreItem xmlns:ds="http://schemas.openxmlformats.org/officeDocument/2006/customXml" ds:itemID="{303CECB1-017C-45E1-B570-8C44C98C315A}">
+  <ds:schemaRefs>
+    <ds:schemaRef ds:uri="http://schemas.microsoft.com/VisualStudio/2011/storyboarding/control"/>
+  </ds:schemaRefs>
+</ds:datastoreItem>
+</file>
+
+<file path=customXml/itemProps37.xml><?xml version="1.0" encoding="utf-8"?>
+<ds:datastoreItem xmlns:ds="http://schemas.openxmlformats.org/officeDocument/2006/customXml" ds:itemID="{01B0BBFE-9EDD-44BD-9B83-BC4C513A961D}">
+  <ds:schemaRefs>
+    <ds:schemaRef ds:uri="http://schemas.microsoft.com/VisualStudio/2011/storyboarding/control"/>
+  </ds:schemaRefs>
+</ds:datastoreItem>
+</file>
+
+<file path=customXml/itemProps38.xml><?xml version="1.0" encoding="utf-8"?>
+<ds:datastoreItem xmlns:ds="http://schemas.openxmlformats.org/officeDocument/2006/customXml" ds:itemID="{BC36EBC9-D612-4E2A-906D-76E47BD533FB}">
+  <ds:schemaRefs>
+    <ds:schemaRef ds:uri="http://schemas.microsoft.com/VisualStudio/2011/storyboarding/control"/>
+  </ds:schemaRefs>
+</ds:datastoreItem>
+</file>
+
+<file path=customXml/itemProps39.xml><?xml version="1.0" encoding="utf-8"?>
+<ds:datastoreItem xmlns:ds="http://schemas.openxmlformats.org/officeDocument/2006/customXml" ds:itemID="{7A0AC39D-6F0F-48A2-91C6-62E4D5575192}">
+  <ds:schemaRefs>
+    <ds:schemaRef ds:uri="http://schemas.microsoft.com/VisualStudio/2011/storyboarding/control"/>
+  </ds:schemaRefs>
+</ds:datastoreItem>
+</file>
+
+<file path=customXml/itemProps4.xml><?xml version="1.0" encoding="utf-8"?>
+<ds:datastoreItem xmlns:ds="http://schemas.openxmlformats.org/officeDocument/2006/customXml" ds:itemID="{D167DA7F-5DA9-420E-8292-FCD808F255A6}">
+  <ds:schemaRefs>
+    <ds:schemaRef ds:uri="http://schemas.microsoft.com/VisualStudio/2011/storyboarding/control"/>
+  </ds:schemaRefs>
+</ds:datastoreItem>
+</file>
+
+<file path=customXml/itemProps40.xml><?xml version="1.0" encoding="utf-8"?>
+<ds:datastoreItem xmlns:ds="http://schemas.openxmlformats.org/officeDocument/2006/customXml" ds:itemID="{A8AF5176-016E-4AB6-AB48-7C277CD9E756}">
+  <ds:schemaRefs>
+    <ds:schemaRef ds:uri="http://schemas.microsoft.com/VisualStudio/2011/storyboarding/control"/>
+  </ds:schemaRefs>
+</ds:datastoreItem>
+</file>
+
+<file path=customXml/itemProps41.xml><?xml version="1.0" encoding="utf-8"?>
+<ds:datastoreItem xmlns:ds="http://schemas.openxmlformats.org/officeDocument/2006/customXml" ds:itemID="{B31DF4D8-D32E-43DA-9781-409FBF615481}">
+  <ds:schemaRefs>
+    <ds:schemaRef ds:uri="http://schemas.microsoft.com/VisualStudio/2011/storyboarding/control"/>
+  </ds:schemaRefs>
+</ds:datastoreItem>
+</file>
+
+<file path=customXml/itemProps42.xml><?xml version="1.0" encoding="utf-8"?>
+<ds:datastoreItem xmlns:ds="http://schemas.openxmlformats.org/officeDocument/2006/customXml" ds:itemID="{0248ABD6-B885-493E-831E-FF3439D78212}">
+  <ds:schemaRefs>
+    <ds:schemaRef ds:uri="http://schemas.microsoft.com/VisualStudio/2011/storyboarding/control"/>
+  </ds:schemaRefs>
+</ds:datastoreItem>
+</file>
+
+<file path=customXml/itemProps43.xml><?xml version="1.0" encoding="utf-8"?>
+<ds:datastoreItem xmlns:ds="http://schemas.openxmlformats.org/officeDocument/2006/customXml" ds:itemID="{64A0BB21-4EFE-4DB9-AF5D-F0B5D0A65942}">
+  <ds:schemaRefs>
+    <ds:schemaRef ds:uri="http://schemas.microsoft.com/VisualStudio/2011/storyboarding/control"/>
+  </ds:schemaRefs>
+</ds:datastoreItem>
+</file>
+
+<file path=customXml/itemProps44.xml><?xml version="1.0" encoding="utf-8"?>
+<ds:datastoreItem xmlns:ds="http://schemas.openxmlformats.org/officeDocument/2006/customXml" ds:itemID="{3BEE9000-DA5F-4AB1-B8E0-DBCF68584900}">
+  <ds:schemaRefs>
+    <ds:schemaRef ds:uri="http://schemas.microsoft.com/VisualStudio/2011/storyboarding/control"/>
+  </ds:schemaRefs>
+</ds:datastoreItem>
+</file>
+
+<file path=customXml/itemProps45.xml><?xml version="1.0" encoding="utf-8"?>
+<ds:datastoreItem xmlns:ds="http://schemas.openxmlformats.org/officeDocument/2006/customXml" ds:itemID="{0667FA71-F2C0-40E6-85F6-F77875706405}">
+  <ds:schemaRefs>
+    <ds:schemaRef ds:uri="http://schemas.microsoft.com/VisualStudio/2011/storyboarding/control"/>
+  </ds:schemaRefs>
+</ds:datastoreItem>
+</file>
+
+<file path=customXml/itemProps46.xml><?xml version="1.0" encoding="utf-8"?>
+<ds:datastoreItem xmlns:ds="http://schemas.openxmlformats.org/officeDocument/2006/customXml" ds:itemID="{7CB67BFB-12C6-48F7-84F2-D80AB4738025}">
+  <ds:schemaRefs>
+    <ds:schemaRef ds:uri="http://schemas.microsoft.com/VisualStudio/2011/storyboarding/control"/>
+  </ds:schemaRefs>
+</ds:datastoreItem>
+</file>
+
+<file path=customXml/itemProps47.xml><?xml version="1.0" encoding="utf-8"?>
+<ds:datastoreItem xmlns:ds="http://schemas.openxmlformats.org/officeDocument/2006/customXml" ds:itemID="{9398B977-13F3-47D9-BD2D-A59F38209035}">
+  <ds:schemaRefs>
+    <ds:schemaRef ds:uri="http://schemas.microsoft.com/VisualStudio/2011/storyboarding/control"/>
+  </ds:schemaRefs>
+</ds:datastoreItem>
+</file>
+
+<file path=customXml/itemProps48.xml><?xml version="1.0" encoding="utf-8"?>
+<ds:datastoreItem xmlns:ds="http://schemas.openxmlformats.org/officeDocument/2006/customXml" ds:itemID="{BF7121C5-FE8B-44C9-B65F-3C64C85F8C81}">
+  <ds:schemaRefs>
+    <ds:schemaRef ds:uri="http://schemas.microsoft.com/VisualStudio/2011/storyboarding/control"/>
+  </ds:schemaRefs>
+</ds:datastoreItem>
+</file>
+
+<file path=customXml/itemProps49.xml><?xml version="1.0" encoding="utf-8"?>
+<ds:datastoreItem xmlns:ds="http://schemas.openxmlformats.org/officeDocument/2006/customXml" ds:itemID="{5FD346BE-E453-4BE6-AF95-D7F95C43D01A}">
+  <ds:schemaRefs>
+    <ds:schemaRef ds:uri="http://schemas.microsoft.com/VisualStudio/2011/storyboarding/control"/>
+  </ds:schemaRefs>
+</ds:datastoreItem>
+</file>
+
+<file path=customXml/itemProps5.xml><?xml version="1.0" encoding="utf-8"?>
+<ds:datastoreItem xmlns:ds="http://schemas.openxmlformats.org/officeDocument/2006/customXml" ds:itemID="{EE2829B6-7882-4524-AA19-FB0AF59B96DA}">
+  <ds:schemaRefs>
+    <ds:schemaRef ds:uri="http://schemas.microsoft.com/VisualStudio/2011/storyboarding/control"/>
+  </ds:schemaRefs>
+</ds:datastoreItem>
+</file>
+
+<file path=customXml/itemProps50.xml><?xml version="1.0" encoding="utf-8"?>
+<ds:datastoreItem xmlns:ds="http://schemas.openxmlformats.org/officeDocument/2006/customXml" ds:itemID="{A694FD44-683D-4E92-9098-79FE270A6520}">
+  <ds:schemaRefs>
+    <ds:schemaRef ds:uri="http://schemas.microsoft.com/VisualStudio/2011/storyboarding/control"/>
+  </ds:schemaRefs>
+</ds:datastoreItem>
+</file>
+
+<file path=customXml/itemProps51.xml><?xml version="1.0" encoding="utf-8"?>
+<ds:datastoreItem xmlns:ds="http://schemas.openxmlformats.org/officeDocument/2006/customXml" ds:itemID="{9DF914A3-A623-470A-920C-AB2740CDE79E}">
+  <ds:schemaRefs>
+    <ds:schemaRef ds:uri="http://schemas.microsoft.com/VisualStudio/2011/storyboarding/control"/>
+  </ds:schemaRefs>
+</ds:datastoreItem>
+</file>
+
+<file path=customXml/itemProps52.xml><?xml version="1.0" encoding="utf-8"?>
+<ds:datastoreItem xmlns:ds="http://schemas.openxmlformats.org/officeDocument/2006/customXml" ds:itemID="{841CD4AF-E83E-469A-964C-B17C92F10E8E}">
+  <ds:schemaRefs>
+    <ds:schemaRef ds:uri="http://schemas.microsoft.com/VisualStudio/2011/storyboarding/control"/>
+  </ds:schemaRefs>
+</ds:datastoreItem>
+</file>
+
+<file path=customXml/itemProps53.xml><?xml version="1.0" encoding="utf-8"?>
+<ds:datastoreItem xmlns:ds="http://schemas.openxmlformats.org/officeDocument/2006/customXml" ds:itemID="{4830D8E8-EF8D-4827-A0B7-C4F0E345C881}">
+  <ds:schemaRefs>
+    <ds:schemaRef ds:uri="http://schemas.microsoft.com/VisualStudio/2011/storyboarding/control"/>
+  </ds:schemaRefs>
+</ds:datastoreItem>
+</file>
+
+<file path=customXml/itemProps54.xml><?xml version="1.0" encoding="utf-8"?>
+<ds:datastoreItem xmlns:ds="http://schemas.openxmlformats.org/officeDocument/2006/customXml" ds:itemID="{B0C10DCC-B9DF-4B43-9AFE-69D1879B6E37}">
+  <ds:schemaRefs>
+    <ds:schemaRef ds:uri="http://schemas.microsoft.com/VisualStudio/2011/storyboarding/control"/>
+  </ds:schemaRefs>
+</ds:datastoreItem>
+</file>
+
+<file path=customXml/itemProps55.xml><?xml version="1.0" encoding="utf-8"?>
+<ds:datastoreItem xmlns:ds="http://schemas.openxmlformats.org/officeDocument/2006/customXml" ds:itemID="{2DC25D7B-9CCA-4B96-84EE-5B5C6EB7184F}">
+  <ds:schemaRefs>
+    <ds:schemaRef ds:uri="http://schemas.microsoft.com/VisualStudio/2011/storyboarding/control"/>
+  </ds:schemaRefs>
+</ds:datastoreItem>
+</file>
+
+<file path=customXml/itemProps56.xml><?xml version="1.0" encoding="utf-8"?>
+<ds:datastoreItem xmlns:ds="http://schemas.openxmlformats.org/officeDocument/2006/customXml" ds:itemID="{7B05A05C-95CD-4D56-BD02-DED18F84390A}">
+  <ds:schemaRefs>
+    <ds:schemaRef ds:uri="http://schemas.microsoft.com/VisualStudio/2011/storyboarding/control"/>
+  </ds:schemaRefs>
+</ds:datastoreItem>
+</file>
+
+<file path=customXml/itemProps57.xml><?xml version="1.0" encoding="utf-8"?>
+<ds:datastoreItem xmlns:ds="http://schemas.openxmlformats.org/officeDocument/2006/customXml" ds:itemID="{A4A0B5EA-BBEE-4DCF-991E-2DF6BD74FBAB}">
+  <ds:schemaRefs>
+    <ds:schemaRef ds:uri="http://schemas.microsoft.com/VisualStudio/2011/storyboarding/control"/>
+  </ds:schemaRefs>
+</ds:datastoreItem>
+</file>
+
+<file path=customXml/itemProps58.xml><?xml version="1.0" encoding="utf-8"?>
+<ds:datastoreItem xmlns:ds="http://schemas.openxmlformats.org/officeDocument/2006/customXml" ds:itemID="{99B098C4-1206-4F65-8C53-4004C97A4F24}">
+  <ds:schemaRefs>
+    <ds:schemaRef ds:uri="http://schemas.microsoft.com/VisualStudio/2011/storyboarding/control"/>
+  </ds:schemaRefs>
+</ds:datastoreItem>
+</file>
+
+<file path=customXml/itemProps59.xml><?xml version="1.0" encoding="utf-8"?>
+<ds:datastoreItem xmlns:ds="http://schemas.openxmlformats.org/officeDocument/2006/customXml" ds:itemID="{C4F08E0A-31F4-4462-9CDE-78A47A65F8C8}">
+  <ds:schemaRefs>
+    <ds:schemaRef ds:uri="http://schemas.microsoft.com/VisualStudio/2011/storyboarding/control"/>
+  </ds:schemaRefs>
+</ds:datastoreItem>
+</file>
+
+<file path=customXml/itemProps6.xml><?xml version="1.0" encoding="utf-8"?>
+<ds:datastoreItem xmlns:ds="http://schemas.openxmlformats.org/officeDocument/2006/customXml" ds:itemID="{0242254C-4EAB-483F-9491-395512021D08}">
+  <ds:schemaRefs>
+    <ds:schemaRef ds:uri="http://schemas.microsoft.com/VisualStudio/2011/storyboarding/control"/>
+  </ds:schemaRefs>
+</ds:datastoreItem>
+</file>
+
+<file path=customXml/itemProps60.xml><?xml version="1.0" encoding="utf-8"?>
+<ds:datastoreItem xmlns:ds="http://schemas.openxmlformats.org/officeDocument/2006/customXml" ds:itemID="{FEE750FE-FF4B-4BF2-833C-5E98F8D27C3B}">
+  <ds:schemaRefs>
+    <ds:schemaRef ds:uri="http://schemas.microsoft.com/VisualStudio/2011/storyboarding/control"/>
+  </ds:schemaRefs>
+</ds:datastoreItem>
+</file>
+
+<file path=customXml/itemProps61.xml><?xml version="1.0" encoding="utf-8"?>
+<ds:datastoreItem xmlns:ds="http://schemas.openxmlformats.org/officeDocument/2006/customXml" ds:itemID="{A30CFCAD-8CF6-4C22-BFD8-A6210255863B}">
+  <ds:schemaRefs>
+    <ds:schemaRef ds:uri="http://schemas.microsoft.com/VisualStudio/2011/storyboarding/control"/>
+  </ds:schemaRefs>
+</ds:datastoreItem>
+</file>
+
+<file path=customXml/itemProps62.xml><?xml version="1.0" encoding="utf-8"?>
+<ds:datastoreItem xmlns:ds="http://schemas.openxmlformats.org/officeDocument/2006/customXml" ds:itemID="{383E0E74-774D-4C17-B2BD-CBCF7605AE5C}">
+  <ds:schemaRefs>
+    <ds:schemaRef ds:uri="http://schemas.microsoft.com/VisualStudio/2011/storyboarding/control"/>
+  </ds:schemaRefs>
+</ds:datastoreItem>
+</file>
+
+<file path=customXml/itemProps63.xml><?xml version="1.0" encoding="utf-8"?>
+<ds:datastoreItem xmlns:ds="http://schemas.openxmlformats.org/officeDocument/2006/customXml" ds:itemID="{D0C1BFB0-C5C5-4C5E-BE8F-70F159DBD617}">
+  <ds:schemaRefs>
+    <ds:schemaRef ds:uri="http://schemas.microsoft.com/VisualStudio/2011/storyboarding/control"/>
+  </ds:schemaRefs>
+</ds:datastoreItem>
+</file>
+
+<file path=customXml/itemProps64.xml><?xml version="1.0" encoding="utf-8"?>
+<ds:datastoreItem xmlns:ds="http://schemas.openxmlformats.org/officeDocument/2006/customXml" ds:itemID="{0EC1D66B-B4A6-439F-B29D-2041C4020266}">
+  <ds:schemaRefs>
+    <ds:schemaRef ds:uri="http://schemas.microsoft.com/VisualStudio/2011/storyboarding/control"/>
+  </ds:schemaRefs>
+</ds:datastoreItem>
+</file>
+
+<file path=customXml/itemProps65.xml><?xml version="1.0" encoding="utf-8"?>
+<ds:datastoreItem xmlns:ds="http://schemas.openxmlformats.org/officeDocument/2006/customXml" ds:itemID="{2D5B7644-2E08-4084-A104-AE34B74C5305}">
+  <ds:schemaRefs>
+    <ds:schemaRef ds:uri="http://schemas.microsoft.com/VisualStudio/2011/storyboarding/control"/>
+  </ds:schemaRefs>
+</ds:datastoreItem>
+</file>
+
+<file path=customXml/itemProps66.xml><?xml version="1.0" encoding="utf-8"?>
 <ds:datastoreItem xmlns:ds="http://schemas.openxmlformats.org/officeDocument/2006/customXml" ds:itemID="{25D67B54-5761-4709-B789-B44B4A9302A6}">
   <ds:schemaRefs>
     <ds:schemaRef ds:uri="http://schemas.microsoft.com/VisualStudio/2011/storyboarding/control"/>
@@ -33393,39 +34359,7 @@
 </ds:datastoreItem>
 </file>
 
-<file path=customXml/itemProps162.xml><?xml version="1.0" encoding="utf-8"?>
-<ds:datastoreItem xmlns:ds="http://schemas.openxmlformats.org/officeDocument/2006/customXml" ds:itemID="{8B524881-26B2-4DEA-9397-EF9433F4740E}">
-  <ds:schemaRefs>
-    <ds:schemaRef ds:uri="http://schemas.microsoft.com/VisualStudio/2011/storyboarding/control"/>
-  </ds:schemaRefs>
-</ds:datastoreItem>
-</file>
-
-<file path=customXml/itemProps163.xml><?xml version="1.0" encoding="utf-8"?>
-<ds:datastoreItem xmlns:ds="http://schemas.openxmlformats.org/officeDocument/2006/customXml" ds:itemID="{47CEDDF1-F640-4264-8C3D-BAA2C418AD72}">
-  <ds:schemaRefs>
-    <ds:schemaRef ds:uri="http://schemas.microsoft.com/VisualStudio/2011/storyboarding/control"/>
-  </ds:schemaRefs>
-</ds:datastoreItem>
-</file>
-
-<file path=customXml/itemProps164.xml><?xml version="1.0" encoding="utf-8"?>
-<ds:datastoreItem xmlns:ds="http://schemas.openxmlformats.org/officeDocument/2006/customXml" ds:itemID="{A4C0E7EB-1964-4EEF-923B-3884E842A841}">
-  <ds:schemaRefs>
-    <ds:schemaRef ds:uri="http://schemas.microsoft.com/VisualStudio/2011/storyboarding/control"/>
-  </ds:schemaRefs>
-</ds:datastoreItem>
-</file>
-
-<file path=customXml/itemProps165.xml><?xml version="1.0" encoding="utf-8"?>
-<ds:datastoreItem xmlns:ds="http://schemas.openxmlformats.org/officeDocument/2006/customXml" ds:itemID="{B300E57B-AF38-496B-844C-F3294CF36396}">
-  <ds:schemaRefs>
-    <ds:schemaRef ds:uri="http://schemas.microsoft.com/VisualStudio/2011/storyboarding/control"/>
-  </ds:schemaRefs>
-</ds:datastoreItem>
-</file>
-
-<file path=customXml/itemProps166.xml><?xml version="1.0" encoding="utf-8"?>
+<file path=customXml/itemProps67.xml><?xml version="1.0" encoding="utf-8"?>
 <ds:datastoreItem xmlns:ds="http://schemas.openxmlformats.org/officeDocument/2006/customXml" ds:itemID="{D5854469-53EB-47DF-B9F3-66F50CB16243}">
   <ds:schemaRefs>
     <ds:schemaRef ds:uri="http://schemas.microsoft.com/VisualStudio/2011/storyboarding/control"/>
@@ -33433,786 +34367,282 @@
 </ds:datastoreItem>
 </file>
 
-<file path=customXml/itemProps167.xml><?xml version="1.0" encoding="utf-8"?>
+<file path=customXml/itemProps68.xml><?xml version="1.0" encoding="utf-8"?>
+<ds:datastoreItem xmlns:ds="http://schemas.openxmlformats.org/officeDocument/2006/customXml" ds:itemID="{8F3F5182-C1B3-4F2D-B536-FC558F7AF95D}">
+  <ds:schemaRefs>
+    <ds:schemaRef ds:uri="http://schemas.microsoft.com/VisualStudio/2011/storyboarding/control"/>
+  </ds:schemaRefs>
+</ds:datastoreItem>
+</file>
+
+<file path=customXml/itemProps69.xml><?xml version="1.0" encoding="utf-8"?>
+<ds:datastoreItem xmlns:ds="http://schemas.openxmlformats.org/officeDocument/2006/customXml" ds:itemID="{6F8F7BF1-32E3-48F7-A0BA-7E78CEBCFD80}">
+  <ds:schemaRefs>
+    <ds:schemaRef ds:uri="http://schemas.microsoft.com/VisualStudio/2011/storyboarding/control"/>
+  </ds:schemaRefs>
+</ds:datastoreItem>
+</file>
+
+<file path=customXml/itemProps7.xml><?xml version="1.0" encoding="utf-8"?>
+<ds:datastoreItem xmlns:ds="http://schemas.openxmlformats.org/officeDocument/2006/customXml" ds:itemID="{9B3565FA-C454-40E3-ACD1-0D7260C53661}">
+  <ds:schemaRefs>
+    <ds:schemaRef ds:uri="http://schemas.microsoft.com/VisualStudio/2011/storyboarding/control"/>
+  </ds:schemaRefs>
+</ds:datastoreItem>
+</file>
+
+<file path=customXml/itemProps70.xml><?xml version="1.0" encoding="utf-8"?>
+<ds:datastoreItem xmlns:ds="http://schemas.openxmlformats.org/officeDocument/2006/customXml" ds:itemID="{D980DD72-5243-4234-9BB8-207FBC271851}">
+  <ds:schemaRefs>
+    <ds:schemaRef ds:uri="http://schemas.microsoft.com/VisualStudio/2011/storyboarding/control"/>
+  </ds:schemaRefs>
+</ds:datastoreItem>
+</file>
+
+<file path=customXml/itemProps71.xml><?xml version="1.0" encoding="utf-8"?>
+<ds:datastoreItem xmlns:ds="http://schemas.openxmlformats.org/officeDocument/2006/customXml" ds:itemID="{322101A8-15C7-4FBB-9D63-262FD51265ED}">
+  <ds:schemaRefs>
+    <ds:schemaRef ds:uri="http://schemas.microsoft.com/VisualStudio/2011/storyboarding/control"/>
+  </ds:schemaRefs>
+</ds:datastoreItem>
+</file>
+
+<file path=customXml/itemProps72.xml><?xml version="1.0" encoding="utf-8"?>
+<ds:datastoreItem xmlns:ds="http://schemas.openxmlformats.org/officeDocument/2006/customXml" ds:itemID="{7E83D04C-59A6-4511-A5A7-7D2C5EFFB063}">
+  <ds:schemaRefs>
+    <ds:schemaRef ds:uri="http://schemas.microsoft.com/VisualStudio/2011/storyboarding/control"/>
+  </ds:schemaRefs>
+</ds:datastoreItem>
+</file>
+
+<file path=customXml/itemProps73.xml><?xml version="1.0" encoding="utf-8"?>
+<ds:datastoreItem xmlns:ds="http://schemas.openxmlformats.org/officeDocument/2006/customXml" ds:itemID="{8F35E91C-5A08-4C0D-9D08-2322CAAD43DB}">
+  <ds:schemaRefs>
+    <ds:schemaRef ds:uri="http://schemas.microsoft.com/VisualStudio/2011/storyboarding/control"/>
+  </ds:schemaRefs>
+</ds:datastoreItem>
+</file>
+
+<file path=customXml/itemProps74.xml><?xml version="1.0" encoding="utf-8"?>
+<ds:datastoreItem xmlns:ds="http://schemas.openxmlformats.org/officeDocument/2006/customXml" ds:itemID="{0A56F9D1-E64A-4421-AE00-85CEFE039966}">
+  <ds:schemaRefs>
+    <ds:schemaRef ds:uri="http://schemas.microsoft.com/VisualStudio/2011/storyboarding/control"/>
+  </ds:schemaRefs>
+</ds:datastoreItem>
+</file>
+
+<file path=customXml/itemProps75.xml><?xml version="1.0" encoding="utf-8"?>
+<ds:datastoreItem xmlns:ds="http://schemas.openxmlformats.org/officeDocument/2006/customXml" ds:itemID="{4AFC922A-AF70-48BF-B505-87C1A1C0C534}">
+  <ds:schemaRefs>
+    <ds:schemaRef ds:uri="http://schemas.microsoft.com/VisualStudio/2011/storyboarding/control"/>
+  </ds:schemaRefs>
+</ds:datastoreItem>
+</file>
+
+<file path=customXml/itemProps76.xml><?xml version="1.0" encoding="utf-8"?>
+<ds:datastoreItem xmlns:ds="http://schemas.openxmlformats.org/officeDocument/2006/customXml" ds:itemID="{A8B11117-768F-4020-BD1C-EA7933B524D4}">
+  <ds:schemaRefs>
+    <ds:schemaRef ds:uri="http://schemas.microsoft.com/VisualStudio/2011/storyboarding/control"/>
+  </ds:schemaRefs>
+</ds:datastoreItem>
+</file>
+
+<file path=customXml/itemProps77.xml><?xml version="1.0" encoding="utf-8"?>
+<ds:datastoreItem xmlns:ds="http://schemas.openxmlformats.org/officeDocument/2006/customXml" ds:itemID="{0EB4451E-DBC2-4630-AD8F-0142AD7AECAA}">
+  <ds:schemaRefs>
+    <ds:schemaRef ds:uri="http://schemas.microsoft.com/VisualStudio/2011/storyboarding/control"/>
+  </ds:schemaRefs>
+</ds:datastoreItem>
+</file>
+
+<file path=customXml/itemProps78.xml><?xml version="1.0" encoding="utf-8"?>
+<ds:datastoreItem xmlns:ds="http://schemas.openxmlformats.org/officeDocument/2006/customXml" ds:itemID="{53959432-89CD-4F2C-B4DD-8B3C63298139}">
+  <ds:schemaRefs>
+    <ds:schemaRef ds:uri="http://schemas.microsoft.com/VisualStudio/2011/storyboarding/control"/>
+  </ds:schemaRefs>
+</ds:datastoreItem>
+</file>
+
+<file path=customXml/itemProps79.xml><?xml version="1.0" encoding="utf-8"?>
+<ds:datastoreItem xmlns:ds="http://schemas.openxmlformats.org/officeDocument/2006/customXml" ds:itemID="{8729458D-441F-457A-A401-624F6E58F2B3}">
+  <ds:schemaRefs>
+    <ds:schemaRef ds:uri="http://schemas.microsoft.com/VisualStudio/2011/storyboarding/control"/>
+  </ds:schemaRefs>
+</ds:datastoreItem>
+</file>
+
+<file path=customXml/itemProps8.xml><?xml version="1.0" encoding="utf-8"?>
+<ds:datastoreItem xmlns:ds="http://schemas.openxmlformats.org/officeDocument/2006/customXml" ds:itemID="{058FE29D-25DE-4BBF-A0A6-64A4C254BAA3}">
+  <ds:schemaRefs>
+    <ds:schemaRef ds:uri="http://schemas.microsoft.com/VisualStudio/2011/storyboarding/control"/>
+  </ds:schemaRefs>
+</ds:datastoreItem>
+</file>
+
+<file path=customXml/itemProps80.xml><?xml version="1.0" encoding="utf-8"?>
+<ds:datastoreItem xmlns:ds="http://schemas.openxmlformats.org/officeDocument/2006/customXml" ds:itemID="{21A4F40C-98AD-41FA-91F7-96E35A555965}">
+  <ds:schemaRefs>
+    <ds:schemaRef ds:uri="http://schemas.microsoft.com/VisualStudio/2011/storyboarding/control"/>
+  </ds:schemaRefs>
+</ds:datastoreItem>
+</file>
+
+<file path=customXml/itemProps81.xml><?xml version="1.0" encoding="utf-8"?>
+<ds:datastoreItem xmlns:ds="http://schemas.openxmlformats.org/officeDocument/2006/customXml" ds:itemID="{7A18F3D0-7CBD-42BC-A744-729340D86F9E}">
+  <ds:schemaRefs>
+    <ds:schemaRef ds:uri="http://schemas.microsoft.com/VisualStudio/2011/storyboarding/control"/>
+  </ds:schemaRefs>
+</ds:datastoreItem>
+</file>
+
+<file path=customXml/itemProps82.xml><?xml version="1.0" encoding="utf-8"?>
+<ds:datastoreItem xmlns:ds="http://schemas.openxmlformats.org/officeDocument/2006/customXml" ds:itemID="{55E77807-A985-4E43-B142-ACDB4C8ABA91}">
+  <ds:schemaRefs>
+    <ds:schemaRef ds:uri="http://schemas.microsoft.com/VisualStudio/2011/storyboarding/control"/>
+  </ds:schemaRefs>
+</ds:datastoreItem>
+</file>
+
+<file path=customXml/itemProps83.xml><?xml version="1.0" encoding="utf-8"?>
+<ds:datastoreItem xmlns:ds="http://schemas.openxmlformats.org/officeDocument/2006/customXml" ds:itemID="{4810F662-2A18-47BF-912B-DBA959C0EF5F}">
+  <ds:schemaRefs>
+    <ds:schemaRef ds:uri="http://schemas.microsoft.com/VisualStudio/2011/storyboarding/control"/>
+  </ds:schemaRefs>
+</ds:datastoreItem>
+</file>
+
+<file path=customXml/itemProps84.xml><?xml version="1.0" encoding="utf-8"?>
+<ds:datastoreItem xmlns:ds="http://schemas.openxmlformats.org/officeDocument/2006/customXml" ds:itemID="{2C81830F-C933-47DD-8E82-F7A60A73E7F6}">
+  <ds:schemaRefs>
+    <ds:schemaRef ds:uri="http://schemas.microsoft.com/VisualStudio/2011/storyboarding/control"/>
+  </ds:schemaRefs>
+</ds:datastoreItem>
+</file>
+
+<file path=customXml/itemProps85.xml><?xml version="1.0" encoding="utf-8"?>
+<ds:datastoreItem xmlns:ds="http://schemas.openxmlformats.org/officeDocument/2006/customXml" ds:itemID="{8AB21784-DCD5-4DDE-ADA2-E306BC4E6017}">
+  <ds:schemaRefs>
+    <ds:schemaRef ds:uri="http://schemas.microsoft.com/VisualStudio/2011/storyboarding/control"/>
+  </ds:schemaRefs>
+</ds:datastoreItem>
+</file>
+
+<file path=customXml/itemProps86.xml><?xml version="1.0" encoding="utf-8"?>
+<ds:datastoreItem xmlns:ds="http://schemas.openxmlformats.org/officeDocument/2006/customXml" ds:itemID="{71017646-8211-4411-8CC5-F15B4E09B292}">
+  <ds:schemaRefs>
+    <ds:schemaRef ds:uri="http://schemas.microsoft.com/VisualStudio/2011/storyboarding/control"/>
+  </ds:schemaRefs>
+</ds:datastoreItem>
+</file>
+
+<file path=customXml/itemProps87.xml><?xml version="1.0" encoding="utf-8"?>
+<ds:datastoreItem xmlns:ds="http://schemas.openxmlformats.org/officeDocument/2006/customXml" ds:itemID="{40911195-855E-4B53-92C7-777DB6D09241}">
+  <ds:schemaRefs>
+    <ds:schemaRef ds:uri="http://schemas.microsoft.com/VisualStudio/2011/storyboarding/control"/>
+  </ds:schemaRefs>
+</ds:datastoreItem>
+</file>
+
+<file path=customXml/itemProps88.xml><?xml version="1.0" encoding="utf-8"?>
+<ds:datastoreItem xmlns:ds="http://schemas.openxmlformats.org/officeDocument/2006/customXml" ds:itemID="{988ADB28-05F2-4952-AC28-BD2B58AF155C}">
+  <ds:schemaRefs>
+    <ds:schemaRef ds:uri="http://schemas.microsoft.com/VisualStudio/2011/storyboarding/control"/>
+  </ds:schemaRefs>
+</ds:datastoreItem>
+</file>
+
+<file path=customXml/itemProps89.xml><?xml version="1.0" encoding="utf-8"?>
+<ds:datastoreItem xmlns:ds="http://schemas.openxmlformats.org/officeDocument/2006/customXml" ds:itemID="{DB7C69F6-3835-4DBB-A271-3F12B6668C77}">
+  <ds:schemaRefs>
+    <ds:schemaRef ds:uri="http://schemas.microsoft.com/VisualStudio/2011/storyboarding/control"/>
+  </ds:schemaRefs>
+</ds:datastoreItem>
+</file>
+
+<file path=customXml/itemProps9.xml><?xml version="1.0" encoding="utf-8"?>
+<ds:datastoreItem xmlns:ds="http://schemas.openxmlformats.org/officeDocument/2006/customXml" ds:itemID="{F20E0D17-C8BE-4932-838E-59A067F5C99E}">
+  <ds:schemaRefs>
+    <ds:schemaRef ds:uri="http://schemas.microsoft.com/VisualStudio/2011/storyboarding/control"/>
+  </ds:schemaRefs>
+</ds:datastoreItem>
+</file>
+
+<file path=customXml/itemProps90.xml><?xml version="1.0" encoding="utf-8"?>
+<ds:datastoreItem xmlns:ds="http://schemas.openxmlformats.org/officeDocument/2006/customXml" ds:itemID="{1C298D25-7E6D-413C-B679-6E00563C62F4}">
+  <ds:schemaRefs>
+    <ds:schemaRef ds:uri="http://schemas.microsoft.com/VisualStudio/2011/storyboarding/control"/>
+  </ds:schemaRefs>
+</ds:datastoreItem>
+</file>
+
+<file path=customXml/itemProps91.xml><?xml version="1.0" encoding="utf-8"?>
+<ds:datastoreItem xmlns:ds="http://schemas.openxmlformats.org/officeDocument/2006/customXml" ds:itemID="{B37FA282-2A25-47C6-9B68-851148330B3A}">
+  <ds:schemaRefs>
+    <ds:schemaRef ds:uri="http://schemas.microsoft.com/VisualStudio/2011/storyboarding/control"/>
+  </ds:schemaRefs>
+</ds:datastoreItem>
+</file>
+
+<file path=customXml/itemProps92.xml><?xml version="1.0" encoding="utf-8"?>
+<ds:datastoreItem xmlns:ds="http://schemas.openxmlformats.org/officeDocument/2006/customXml" ds:itemID="{AB1972CE-E705-4FEC-B4C4-E5DCAF29C87F}">
+  <ds:schemaRefs>
+    <ds:schemaRef ds:uri="http://schemas.microsoft.com/VisualStudio/2011/storyboarding/control"/>
+  </ds:schemaRefs>
+</ds:datastoreItem>
+</file>
+
+<file path=customXml/itemProps93.xml><?xml version="1.0" encoding="utf-8"?>
+<ds:datastoreItem xmlns:ds="http://schemas.openxmlformats.org/officeDocument/2006/customXml" ds:itemID="{834AF61E-1B2B-49A5-B39E-DB323F7D7167}">
+  <ds:schemaRefs>
+    <ds:schemaRef ds:uri="http://schemas.microsoft.com/VisualStudio/2011/storyboarding/control"/>
+  </ds:schemaRefs>
+</ds:datastoreItem>
+</file>
+
+<file path=customXml/itemProps94.xml><?xml version="1.0" encoding="utf-8"?>
+<ds:datastoreItem xmlns:ds="http://schemas.openxmlformats.org/officeDocument/2006/customXml" ds:itemID="{56C87F8C-97BE-4602-963E-83F9EF83749A}">
+  <ds:schemaRefs>
+    <ds:schemaRef ds:uri="http://schemas.microsoft.com/VisualStudio/2011/storyboarding/control"/>
+  </ds:schemaRefs>
+</ds:datastoreItem>
+</file>
+
+<file path=customXml/itemProps95.xml><?xml version="1.0" encoding="utf-8"?>
+<ds:datastoreItem xmlns:ds="http://schemas.openxmlformats.org/officeDocument/2006/customXml" ds:itemID="{182F9DC1-0FE6-44F8-BA1F-BBCE29B65CC3}">
+  <ds:schemaRefs>
+    <ds:schemaRef ds:uri="http://schemas.microsoft.com/VisualStudio/2011/storyboarding/control"/>
+  </ds:schemaRefs>
+</ds:datastoreItem>
+</file>
+
+<file path=customXml/itemProps96.xml><?xml version="1.0" encoding="utf-8"?>
+<ds:datastoreItem xmlns:ds="http://schemas.openxmlformats.org/officeDocument/2006/customXml" ds:itemID="{E5E2B166-B97D-4788-837F-1FC5EABE7C64}">
+  <ds:schemaRefs>
+    <ds:schemaRef ds:uri="http://schemas.microsoft.com/VisualStudio/2011/storyboarding/control"/>
+  </ds:schemaRefs>
+</ds:datastoreItem>
+</file>
+
+<file path=customXml/itemProps97.xml><?xml version="1.0" encoding="utf-8"?>
+<ds:datastoreItem xmlns:ds="http://schemas.openxmlformats.org/officeDocument/2006/customXml" ds:itemID="{214BD403-EC7B-4CB1-8CFA-9CFDDF13C0A3}">
+  <ds:schemaRefs>
+    <ds:schemaRef ds:uri="http://schemas.microsoft.com/VisualStudio/2011/storyboarding/control"/>
+  </ds:schemaRefs>
+</ds:datastoreItem>
+</file>
+
+<file path=customXml/itemProps98.xml><?xml version="1.0" encoding="utf-8"?>
+<ds:datastoreItem xmlns:ds="http://schemas.openxmlformats.org/officeDocument/2006/customXml" ds:itemID="{B8435363-5092-430A-9A3C-4E5226E7F489}">
+  <ds:schemaRefs>
+    <ds:schemaRef ds:uri="http://schemas.microsoft.com/VisualStudio/2011/storyboarding/control"/>
+  </ds:schemaRefs>
+</ds:datastoreItem>
+</file>
+
+<file path=customXml/itemProps99.xml><?xml version="1.0" encoding="utf-8"?>
 <ds:datastoreItem xmlns:ds="http://schemas.openxmlformats.org/officeDocument/2006/customXml" ds:itemID="{B943B8D4-C15F-4FA7-8ABF-BFC9F64D467E}">
   <ds:schemaRefs>
     <ds:schemaRef ds:uri="http://schemas.microsoft.com/VisualStudio/2011/storyboarding/control"/>
   </ds:schemaRefs>
 </ds:datastoreItem>
-</file>
-
-<file path=customXml/itemProps168.xml><?xml version="1.0" encoding="utf-8"?>
-<ds:datastoreItem xmlns:ds="http://schemas.openxmlformats.org/officeDocument/2006/customXml" ds:itemID="{EDA7CE4B-D6D1-4674-BD98-10F22632E88C}">
-  <ds:schemaRefs>
-    <ds:schemaRef ds:uri="http://schemas.microsoft.com/VisualStudio/2011/storyboarding/control"/>
-  </ds:schemaRefs>
-</ds:datastoreItem>
-</file>
-
-<file path=customXml/itemProps169.xml><?xml version="1.0" encoding="utf-8"?>
-<ds:datastoreItem xmlns:ds="http://schemas.openxmlformats.org/officeDocument/2006/customXml" ds:itemID="{9F12F108-B585-48FD-B3F2-462221297B10}">
-  <ds:schemaRefs>
-    <ds:schemaRef ds:uri="http://schemas.microsoft.com/VisualStudio/2011/storyboarding/control"/>
-  </ds:schemaRefs>
-</ds:datastoreItem>
-</file>
-
-<file path=customXml/itemProps17.xml><?xml version="1.0" encoding="utf-8"?>
-<ds:datastoreItem xmlns:ds="http://schemas.openxmlformats.org/officeDocument/2006/customXml" ds:itemID="{9DF914A3-A623-470A-920C-AB2740CDE79E}">
-  <ds:schemaRefs>
-    <ds:schemaRef ds:uri="http://schemas.microsoft.com/VisualStudio/2011/storyboarding/control"/>
-  </ds:schemaRefs>
-</ds:datastoreItem>
-</file>
-
-<file path=customXml/itemProps170.xml><?xml version="1.0" encoding="utf-8"?>
-<ds:datastoreItem xmlns:ds="http://schemas.openxmlformats.org/officeDocument/2006/customXml" ds:itemID="{50E4F24D-6148-4E79-9D1B-789E7A7F574B}">
-  <ds:schemaRefs>
-    <ds:schemaRef ds:uri="http://schemas.microsoft.com/VisualStudio/2011/storyboarding/control"/>
-  </ds:schemaRefs>
-</ds:datastoreItem>
-</file>
-
-<file path=customXml/itemProps171.xml><?xml version="1.0" encoding="utf-8"?>
-<ds:datastoreItem xmlns:ds="http://schemas.openxmlformats.org/officeDocument/2006/customXml" ds:itemID="{5FD346BE-E453-4BE6-AF95-D7F95C43D01A}">
-  <ds:schemaRefs>
-    <ds:schemaRef ds:uri="http://schemas.microsoft.com/VisualStudio/2011/storyboarding/control"/>
-  </ds:schemaRefs>
-</ds:datastoreItem>
-</file>
-
-<file path=customXml/itemProps172.xml><?xml version="1.0" encoding="utf-8"?>
-<ds:datastoreItem xmlns:ds="http://schemas.openxmlformats.org/officeDocument/2006/customXml" ds:itemID="{2C81830F-C933-47DD-8E82-F7A60A73E7F6}">
-  <ds:schemaRefs>
-    <ds:schemaRef ds:uri="http://schemas.microsoft.com/VisualStudio/2011/storyboarding/control"/>
-  </ds:schemaRefs>
-</ds:datastoreItem>
-</file>
-
-<file path=customXml/itemProps173.xml><?xml version="1.0" encoding="utf-8"?>
-<ds:datastoreItem xmlns:ds="http://schemas.openxmlformats.org/officeDocument/2006/customXml" ds:itemID="{3549F5EB-03E0-4800-ADE0-47727B1CCABD}">
-  <ds:schemaRefs>
-    <ds:schemaRef ds:uri="http://schemas.microsoft.com/VisualStudio/2011/storyboarding/control"/>
-  </ds:schemaRefs>
-</ds:datastoreItem>
-</file>
-
-<file path=customXml/itemProps18.xml><?xml version="1.0" encoding="utf-8"?>
-<ds:datastoreItem xmlns:ds="http://schemas.openxmlformats.org/officeDocument/2006/customXml" ds:itemID="{71017646-8211-4411-8CC5-F15B4E09B292}">
-  <ds:schemaRefs>
-    <ds:schemaRef ds:uri="http://schemas.microsoft.com/VisualStudio/2011/storyboarding/control"/>
-  </ds:schemaRefs>
-</ds:datastoreItem>
-</file>
-
-<file path=customXml/itemProps19.xml><?xml version="1.0" encoding="utf-8"?>
-<ds:datastoreItem xmlns:ds="http://schemas.openxmlformats.org/officeDocument/2006/customXml" ds:itemID="{253EE405-832B-48D6-8500-D0F6A51BDB15}">
-  <ds:schemaRefs>
-    <ds:schemaRef ds:uri="http://schemas.microsoft.com/VisualStudio/2011/storyboarding/control"/>
-  </ds:schemaRefs>
-</ds:datastoreItem>
-</file>
-
-<file path=customXml/itemProps2.xml><?xml version="1.0" encoding="utf-8"?>
-<ds:datastoreItem xmlns:ds="http://schemas.openxmlformats.org/officeDocument/2006/customXml" ds:itemID="{3A2BFA52-4A3E-462F-B1E6-D85E5E995C70}">
-  <ds:schemaRefs>
-    <ds:schemaRef ds:uri="http://schemas.microsoft.com/VisualStudio/2011/storyboarding/control"/>
-  </ds:schemaRefs>
-</ds:datastoreItem>
-</file>
-
-<file path=customXml/itemProps20.xml><?xml version="1.0" encoding="utf-8"?>
-<ds:datastoreItem xmlns:ds="http://schemas.openxmlformats.org/officeDocument/2006/customXml" ds:itemID="{2195D455-7A95-4EAE-A9E7-A402096C1047}">
-  <ds:schemaRefs>
-    <ds:schemaRef ds:uri="http://schemas.microsoft.com/VisualStudio/2011/storyboarding/control"/>
-  </ds:schemaRefs>
-</ds:datastoreItem>
-</file>
-
-<file path=customXml/itemProps21.xml><?xml version="1.0" encoding="utf-8"?>
-<ds:datastoreItem xmlns:ds="http://schemas.openxmlformats.org/officeDocument/2006/customXml" ds:itemID="{314813DF-888E-40A9-98D9-E695A4B0AB26}">
-  <ds:schemaRefs>
-    <ds:schemaRef ds:uri="http://schemas.microsoft.com/VisualStudio/2011/storyboarding/control"/>
-  </ds:schemaRefs>
-</ds:datastoreItem>
-</file>
-
-<file path=customXml/itemProps22.xml><?xml version="1.0" encoding="utf-8"?>
-<ds:datastoreItem xmlns:ds="http://schemas.openxmlformats.org/officeDocument/2006/customXml" ds:itemID="{86D2BAB8-3F3D-4719-A5D8-DE2FF41E16E8}">
-  <ds:schemaRefs>
-    <ds:schemaRef ds:uri="http://schemas.microsoft.com/VisualStudio/2011/storyboarding/control"/>
-  </ds:schemaRefs>
-</ds:datastoreItem>
-</file>
-
-<file path=customXml/itemProps23.xml><?xml version="1.0" encoding="utf-8"?>
-<ds:datastoreItem xmlns:ds="http://schemas.openxmlformats.org/officeDocument/2006/customXml" ds:itemID="{D980DD72-5243-4234-9BB8-207FBC271851}">
-  <ds:schemaRefs>
-    <ds:schemaRef ds:uri="http://schemas.microsoft.com/VisualStudio/2011/storyboarding/control"/>
-  </ds:schemaRefs>
-</ds:datastoreItem>
-</file>
-
-<file path=customXml/itemProps24.xml><?xml version="1.0" encoding="utf-8"?>
-<ds:datastoreItem xmlns:ds="http://schemas.openxmlformats.org/officeDocument/2006/customXml" ds:itemID="{D6B004F4-612C-4678-9C91-A32C1118C303}">
-  <ds:schemaRefs>
-    <ds:schemaRef ds:uri="http://schemas.microsoft.com/VisualStudio/2011/storyboarding/control"/>
-  </ds:schemaRefs>
-</ds:datastoreItem>
-</file>
-
-<file path=customXml/itemProps25.xml><?xml version="1.0" encoding="utf-8"?>
-<ds:datastoreItem xmlns:ds="http://schemas.openxmlformats.org/officeDocument/2006/customXml" ds:itemID="{0366E824-7EF4-42AC-8B52-EB5A5245210D}">
-  <ds:schemaRefs>
-    <ds:schemaRef ds:uri="http://schemas.microsoft.com/VisualStudio/2011/storyboarding/control"/>
-  </ds:schemaRefs>
-</ds:datastoreItem>
-</file>
-
-<file path=customXml/itemProps26.xml><?xml version="1.0" encoding="utf-8"?>
-<ds:datastoreItem xmlns:ds="http://schemas.openxmlformats.org/officeDocument/2006/customXml" ds:itemID="{3CA2419A-9F14-4C85-A58F-75A1F119CFF3}">
-  <ds:schemaRefs>
-    <ds:schemaRef ds:uri="http://schemas.microsoft.com/VisualStudio/2011/storyboarding/control"/>
-  </ds:schemaRefs>
-</ds:datastoreItem>
-</file>
-
-<file path=customXml/itemProps27.xml><?xml version="1.0" encoding="utf-8"?>
-<ds:datastoreItem xmlns:ds="http://schemas.openxmlformats.org/officeDocument/2006/customXml" ds:itemID="{303CECB1-017C-45E1-B570-8C44C98C315A}">
-  <ds:schemaRefs>
-    <ds:schemaRef ds:uri="http://schemas.microsoft.com/VisualStudio/2011/storyboarding/control"/>
-  </ds:schemaRefs>
-</ds:datastoreItem>
-</file>
-
-<file path=customXml/itemProps28.xml><?xml version="1.0" encoding="utf-8"?>
-<ds:datastoreItem xmlns:ds="http://schemas.openxmlformats.org/officeDocument/2006/customXml" ds:itemID="{322101A8-15C7-4FBB-9D63-262FD51265ED}">
-  <ds:schemaRefs>
-    <ds:schemaRef ds:uri="http://schemas.microsoft.com/VisualStudio/2011/storyboarding/control"/>
-  </ds:schemaRefs>
-</ds:datastoreItem>
-</file>
-
-<file path=customXml/itemProps29.xml><?xml version="1.0" encoding="utf-8"?>
-<ds:datastoreItem xmlns:ds="http://schemas.openxmlformats.org/officeDocument/2006/customXml" ds:itemID="{5516EA6B-196E-4D6E-8253-18BAC0EF962D}">
-  <ds:schemaRefs>
-    <ds:schemaRef ds:uri="http://schemas.microsoft.com/VisualStudio/2011/storyboarding/control"/>
-  </ds:schemaRefs>
-</ds:datastoreItem>
-</file>
-
-<file path=customXml/itemProps3.xml><?xml version="1.0" encoding="utf-8"?>
-<ds:datastoreItem xmlns:ds="http://schemas.openxmlformats.org/officeDocument/2006/customXml" ds:itemID="{2F74691C-D5AA-40DA-97AB-FE01A539C04A}">
-  <ds:schemaRefs>
-    <ds:schemaRef ds:uri="http://schemas.microsoft.com/VisualStudio/2011/storyboarding/control"/>
-  </ds:schemaRefs>
-</ds:datastoreItem>
-</file>
-
-<file path=customXml/itemProps30.xml><?xml version="1.0" encoding="utf-8"?>
-<ds:datastoreItem xmlns:ds="http://schemas.openxmlformats.org/officeDocument/2006/customXml" ds:itemID="{860ED1DF-12F7-41CD-AC3D-3D47A69BAF47}">
-  <ds:schemaRefs>
-    <ds:schemaRef ds:uri="http://schemas.microsoft.com/VisualStudio/2011/storyboarding/control"/>
-  </ds:schemaRefs>
-</ds:datastoreItem>
-</file>
-
-<file path=customXml/itemProps31.xml><?xml version="1.0" encoding="utf-8"?>
-<ds:datastoreItem xmlns:ds="http://schemas.openxmlformats.org/officeDocument/2006/customXml" ds:itemID="{44D58D84-D136-4CE4-B745-4C744F62BBCD}">
-  <ds:schemaRefs>
-    <ds:schemaRef ds:uri="http://schemas.microsoft.com/VisualStudio/2011/storyboarding/control"/>
-  </ds:schemaRefs>
-</ds:datastoreItem>
-</file>
-
-<file path=customXml/itemProps32.xml><?xml version="1.0" encoding="utf-8"?>
-<ds:datastoreItem xmlns:ds="http://schemas.openxmlformats.org/officeDocument/2006/customXml" ds:itemID="{8016485D-1097-4E97-9016-A7B23DE48229}">
-  <ds:schemaRefs>
-    <ds:schemaRef ds:uri="http://schemas.microsoft.com/VisualStudio/2011/storyboarding/control"/>
-  </ds:schemaRefs>
-</ds:datastoreItem>
-</file>
-
-<file path=customXml/itemProps33.xml><?xml version="1.0" encoding="utf-8"?>
-<ds:datastoreItem xmlns:ds="http://schemas.openxmlformats.org/officeDocument/2006/customXml" ds:itemID="{841CD4AF-E83E-469A-964C-B17C92F10E8E}">
-  <ds:schemaRefs>
-    <ds:schemaRef ds:uri="http://schemas.microsoft.com/VisualStudio/2011/storyboarding/control"/>
-  </ds:schemaRefs>
-</ds:datastoreItem>
-</file>
-
-<file path=customXml/itemProps34.xml><?xml version="1.0" encoding="utf-8"?>
-<ds:datastoreItem xmlns:ds="http://schemas.openxmlformats.org/officeDocument/2006/customXml" ds:itemID="{DB7C69F6-3835-4DBB-A271-3F12B6668C77}">
-  <ds:schemaRefs>
-    <ds:schemaRef ds:uri="http://schemas.microsoft.com/VisualStudio/2011/storyboarding/control"/>
-  </ds:schemaRefs>
-</ds:datastoreItem>
-</file>
-
-<file path=customXml/itemProps35.xml><?xml version="1.0" encoding="utf-8"?>
-<ds:datastoreItem xmlns:ds="http://schemas.openxmlformats.org/officeDocument/2006/customXml" ds:itemID="{BC2B38A2-BD79-41B3-82F7-A0B6256A90A7}">
-  <ds:schemaRefs>
-    <ds:schemaRef ds:uri="http://schemas.microsoft.com/VisualStudio/2011/storyboarding/control"/>
-  </ds:schemaRefs>
-</ds:datastoreItem>
-</file>
-
-<file path=customXml/itemProps36.xml><?xml version="1.0" encoding="utf-8"?>
-<ds:datastoreItem xmlns:ds="http://schemas.openxmlformats.org/officeDocument/2006/customXml" ds:itemID="{AB2C5266-A809-4630-A80F-57ECBE121C80}">
-  <ds:schemaRefs>
-    <ds:schemaRef ds:uri="http://schemas.microsoft.com/VisualStudio/2011/storyboarding/control"/>
-  </ds:schemaRefs>
-</ds:datastoreItem>
-</file>
-
-<file path=customXml/itemProps37.xml><?xml version="1.0" encoding="utf-8"?>
-<ds:datastoreItem xmlns:ds="http://schemas.openxmlformats.org/officeDocument/2006/customXml" ds:itemID="{779D6FE4-456B-49B9-830E-6559B351BF40}">
-  <ds:schemaRefs>
-    <ds:schemaRef ds:uri="http://schemas.microsoft.com/VisualStudio/2011/storyboarding/control"/>
-  </ds:schemaRefs>
-</ds:datastoreItem>
-</file>
-
-<file path=customXml/itemProps38.xml><?xml version="1.0" encoding="utf-8"?>
-<ds:datastoreItem xmlns:ds="http://schemas.openxmlformats.org/officeDocument/2006/customXml" ds:itemID="{4830D8E8-EF8D-4827-A0B7-C4F0E345C881}">
-  <ds:schemaRefs>
-    <ds:schemaRef ds:uri="http://schemas.microsoft.com/VisualStudio/2011/storyboarding/control"/>
-  </ds:schemaRefs>
-</ds:datastoreItem>
-</file>
-
-<file path=customXml/itemProps39.xml><?xml version="1.0" encoding="utf-8"?>
-<ds:datastoreItem xmlns:ds="http://schemas.openxmlformats.org/officeDocument/2006/customXml" ds:itemID="{40911195-855E-4B53-92C7-777DB6D09241}">
-  <ds:schemaRefs>
-    <ds:schemaRef ds:uri="http://schemas.microsoft.com/VisualStudio/2011/storyboarding/control"/>
-  </ds:schemaRefs>
-</ds:datastoreItem>
-</file>
-
-<file path=customXml/itemProps4.xml><?xml version="1.0" encoding="utf-8"?>
-<ds:datastoreItem xmlns:ds="http://schemas.openxmlformats.org/officeDocument/2006/customXml" ds:itemID="{1460E81C-73A8-4FED-A025-A889D34F9ED6}">
-  <ds:schemaRefs>
-    <ds:schemaRef ds:uri="http://schemas.microsoft.com/VisualStudio/2011/storyboarding/control"/>
-  </ds:schemaRefs>
-</ds:datastoreItem>
-</file>
-
-<file path=customXml/itemProps40.xml><?xml version="1.0" encoding="utf-8"?>
-<ds:datastoreItem xmlns:ds="http://schemas.openxmlformats.org/officeDocument/2006/customXml" ds:itemID="{0DB6FDB1-69E5-45C1-AF3F-BDD1DEB2EB9B}">
-  <ds:schemaRefs>
-    <ds:schemaRef ds:uri="http://schemas.microsoft.com/VisualStudio/2011/storyboarding/control"/>
-  </ds:schemaRefs>
-</ds:datastoreItem>
-</file>
-
-<file path=customXml/itemProps41.xml><?xml version="1.0" encoding="utf-8"?>
-<ds:datastoreItem xmlns:ds="http://schemas.openxmlformats.org/officeDocument/2006/customXml" ds:itemID="{961AABDC-3706-4EAF-A783-B70448E2BA8C}">
-  <ds:schemaRefs>
-    <ds:schemaRef ds:uri="http://schemas.microsoft.com/VisualStudio/2011/storyboarding/control"/>
-  </ds:schemaRefs>
-</ds:datastoreItem>
-</file>
-
-<file path=customXml/itemProps42.xml><?xml version="1.0" encoding="utf-8"?>
-<ds:datastoreItem xmlns:ds="http://schemas.openxmlformats.org/officeDocument/2006/customXml" ds:itemID="{D167DA7F-5DA9-420E-8292-FCD808F255A6}">
-  <ds:schemaRefs>
-    <ds:schemaRef ds:uri="http://schemas.microsoft.com/VisualStudio/2011/storyboarding/control"/>
-  </ds:schemaRefs>
-</ds:datastoreItem>
-</file>
-
-<file path=customXml/itemProps43.xml><?xml version="1.0" encoding="utf-8"?>
-<ds:datastoreItem xmlns:ds="http://schemas.openxmlformats.org/officeDocument/2006/customXml" ds:itemID="{01B0BBFE-9EDD-44BD-9B83-BC4C513A961D}">
-  <ds:schemaRefs>
-    <ds:schemaRef ds:uri="http://schemas.microsoft.com/VisualStudio/2011/storyboarding/control"/>
-  </ds:schemaRefs>
-</ds:datastoreItem>
-</file>
-
-<file path=customXml/itemProps44.xml><?xml version="1.0" encoding="utf-8"?>
-<ds:datastoreItem xmlns:ds="http://schemas.openxmlformats.org/officeDocument/2006/customXml" ds:itemID="{4AFC922A-AF70-48BF-B505-87C1A1C0C534}">
-  <ds:schemaRefs>
-    <ds:schemaRef ds:uri="http://schemas.microsoft.com/VisualStudio/2011/storyboarding/control"/>
-  </ds:schemaRefs>
-</ds:datastoreItem>
-</file>
-
-<file path=customXml/itemProps45.xml><?xml version="1.0" encoding="utf-8"?>
-<ds:datastoreItem xmlns:ds="http://schemas.openxmlformats.org/officeDocument/2006/customXml" ds:itemID="{93F9C43D-5C90-427C-B551-0016A0BC7F6D}">
-  <ds:schemaRefs>
-    <ds:schemaRef ds:uri="http://schemas.microsoft.com/VisualStudio/2011/storyboarding/control"/>
-  </ds:schemaRefs>
-</ds:datastoreItem>
-</file>
-
-<file path=customXml/itemProps46.xml><?xml version="1.0" encoding="utf-8"?>
-<ds:datastoreItem xmlns:ds="http://schemas.openxmlformats.org/officeDocument/2006/customXml" ds:itemID="{A7B77CF9-0838-4CB4-B143-D45DF598F832}">
-  <ds:schemaRefs>
-    <ds:schemaRef ds:uri="http://schemas.microsoft.com/VisualStudio/2011/storyboarding/control"/>
-  </ds:schemaRefs>
-</ds:datastoreItem>
-</file>
-
-<file path=customXml/itemProps47.xml><?xml version="1.0" encoding="utf-8"?>
-<ds:datastoreItem xmlns:ds="http://schemas.openxmlformats.org/officeDocument/2006/customXml" ds:itemID="{EE2829B6-7882-4524-AA19-FB0AF59B96DA}">
-  <ds:schemaRefs>
-    <ds:schemaRef ds:uri="http://schemas.microsoft.com/VisualStudio/2011/storyboarding/control"/>
-  </ds:schemaRefs>
-</ds:datastoreItem>
-</file>
-
-<file path=customXml/itemProps48.xml><?xml version="1.0" encoding="utf-8"?>
-<ds:datastoreItem xmlns:ds="http://schemas.openxmlformats.org/officeDocument/2006/customXml" ds:itemID="{BC36EBC9-D612-4E2A-906D-76E47BD533FB}">
-  <ds:schemaRefs>
-    <ds:schemaRef ds:uri="http://schemas.microsoft.com/VisualStudio/2011/storyboarding/control"/>
-  </ds:schemaRefs>
-</ds:datastoreItem>
-</file>
-
-<file path=customXml/itemProps49.xml><?xml version="1.0" encoding="utf-8"?>
-<ds:datastoreItem xmlns:ds="http://schemas.openxmlformats.org/officeDocument/2006/customXml" ds:itemID="{7E83D04C-59A6-4511-A5A7-7D2C5EFFB063}">
-  <ds:schemaRefs>
-    <ds:schemaRef ds:uri="http://schemas.microsoft.com/VisualStudio/2011/storyboarding/control"/>
-  </ds:schemaRefs>
-</ds:datastoreItem>
-</file>
-
-<file path=customXml/itemProps5.xml><?xml version="1.0" encoding="utf-8"?>
-<ds:datastoreItem xmlns:ds="http://schemas.openxmlformats.org/officeDocument/2006/customXml" ds:itemID="{04A84746-C966-41AB-B7BB-7D0080E4DD05}">
-  <ds:schemaRefs>
-    <ds:schemaRef ds:uri="http://schemas.microsoft.com/VisualStudio/2011/storyboarding/control"/>
-  </ds:schemaRefs>
-</ds:datastoreItem>
-</file>
-
-<file path=customXml/itemProps50.xml><?xml version="1.0" encoding="utf-8"?>
-<ds:datastoreItem xmlns:ds="http://schemas.openxmlformats.org/officeDocument/2006/customXml" ds:itemID="{1C298D25-7E6D-413C-B679-6E00563C62F4}">
-  <ds:schemaRefs>
-    <ds:schemaRef ds:uri="http://schemas.microsoft.com/VisualStudio/2011/storyboarding/control"/>
-  </ds:schemaRefs>
-</ds:datastoreItem>
-</file>
-
-<file path=customXml/itemProps51.xml><?xml version="1.0" encoding="utf-8"?>
-<ds:datastoreItem xmlns:ds="http://schemas.openxmlformats.org/officeDocument/2006/customXml" ds:itemID="{518752C0-478A-40E9-B165-E6A02CF5CDCE}">
-  <ds:schemaRefs>
-    <ds:schemaRef ds:uri="http://schemas.microsoft.com/VisualStudio/2011/storyboarding/control"/>
-  </ds:schemaRefs>
-</ds:datastoreItem>
-</file>
-
-<file path=customXml/itemProps52.xml><?xml version="1.0" encoding="utf-8"?>
-<ds:datastoreItem xmlns:ds="http://schemas.openxmlformats.org/officeDocument/2006/customXml" ds:itemID="{07C3B091-09CA-4C61-B5E3-22E0717CE0A5}">
-  <ds:schemaRefs>
-    <ds:schemaRef ds:uri="http://schemas.microsoft.com/VisualStudio/2011/storyboarding/control"/>
-  </ds:schemaRefs>
-</ds:datastoreItem>
-</file>
-
-<file path=customXml/itemProps53.xml><?xml version="1.0" encoding="utf-8"?>
-<ds:datastoreItem xmlns:ds="http://schemas.openxmlformats.org/officeDocument/2006/customXml" ds:itemID="{E8316EDB-CA88-4711-BEC6-B4CD89CC0CC0}">
-  <ds:schemaRefs>
-    <ds:schemaRef ds:uri="http://schemas.microsoft.com/VisualStudio/2011/storyboarding/control"/>
-  </ds:schemaRefs>
-</ds:datastoreItem>
-</file>
-
-<file path=customXml/itemProps54.xml><?xml version="1.0" encoding="utf-8"?>
-<ds:datastoreItem xmlns:ds="http://schemas.openxmlformats.org/officeDocument/2006/customXml" ds:itemID="{C4F08E0A-31F4-4462-9CDE-78A47A65F8C8}">
-  <ds:schemaRefs>
-    <ds:schemaRef ds:uri="http://schemas.microsoft.com/VisualStudio/2011/storyboarding/control"/>
-  </ds:schemaRefs>
-</ds:datastoreItem>
-</file>
-
-<file path=customXml/itemProps55.xml><?xml version="1.0" encoding="utf-8"?>
-<ds:datastoreItem xmlns:ds="http://schemas.openxmlformats.org/officeDocument/2006/customXml" ds:itemID="{B37FA282-2A25-47C6-9B68-851148330B3A}">
-  <ds:schemaRefs>
-    <ds:schemaRef ds:uri="http://schemas.microsoft.com/VisualStudio/2011/storyboarding/control"/>
-  </ds:schemaRefs>
-</ds:datastoreItem>
-</file>
-
-<file path=customXml/itemProps56.xml><?xml version="1.0" encoding="utf-8"?>
-<ds:datastoreItem xmlns:ds="http://schemas.openxmlformats.org/officeDocument/2006/customXml" ds:itemID="{DF7457C2-8445-4FA9-8E4C-0A4F370B6BA0}">
-  <ds:schemaRefs>
-    <ds:schemaRef ds:uri="http://schemas.microsoft.com/VisualStudio/2011/storyboarding/control"/>
-  </ds:schemaRefs>
-</ds:datastoreItem>
-</file>
-
-<file path=customXml/itemProps57.xml><?xml version="1.0" encoding="utf-8"?>
-<ds:datastoreItem xmlns:ds="http://schemas.openxmlformats.org/officeDocument/2006/customXml" ds:itemID="{FC6911CC-18AC-4072-B2A0-2FD713CE1B1B}">
-  <ds:schemaRefs>
-    <ds:schemaRef ds:uri="http://schemas.microsoft.com/VisualStudio/2011/storyboarding/control"/>
-  </ds:schemaRefs>
-</ds:datastoreItem>
-</file>
-
-<file path=customXml/itemProps58.xml><?xml version="1.0" encoding="utf-8"?>
-<ds:datastoreItem xmlns:ds="http://schemas.openxmlformats.org/officeDocument/2006/customXml" ds:itemID="{7EAAAC69-703D-4617-9F46-F082D2053DF0}">
-  <ds:schemaRefs>
-    <ds:schemaRef ds:uri="http://schemas.microsoft.com/VisualStudio/2011/storyboarding/control"/>
-  </ds:schemaRefs>
-</ds:datastoreItem>
-</file>
-
-<file path=customXml/itemProps59.xml><?xml version="1.0" encoding="utf-8"?>
-<ds:datastoreItem xmlns:ds="http://schemas.openxmlformats.org/officeDocument/2006/customXml" ds:itemID="{B0C10DCC-B9DF-4B43-9AFE-69D1879B6E37}">
-  <ds:schemaRefs>
-    <ds:schemaRef ds:uri="http://schemas.microsoft.com/VisualStudio/2011/storyboarding/control"/>
-  </ds:schemaRefs>
-</ds:datastoreItem>
-</file>
-
-<file path=customXml/itemProps6.xml><?xml version="1.0" encoding="utf-8"?>
-<ds:datastoreItem xmlns:ds="http://schemas.openxmlformats.org/officeDocument/2006/customXml" ds:itemID="{6F8F7BF1-32E3-48F7-A0BA-7E78CEBCFD80}">
-  <ds:schemaRefs>
-    <ds:schemaRef ds:uri="http://schemas.microsoft.com/VisualStudio/2011/storyboarding/control"/>
-  </ds:schemaRefs>
-</ds:datastoreItem>
-</file>
-
-<file path=customXml/itemProps60.xml><?xml version="1.0" encoding="utf-8"?>
-<ds:datastoreItem xmlns:ds="http://schemas.openxmlformats.org/officeDocument/2006/customXml" ds:itemID="{A8B11117-768F-4020-BD1C-EA7933B524D4}">
-  <ds:schemaRefs>
-    <ds:schemaRef ds:uri="http://schemas.microsoft.com/VisualStudio/2011/storyboarding/control"/>
-  </ds:schemaRefs>
-</ds:datastoreItem>
-</file>
-
-<file path=customXml/itemProps61.xml><?xml version="1.0" encoding="utf-8"?>
-<ds:datastoreItem xmlns:ds="http://schemas.openxmlformats.org/officeDocument/2006/customXml" ds:itemID="{8D1EB095-65F0-439A-A38C-3A455E481048}">
-  <ds:schemaRefs>
-    <ds:schemaRef ds:uri="http://schemas.microsoft.com/VisualStudio/2011/storyboarding/control"/>
-  </ds:schemaRefs>
-</ds:datastoreItem>
-</file>
-
-<file path=customXml/itemProps62.xml><?xml version="1.0" encoding="utf-8"?>
-<ds:datastoreItem xmlns:ds="http://schemas.openxmlformats.org/officeDocument/2006/customXml" ds:itemID="{67D13DAD-264E-4CF4-8001-60B63768083D}">
-  <ds:schemaRefs>
-    <ds:schemaRef ds:uri="http://schemas.microsoft.com/VisualStudio/2011/storyboarding/control"/>
-  </ds:schemaRefs>
-</ds:datastoreItem>
-</file>
-
-<file path=customXml/itemProps63.xml><?xml version="1.0" encoding="utf-8"?>
-<ds:datastoreItem xmlns:ds="http://schemas.openxmlformats.org/officeDocument/2006/customXml" ds:itemID="{0242254C-4EAB-483F-9491-395512021D08}">
-  <ds:schemaRefs>
-    <ds:schemaRef ds:uri="http://schemas.microsoft.com/VisualStudio/2011/storyboarding/control"/>
-  </ds:schemaRefs>
-</ds:datastoreItem>
-</file>
-
-<file path=customXml/itemProps64.xml><?xml version="1.0" encoding="utf-8"?>
-<ds:datastoreItem xmlns:ds="http://schemas.openxmlformats.org/officeDocument/2006/customXml" ds:itemID="{7A0AC39D-6F0F-48A2-91C6-62E4D5575192}">
-  <ds:schemaRefs>
-    <ds:schemaRef ds:uri="http://schemas.microsoft.com/VisualStudio/2011/storyboarding/control"/>
-  </ds:schemaRefs>
-</ds:datastoreItem>
-</file>
-
-<file path=customXml/itemProps65.xml><?xml version="1.0" encoding="utf-8"?>
-<ds:datastoreItem xmlns:ds="http://schemas.openxmlformats.org/officeDocument/2006/customXml" ds:itemID="{0EB4451E-DBC2-4630-AD8F-0142AD7AECAA}">
-  <ds:schemaRefs>
-    <ds:schemaRef ds:uri="http://schemas.microsoft.com/VisualStudio/2011/storyboarding/control"/>
-  </ds:schemaRefs>
-</ds:datastoreItem>
-</file>
-
-<file path=customXml/itemProps66.xml><?xml version="1.0" encoding="utf-8"?>
-<ds:datastoreItem xmlns:ds="http://schemas.openxmlformats.org/officeDocument/2006/customXml" ds:itemID="{F3ABC146-717A-4FBE-8C32-767C65FC75DF}">
-  <ds:schemaRefs>
-    <ds:schemaRef ds:uri="http://schemas.microsoft.com/VisualStudio/2011/storyboarding/control"/>
-  </ds:schemaRefs>
-</ds:datastoreItem>
-</file>
-
-<file path=customXml/itemProps67.xml><?xml version="1.0" encoding="utf-8"?>
-<ds:datastoreItem xmlns:ds="http://schemas.openxmlformats.org/officeDocument/2006/customXml" ds:itemID="{6B929A03-703C-44E6-9E22-D24F2EDCF6F2}">
-  <ds:schemaRefs>
-    <ds:schemaRef ds:uri="http://schemas.microsoft.com/VisualStudio/2011/storyboarding/control"/>
-  </ds:schemaRefs>
-</ds:datastoreItem>
-</file>
-
-<file path=customXml/itemProps68.xml><?xml version="1.0" encoding="utf-8"?>
-<ds:datastoreItem xmlns:ds="http://schemas.openxmlformats.org/officeDocument/2006/customXml" ds:itemID="{9B3565FA-C454-40E3-ACD1-0D7260C53661}">
-  <ds:schemaRefs>
-    <ds:schemaRef ds:uri="http://schemas.microsoft.com/VisualStudio/2011/storyboarding/control"/>
-  </ds:schemaRefs>
-</ds:datastoreItem>
-</file>
-
-<file path=customXml/itemProps69.xml><?xml version="1.0" encoding="utf-8"?>
-<ds:datastoreItem xmlns:ds="http://schemas.openxmlformats.org/officeDocument/2006/customXml" ds:itemID="{A8AF5176-016E-4AB6-AB48-7C277CD9E756}">
-  <ds:schemaRefs>
-    <ds:schemaRef ds:uri="http://schemas.microsoft.com/VisualStudio/2011/storyboarding/control"/>
-  </ds:schemaRefs>
-</ds:datastoreItem>
-</file>
-
-<file path=customXml/itemProps7.xml><?xml version="1.0" encoding="utf-8"?>
-<ds:datastoreItem xmlns:ds="http://schemas.openxmlformats.org/officeDocument/2006/customXml" ds:itemID="{2373A68B-B86F-473C-A00A-DA311A7118B3}">
-  <ds:schemaRefs>
-    <ds:schemaRef ds:uri="http://schemas.microsoft.com/VisualStudio/2011/storyboarding/control"/>
-  </ds:schemaRefs>
-</ds:datastoreItem>
-</file>
-
-<file path=customXml/itemProps70.xml><?xml version="1.0" encoding="utf-8"?>
-<ds:datastoreItem xmlns:ds="http://schemas.openxmlformats.org/officeDocument/2006/customXml" ds:itemID="{FEE750FE-FF4B-4BF2-833C-5E98F8D27C3B}">
-  <ds:schemaRefs>
-    <ds:schemaRef ds:uri="http://schemas.microsoft.com/VisualStudio/2011/storyboarding/control"/>
-  </ds:schemaRefs>
-</ds:datastoreItem>
-</file>
-
-<file path=customXml/itemProps71.xml><?xml version="1.0" encoding="utf-8"?>
-<ds:datastoreItem xmlns:ds="http://schemas.openxmlformats.org/officeDocument/2006/customXml" ds:itemID="{007D892C-5B31-44DA-9AD7-CEB1331B9DF6}">
-  <ds:schemaRefs>
-    <ds:schemaRef ds:uri="http://schemas.microsoft.com/VisualStudio/2011/storyboarding/control"/>
-  </ds:schemaRefs>
-</ds:datastoreItem>
-</file>
-
-<file path=customXml/itemProps72.xml><?xml version="1.0" encoding="utf-8"?>
-<ds:datastoreItem xmlns:ds="http://schemas.openxmlformats.org/officeDocument/2006/customXml" ds:itemID="{60C68249-7045-4E6B-AE89-025121D76D39}">
-  <ds:schemaRefs>
-    <ds:schemaRef ds:uri="http://schemas.microsoft.com/VisualStudio/2011/storyboarding/control"/>
-  </ds:schemaRefs>
-</ds:datastoreItem>
-</file>
-
-<file path=customXml/itemProps73.xml><?xml version="1.0" encoding="utf-8"?>
-<ds:datastoreItem xmlns:ds="http://schemas.openxmlformats.org/officeDocument/2006/customXml" ds:itemID="{4A387D48-D766-4B8F-B880-626B06B51C62}">
-  <ds:schemaRefs>
-    <ds:schemaRef ds:uri="http://schemas.microsoft.com/VisualStudio/2011/storyboarding/control"/>
-  </ds:schemaRefs>
-</ds:datastoreItem>
-</file>
-
-<file path=customXml/itemProps74.xml><?xml version="1.0" encoding="utf-8"?>
-<ds:datastoreItem xmlns:ds="http://schemas.openxmlformats.org/officeDocument/2006/customXml" ds:itemID="{CAFB82BC-1FE8-4E3D-982E-A8972DEED3DB}">
-  <ds:schemaRefs>
-    <ds:schemaRef ds:uri="http://schemas.microsoft.com/VisualStudio/2011/storyboarding/control"/>
-  </ds:schemaRefs>
-</ds:datastoreItem>
-</file>
-
-<file path=customXml/itemProps75.xml><?xml version="1.0" encoding="utf-8"?>
-<ds:datastoreItem xmlns:ds="http://schemas.openxmlformats.org/officeDocument/2006/customXml" ds:itemID="{A30CFCAD-8CF6-4C22-BFD8-A6210255863B}">
-  <ds:schemaRefs>
-    <ds:schemaRef ds:uri="http://schemas.microsoft.com/VisualStudio/2011/storyboarding/control"/>
-  </ds:schemaRefs>
-</ds:datastoreItem>
-</file>
-
-<file path=customXml/itemProps76.xml><?xml version="1.0" encoding="utf-8"?>
-<ds:datastoreItem xmlns:ds="http://schemas.openxmlformats.org/officeDocument/2006/customXml" ds:itemID="{AB1972CE-E705-4FEC-B4C4-E5DCAF29C87F}">
-  <ds:schemaRefs>
-    <ds:schemaRef ds:uri="http://schemas.microsoft.com/VisualStudio/2011/storyboarding/control"/>
-  </ds:schemaRefs>
-</ds:datastoreItem>
-</file>
-
-<file path=customXml/itemProps77.xml><?xml version="1.0" encoding="utf-8"?>
-<ds:datastoreItem xmlns:ds="http://schemas.openxmlformats.org/officeDocument/2006/customXml" ds:itemID="{C960899B-A438-4D44-8CCC-F63932F7F14B}">
-  <ds:schemaRefs>
-    <ds:schemaRef ds:uri="http://schemas.microsoft.com/VisualStudio/2011/storyboarding/control"/>
-  </ds:schemaRefs>
-</ds:datastoreItem>
-</file>
-
-<file path=customXml/itemProps78.xml><?xml version="1.0" encoding="utf-8"?>
-<ds:datastoreItem xmlns:ds="http://schemas.openxmlformats.org/officeDocument/2006/customXml" ds:itemID="{6A47F339-DDD2-46AE-848E-7166CD1E5DE1}">
-  <ds:schemaRefs>
-    <ds:schemaRef ds:uri="http://schemas.microsoft.com/VisualStudio/2011/storyboarding/control"/>
-  </ds:schemaRefs>
-</ds:datastoreItem>
-</file>
-
-<file path=customXml/itemProps79.xml><?xml version="1.0" encoding="utf-8"?>
-<ds:datastoreItem xmlns:ds="http://schemas.openxmlformats.org/officeDocument/2006/customXml" ds:itemID="{FF726662-78BA-4C06-B047-4F6EB2D4421C}">
-  <ds:schemaRefs>
-    <ds:schemaRef ds:uri="http://schemas.microsoft.com/VisualStudio/2011/storyboarding/control"/>
-  </ds:schemaRefs>
-</ds:datastoreItem>
-</file>
-
-<file path=customXml/itemProps8.xml><?xml version="1.0" encoding="utf-8"?>
-<ds:datastoreItem xmlns:ds="http://schemas.openxmlformats.org/officeDocument/2006/customXml" ds:itemID="{945085E0-0893-4EEB-8346-E4BF9E1D8BA0}">
-  <ds:schemaRefs>
-    <ds:schemaRef ds:uri="http://schemas.microsoft.com/VisualStudio/2011/storyboarding/control"/>
-  </ds:schemaRefs>
-</ds:datastoreItem>
-</file>
-
-<file path=customXml/itemProps80.xml><?xml version="1.0" encoding="utf-8"?>
-<ds:datastoreItem xmlns:ds="http://schemas.openxmlformats.org/officeDocument/2006/customXml" ds:itemID="{0667FA71-F2C0-40E6-85F6-F77875706405}">
-  <ds:schemaRefs>
-    <ds:schemaRef ds:uri="http://schemas.microsoft.com/VisualStudio/2011/storyboarding/control"/>
-  </ds:schemaRefs>
-</ds:datastoreItem>
-</file>
-
-<file path=customXml/itemProps81.xml><?xml version="1.0" encoding="utf-8"?>
-<ds:datastoreItem xmlns:ds="http://schemas.openxmlformats.org/officeDocument/2006/customXml" ds:itemID="{53959432-89CD-4F2C-B4DD-8B3C63298139}">
-  <ds:schemaRefs>
-    <ds:schemaRef ds:uri="http://schemas.microsoft.com/VisualStudio/2011/storyboarding/control"/>
-  </ds:schemaRefs>
-</ds:datastoreItem>
-</file>
-
-<file path=customXml/itemProps82.xml><?xml version="1.0" encoding="utf-8"?>
-<ds:datastoreItem xmlns:ds="http://schemas.openxmlformats.org/officeDocument/2006/customXml" ds:itemID="{230EA6E8-C2D8-480B-A0B3-6FBF45141447}">
-  <ds:schemaRefs>
-    <ds:schemaRef ds:uri="http://schemas.microsoft.com/VisualStudio/2011/storyboarding/control"/>
-  </ds:schemaRefs>
-</ds:datastoreItem>
-</file>
-
-<file path=customXml/itemProps83.xml><?xml version="1.0" encoding="utf-8"?>
-<ds:datastoreItem xmlns:ds="http://schemas.openxmlformats.org/officeDocument/2006/customXml" ds:itemID="{67571EB3-FA0F-4C8D-A867-02E1B603E11B}">
-  <ds:schemaRefs>
-    <ds:schemaRef ds:uri="http://schemas.microsoft.com/VisualStudio/2011/storyboarding/control"/>
-  </ds:schemaRefs>
-</ds:datastoreItem>
-</file>
-
-<file path=customXml/itemProps84.xml><?xml version="1.0" encoding="utf-8"?>
-<ds:datastoreItem xmlns:ds="http://schemas.openxmlformats.org/officeDocument/2006/customXml" ds:itemID="{058FE29D-25DE-4BBF-A0A6-64A4C254BAA3}">
-  <ds:schemaRefs>
-    <ds:schemaRef ds:uri="http://schemas.microsoft.com/VisualStudio/2011/storyboarding/control"/>
-  </ds:schemaRefs>
-</ds:datastoreItem>
-</file>
-
-<file path=customXml/itemProps85.xml><?xml version="1.0" encoding="utf-8"?>
-<ds:datastoreItem xmlns:ds="http://schemas.openxmlformats.org/officeDocument/2006/customXml" ds:itemID="{7CB67BFB-12C6-48F7-84F2-D80AB4738025}">
-  <ds:schemaRefs>
-    <ds:schemaRef ds:uri="http://schemas.microsoft.com/VisualStudio/2011/storyboarding/control"/>
-  </ds:schemaRefs>
-</ds:datastoreItem>
-</file>
-
-<file path=customXml/itemProps86.xml><?xml version="1.0" encoding="utf-8"?>
-<ds:datastoreItem xmlns:ds="http://schemas.openxmlformats.org/officeDocument/2006/customXml" ds:itemID="{8729458D-441F-457A-A401-624F6E58F2B3}">
-  <ds:schemaRefs>
-    <ds:schemaRef ds:uri="http://schemas.microsoft.com/VisualStudio/2011/storyboarding/control"/>
-  </ds:schemaRefs>
-</ds:datastoreItem>
-</file>
-
-<file path=customXml/itemProps87.xml><?xml version="1.0" encoding="utf-8"?>
-<ds:datastoreItem xmlns:ds="http://schemas.openxmlformats.org/officeDocument/2006/customXml" ds:itemID="{9D057857-66CE-456F-ABBE-654B4BDC09D9}">
-  <ds:schemaRefs>
-    <ds:schemaRef ds:uri="http://schemas.microsoft.com/VisualStudio/2011/storyboarding/control"/>
-  </ds:schemaRefs>
-</ds:datastoreItem>
-</file>
-
-<file path=customXml/itemProps88.xml><?xml version="1.0" encoding="utf-8"?>
-<ds:datastoreItem xmlns:ds="http://schemas.openxmlformats.org/officeDocument/2006/customXml" ds:itemID="{5157BFAC-8AEF-4DCB-83E8-49C162CA8BA7}">
-  <ds:schemaRefs>
-    <ds:schemaRef ds:uri="http://schemas.microsoft.com/VisualStudio/2011/storyboarding/control"/>
-  </ds:schemaRefs>
-</ds:datastoreItem>
-</file>
-
-<file path=customXml/itemProps89.xml><?xml version="1.0" encoding="utf-8"?>
-<ds:datastoreItem xmlns:ds="http://schemas.openxmlformats.org/officeDocument/2006/customXml" ds:itemID="{F20E0D17-C8BE-4932-838E-59A067F5C99E}">
-  <ds:schemaRefs>
-    <ds:schemaRef ds:uri="http://schemas.microsoft.com/VisualStudio/2011/storyboarding/control"/>
-  </ds:schemaRefs>
-</ds:datastoreItem>
-</file>
-
-<file path=customXml/itemProps9.xml><?xml version="1.0" encoding="utf-8"?>
-<ds:datastoreItem xmlns:ds="http://schemas.openxmlformats.org/officeDocument/2006/customXml" ds:itemID="{909CB29C-C94D-479C-9BD5-DF80DD09C1A5}">
-  <ds:schemaRefs>
-    <ds:schemaRef ds:uri="http://schemas.microsoft.com/VisualStudio/2011/storyboarding/control"/>
-  </ds:schemaRefs>
-</ds:datastoreItem>
-</file>
-
-<file path=customXml/itemProps90.xml><?xml version="1.0" encoding="utf-8"?>
-<ds:datastoreItem xmlns:ds="http://schemas.openxmlformats.org/officeDocument/2006/customXml" ds:itemID="{054ABC92-09F1-4921-A471-72F626DD07BF}">
-  <ds:schemaRefs>
-    <ds:schemaRef ds:uri="http://schemas.microsoft.com/VisualStudio/2011/storyboarding/control"/>
-  </ds:schemaRefs>
-</ds:datastoreItem>
-</file>
-
-<file path=customXml/itemProps91.xml><?xml version="1.0" encoding="utf-8"?>
-<ds:datastoreItem xmlns:ds="http://schemas.openxmlformats.org/officeDocument/2006/customXml" ds:itemID="{383E0E74-774D-4C17-B2BD-CBCF7605AE5C}">
-  <ds:schemaRefs>
-    <ds:schemaRef ds:uri="http://schemas.microsoft.com/VisualStudio/2011/storyboarding/control"/>
-  </ds:schemaRefs>
-</ds:datastoreItem>
-</file>
-
-<file path=customXml/itemProps92.xml><?xml version="1.0" encoding="utf-8"?>
-<ds:datastoreItem xmlns:ds="http://schemas.openxmlformats.org/officeDocument/2006/customXml" ds:itemID="{E6F2112B-8630-443E-B2BA-D5923B338AED}">
-  <ds:schemaRefs>
-    <ds:schemaRef ds:uri="http://schemas.microsoft.com/VisualStudio/2011/storyboarding/control"/>
-  </ds:schemaRefs>
-</ds:datastoreItem>
-</file>
-
-<file path=customXml/itemProps93.xml><?xml version="1.0" encoding="utf-8"?>
-<ds:datastoreItem xmlns:ds="http://schemas.openxmlformats.org/officeDocument/2006/customXml" ds:itemID="{FE299C07-0773-4FA0-8D1A-579A52579B43}">
-  <ds:schemaRefs>
-    <ds:schemaRef ds:uri="http://schemas.microsoft.com/VisualStudio/2011/storyboarding/control"/>
-  </ds:schemaRefs>
-</ds:datastoreItem>
-</file>
-
-<file path=customXml/itemProps94.xml><?xml version="1.0" encoding="utf-8"?>
-<ds:datastoreItem xmlns:ds="http://schemas.openxmlformats.org/officeDocument/2006/customXml" ds:itemID="{02EC123A-AC3F-4945-AD74-F72EB89F442B}">
-  <ds:schemaRefs>
-    <ds:schemaRef ds:uri="http://schemas.microsoft.com/VisualStudio/2011/storyboarding/control"/>
-  </ds:schemaRefs>
-</ds:datastoreItem>
-</file>
-
-<file path=customXml/itemProps95.xml><?xml version="1.0" encoding="utf-8"?>
-<ds:datastoreItem xmlns:ds="http://schemas.openxmlformats.org/officeDocument/2006/customXml" ds:itemID="{44D555C3-F6BD-42D7-B93D-539DD63B2114}">
-  <ds:schemaRefs>
-    <ds:schemaRef ds:uri="http://schemas.microsoft.com/VisualStudio/2011/storyboarding/control"/>
-  </ds:schemaRefs>
-</ds:datastoreItem>
-</file>
-
-<file path=customXml/itemProps96.xml><?xml version="1.0" encoding="utf-8"?>
-<ds:datastoreItem xmlns:ds="http://schemas.openxmlformats.org/officeDocument/2006/customXml" ds:itemID="{D0C1BFB0-C5C5-4C5E-BE8F-70F159DBD617}">
-  <ds:schemaRefs>
-    <ds:schemaRef ds:uri="http://schemas.microsoft.com/VisualStudio/2011/storyboarding/control"/>
-  </ds:schemaRefs>
-</ds:datastoreItem>
-</file>
-
-<file path=customXml/itemProps97.xml><?xml version="1.0" encoding="utf-8"?>
-<ds:datastoreItem xmlns:ds="http://schemas.openxmlformats.org/officeDocument/2006/customXml" ds:itemID="{834AF61E-1B2B-49A5-B39E-DB323F7D7167}">
-  <ds:schemaRefs>
-    <ds:schemaRef ds:uri="http://schemas.microsoft.com/VisualStudio/2011/storyboarding/control"/>
-  </ds:schemaRefs>
-</ds:datastoreItem>
-</file>
-
-<file path=customXml/itemProps98.xml><?xml version="1.0" encoding="utf-8"?>
-<ds:datastoreItem xmlns:ds="http://schemas.openxmlformats.org/officeDocument/2006/customXml" ds:itemID="{9B24E7B2-5FAA-43AF-9928-BC7CFE1FCAD4}">
-  <ds:schemaRefs>
-    <ds:schemaRef ds:uri="http://schemas.microsoft.com/VisualStudio/2011/storyboarding/control"/>
-  </ds:schemaRefs>
-</ds:datastoreItem>
-</file>
-
-<file path=customXml/itemProps99.xml><?xml version="1.0" encoding="utf-8"?>
-<ds:datastoreItem xmlns:ds="http://schemas.openxmlformats.org/officeDocument/2006/customXml" ds:itemID="{6B27CE9A-BB52-4955-AB41-C2771C0E3794}">
-  <ds:schemaRefs>
-    <ds:schemaRef ds:uri="http://schemas.microsoft.com/VisualStudio/2011/storyboarding/control"/>
-  </ds:schemaRefs>
-</ds:datastoreItem>
 </file>